--- a/source/MySEProject/Documentation/ML 23:24-05 Implement the visualization of permanence value_Samsil_Arefin(Individual).pptx
+++ b/source/MySEProject/Documentation/ML 23:24-05 Implement the visualization of permanence value_Samsil_Arefin(Individual).pptx
@@ -1,28 +1,28 @@
 
 <file path=ppt/presentation.xml><?xml version="1.0" encoding="utf-8"?>
-<p:presentation xmlns:a="http://schemas.openxmlformats.org/drawingml/2006/main" xmlns:r="http://schemas.openxmlformats.org/officeDocument/2006/relationships" xmlns:mc="http://schemas.openxmlformats.org/markup-compatibility/2006" xmlns:mv="urn:schemas-microsoft-com:mac:vml" xmlns:p="http://schemas.openxmlformats.org/presentationml/2006/main" xmlns:c="http://schemas.openxmlformats.org/drawingml/2006/chart" xmlns:dgm="http://schemas.openxmlformats.org/drawingml/2006/diagram" xmlns:o="urn:schemas-microsoft-com:office:office" xmlns:v="urn:schemas-microsoft-com:vml" xmlns:pvml="urn:schemas-microsoft-com:office:powerpoint" xmlns:com="http://schemas.openxmlformats.org/drawingml/2006/compatibility" xmlns:p14="http://schemas.microsoft.com/office/powerpoint/2010/main" xmlns:p15="http://schemas.microsoft.com/office/powerpoint/2012/main" xmlns:ahyp="http://schemas.microsoft.com/office/drawing/2018/hyperlinkcolor" autoCompressPictures="0" strictFirstAndLastChars="0" saveSubsetFonts="1">
+<p:presentation xmlns:a="http://schemas.openxmlformats.org/drawingml/2006/main" xmlns:r="http://schemas.openxmlformats.org/officeDocument/2006/relationships" xmlns:p="http://schemas.openxmlformats.org/presentationml/2006/main" strictFirstAndLastChars="0" saveSubsetFonts="1" autoCompressPictures="0">
   <p:sldMasterIdLst>
-    <p:sldMasterId id="2147483648" r:id="rId3"/>
+    <p:sldMasterId id="2147483648" r:id="rId1"/>
   </p:sldMasterIdLst>
   <p:notesMasterIdLst>
-    <p:notesMasterId r:id="rId4"/>
+    <p:notesMasterId r:id="rId12"/>
   </p:notesMasterIdLst>
   <p:sldIdLst>
-    <p:sldId id="256" r:id="rId5"/>
-    <p:sldId id="257" r:id="rId6"/>
-    <p:sldId id="258" r:id="rId7"/>
-    <p:sldId id="259" r:id="rId8"/>
-    <p:sldId id="260" r:id="rId9"/>
-    <p:sldId id="261" r:id="rId10"/>
-    <p:sldId id="262" r:id="rId11"/>
-    <p:sldId id="263" r:id="rId12"/>
-    <p:sldId id="264" r:id="rId13"/>
-    <p:sldId id="265" r:id="rId14"/>
+    <p:sldId id="256" r:id="rId2"/>
+    <p:sldId id="257" r:id="rId3"/>
+    <p:sldId id="258" r:id="rId4"/>
+    <p:sldId id="259" r:id="rId5"/>
+    <p:sldId id="260" r:id="rId6"/>
+    <p:sldId id="261" r:id="rId7"/>
+    <p:sldId id="262" r:id="rId8"/>
+    <p:sldId id="263" r:id="rId9"/>
+    <p:sldId id="264" r:id="rId10"/>
+    <p:sldId id="265" r:id="rId11"/>
   </p:sldIdLst>
-  <p:sldSz cy="6858000" cx="12192000"/>
+  <p:sldSz cx="12192000" cy="6858000"/>
   <p:notesSz cx="6858000" cy="9144000"/>
   <p:defaultTextStyle>
-    <a:defPPr lvl="0" marR="0" rtl="0" algn="l">
+    <a:defPPr marR="0" lvl="0" algn="l" rtl="0">
       <a:lnSpc>
         <a:spcPct val="100000"/>
       </a:lnSpc>
@@ -33,7 +33,7 @@
         <a:spcPts val="0"/>
       </a:spcAft>
     </a:defPPr>
-    <a:lvl1pPr lvl="0" marR="0" rtl="0" algn="l">
+    <a:lvl1pPr marR="0" lvl="0" algn="l" rtl="0">
       <a:lnSpc>
         <a:spcPct val="100000"/>
       </a:lnSpc>
@@ -47,7 +47,7 @@
         <a:srgbClr val="000000"/>
       </a:buClr>
       <a:buFont typeface="Arial"/>
-      <a:defRPr b="0" i="0" sz="1400" u="none" cap="none" strike="noStrike">
+      <a:defRPr sz="1400" b="0" i="0" u="none" strike="noStrike" cap="none">
         <a:solidFill>
           <a:srgbClr val="000000"/>
         </a:solidFill>
@@ -57,7 +57,7 @@
         <a:sym typeface="Arial"/>
       </a:defRPr>
     </a:lvl1pPr>
-    <a:lvl2pPr lvl="1" marR="0" rtl="0" algn="l">
+    <a:lvl2pPr marR="0" lvl="1" algn="l" rtl="0">
       <a:lnSpc>
         <a:spcPct val="100000"/>
       </a:lnSpc>
@@ -71,7 +71,7 @@
         <a:srgbClr val="000000"/>
       </a:buClr>
       <a:buFont typeface="Arial"/>
-      <a:defRPr b="0" i="0" sz="1400" u="none" cap="none" strike="noStrike">
+      <a:defRPr sz="1400" b="0" i="0" u="none" strike="noStrike" cap="none">
         <a:solidFill>
           <a:srgbClr val="000000"/>
         </a:solidFill>
@@ -81,7 +81,7 @@
         <a:sym typeface="Arial"/>
       </a:defRPr>
     </a:lvl2pPr>
-    <a:lvl3pPr lvl="2" marR="0" rtl="0" algn="l">
+    <a:lvl3pPr marR="0" lvl="2" algn="l" rtl="0">
       <a:lnSpc>
         <a:spcPct val="100000"/>
       </a:lnSpc>
@@ -95,7 +95,7 @@
         <a:srgbClr val="000000"/>
       </a:buClr>
       <a:buFont typeface="Arial"/>
-      <a:defRPr b="0" i="0" sz="1400" u="none" cap="none" strike="noStrike">
+      <a:defRPr sz="1400" b="0" i="0" u="none" strike="noStrike" cap="none">
         <a:solidFill>
           <a:srgbClr val="000000"/>
         </a:solidFill>
@@ -105,7 +105,7 @@
         <a:sym typeface="Arial"/>
       </a:defRPr>
     </a:lvl3pPr>
-    <a:lvl4pPr lvl="3" marR="0" rtl="0" algn="l">
+    <a:lvl4pPr marR="0" lvl="3" algn="l" rtl="0">
       <a:lnSpc>
         <a:spcPct val="100000"/>
       </a:lnSpc>
@@ -119,7 +119,7 @@
         <a:srgbClr val="000000"/>
       </a:buClr>
       <a:buFont typeface="Arial"/>
-      <a:defRPr b="0" i="0" sz="1400" u="none" cap="none" strike="noStrike">
+      <a:defRPr sz="1400" b="0" i="0" u="none" strike="noStrike" cap="none">
         <a:solidFill>
           <a:srgbClr val="000000"/>
         </a:solidFill>
@@ -129,7 +129,7 @@
         <a:sym typeface="Arial"/>
       </a:defRPr>
     </a:lvl4pPr>
-    <a:lvl5pPr lvl="4" marR="0" rtl="0" algn="l">
+    <a:lvl5pPr marR="0" lvl="4" algn="l" rtl="0">
       <a:lnSpc>
         <a:spcPct val="100000"/>
       </a:lnSpc>
@@ -143,7 +143,7 @@
         <a:srgbClr val="000000"/>
       </a:buClr>
       <a:buFont typeface="Arial"/>
-      <a:defRPr b="0" i="0" sz="1400" u="none" cap="none" strike="noStrike">
+      <a:defRPr sz="1400" b="0" i="0" u="none" strike="noStrike" cap="none">
         <a:solidFill>
           <a:srgbClr val="000000"/>
         </a:solidFill>
@@ -153,7 +153,7 @@
         <a:sym typeface="Arial"/>
       </a:defRPr>
     </a:lvl5pPr>
-    <a:lvl6pPr lvl="5" marR="0" rtl="0" algn="l">
+    <a:lvl6pPr marR="0" lvl="5" algn="l" rtl="0">
       <a:lnSpc>
         <a:spcPct val="100000"/>
       </a:lnSpc>
@@ -167,7 +167,7 @@
         <a:srgbClr val="000000"/>
       </a:buClr>
       <a:buFont typeface="Arial"/>
-      <a:defRPr b="0" i="0" sz="1400" u="none" cap="none" strike="noStrike">
+      <a:defRPr sz="1400" b="0" i="0" u="none" strike="noStrike" cap="none">
         <a:solidFill>
           <a:srgbClr val="000000"/>
         </a:solidFill>
@@ -177,7 +177,7 @@
         <a:sym typeface="Arial"/>
       </a:defRPr>
     </a:lvl6pPr>
-    <a:lvl7pPr lvl="6" marR="0" rtl="0" algn="l">
+    <a:lvl7pPr marR="0" lvl="6" algn="l" rtl="0">
       <a:lnSpc>
         <a:spcPct val="100000"/>
       </a:lnSpc>
@@ -191,7 +191,7 @@
         <a:srgbClr val="000000"/>
       </a:buClr>
       <a:buFont typeface="Arial"/>
-      <a:defRPr b="0" i="0" sz="1400" u="none" cap="none" strike="noStrike">
+      <a:defRPr sz="1400" b="0" i="0" u="none" strike="noStrike" cap="none">
         <a:solidFill>
           <a:srgbClr val="000000"/>
         </a:solidFill>
@@ -201,7 +201,7 @@
         <a:sym typeface="Arial"/>
       </a:defRPr>
     </a:lvl7pPr>
-    <a:lvl8pPr lvl="7" marR="0" rtl="0" algn="l">
+    <a:lvl8pPr marR="0" lvl="7" algn="l" rtl="0">
       <a:lnSpc>
         <a:spcPct val="100000"/>
       </a:lnSpc>
@@ -215,7 +215,7 @@
         <a:srgbClr val="000000"/>
       </a:buClr>
       <a:buFont typeface="Arial"/>
-      <a:defRPr b="0" i="0" sz="1400" u="none" cap="none" strike="noStrike">
+      <a:defRPr sz="1400" b="0" i="0" u="none" strike="noStrike" cap="none">
         <a:solidFill>
           <a:srgbClr val="000000"/>
         </a:solidFill>
@@ -225,7 +225,7 @@
         <a:sym typeface="Arial"/>
       </a:defRPr>
     </a:lvl8pPr>
-    <a:lvl9pPr lvl="8" marR="0" rtl="0" algn="l">
+    <a:lvl9pPr marR="0" lvl="8" algn="l" rtl="0">
       <a:lnSpc>
         <a:spcPct val="100000"/>
       </a:lnSpc>
@@ -239,7 +239,7 @@
         <a:srgbClr val="000000"/>
       </a:buClr>
       <a:buFont typeface="Arial"/>
-      <a:defRPr b="0" i="0" sz="1400" u="none" cap="none" strike="noStrike">
+      <a:defRPr sz="1400" b="0" i="0" u="none" strike="noStrike" cap="none">
         <a:solidFill>
           <a:srgbClr val="000000"/>
         </a:solidFill>
@@ -251,19 +251,27 @@
     </a:lvl9pPr>
   </p:defaultTextStyle>
   <p:extLst>
+    <p:ext uri="{EFAFB233-063F-42B5-8137-9DF3F51BA10A}">
+      <p15:sldGuideLst xmlns:p15="http://schemas.microsoft.com/office/powerpoint/2012/main"/>
+    </p:ext>
     <p:ext uri="GoogleSlidesCustomDataVersion2">
-      <go:slidesCustomData xmlns:go="http://customooxmlschemas.google.com/" r:id="rId15" roundtripDataSignature="AMtx7mh+MzzcXhr+FnAzQxzeeh3R9o9kEw=="/>
+      <go:slidesCustomData xmlns:go="http://customooxmlschemas.google.com/" xmlns:ahyp="http://schemas.microsoft.com/office/drawing/2018/hyperlinkcolor" xmlns:p15="http://schemas.microsoft.com/office/powerpoint/2012/main" xmlns:p14="http://schemas.microsoft.com/office/powerpoint/2010/main" xmlns:com="http://schemas.openxmlformats.org/drawingml/2006/compatibility" xmlns:pvml="urn:schemas-microsoft-com:office:powerpoint" xmlns:v="urn:schemas-microsoft-com:vml" xmlns:o="urn:schemas-microsoft-com:office:office" xmlns:dgm="http://schemas.openxmlformats.org/drawingml/2006/diagram" xmlns:c="http://schemas.openxmlformats.org/drawingml/2006/chart" xmlns:mv="urn:schemas-microsoft-com:mac:vml" xmlns:mc="http://schemas.openxmlformats.org/markup-compatibility/2006" xmlns="" r:id="rId15" roundtripDataSignature="AMtx7mh+MzzcXhr+FnAzQxzeeh3R9o9kEw=="/>
     </p:ext>
   </p:extLst>
 </p:presentation>
 </file>
 
 <file path=ppt/notesMasters/notesMaster1.xml><?xml version="1.0" encoding="utf-8"?>
-<p:notesMaster xmlns:a="http://schemas.openxmlformats.org/drawingml/2006/main" xmlns:r="http://schemas.openxmlformats.org/officeDocument/2006/relationships" xmlns:mc="http://schemas.openxmlformats.org/markup-compatibility/2006" xmlns:mv="urn:schemas-microsoft-com:mac:vml" xmlns:p="http://schemas.openxmlformats.org/presentationml/2006/main" xmlns:c="http://schemas.openxmlformats.org/drawingml/2006/chart" xmlns:dgm="http://schemas.openxmlformats.org/drawingml/2006/diagram" xmlns:o="urn:schemas-microsoft-com:office:office" xmlns:v="urn:schemas-microsoft-com:vml" xmlns:pvml="urn:schemas-microsoft-com:office:powerpoint" xmlns:com="http://schemas.openxmlformats.org/drawingml/2006/compatibility" xmlns:p14="http://schemas.microsoft.com/office/powerpoint/2010/main" xmlns:p15="http://schemas.microsoft.com/office/powerpoint/2012/main" xmlns:ahyp="http://schemas.microsoft.com/office/drawing/2018/hyperlinkcolor">
+<p:notesMaster xmlns:a="http://schemas.openxmlformats.org/drawingml/2006/main" xmlns:r="http://schemas.openxmlformats.org/officeDocument/2006/relationships" xmlns:p="http://schemas.openxmlformats.org/presentationml/2006/main">
   <p:cSld>
+    <p:bg>
+      <p:bgRef idx="1001">
+        <a:schemeClr val="bg1"/>
+      </p:bgRef>
+    </p:bg>
     <p:spTree>
       <p:nvGrpSpPr>
-        <p:cNvPr id="2" name="Shape 2"/>
+        <p:cNvPr id="1" name="Shape 2"/>
         <p:cNvGrpSpPr/>
         <p:nvPr/>
       </p:nvGrpSpPr>
@@ -278,9 +286,11 @@
       <p:sp>
         <p:nvSpPr>
           <p:cNvPr id="3" name="Google Shape;3;n"/>
-          <p:cNvSpPr/>
+          <p:cNvSpPr>
+            <a:spLocks noGrp="1" noRot="1" noChangeAspect="1"/>
+          </p:cNvSpPr>
           <p:nvPr>
-            <p:ph idx="2" type="sldImg"/>
+            <p:ph type="sldImg" idx="2"/>
           </p:nvPr>
         </p:nvSpPr>
         <p:spPr>
@@ -289,9 +299,13 @@
             <a:ext cx="4572225" cy="3429000"/>
           </a:xfrm>
           <a:custGeom>
-            <a:rect b="b" l="l" r="r" t="t"/>
+            <a:avLst/>
+            <a:gdLst/>
+            <a:ahLst/>
+            <a:cxnLst/>
+            <a:rect l="l" t="t" r="r" b="b"/>
             <a:pathLst>
-              <a:path extrusionOk="0" h="120000" w="120000">
+              <a:path w="120000" h="120000" extrusionOk="0">
                 <a:moveTo>
                   <a:pt x="0" y="0"/>
                 </a:moveTo>
@@ -309,23 +323,25 @@
             </a:pathLst>
           </a:custGeom>
           <a:noFill/>
-          <a:ln cap="flat" cmpd="sng" w="9525">
+          <a:ln w="9525" cap="flat" cmpd="sng">
             <a:solidFill>
               <a:srgbClr val="000000"/>
             </a:solidFill>
             <a:prstDash val="solid"/>
             <a:round/>
-            <a:headEnd len="sm" w="sm" type="none"/>
-            <a:tailEnd len="sm" w="sm" type="none"/>
+            <a:headEnd type="none" w="sm" len="sm"/>
+            <a:tailEnd type="none" w="sm" len="sm"/>
           </a:ln>
         </p:spPr>
       </p:sp>
       <p:sp>
         <p:nvSpPr>
           <p:cNvPr id="4" name="Google Shape;4;n"/>
-          <p:cNvSpPr txBox="1"/>
+          <p:cNvSpPr txBox="1">
+            <a:spLocks noGrp="1"/>
+          </p:cNvSpPr>
           <p:nvPr>
-            <p:ph idx="1" type="body"/>
+            <p:ph type="body" idx="1"/>
           </p:nvPr>
         </p:nvSpPr>
         <p:spPr>
@@ -342,11 +358,11 @@
           </a:ln>
         </p:spPr>
         <p:txBody>
-          <a:bodyPr anchorCtr="0" anchor="t" bIns="91425" lIns="91425" spcFirstLastPara="1" rIns="91425" wrap="square" tIns="91425">
+          <a:bodyPr spcFirstLastPara="1" wrap="square" lIns="91425" tIns="91425" rIns="91425" bIns="91425" anchor="t" anchorCtr="0">
             <a:noAutofit/>
           </a:bodyPr>
           <a:lstStyle>
-            <a:lvl1pPr indent="-298450" lvl="0" marL="457200">
+            <a:lvl1pPr marL="457200" lvl="0" indent="-298450">
               <a:spcBef>
                 <a:spcPts val="0"/>
               </a:spcBef>
@@ -357,7 +373,7 @@
               <a:buChar char="●"/>
               <a:defRPr sz="1100"/>
             </a:lvl1pPr>
-            <a:lvl2pPr indent="-298450" lvl="1" marL="914400">
+            <a:lvl2pPr marL="914400" lvl="1" indent="-298450">
               <a:spcBef>
                 <a:spcPts val="0"/>
               </a:spcBef>
@@ -368,7 +384,7 @@
               <a:buChar char="○"/>
               <a:defRPr sz="1100"/>
             </a:lvl2pPr>
-            <a:lvl3pPr indent="-298450" lvl="2" marL="1371600">
+            <a:lvl3pPr marL="1371600" lvl="2" indent="-298450">
               <a:spcBef>
                 <a:spcPts val="0"/>
               </a:spcBef>
@@ -379,7 +395,7 @@
               <a:buChar char="■"/>
               <a:defRPr sz="1100"/>
             </a:lvl3pPr>
-            <a:lvl4pPr indent="-298450" lvl="3" marL="1828800">
+            <a:lvl4pPr marL="1828800" lvl="3" indent="-298450">
               <a:spcBef>
                 <a:spcPts val="0"/>
               </a:spcBef>
@@ -390,7 +406,7 @@
               <a:buChar char="●"/>
               <a:defRPr sz="1100"/>
             </a:lvl4pPr>
-            <a:lvl5pPr indent="-298450" lvl="4" marL="2286000">
+            <a:lvl5pPr marL="2286000" lvl="4" indent="-298450">
               <a:spcBef>
                 <a:spcPts val="0"/>
               </a:spcBef>
@@ -401,7 +417,7 @@
               <a:buChar char="○"/>
               <a:defRPr sz="1100"/>
             </a:lvl5pPr>
-            <a:lvl6pPr indent="-298450" lvl="5" marL="2743200">
+            <a:lvl6pPr marL="2743200" lvl="5" indent="-298450">
               <a:spcBef>
                 <a:spcPts val="0"/>
               </a:spcBef>
@@ -412,7 +428,7 @@
               <a:buChar char="■"/>
               <a:defRPr sz="1100"/>
             </a:lvl6pPr>
-            <a:lvl7pPr indent="-298450" lvl="6" marL="3200400">
+            <a:lvl7pPr marL="3200400" lvl="6" indent="-298450">
               <a:spcBef>
                 <a:spcPts val="0"/>
               </a:spcBef>
@@ -423,7 +439,7 @@
               <a:buChar char="●"/>
               <a:defRPr sz="1100"/>
             </a:lvl7pPr>
-            <a:lvl8pPr indent="-298450" lvl="7" marL="3657600">
+            <a:lvl8pPr marL="3657600" lvl="7" indent="-298450">
               <a:spcBef>
                 <a:spcPts val="0"/>
               </a:spcBef>
@@ -434,7 +450,7 @@
               <a:buChar char="○"/>
               <a:defRPr sz="1100"/>
             </a:lvl8pPr>
-            <a:lvl9pPr indent="-298450" lvl="8" marL="4114800">
+            <a:lvl9pPr marL="4114800" lvl="8" indent="-298450">
               <a:spcBef>
                 <a:spcPts val="0"/>
               </a:spcBef>
@@ -446,14 +462,16 @@
               <a:defRPr sz="1100"/>
             </a:lvl9pPr>
           </a:lstStyle>
-          <a:p/>
+          <a:p>
+            <a:endParaRPr/>
+          </a:p>
         </p:txBody>
       </p:sp>
     </p:spTree>
   </p:cSld>
-  <p:clrMap accent1="accent1" accent2="accent2" accent3="accent3" accent4="accent4" accent5="accent5" accent6="accent6" bg1="lt1" bg2="dk2" tx1="dk1" tx2="lt2" folHlink="folHlink" hlink="hlink"/>
+  <p:clrMap bg1="lt1" tx1="dk1" bg2="dk2" tx2="lt2" accent1="accent1" accent2="accent2" accent3="accent3" accent4="accent4" accent5="accent5" accent6="accent6" hlink="hlink" folHlink="folHlink"/>
   <p:notesStyle>
-    <a:defPPr lvl="0" marR="0" rtl="0" algn="l">
+    <a:defPPr marR="0" lvl="0" algn="l" rtl="0">
       <a:lnSpc>
         <a:spcPct val="100000"/>
       </a:lnSpc>
@@ -464,7 +482,7 @@
         <a:spcPts val="0"/>
       </a:spcAft>
     </a:defPPr>
-    <a:lvl1pPr lvl="0" marR="0" rtl="0" algn="l">
+    <a:lvl1pPr marR="0" lvl="0" algn="l" rtl="0">
       <a:lnSpc>
         <a:spcPct val="100000"/>
       </a:lnSpc>
@@ -478,7 +496,7 @@
         <a:srgbClr val="000000"/>
       </a:buClr>
       <a:buFont typeface="Arial"/>
-      <a:defRPr b="0" i="0" sz="1400" u="none" cap="none" strike="noStrike">
+      <a:defRPr sz="1400" b="0" i="0" u="none" strike="noStrike" cap="none">
         <a:solidFill>
           <a:srgbClr val="000000"/>
         </a:solidFill>
@@ -488,7 +506,7 @@
         <a:sym typeface="Arial"/>
       </a:defRPr>
     </a:lvl1pPr>
-    <a:lvl2pPr lvl="1" marR="0" rtl="0" algn="l">
+    <a:lvl2pPr marR="0" lvl="1" algn="l" rtl="0">
       <a:lnSpc>
         <a:spcPct val="100000"/>
       </a:lnSpc>
@@ -502,7 +520,7 @@
         <a:srgbClr val="000000"/>
       </a:buClr>
       <a:buFont typeface="Arial"/>
-      <a:defRPr b="0" i="0" sz="1400" u="none" cap="none" strike="noStrike">
+      <a:defRPr sz="1400" b="0" i="0" u="none" strike="noStrike" cap="none">
         <a:solidFill>
           <a:srgbClr val="000000"/>
         </a:solidFill>
@@ -512,7 +530,7 @@
         <a:sym typeface="Arial"/>
       </a:defRPr>
     </a:lvl2pPr>
-    <a:lvl3pPr lvl="2" marR="0" rtl="0" algn="l">
+    <a:lvl3pPr marR="0" lvl="2" algn="l" rtl="0">
       <a:lnSpc>
         <a:spcPct val="100000"/>
       </a:lnSpc>
@@ -526,7 +544,7 @@
         <a:srgbClr val="000000"/>
       </a:buClr>
       <a:buFont typeface="Arial"/>
-      <a:defRPr b="0" i="0" sz="1400" u="none" cap="none" strike="noStrike">
+      <a:defRPr sz="1400" b="0" i="0" u="none" strike="noStrike" cap="none">
         <a:solidFill>
           <a:srgbClr val="000000"/>
         </a:solidFill>
@@ -536,7 +554,7 @@
         <a:sym typeface="Arial"/>
       </a:defRPr>
     </a:lvl3pPr>
-    <a:lvl4pPr lvl="3" marR="0" rtl="0" algn="l">
+    <a:lvl4pPr marR="0" lvl="3" algn="l" rtl="0">
       <a:lnSpc>
         <a:spcPct val="100000"/>
       </a:lnSpc>
@@ -550,7 +568,7 @@
         <a:srgbClr val="000000"/>
       </a:buClr>
       <a:buFont typeface="Arial"/>
-      <a:defRPr b="0" i="0" sz="1400" u="none" cap="none" strike="noStrike">
+      <a:defRPr sz="1400" b="0" i="0" u="none" strike="noStrike" cap="none">
         <a:solidFill>
           <a:srgbClr val="000000"/>
         </a:solidFill>
@@ -560,7 +578,7 @@
         <a:sym typeface="Arial"/>
       </a:defRPr>
     </a:lvl4pPr>
-    <a:lvl5pPr lvl="4" marR="0" rtl="0" algn="l">
+    <a:lvl5pPr marR="0" lvl="4" algn="l" rtl="0">
       <a:lnSpc>
         <a:spcPct val="100000"/>
       </a:lnSpc>
@@ -574,7 +592,7 @@
         <a:srgbClr val="000000"/>
       </a:buClr>
       <a:buFont typeface="Arial"/>
-      <a:defRPr b="0" i="0" sz="1400" u="none" cap="none" strike="noStrike">
+      <a:defRPr sz="1400" b="0" i="0" u="none" strike="noStrike" cap="none">
         <a:solidFill>
           <a:srgbClr val="000000"/>
         </a:solidFill>
@@ -584,7 +602,7 @@
         <a:sym typeface="Arial"/>
       </a:defRPr>
     </a:lvl5pPr>
-    <a:lvl6pPr lvl="5" marR="0" rtl="0" algn="l">
+    <a:lvl6pPr marR="0" lvl="5" algn="l" rtl="0">
       <a:lnSpc>
         <a:spcPct val="100000"/>
       </a:lnSpc>
@@ -598,7 +616,7 @@
         <a:srgbClr val="000000"/>
       </a:buClr>
       <a:buFont typeface="Arial"/>
-      <a:defRPr b="0" i="0" sz="1400" u="none" cap="none" strike="noStrike">
+      <a:defRPr sz="1400" b="0" i="0" u="none" strike="noStrike" cap="none">
         <a:solidFill>
           <a:srgbClr val="000000"/>
         </a:solidFill>
@@ -608,7 +626,7 @@
         <a:sym typeface="Arial"/>
       </a:defRPr>
     </a:lvl6pPr>
-    <a:lvl7pPr lvl="6" marR="0" rtl="0" algn="l">
+    <a:lvl7pPr marR="0" lvl="6" algn="l" rtl="0">
       <a:lnSpc>
         <a:spcPct val="100000"/>
       </a:lnSpc>
@@ -622,7 +640,7 @@
         <a:srgbClr val="000000"/>
       </a:buClr>
       <a:buFont typeface="Arial"/>
-      <a:defRPr b="0" i="0" sz="1400" u="none" cap="none" strike="noStrike">
+      <a:defRPr sz="1400" b="0" i="0" u="none" strike="noStrike" cap="none">
         <a:solidFill>
           <a:srgbClr val="000000"/>
         </a:solidFill>
@@ -632,7 +650,7 @@
         <a:sym typeface="Arial"/>
       </a:defRPr>
     </a:lvl7pPr>
-    <a:lvl8pPr lvl="7" marR="0" rtl="0" algn="l">
+    <a:lvl8pPr marR="0" lvl="7" algn="l" rtl="0">
       <a:lnSpc>
         <a:spcPct val="100000"/>
       </a:lnSpc>
@@ -646,7 +664,7 @@
         <a:srgbClr val="000000"/>
       </a:buClr>
       <a:buFont typeface="Arial"/>
-      <a:defRPr b="0" i="0" sz="1400" u="none" cap="none" strike="noStrike">
+      <a:defRPr sz="1400" b="0" i="0" u="none" strike="noStrike" cap="none">
         <a:solidFill>
           <a:srgbClr val="000000"/>
         </a:solidFill>
@@ -656,7 +674,7 @@
         <a:sym typeface="Arial"/>
       </a:defRPr>
     </a:lvl8pPr>
-    <a:lvl9pPr lvl="8" marR="0" rtl="0" algn="l">
+    <a:lvl9pPr marR="0" lvl="8" algn="l" rtl="0">
       <a:lnSpc>
         <a:spcPct val="100000"/>
       </a:lnSpc>
@@ -670,7 +688,7 @@
         <a:srgbClr val="000000"/>
       </a:buClr>
       <a:buFont typeface="Arial"/>
-      <a:defRPr b="0" i="0" sz="1400" u="none" cap="none" strike="noStrike">
+      <a:defRPr sz="1400" b="0" i="0" u="none" strike="noStrike" cap="none">
         <a:solidFill>
           <a:srgbClr val="000000"/>
         </a:solidFill>
@@ -685,11 +703,11 @@
 </file>
 
 <file path=ppt/notesSlides/notesSlide1.xml><?xml version="1.0" encoding="utf-8"?>
-<p:notes xmlns:a="http://schemas.openxmlformats.org/drawingml/2006/main" xmlns:r="http://schemas.openxmlformats.org/officeDocument/2006/relationships" xmlns:mc="http://schemas.openxmlformats.org/markup-compatibility/2006" xmlns:mv="urn:schemas-microsoft-com:mac:vml" xmlns:p="http://schemas.openxmlformats.org/presentationml/2006/main" xmlns:c="http://schemas.openxmlformats.org/drawingml/2006/chart" xmlns:dgm="http://schemas.openxmlformats.org/drawingml/2006/diagram" xmlns:o="urn:schemas-microsoft-com:office:office" xmlns:v="urn:schemas-microsoft-com:vml" xmlns:pvml="urn:schemas-microsoft-com:office:powerpoint" xmlns:com="http://schemas.openxmlformats.org/drawingml/2006/compatibility" xmlns:p14="http://schemas.microsoft.com/office/powerpoint/2010/main" xmlns:p15="http://schemas.microsoft.com/office/powerpoint/2012/main" xmlns:ahyp="http://schemas.microsoft.com/office/drawing/2018/hyperlinkcolor" showMasterPhAnim="0" showMasterSp="0">
+<p:notes xmlns:a="http://schemas.openxmlformats.org/drawingml/2006/main" xmlns:r="http://schemas.openxmlformats.org/officeDocument/2006/relationships" xmlns:p="http://schemas.openxmlformats.org/presentationml/2006/main" showMasterSp="0" showMasterPhAnim="0">
   <p:cSld>
     <p:spTree>
       <p:nvGrpSpPr>
-        <p:cNvPr id="97" name="Shape 97"/>
+        <p:cNvPr id="1" name="Shape 97"/>
         <p:cNvGrpSpPr/>
         <p:nvPr/>
       </p:nvGrpSpPr>
@@ -704,9 +722,11 @@
       <p:sp>
         <p:nvSpPr>
           <p:cNvPr id="98" name="Google Shape;98;p1:notes"/>
-          <p:cNvSpPr txBox="1"/>
+          <p:cNvSpPr txBox="1">
+            <a:spLocks noGrp="1"/>
+          </p:cNvSpPr>
           <p:nvPr>
-            <p:ph idx="1" type="body"/>
+            <p:ph type="body" idx="1"/>
           </p:nvPr>
         </p:nvSpPr>
         <p:spPr>
@@ -719,12 +739,12 @@
           </a:prstGeom>
         </p:spPr>
         <p:txBody>
-          <a:bodyPr anchorCtr="0" anchor="t" bIns="91425" lIns="91425" spcFirstLastPara="1" rIns="91425" wrap="square" tIns="91425">
+          <a:bodyPr spcFirstLastPara="1" wrap="square" lIns="91425" tIns="91425" rIns="91425" bIns="91425" anchor="t" anchorCtr="0">
             <a:noAutofit/>
           </a:bodyPr>
           <a:lstStyle/>
           <a:p>
-            <a:pPr indent="0" lvl="0" marL="0" rtl="0" algn="l">
+            <a:pPr marL="0" lvl="0" indent="0" algn="l" rtl="0">
               <a:spcBef>
                 <a:spcPts val="0"/>
               </a:spcBef>
@@ -733,9 +753,6 @@
               </a:spcAft>
               <a:buNone/>
             </a:pPr>
-            <a:r>
-              <a:t/>
-            </a:r>
             <a:endParaRPr/>
           </a:p>
         </p:txBody>
@@ -743,20 +760,26 @@
       <p:sp>
         <p:nvSpPr>
           <p:cNvPr id="99" name="Google Shape;99;p1:notes"/>
-          <p:cNvSpPr/>
+          <p:cNvSpPr>
+            <a:spLocks noGrp="1" noRot="1" noChangeAspect="1"/>
+          </p:cNvSpPr>
           <p:nvPr>
-            <p:ph idx="2" type="sldImg"/>
+            <p:ph type="sldImg" idx="2"/>
           </p:nvPr>
         </p:nvSpPr>
         <p:spPr>
           <a:xfrm>
-            <a:off x="1143225" y="685800"/>
-            <a:ext cx="4572225" cy="3429000"/>
+            <a:off x="381000" y="685800"/>
+            <a:ext cx="6096000" cy="3429000"/>
           </a:xfrm>
           <a:custGeom>
-            <a:rect b="b" l="l" r="r" t="t"/>
+            <a:avLst/>
+            <a:gdLst/>
+            <a:ahLst/>
+            <a:cxnLst/>
+            <a:rect l="l" t="t" r="r" b="b"/>
             <a:pathLst>
-              <a:path extrusionOk="0" h="120000" w="120000">
+              <a:path w="120000" h="120000" extrusionOk="0">
                 <a:moveTo>
                   <a:pt x="0" y="0"/>
                 </a:moveTo>
@@ -784,11 +807,11 @@
 </file>
 
 <file path=ppt/notesSlides/notesSlide10.xml><?xml version="1.0" encoding="utf-8"?>
-<p:notes xmlns:a="http://schemas.openxmlformats.org/drawingml/2006/main" xmlns:r="http://schemas.openxmlformats.org/officeDocument/2006/relationships" xmlns:mc="http://schemas.openxmlformats.org/markup-compatibility/2006" xmlns:mv="urn:schemas-microsoft-com:mac:vml" xmlns:p="http://schemas.openxmlformats.org/presentationml/2006/main" xmlns:c="http://schemas.openxmlformats.org/drawingml/2006/chart" xmlns:dgm="http://schemas.openxmlformats.org/drawingml/2006/diagram" xmlns:o="urn:schemas-microsoft-com:office:office" xmlns:v="urn:schemas-microsoft-com:vml" xmlns:pvml="urn:schemas-microsoft-com:office:powerpoint" xmlns:com="http://schemas.openxmlformats.org/drawingml/2006/compatibility" xmlns:p14="http://schemas.microsoft.com/office/powerpoint/2010/main" xmlns:p15="http://schemas.microsoft.com/office/powerpoint/2012/main" xmlns:ahyp="http://schemas.microsoft.com/office/drawing/2018/hyperlinkcolor" showMasterPhAnim="0" showMasterSp="0">
+<p:notes xmlns:a="http://schemas.openxmlformats.org/drawingml/2006/main" xmlns:r="http://schemas.openxmlformats.org/officeDocument/2006/relationships" xmlns:p="http://schemas.openxmlformats.org/presentationml/2006/main" showMasterSp="0" showMasterPhAnim="0">
   <p:cSld>
     <p:spTree>
       <p:nvGrpSpPr>
-        <p:cNvPr id="161" name="Shape 161"/>
+        <p:cNvPr id="1" name="Shape 161"/>
         <p:cNvGrpSpPr/>
         <p:nvPr/>
       </p:nvGrpSpPr>
@@ -803,9 +826,11 @@
       <p:sp>
         <p:nvSpPr>
           <p:cNvPr id="162" name="Google Shape;162;p16:notes"/>
-          <p:cNvSpPr txBox="1"/>
+          <p:cNvSpPr txBox="1">
+            <a:spLocks noGrp="1"/>
+          </p:cNvSpPr>
           <p:nvPr>
-            <p:ph idx="1" type="body"/>
+            <p:ph type="body" idx="1"/>
           </p:nvPr>
         </p:nvSpPr>
         <p:spPr>
@@ -818,12 +843,12 @@
           </a:prstGeom>
         </p:spPr>
         <p:txBody>
-          <a:bodyPr anchorCtr="0" anchor="t" bIns="91425" lIns="91425" spcFirstLastPara="1" rIns="91425" wrap="square" tIns="91425">
+          <a:bodyPr spcFirstLastPara="1" wrap="square" lIns="91425" tIns="91425" rIns="91425" bIns="91425" anchor="t" anchorCtr="0">
             <a:noAutofit/>
           </a:bodyPr>
           <a:lstStyle/>
           <a:p>
-            <a:pPr indent="0" lvl="0" marL="0" rtl="0" algn="l">
+            <a:pPr marL="0" lvl="0" indent="0" algn="l" rtl="0">
               <a:spcBef>
                 <a:spcPts val="0"/>
               </a:spcBef>
@@ -832,9 +857,6 @@
               </a:spcAft>
               <a:buNone/>
             </a:pPr>
-            <a:r>
-              <a:t/>
-            </a:r>
             <a:endParaRPr/>
           </a:p>
         </p:txBody>
@@ -842,20 +864,26 @@
       <p:sp>
         <p:nvSpPr>
           <p:cNvPr id="163" name="Google Shape;163;p16:notes"/>
-          <p:cNvSpPr/>
+          <p:cNvSpPr>
+            <a:spLocks noGrp="1" noRot="1" noChangeAspect="1"/>
+          </p:cNvSpPr>
           <p:nvPr>
-            <p:ph idx="2" type="sldImg"/>
+            <p:ph type="sldImg" idx="2"/>
           </p:nvPr>
         </p:nvSpPr>
         <p:spPr>
           <a:xfrm>
-            <a:off x="1143225" y="685800"/>
-            <a:ext cx="4572225" cy="3429000"/>
+            <a:off x="381000" y="685800"/>
+            <a:ext cx="6096000" cy="3429000"/>
           </a:xfrm>
           <a:custGeom>
-            <a:rect b="b" l="l" r="r" t="t"/>
+            <a:avLst/>
+            <a:gdLst/>
+            <a:ahLst/>
+            <a:cxnLst/>
+            <a:rect l="l" t="t" r="r" b="b"/>
             <a:pathLst>
-              <a:path extrusionOk="0" h="120000" w="120000">
+              <a:path w="120000" h="120000" extrusionOk="0">
                 <a:moveTo>
                   <a:pt x="0" y="0"/>
                 </a:moveTo>
@@ -883,11 +911,11 @@
 </file>
 
 <file path=ppt/notesSlides/notesSlide2.xml><?xml version="1.0" encoding="utf-8"?>
-<p:notes xmlns:a="http://schemas.openxmlformats.org/drawingml/2006/main" xmlns:r="http://schemas.openxmlformats.org/officeDocument/2006/relationships" xmlns:mc="http://schemas.openxmlformats.org/markup-compatibility/2006" xmlns:mv="urn:schemas-microsoft-com:mac:vml" xmlns:p="http://schemas.openxmlformats.org/presentationml/2006/main" xmlns:c="http://schemas.openxmlformats.org/drawingml/2006/chart" xmlns:dgm="http://schemas.openxmlformats.org/drawingml/2006/diagram" xmlns:o="urn:schemas-microsoft-com:office:office" xmlns:v="urn:schemas-microsoft-com:vml" xmlns:pvml="urn:schemas-microsoft-com:office:powerpoint" xmlns:com="http://schemas.openxmlformats.org/drawingml/2006/compatibility" xmlns:p14="http://schemas.microsoft.com/office/powerpoint/2010/main" xmlns:p15="http://schemas.microsoft.com/office/powerpoint/2012/main" xmlns:ahyp="http://schemas.microsoft.com/office/drawing/2018/hyperlinkcolor" showMasterPhAnim="0" showMasterSp="0">
+<p:notes xmlns:a="http://schemas.openxmlformats.org/drawingml/2006/main" xmlns:r="http://schemas.openxmlformats.org/officeDocument/2006/relationships" xmlns:p="http://schemas.openxmlformats.org/presentationml/2006/main" showMasterSp="0" showMasterPhAnim="0">
   <p:cSld>
     <p:spTree>
       <p:nvGrpSpPr>
-        <p:cNvPr id="104" name="Shape 104"/>
+        <p:cNvPr id="1" name="Shape 104"/>
         <p:cNvGrpSpPr/>
         <p:nvPr/>
       </p:nvGrpSpPr>
@@ -902,9 +930,11 @@
       <p:sp>
         <p:nvSpPr>
           <p:cNvPr id="105" name="Google Shape;105;p2:notes"/>
-          <p:cNvSpPr txBox="1"/>
+          <p:cNvSpPr txBox="1">
+            <a:spLocks noGrp="1"/>
+          </p:cNvSpPr>
           <p:nvPr>
-            <p:ph idx="1" type="body"/>
+            <p:ph type="body" idx="1"/>
           </p:nvPr>
         </p:nvSpPr>
         <p:spPr>
@@ -917,12 +947,12 @@
           </a:prstGeom>
         </p:spPr>
         <p:txBody>
-          <a:bodyPr anchorCtr="0" anchor="t" bIns="91425" lIns="91425" spcFirstLastPara="1" rIns="91425" wrap="square" tIns="91425">
+          <a:bodyPr spcFirstLastPara="1" wrap="square" lIns="91425" tIns="91425" rIns="91425" bIns="91425" anchor="t" anchorCtr="0">
             <a:noAutofit/>
           </a:bodyPr>
           <a:lstStyle/>
           <a:p>
-            <a:pPr indent="0" lvl="0" marL="0" rtl="0" algn="l">
+            <a:pPr marL="0" lvl="0" indent="0" algn="l" rtl="0">
               <a:spcBef>
                 <a:spcPts val="0"/>
               </a:spcBef>
@@ -931,9 +961,6 @@
               </a:spcAft>
               <a:buNone/>
             </a:pPr>
-            <a:r>
-              <a:t/>
-            </a:r>
             <a:endParaRPr/>
           </a:p>
         </p:txBody>
@@ -941,20 +968,26 @@
       <p:sp>
         <p:nvSpPr>
           <p:cNvPr id="106" name="Google Shape;106;p2:notes"/>
-          <p:cNvSpPr/>
+          <p:cNvSpPr>
+            <a:spLocks noGrp="1" noRot="1" noChangeAspect="1"/>
+          </p:cNvSpPr>
           <p:nvPr>
-            <p:ph idx="2" type="sldImg"/>
+            <p:ph type="sldImg" idx="2"/>
           </p:nvPr>
         </p:nvSpPr>
         <p:spPr>
           <a:xfrm>
-            <a:off x="1143225" y="685800"/>
-            <a:ext cx="4572225" cy="3429000"/>
+            <a:off x="381000" y="685800"/>
+            <a:ext cx="6096000" cy="3429000"/>
           </a:xfrm>
           <a:custGeom>
-            <a:rect b="b" l="l" r="r" t="t"/>
+            <a:avLst/>
+            <a:gdLst/>
+            <a:ahLst/>
+            <a:cxnLst/>
+            <a:rect l="l" t="t" r="r" b="b"/>
             <a:pathLst>
-              <a:path extrusionOk="0" h="120000" w="120000">
+              <a:path w="120000" h="120000" extrusionOk="0">
                 <a:moveTo>
                   <a:pt x="0" y="0"/>
                 </a:moveTo>
@@ -982,11 +1015,11 @@
 </file>
 
 <file path=ppt/notesSlides/notesSlide3.xml><?xml version="1.0" encoding="utf-8"?>
-<p:notes xmlns:a="http://schemas.openxmlformats.org/drawingml/2006/main" xmlns:r="http://schemas.openxmlformats.org/officeDocument/2006/relationships" xmlns:mc="http://schemas.openxmlformats.org/markup-compatibility/2006" xmlns:mv="urn:schemas-microsoft-com:mac:vml" xmlns:p="http://schemas.openxmlformats.org/presentationml/2006/main" xmlns:c="http://schemas.openxmlformats.org/drawingml/2006/chart" xmlns:dgm="http://schemas.openxmlformats.org/drawingml/2006/diagram" xmlns:o="urn:schemas-microsoft-com:office:office" xmlns:v="urn:schemas-microsoft-com:vml" xmlns:pvml="urn:schemas-microsoft-com:office:powerpoint" xmlns:com="http://schemas.openxmlformats.org/drawingml/2006/compatibility" xmlns:p14="http://schemas.microsoft.com/office/powerpoint/2010/main" xmlns:p15="http://schemas.microsoft.com/office/powerpoint/2012/main" xmlns:ahyp="http://schemas.microsoft.com/office/drawing/2018/hyperlinkcolor" showMasterPhAnim="0" showMasterSp="0">
+<p:notes xmlns:a="http://schemas.openxmlformats.org/drawingml/2006/main" xmlns:r="http://schemas.openxmlformats.org/officeDocument/2006/relationships" xmlns:p="http://schemas.openxmlformats.org/presentationml/2006/main" showMasterSp="0" showMasterPhAnim="0">
   <p:cSld>
     <p:spTree>
       <p:nvGrpSpPr>
-        <p:cNvPr id="111" name="Shape 111"/>
+        <p:cNvPr id="1" name="Shape 111"/>
         <p:cNvGrpSpPr/>
         <p:nvPr/>
       </p:nvGrpSpPr>
@@ -1001,9 +1034,11 @@
       <p:sp>
         <p:nvSpPr>
           <p:cNvPr id="112" name="Google Shape;112;p3:notes"/>
-          <p:cNvSpPr txBox="1"/>
+          <p:cNvSpPr txBox="1">
+            <a:spLocks noGrp="1"/>
+          </p:cNvSpPr>
           <p:nvPr>
-            <p:ph idx="1" type="body"/>
+            <p:ph type="body" idx="1"/>
           </p:nvPr>
         </p:nvSpPr>
         <p:spPr>
@@ -1016,12 +1051,12 @@
           </a:prstGeom>
         </p:spPr>
         <p:txBody>
-          <a:bodyPr anchorCtr="0" anchor="t" bIns="91425" lIns="91425" spcFirstLastPara="1" rIns="91425" wrap="square" tIns="91425">
+          <a:bodyPr spcFirstLastPara="1" wrap="square" lIns="91425" tIns="91425" rIns="91425" bIns="91425" anchor="t" anchorCtr="0">
             <a:noAutofit/>
           </a:bodyPr>
           <a:lstStyle/>
           <a:p>
-            <a:pPr indent="0" lvl="0" marL="0" rtl="0" algn="l">
+            <a:pPr marL="0" lvl="0" indent="0" algn="l" rtl="0">
               <a:spcBef>
                 <a:spcPts val="0"/>
               </a:spcBef>
@@ -1030,9 +1065,6 @@
               </a:spcAft>
               <a:buNone/>
             </a:pPr>
-            <a:r>
-              <a:t/>
-            </a:r>
             <a:endParaRPr/>
           </a:p>
         </p:txBody>
@@ -1040,20 +1072,26 @@
       <p:sp>
         <p:nvSpPr>
           <p:cNvPr id="113" name="Google Shape;113;p3:notes"/>
-          <p:cNvSpPr/>
+          <p:cNvSpPr>
+            <a:spLocks noGrp="1" noRot="1" noChangeAspect="1"/>
+          </p:cNvSpPr>
           <p:nvPr>
-            <p:ph idx="2" type="sldImg"/>
+            <p:ph type="sldImg" idx="2"/>
           </p:nvPr>
         </p:nvSpPr>
         <p:spPr>
           <a:xfrm>
-            <a:off x="1143225" y="685800"/>
-            <a:ext cx="4572225" cy="3429000"/>
+            <a:off x="381000" y="685800"/>
+            <a:ext cx="6096000" cy="3429000"/>
           </a:xfrm>
           <a:custGeom>
-            <a:rect b="b" l="l" r="r" t="t"/>
+            <a:avLst/>
+            <a:gdLst/>
+            <a:ahLst/>
+            <a:cxnLst/>
+            <a:rect l="l" t="t" r="r" b="b"/>
             <a:pathLst>
-              <a:path extrusionOk="0" h="120000" w="120000">
+              <a:path w="120000" h="120000" extrusionOk="0">
                 <a:moveTo>
                   <a:pt x="0" y="0"/>
                 </a:moveTo>
@@ -1081,11 +1119,11 @@
 </file>
 
 <file path=ppt/notesSlides/notesSlide4.xml><?xml version="1.0" encoding="utf-8"?>
-<p:notes xmlns:a="http://schemas.openxmlformats.org/drawingml/2006/main" xmlns:r="http://schemas.openxmlformats.org/officeDocument/2006/relationships" xmlns:mc="http://schemas.openxmlformats.org/markup-compatibility/2006" xmlns:mv="urn:schemas-microsoft-com:mac:vml" xmlns:p="http://schemas.openxmlformats.org/presentationml/2006/main" xmlns:c="http://schemas.openxmlformats.org/drawingml/2006/chart" xmlns:dgm="http://schemas.openxmlformats.org/drawingml/2006/diagram" xmlns:o="urn:schemas-microsoft-com:office:office" xmlns:v="urn:schemas-microsoft-com:vml" xmlns:pvml="urn:schemas-microsoft-com:office:powerpoint" xmlns:com="http://schemas.openxmlformats.org/drawingml/2006/compatibility" xmlns:p14="http://schemas.microsoft.com/office/powerpoint/2010/main" xmlns:p15="http://schemas.microsoft.com/office/powerpoint/2012/main" xmlns:ahyp="http://schemas.microsoft.com/office/drawing/2018/hyperlinkcolor" showMasterPhAnim="0" showMasterSp="0">
+<p:notes xmlns:a="http://schemas.openxmlformats.org/drawingml/2006/main" xmlns:r="http://schemas.openxmlformats.org/officeDocument/2006/relationships" xmlns:p="http://schemas.openxmlformats.org/presentationml/2006/main" showMasterSp="0" showMasterPhAnim="0">
   <p:cSld>
     <p:spTree>
       <p:nvGrpSpPr>
-        <p:cNvPr id="118" name="Shape 118"/>
+        <p:cNvPr id="1" name="Shape 118"/>
         <p:cNvGrpSpPr/>
         <p:nvPr/>
       </p:nvGrpSpPr>
@@ -1100,9 +1138,11 @@
       <p:sp>
         <p:nvSpPr>
           <p:cNvPr id="119" name="Google Shape;119;g2c7d885d6c1_1_6:notes"/>
-          <p:cNvSpPr txBox="1"/>
+          <p:cNvSpPr txBox="1">
+            <a:spLocks noGrp="1"/>
+          </p:cNvSpPr>
           <p:nvPr>
-            <p:ph idx="1" type="body"/>
+            <p:ph type="body" idx="1"/>
           </p:nvPr>
         </p:nvSpPr>
         <p:spPr>
@@ -1115,12 +1155,12 @@
           </a:prstGeom>
         </p:spPr>
         <p:txBody>
-          <a:bodyPr anchorCtr="0" anchor="t" bIns="91425" lIns="91425" spcFirstLastPara="1" rIns="91425" wrap="square" tIns="91425">
+          <a:bodyPr spcFirstLastPara="1" wrap="square" lIns="91425" tIns="91425" rIns="91425" bIns="91425" anchor="t" anchorCtr="0">
             <a:noAutofit/>
           </a:bodyPr>
           <a:lstStyle/>
           <a:p>
-            <a:pPr indent="0" lvl="0" marL="0" rtl="0" algn="l">
+            <a:pPr marL="0" lvl="0" indent="0" algn="l" rtl="0">
               <a:spcBef>
                 <a:spcPts val="0"/>
               </a:spcBef>
@@ -1129,9 +1169,6 @@
               </a:spcAft>
               <a:buNone/>
             </a:pPr>
-            <a:r>
-              <a:t/>
-            </a:r>
             <a:endParaRPr/>
           </a:p>
         </p:txBody>
@@ -1139,20 +1176,26 @@
       <p:sp>
         <p:nvSpPr>
           <p:cNvPr id="120" name="Google Shape;120;g2c7d885d6c1_1_6:notes"/>
-          <p:cNvSpPr/>
+          <p:cNvSpPr>
+            <a:spLocks noGrp="1" noRot="1" noChangeAspect="1"/>
+          </p:cNvSpPr>
           <p:nvPr>
-            <p:ph idx="2" type="sldImg"/>
+            <p:ph type="sldImg" idx="2"/>
           </p:nvPr>
         </p:nvSpPr>
         <p:spPr>
           <a:xfrm>
-            <a:off x="1143225" y="685800"/>
-            <a:ext cx="4572300" cy="3429000"/>
+            <a:off x="381000" y="685800"/>
+            <a:ext cx="6096000" cy="3429000"/>
           </a:xfrm>
           <a:custGeom>
-            <a:rect b="b" l="l" r="r" t="t"/>
+            <a:avLst/>
+            <a:gdLst/>
+            <a:ahLst/>
+            <a:cxnLst/>
+            <a:rect l="l" t="t" r="r" b="b"/>
             <a:pathLst>
-              <a:path extrusionOk="0" h="120000" w="120000">
+              <a:path w="120000" h="120000" extrusionOk="0">
                 <a:moveTo>
                   <a:pt x="0" y="0"/>
                 </a:moveTo>
@@ -1180,11 +1223,11 @@
 </file>
 
 <file path=ppt/notesSlides/notesSlide5.xml><?xml version="1.0" encoding="utf-8"?>
-<p:notes xmlns:a="http://schemas.openxmlformats.org/drawingml/2006/main" xmlns:r="http://schemas.openxmlformats.org/officeDocument/2006/relationships" xmlns:mc="http://schemas.openxmlformats.org/markup-compatibility/2006" xmlns:mv="urn:schemas-microsoft-com:mac:vml" xmlns:p="http://schemas.openxmlformats.org/presentationml/2006/main" xmlns:c="http://schemas.openxmlformats.org/drawingml/2006/chart" xmlns:dgm="http://schemas.openxmlformats.org/drawingml/2006/diagram" xmlns:o="urn:schemas-microsoft-com:office:office" xmlns:v="urn:schemas-microsoft-com:vml" xmlns:pvml="urn:schemas-microsoft-com:office:powerpoint" xmlns:com="http://schemas.openxmlformats.org/drawingml/2006/compatibility" xmlns:p14="http://schemas.microsoft.com/office/powerpoint/2010/main" xmlns:p15="http://schemas.microsoft.com/office/powerpoint/2012/main" xmlns:ahyp="http://schemas.microsoft.com/office/drawing/2018/hyperlinkcolor" showMasterPhAnim="0" showMasterSp="0">
+<p:notes xmlns:a="http://schemas.openxmlformats.org/drawingml/2006/main" xmlns:r="http://schemas.openxmlformats.org/officeDocument/2006/relationships" xmlns:p="http://schemas.openxmlformats.org/presentationml/2006/main" showMasterSp="0" showMasterPhAnim="0">
   <p:cSld>
     <p:spTree>
       <p:nvGrpSpPr>
-        <p:cNvPr id="125" name="Shape 125"/>
+        <p:cNvPr id="1" name="Shape 125"/>
         <p:cNvGrpSpPr/>
         <p:nvPr/>
       </p:nvGrpSpPr>
@@ -1199,9 +1242,11 @@
       <p:sp>
         <p:nvSpPr>
           <p:cNvPr id="126" name="Google Shape;126;p4:notes"/>
-          <p:cNvSpPr txBox="1"/>
+          <p:cNvSpPr txBox="1">
+            <a:spLocks noGrp="1"/>
+          </p:cNvSpPr>
           <p:nvPr>
-            <p:ph idx="1" type="body"/>
+            <p:ph type="body" idx="1"/>
           </p:nvPr>
         </p:nvSpPr>
         <p:spPr>
@@ -1214,12 +1259,12 @@
           </a:prstGeom>
         </p:spPr>
         <p:txBody>
-          <a:bodyPr anchorCtr="0" anchor="t" bIns="91425" lIns="91425" spcFirstLastPara="1" rIns="91425" wrap="square" tIns="91425">
+          <a:bodyPr spcFirstLastPara="1" wrap="square" lIns="91425" tIns="91425" rIns="91425" bIns="91425" anchor="t" anchorCtr="0">
             <a:noAutofit/>
           </a:bodyPr>
           <a:lstStyle/>
           <a:p>
-            <a:pPr indent="0" lvl="0" marL="0" rtl="0" algn="l">
+            <a:pPr marL="0" lvl="0" indent="0" algn="l" rtl="0">
               <a:spcBef>
                 <a:spcPts val="0"/>
               </a:spcBef>
@@ -1228,9 +1273,6 @@
               </a:spcAft>
               <a:buNone/>
             </a:pPr>
-            <a:r>
-              <a:t/>
-            </a:r>
             <a:endParaRPr/>
           </a:p>
         </p:txBody>
@@ -1238,20 +1280,26 @@
       <p:sp>
         <p:nvSpPr>
           <p:cNvPr id="127" name="Google Shape;127;p4:notes"/>
-          <p:cNvSpPr/>
+          <p:cNvSpPr>
+            <a:spLocks noGrp="1" noRot="1" noChangeAspect="1"/>
+          </p:cNvSpPr>
           <p:nvPr>
-            <p:ph idx="2" type="sldImg"/>
+            <p:ph type="sldImg" idx="2"/>
           </p:nvPr>
         </p:nvSpPr>
         <p:spPr>
           <a:xfrm>
-            <a:off x="1143225" y="685800"/>
-            <a:ext cx="4572225" cy="3429000"/>
+            <a:off x="381000" y="685800"/>
+            <a:ext cx="6096000" cy="3429000"/>
           </a:xfrm>
           <a:custGeom>
-            <a:rect b="b" l="l" r="r" t="t"/>
+            <a:avLst/>
+            <a:gdLst/>
+            <a:ahLst/>
+            <a:cxnLst/>
+            <a:rect l="l" t="t" r="r" b="b"/>
             <a:pathLst>
-              <a:path extrusionOk="0" h="120000" w="120000">
+              <a:path w="120000" h="120000" extrusionOk="0">
                 <a:moveTo>
                   <a:pt x="0" y="0"/>
                 </a:moveTo>
@@ -1279,11 +1327,11 @@
 </file>
 
 <file path=ppt/notesSlides/notesSlide6.xml><?xml version="1.0" encoding="utf-8"?>
-<p:notes xmlns:a="http://schemas.openxmlformats.org/drawingml/2006/main" xmlns:r="http://schemas.openxmlformats.org/officeDocument/2006/relationships" xmlns:mc="http://schemas.openxmlformats.org/markup-compatibility/2006" xmlns:mv="urn:schemas-microsoft-com:mac:vml" xmlns:p="http://schemas.openxmlformats.org/presentationml/2006/main" xmlns:c="http://schemas.openxmlformats.org/drawingml/2006/chart" xmlns:dgm="http://schemas.openxmlformats.org/drawingml/2006/diagram" xmlns:o="urn:schemas-microsoft-com:office:office" xmlns:v="urn:schemas-microsoft-com:vml" xmlns:pvml="urn:schemas-microsoft-com:office:powerpoint" xmlns:com="http://schemas.openxmlformats.org/drawingml/2006/compatibility" xmlns:p14="http://schemas.microsoft.com/office/powerpoint/2010/main" xmlns:p15="http://schemas.microsoft.com/office/powerpoint/2012/main" xmlns:ahyp="http://schemas.microsoft.com/office/drawing/2018/hyperlinkcolor" showMasterPhAnim="0" showMasterSp="0">
+<p:notes xmlns:a="http://schemas.openxmlformats.org/drawingml/2006/main" xmlns:r="http://schemas.openxmlformats.org/officeDocument/2006/relationships" xmlns:p="http://schemas.openxmlformats.org/presentationml/2006/main" showMasterSp="0" showMasterPhAnim="0">
   <p:cSld>
     <p:spTree>
       <p:nvGrpSpPr>
-        <p:cNvPr id="133" name="Shape 133"/>
+        <p:cNvPr id="1" name="Shape 133"/>
         <p:cNvGrpSpPr/>
         <p:nvPr/>
       </p:nvGrpSpPr>
@@ -1298,9 +1346,11 @@
       <p:sp>
         <p:nvSpPr>
           <p:cNvPr id="134" name="Google Shape;134;g2c7d885d6c1_1_15:notes"/>
-          <p:cNvSpPr txBox="1"/>
+          <p:cNvSpPr txBox="1">
+            <a:spLocks noGrp="1"/>
+          </p:cNvSpPr>
           <p:nvPr>
-            <p:ph idx="1" type="body"/>
+            <p:ph type="body" idx="1"/>
           </p:nvPr>
         </p:nvSpPr>
         <p:spPr>
@@ -1313,12 +1363,12 @@
           </a:prstGeom>
         </p:spPr>
         <p:txBody>
-          <a:bodyPr anchorCtr="0" anchor="t" bIns="91425" lIns="91425" spcFirstLastPara="1" rIns="91425" wrap="square" tIns="91425">
+          <a:bodyPr spcFirstLastPara="1" wrap="square" lIns="91425" tIns="91425" rIns="91425" bIns="91425" anchor="t" anchorCtr="0">
             <a:noAutofit/>
           </a:bodyPr>
           <a:lstStyle/>
           <a:p>
-            <a:pPr indent="0" lvl="0" marL="0" rtl="0" algn="l">
+            <a:pPr marL="0" lvl="0" indent="0" algn="l" rtl="0">
               <a:spcBef>
                 <a:spcPts val="0"/>
               </a:spcBef>
@@ -1327,9 +1377,6 @@
               </a:spcAft>
               <a:buNone/>
             </a:pPr>
-            <a:r>
-              <a:t/>
-            </a:r>
             <a:endParaRPr/>
           </a:p>
         </p:txBody>
@@ -1337,20 +1384,26 @@
       <p:sp>
         <p:nvSpPr>
           <p:cNvPr id="135" name="Google Shape;135;g2c7d885d6c1_1_15:notes"/>
-          <p:cNvSpPr/>
+          <p:cNvSpPr>
+            <a:spLocks noGrp="1" noRot="1" noChangeAspect="1"/>
+          </p:cNvSpPr>
           <p:nvPr>
-            <p:ph idx="2" type="sldImg"/>
+            <p:ph type="sldImg" idx="2"/>
           </p:nvPr>
         </p:nvSpPr>
         <p:spPr>
           <a:xfrm>
-            <a:off x="1143225" y="685800"/>
-            <a:ext cx="4572300" cy="3429000"/>
+            <a:off x="381000" y="685800"/>
+            <a:ext cx="6096000" cy="3429000"/>
           </a:xfrm>
           <a:custGeom>
-            <a:rect b="b" l="l" r="r" t="t"/>
+            <a:avLst/>
+            <a:gdLst/>
+            <a:ahLst/>
+            <a:cxnLst/>
+            <a:rect l="l" t="t" r="r" b="b"/>
             <a:pathLst>
-              <a:path extrusionOk="0" h="120000" w="120000">
+              <a:path w="120000" h="120000" extrusionOk="0">
                 <a:moveTo>
                   <a:pt x="0" y="0"/>
                 </a:moveTo>
@@ -1378,11 +1431,11 @@
 </file>
 
 <file path=ppt/notesSlides/notesSlide7.xml><?xml version="1.0" encoding="utf-8"?>
-<p:notes xmlns:a="http://schemas.openxmlformats.org/drawingml/2006/main" xmlns:r="http://schemas.openxmlformats.org/officeDocument/2006/relationships" xmlns:mc="http://schemas.openxmlformats.org/markup-compatibility/2006" xmlns:mv="urn:schemas-microsoft-com:mac:vml" xmlns:p="http://schemas.openxmlformats.org/presentationml/2006/main" xmlns:c="http://schemas.openxmlformats.org/drawingml/2006/chart" xmlns:dgm="http://schemas.openxmlformats.org/drawingml/2006/diagram" xmlns:o="urn:schemas-microsoft-com:office:office" xmlns:v="urn:schemas-microsoft-com:vml" xmlns:pvml="urn:schemas-microsoft-com:office:powerpoint" xmlns:com="http://schemas.openxmlformats.org/drawingml/2006/compatibility" xmlns:p14="http://schemas.microsoft.com/office/powerpoint/2010/main" xmlns:p15="http://schemas.microsoft.com/office/powerpoint/2012/main" xmlns:ahyp="http://schemas.microsoft.com/office/drawing/2018/hyperlinkcolor" showMasterPhAnim="0" showMasterSp="0">
+<p:notes xmlns:a="http://schemas.openxmlformats.org/drawingml/2006/main" xmlns:r="http://schemas.openxmlformats.org/officeDocument/2006/relationships" xmlns:p="http://schemas.openxmlformats.org/presentationml/2006/main" showMasterSp="0" showMasterPhAnim="0">
   <p:cSld>
     <p:spTree>
       <p:nvGrpSpPr>
-        <p:cNvPr id="140" name="Shape 140"/>
+        <p:cNvPr id="1" name="Shape 140"/>
         <p:cNvGrpSpPr/>
         <p:nvPr/>
       </p:nvGrpSpPr>
@@ -1397,9 +1450,11 @@
       <p:sp>
         <p:nvSpPr>
           <p:cNvPr id="141" name="Google Shape;141;p5:notes"/>
-          <p:cNvSpPr txBox="1"/>
+          <p:cNvSpPr txBox="1">
+            <a:spLocks noGrp="1"/>
+          </p:cNvSpPr>
           <p:nvPr>
-            <p:ph idx="1" type="body"/>
+            <p:ph type="body" idx="1"/>
           </p:nvPr>
         </p:nvSpPr>
         <p:spPr>
@@ -1412,12 +1467,12 @@
           </a:prstGeom>
         </p:spPr>
         <p:txBody>
-          <a:bodyPr anchorCtr="0" anchor="t" bIns="91425" lIns="91425" spcFirstLastPara="1" rIns="91425" wrap="square" tIns="91425">
+          <a:bodyPr spcFirstLastPara="1" wrap="square" lIns="91425" tIns="91425" rIns="91425" bIns="91425" anchor="t" anchorCtr="0">
             <a:noAutofit/>
           </a:bodyPr>
           <a:lstStyle/>
           <a:p>
-            <a:pPr indent="0" lvl="0" marL="0" rtl="0" algn="l">
+            <a:pPr marL="0" lvl="0" indent="0" algn="l" rtl="0">
               <a:spcBef>
                 <a:spcPts val="0"/>
               </a:spcBef>
@@ -1426,9 +1481,6 @@
               </a:spcAft>
               <a:buNone/>
             </a:pPr>
-            <a:r>
-              <a:t/>
-            </a:r>
             <a:endParaRPr/>
           </a:p>
         </p:txBody>
@@ -1436,20 +1488,26 @@
       <p:sp>
         <p:nvSpPr>
           <p:cNvPr id="142" name="Google Shape;142;p5:notes"/>
-          <p:cNvSpPr/>
+          <p:cNvSpPr>
+            <a:spLocks noGrp="1" noRot="1" noChangeAspect="1"/>
+          </p:cNvSpPr>
           <p:nvPr>
-            <p:ph idx="2" type="sldImg"/>
+            <p:ph type="sldImg" idx="2"/>
           </p:nvPr>
         </p:nvSpPr>
         <p:spPr>
           <a:xfrm>
-            <a:off x="1143225" y="685800"/>
-            <a:ext cx="4572225" cy="3429000"/>
+            <a:off x="381000" y="685800"/>
+            <a:ext cx="6096000" cy="3429000"/>
           </a:xfrm>
           <a:custGeom>
-            <a:rect b="b" l="l" r="r" t="t"/>
+            <a:avLst/>
+            <a:gdLst/>
+            <a:ahLst/>
+            <a:cxnLst/>
+            <a:rect l="l" t="t" r="r" b="b"/>
             <a:pathLst>
-              <a:path extrusionOk="0" h="120000" w="120000">
+              <a:path w="120000" h="120000" extrusionOk="0">
                 <a:moveTo>
                   <a:pt x="0" y="0"/>
                 </a:moveTo>
@@ -1477,11 +1535,11 @@
 </file>
 
 <file path=ppt/notesSlides/notesSlide8.xml><?xml version="1.0" encoding="utf-8"?>
-<p:notes xmlns:a="http://schemas.openxmlformats.org/drawingml/2006/main" xmlns:r="http://schemas.openxmlformats.org/officeDocument/2006/relationships" xmlns:mc="http://schemas.openxmlformats.org/markup-compatibility/2006" xmlns:mv="urn:schemas-microsoft-com:mac:vml" xmlns:p="http://schemas.openxmlformats.org/presentationml/2006/main" xmlns:c="http://schemas.openxmlformats.org/drawingml/2006/chart" xmlns:dgm="http://schemas.openxmlformats.org/drawingml/2006/diagram" xmlns:o="urn:schemas-microsoft-com:office:office" xmlns:v="urn:schemas-microsoft-com:vml" xmlns:pvml="urn:schemas-microsoft-com:office:powerpoint" xmlns:com="http://schemas.openxmlformats.org/drawingml/2006/compatibility" xmlns:p14="http://schemas.microsoft.com/office/powerpoint/2010/main" xmlns:p15="http://schemas.microsoft.com/office/powerpoint/2012/main" xmlns:ahyp="http://schemas.microsoft.com/office/drawing/2018/hyperlinkcolor" showMasterPhAnim="0" showMasterSp="0">
+<p:notes xmlns:a="http://schemas.openxmlformats.org/drawingml/2006/main" xmlns:r="http://schemas.openxmlformats.org/officeDocument/2006/relationships" xmlns:p="http://schemas.openxmlformats.org/presentationml/2006/main" showMasterSp="0" showMasterPhAnim="0">
   <p:cSld>
     <p:spTree>
       <p:nvGrpSpPr>
-        <p:cNvPr id="148" name="Shape 148"/>
+        <p:cNvPr id="1" name="Shape 148"/>
         <p:cNvGrpSpPr/>
         <p:nvPr/>
       </p:nvGrpSpPr>
@@ -1496,9 +1554,11 @@
       <p:sp>
         <p:nvSpPr>
           <p:cNvPr id="149" name="Google Shape;149;p14:notes"/>
-          <p:cNvSpPr txBox="1"/>
+          <p:cNvSpPr txBox="1">
+            <a:spLocks noGrp="1"/>
+          </p:cNvSpPr>
           <p:nvPr>
-            <p:ph idx="1" type="body"/>
+            <p:ph type="body" idx="1"/>
           </p:nvPr>
         </p:nvSpPr>
         <p:spPr>
@@ -1511,12 +1571,12 @@
           </a:prstGeom>
         </p:spPr>
         <p:txBody>
-          <a:bodyPr anchorCtr="0" anchor="t" bIns="91425" lIns="91425" spcFirstLastPara="1" rIns="91425" wrap="square" tIns="91425">
+          <a:bodyPr spcFirstLastPara="1" wrap="square" lIns="91425" tIns="91425" rIns="91425" bIns="91425" anchor="t" anchorCtr="0">
             <a:noAutofit/>
           </a:bodyPr>
           <a:lstStyle/>
           <a:p>
-            <a:pPr indent="0" lvl="0" marL="0" rtl="0" algn="l">
+            <a:pPr marL="0" lvl="0" indent="0" algn="l" rtl="0">
               <a:spcBef>
                 <a:spcPts val="0"/>
               </a:spcBef>
@@ -1525,9 +1585,6 @@
               </a:spcAft>
               <a:buNone/>
             </a:pPr>
-            <a:r>
-              <a:t/>
-            </a:r>
             <a:endParaRPr/>
           </a:p>
         </p:txBody>
@@ -1535,20 +1592,26 @@
       <p:sp>
         <p:nvSpPr>
           <p:cNvPr id="150" name="Google Shape;150;p14:notes"/>
-          <p:cNvSpPr/>
+          <p:cNvSpPr>
+            <a:spLocks noGrp="1" noRot="1" noChangeAspect="1"/>
+          </p:cNvSpPr>
           <p:nvPr>
-            <p:ph idx="2" type="sldImg"/>
+            <p:ph type="sldImg" idx="2"/>
           </p:nvPr>
         </p:nvSpPr>
         <p:spPr>
           <a:xfrm>
-            <a:off x="1143225" y="685800"/>
-            <a:ext cx="4572225" cy="3429000"/>
+            <a:off x="381000" y="685800"/>
+            <a:ext cx="6096000" cy="3429000"/>
           </a:xfrm>
           <a:custGeom>
-            <a:rect b="b" l="l" r="r" t="t"/>
+            <a:avLst/>
+            <a:gdLst/>
+            <a:ahLst/>
+            <a:cxnLst/>
+            <a:rect l="l" t="t" r="r" b="b"/>
             <a:pathLst>
-              <a:path extrusionOk="0" h="120000" w="120000">
+              <a:path w="120000" h="120000" extrusionOk="0">
                 <a:moveTo>
                   <a:pt x="0" y="0"/>
                 </a:moveTo>
@@ -1576,11 +1639,11 @@
 </file>
 
 <file path=ppt/notesSlides/notesSlide9.xml><?xml version="1.0" encoding="utf-8"?>
-<p:notes xmlns:a="http://schemas.openxmlformats.org/drawingml/2006/main" xmlns:r="http://schemas.openxmlformats.org/officeDocument/2006/relationships" xmlns:mc="http://schemas.openxmlformats.org/markup-compatibility/2006" xmlns:mv="urn:schemas-microsoft-com:mac:vml" xmlns:p="http://schemas.openxmlformats.org/presentationml/2006/main" xmlns:c="http://schemas.openxmlformats.org/drawingml/2006/chart" xmlns:dgm="http://schemas.openxmlformats.org/drawingml/2006/diagram" xmlns:o="urn:schemas-microsoft-com:office:office" xmlns:v="urn:schemas-microsoft-com:vml" xmlns:pvml="urn:schemas-microsoft-com:office:powerpoint" xmlns:com="http://schemas.openxmlformats.org/drawingml/2006/compatibility" xmlns:p14="http://schemas.microsoft.com/office/powerpoint/2010/main" xmlns:p15="http://schemas.microsoft.com/office/powerpoint/2012/main" xmlns:ahyp="http://schemas.microsoft.com/office/drawing/2018/hyperlinkcolor" showMasterPhAnim="0" showMasterSp="0">
+<p:notes xmlns:a="http://schemas.openxmlformats.org/drawingml/2006/main" xmlns:r="http://schemas.openxmlformats.org/officeDocument/2006/relationships" xmlns:p="http://schemas.openxmlformats.org/presentationml/2006/main" showMasterSp="0" showMasterPhAnim="0">
   <p:cSld>
     <p:spTree>
       <p:nvGrpSpPr>
-        <p:cNvPr id="155" name="Shape 155"/>
+        <p:cNvPr id="1" name="Shape 155"/>
         <p:cNvGrpSpPr/>
         <p:nvPr/>
       </p:nvGrpSpPr>
@@ -1595,9 +1658,11 @@
       <p:sp>
         <p:nvSpPr>
           <p:cNvPr id="156" name="Google Shape;156;p15:notes"/>
-          <p:cNvSpPr txBox="1"/>
+          <p:cNvSpPr txBox="1">
+            <a:spLocks noGrp="1"/>
+          </p:cNvSpPr>
           <p:nvPr>
-            <p:ph idx="1" type="body"/>
+            <p:ph type="body" idx="1"/>
           </p:nvPr>
         </p:nvSpPr>
         <p:spPr>
@@ -1610,12 +1675,12 @@
           </a:prstGeom>
         </p:spPr>
         <p:txBody>
-          <a:bodyPr anchorCtr="0" anchor="t" bIns="91425" lIns="91425" spcFirstLastPara="1" rIns="91425" wrap="square" tIns="91425">
+          <a:bodyPr spcFirstLastPara="1" wrap="square" lIns="91425" tIns="91425" rIns="91425" bIns="91425" anchor="t" anchorCtr="0">
             <a:noAutofit/>
           </a:bodyPr>
           <a:lstStyle/>
           <a:p>
-            <a:pPr indent="0" lvl="0" marL="0" rtl="0" algn="l">
+            <a:pPr marL="0" lvl="0" indent="0" algn="l" rtl="0">
               <a:spcBef>
                 <a:spcPts val="0"/>
               </a:spcBef>
@@ -1624,9 +1689,6 @@
               </a:spcAft>
               <a:buNone/>
             </a:pPr>
-            <a:r>
-              <a:t/>
-            </a:r>
             <a:endParaRPr/>
           </a:p>
         </p:txBody>
@@ -1634,20 +1696,26 @@
       <p:sp>
         <p:nvSpPr>
           <p:cNvPr id="157" name="Google Shape;157;p15:notes"/>
-          <p:cNvSpPr/>
+          <p:cNvSpPr>
+            <a:spLocks noGrp="1" noRot="1" noChangeAspect="1"/>
+          </p:cNvSpPr>
           <p:nvPr>
-            <p:ph idx="2" type="sldImg"/>
+            <p:ph type="sldImg" idx="2"/>
           </p:nvPr>
         </p:nvSpPr>
         <p:spPr>
           <a:xfrm>
-            <a:off x="1143225" y="685800"/>
-            <a:ext cx="4572225" cy="3429000"/>
+            <a:off x="381000" y="685800"/>
+            <a:ext cx="6096000" cy="3429000"/>
           </a:xfrm>
           <a:custGeom>
-            <a:rect b="b" l="l" r="r" t="t"/>
+            <a:avLst/>
+            <a:gdLst/>
+            <a:ahLst/>
+            <a:cxnLst/>
+            <a:rect l="l" t="t" r="r" b="b"/>
             <a:pathLst>
-              <a:path extrusionOk="0" h="120000" w="120000">
+              <a:path w="120000" h="120000" extrusionOk="0">
                 <a:moveTo>
                   <a:pt x="0" y="0"/>
                 </a:moveTo>
@@ -1675,11 +1743,11 @@
 </file>
 
 <file path=ppt/slideLayouts/slideLayout1.xml><?xml version="1.0" encoding="utf-8"?>
-<p:sldLayout xmlns:a="http://schemas.openxmlformats.org/drawingml/2006/main" xmlns:r="http://schemas.openxmlformats.org/officeDocument/2006/relationships" xmlns:mc="http://schemas.openxmlformats.org/markup-compatibility/2006" xmlns:mv="urn:schemas-microsoft-com:mac:vml" xmlns:p="http://schemas.openxmlformats.org/presentationml/2006/main" xmlns:c="http://schemas.openxmlformats.org/drawingml/2006/chart" xmlns:dgm="http://schemas.openxmlformats.org/drawingml/2006/diagram" xmlns:o="urn:schemas-microsoft-com:office:office" xmlns:v="urn:schemas-microsoft-com:vml" xmlns:pvml="urn:schemas-microsoft-com:office:powerpoint" xmlns:com="http://schemas.openxmlformats.org/drawingml/2006/compatibility" xmlns:p14="http://schemas.microsoft.com/office/powerpoint/2010/main" xmlns:p15="http://schemas.microsoft.com/office/powerpoint/2012/main" xmlns:ahyp="http://schemas.microsoft.com/office/drawing/2018/hyperlinkcolor" matchingName="Title Slide" showMasterSp="0" type="title">
+<p:sldLayout xmlns:a="http://schemas.openxmlformats.org/drawingml/2006/main" xmlns:r="http://schemas.openxmlformats.org/officeDocument/2006/relationships" xmlns:p="http://schemas.openxmlformats.org/presentationml/2006/main" showMasterSp="0" matchingName="Title Slide" type="title">
   <p:cSld name="TITLE">
     <p:spTree>
       <p:nvGrpSpPr>
-        <p:cNvPr id="14" name="Shape 14"/>
+        <p:cNvPr id="1" name="Shape 14"/>
         <p:cNvGrpSpPr/>
         <p:nvPr/>
       </p:nvGrpSpPr>
@@ -1713,12 +1781,12 @@
           </a:ln>
         </p:spPr>
         <p:txBody>
-          <a:bodyPr anchorCtr="0" anchor="ctr" bIns="91425" lIns="91425" spcFirstLastPara="1" rIns="91425" wrap="square" tIns="91425">
+          <a:bodyPr spcFirstLastPara="1" wrap="square" lIns="91425" tIns="91425" rIns="91425" bIns="91425" anchor="ctr" anchorCtr="0">
             <a:noAutofit/>
           </a:bodyPr>
           <a:lstStyle/>
           <a:p>
-            <a:pPr indent="0" lvl="0" marL="0" rtl="0" algn="l">
+            <a:pPr marL="0" lvl="0" indent="0" algn="l" rtl="0">
               <a:spcBef>
                 <a:spcPts val="0"/>
               </a:spcBef>
@@ -1727,9 +1795,6 @@
               </a:spcAft>
               <a:buNone/>
             </a:pPr>
-            <a:r>
-              <a:t/>
-            </a:r>
             <a:endParaRPr/>
           </a:p>
         </p:txBody>
@@ -1756,12 +1821,12 @@
           </a:ln>
         </p:spPr>
         <p:txBody>
-          <a:bodyPr anchorCtr="0" anchor="ctr" bIns="91425" lIns="91425" spcFirstLastPara="1" rIns="91425" wrap="square" tIns="91425">
+          <a:bodyPr spcFirstLastPara="1" wrap="square" lIns="91425" tIns="91425" rIns="91425" bIns="91425" anchor="ctr" anchorCtr="0">
             <a:noAutofit/>
           </a:bodyPr>
           <a:lstStyle/>
           <a:p>
-            <a:pPr indent="0" lvl="0" marL="0" rtl="0" algn="l">
+            <a:pPr marL="0" lvl="0" indent="0" algn="l" rtl="0">
               <a:spcBef>
                 <a:spcPts val="0"/>
               </a:spcBef>
@@ -1770,9 +1835,6 @@
               </a:spcAft>
               <a:buNone/>
             </a:pPr>
-            <a:r>
-              <a:t/>
-            </a:r>
             <a:endParaRPr/>
           </a:p>
         </p:txBody>
@@ -1780,7 +1842,9 @@
       <p:sp>
         <p:nvSpPr>
           <p:cNvPr id="17" name="Google Shape;17;p19"/>
-          <p:cNvSpPr txBox="1"/>
+          <p:cNvSpPr txBox="1">
+            <a:spLocks noGrp="1"/>
+          </p:cNvSpPr>
           <p:nvPr>
             <p:ph type="ctrTitle"/>
           </p:nvPr>
@@ -1799,7 +1863,7 @@
           </a:ln>
         </p:spPr>
         <p:txBody>
-          <a:bodyPr anchorCtr="0" anchor="b" bIns="45700" lIns="91425" spcFirstLastPara="1" rIns="91425" wrap="square" tIns="45700">
+          <a:bodyPr spcFirstLastPara="1" wrap="square" lIns="91425" tIns="45700" rIns="91425" bIns="45700" anchor="b" anchorCtr="0">
             <a:normAutofit/>
           </a:bodyPr>
           <a:lstStyle>
@@ -1914,15 +1978,19 @@
               <a:defRPr/>
             </a:lvl9pPr>
           </a:lstStyle>
-          <a:p/>
+          <a:p>
+            <a:endParaRPr/>
+          </a:p>
         </p:txBody>
       </p:sp>
       <p:sp>
         <p:nvSpPr>
           <p:cNvPr id="18" name="Google Shape;18;p19"/>
-          <p:cNvSpPr txBox="1"/>
+          <p:cNvSpPr txBox="1">
+            <a:spLocks noGrp="1"/>
+          </p:cNvSpPr>
           <p:nvPr>
-            <p:ph idx="1" type="subTitle"/>
+            <p:ph type="subTitle" idx="1"/>
           </p:nvPr>
         </p:nvSpPr>
         <p:spPr>
@@ -1939,7 +2007,7 @@
           </a:ln>
         </p:spPr>
         <p:txBody>
-          <a:bodyPr anchorCtr="0" anchor="t" bIns="45700" lIns="91425" spcFirstLastPara="1" rIns="91425" wrap="square" tIns="45700">
+          <a:bodyPr spcFirstLastPara="1" wrap="square" lIns="91425" tIns="45700" rIns="91425" bIns="45700" anchor="t" anchorCtr="0">
             <a:normAutofit/>
           </a:bodyPr>
           <a:lstStyle>
@@ -2078,15 +2146,19 @@
               <a:defRPr sz="2000"/>
             </a:lvl9pPr>
           </a:lstStyle>
-          <a:p/>
+          <a:p>
+            <a:endParaRPr/>
+          </a:p>
         </p:txBody>
       </p:sp>
       <p:sp>
         <p:nvSpPr>
           <p:cNvPr id="19" name="Google Shape;19;p19"/>
-          <p:cNvSpPr txBox="1"/>
+          <p:cNvSpPr txBox="1">
+            <a:spLocks noGrp="1"/>
+          </p:cNvSpPr>
           <p:nvPr>
-            <p:ph idx="10" type="dt"/>
+            <p:ph type="dt" idx="10"/>
           </p:nvPr>
         </p:nvSpPr>
         <p:spPr>
@@ -2103,7 +2175,7 @@
           </a:ln>
         </p:spPr>
         <p:txBody>
-          <a:bodyPr anchorCtr="0" anchor="ctr" bIns="45700" lIns="91425" spcFirstLastPara="1" rIns="91425" wrap="square" tIns="45700">
+          <a:bodyPr spcFirstLastPara="1" wrap="square" lIns="91425" tIns="45700" rIns="91425" bIns="45700" anchor="ctr" anchorCtr="0">
             <a:noAutofit/>
           </a:bodyPr>
           <a:lstStyle>
@@ -2207,15 +2279,19 @@
               <a:defRPr/>
             </a:lvl9pPr>
           </a:lstStyle>
-          <a:p/>
+          <a:p>
+            <a:endParaRPr/>
+          </a:p>
         </p:txBody>
       </p:sp>
       <p:sp>
         <p:nvSpPr>
           <p:cNvPr id="20" name="Google Shape;20;p19"/>
-          <p:cNvSpPr txBox="1"/>
+          <p:cNvSpPr txBox="1">
+            <a:spLocks noGrp="1"/>
+          </p:cNvSpPr>
           <p:nvPr>
-            <p:ph idx="11" type="ftr"/>
+            <p:ph type="ftr" idx="11"/>
           </p:nvPr>
         </p:nvSpPr>
         <p:spPr>
@@ -2232,7 +2308,7 @@
           </a:ln>
         </p:spPr>
         <p:txBody>
-          <a:bodyPr anchorCtr="0" anchor="ctr" bIns="45700" lIns="91425" spcFirstLastPara="1" rIns="91425" wrap="square" tIns="45700">
+          <a:bodyPr spcFirstLastPara="1" wrap="square" lIns="91425" tIns="45700" rIns="91425" bIns="45700" anchor="ctr" anchorCtr="0">
             <a:noAutofit/>
           </a:bodyPr>
           <a:lstStyle>
@@ -2336,15 +2412,19 @@
               <a:defRPr/>
             </a:lvl9pPr>
           </a:lstStyle>
-          <a:p/>
+          <a:p>
+            <a:endParaRPr/>
+          </a:p>
         </p:txBody>
       </p:sp>
       <p:sp>
         <p:nvSpPr>
           <p:cNvPr id="21" name="Google Shape;21;p19"/>
-          <p:cNvSpPr txBox="1"/>
+          <p:cNvSpPr txBox="1">
+            <a:spLocks noGrp="1"/>
+          </p:cNvSpPr>
           <p:nvPr>
-            <p:ph idx="12" type="sldNum"/>
+            <p:ph type="sldNum" idx="12"/>
           </p:nvPr>
         </p:nvSpPr>
         <p:spPr>
@@ -2361,67 +2441,67 @@
           </a:ln>
         </p:spPr>
         <p:txBody>
-          <a:bodyPr anchorCtr="0" anchor="ctr" bIns="45700" lIns="91425" spcFirstLastPara="1" rIns="91425" wrap="square" tIns="45700">
+          <a:bodyPr spcFirstLastPara="1" wrap="square" lIns="91425" tIns="45700" rIns="91425" bIns="45700" anchor="ctr" anchorCtr="0">
             <a:noAutofit/>
           </a:bodyPr>
           <a:lstStyle>
-            <a:lvl1pPr indent="0" lvl="0" marL="0" algn="r">
+            <a:lvl1pPr marL="0" lvl="0" indent="0" algn="r">
               <a:spcBef>
                 <a:spcPts val="0"/>
               </a:spcBef>
               <a:buNone/>
               <a:defRPr/>
             </a:lvl1pPr>
-            <a:lvl2pPr indent="0" lvl="1" marL="0" algn="r">
+            <a:lvl2pPr marL="0" lvl="1" indent="0" algn="r">
               <a:spcBef>
                 <a:spcPts val="0"/>
               </a:spcBef>
               <a:buNone/>
               <a:defRPr/>
             </a:lvl2pPr>
-            <a:lvl3pPr indent="0" lvl="2" marL="0" algn="r">
+            <a:lvl3pPr marL="0" lvl="2" indent="0" algn="r">
               <a:spcBef>
                 <a:spcPts val="0"/>
               </a:spcBef>
               <a:buNone/>
               <a:defRPr/>
             </a:lvl3pPr>
-            <a:lvl4pPr indent="0" lvl="3" marL="0" algn="r">
+            <a:lvl4pPr marL="0" lvl="3" indent="0" algn="r">
               <a:spcBef>
                 <a:spcPts val="0"/>
               </a:spcBef>
               <a:buNone/>
               <a:defRPr/>
             </a:lvl4pPr>
-            <a:lvl5pPr indent="0" lvl="4" marL="0" algn="r">
+            <a:lvl5pPr marL="0" lvl="4" indent="0" algn="r">
               <a:spcBef>
                 <a:spcPts val="0"/>
               </a:spcBef>
               <a:buNone/>
               <a:defRPr/>
             </a:lvl5pPr>
-            <a:lvl6pPr indent="0" lvl="5" marL="0" algn="r">
+            <a:lvl6pPr marL="0" lvl="5" indent="0" algn="r">
               <a:spcBef>
                 <a:spcPts val="0"/>
               </a:spcBef>
               <a:buNone/>
               <a:defRPr/>
             </a:lvl6pPr>
-            <a:lvl7pPr indent="0" lvl="6" marL="0" algn="r">
+            <a:lvl7pPr marL="0" lvl="6" indent="0" algn="r">
               <a:spcBef>
                 <a:spcPts val="0"/>
               </a:spcBef>
               <a:buNone/>
               <a:defRPr/>
             </a:lvl7pPr>
-            <a:lvl8pPr indent="0" lvl="7" marL="0" algn="r">
+            <a:lvl8pPr marL="0" lvl="7" indent="0" algn="r">
               <a:spcBef>
                 <a:spcPts val="0"/>
               </a:spcBef>
               <a:buNone/>
               <a:defRPr/>
             </a:lvl8pPr>
-            <a:lvl9pPr indent="0" lvl="8" marL="0" algn="r">
+            <a:lvl9pPr marL="0" lvl="8" indent="0" algn="r">
               <a:spcBef>
                 <a:spcPts val="0"/>
               </a:spcBef>
@@ -2430,7 +2510,7 @@
             </a:lvl9pPr>
           </a:lstStyle>
           <a:p>
-            <a:pPr indent="0" lvl="0" marL="0" rtl="0" algn="r">
+            <a:pPr marL="0" lvl="0" indent="0" algn="r" rtl="0">
               <a:spcBef>
                 <a:spcPts val="0"/>
               </a:spcBef>
@@ -2462,14 +2542,14 @@
             <a:avLst/>
           </a:prstGeom>
           <a:noFill/>
-          <a:ln cap="flat" cmpd="sng" w="9525">
+          <a:ln w="9525" cap="flat" cmpd="sng">
             <a:solidFill>
               <a:srgbClr val="7F7F7F"/>
             </a:solidFill>
             <a:prstDash val="solid"/>
             <a:round/>
-            <a:headEnd len="sm" w="sm" type="none"/>
-            <a:tailEnd len="sm" w="sm" type="none"/>
+            <a:headEnd type="none" w="sm" len="sm"/>
+            <a:tailEnd type="none" w="sm" len="sm"/>
           </a:ln>
         </p:spPr>
       </p:cxnSp>
@@ -2482,11 +2562,11 @@
 </file>
 
 <file path=ppt/slideLayouts/slideLayout10.xml><?xml version="1.0" encoding="utf-8"?>
-<p:sldLayout xmlns:a="http://schemas.openxmlformats.org/drawingml/2006/main" xmlns:r="http://schemas.openxmlformats.org/officeDocument/2006/relationships" xmlns:mc="http://schemas.openxmlformats.org/markup-compatibility/2006" xmlns:mv="urn:schemas-microsoft-com:mac:vml" xmlns:p="http://schemas.openxmlformats.org/presentationml/2006/main" xmlns:c="http://schemas.openxmlformats.org/drawingml/2006/chart" xmlns:dgm="http://schemas.openxmlformats.org/drawingml/2006/diagram" xmlns:o="urn:schemas-microsoft-com:office:office" xmlns:v="urn:schemas-microsoft-com:vml" xmlns:pvml="urn:schemas-microsoft-com:office:powerpoint" xmlns:com="http://schemas.openxmlformats.org/drawingml/2006/compatibility" xmlns:p14="http://schemas.microsoft.com/office/powerpoint/2010/main" xmlns:p15="http://schemas.microsoft.com/office/powerpoint/2012/main" xmlns:ahyp="http://schemas.microsoft.com/office/drawing/2018/hyperlinkcolor" matchingName="Title and Vertical Text" type="vertTx">
+<p:sldLayout xmlns:a="http://schemas.openxmlformats.org/drawingml/2006/main" xmlns:r="http://schemas.openxmlformats.org/officeDocument/2006/relationships" xmlns:p="http://schemas.openxmlformats.org/presentationml/2006/main" matchingName="Title and Vertical Text" type="vertTx">
   <p:cSld name="VERTICAL_TEXT">
     <p:spTree>
       <p:nvGrpSpPr>
-        <p:cNvPr id="83" name="Shape 83"/>
+        <p:cNvPr id="1" name="Shape 83"/>
         <p:cNvGrpSpPr/>
         <p:nvPr/>
       </p:nvGrpSpPr>
@@ -2501,7 +2581,9 @@
       <p:sp>
         <p:nvSpPr>
           <p:cNvPr id="84" name="Google Shape;84;p28"/>
-          <p:cNvSpPr txBox="1"/>
+          <p:cNvSpPr txBox="1">
+            <a:spLocks noGrp="1"/>
+          </p:cNvSpPr>
           <p:nvPr>
             <p:ph type="title"/>
           </p:nvPr>
@@ -2520,7 +2602,7 @@
           </a:ln>
         </p:spPr>
         <p:txBody>
-          <a:bodyPr anchorCtr="0" anchor="b" bIns="45700" lIns="91425" spcFirstLastPara="1" rIns="91425" wrap="square" tIns="45700">
+          <a:bodyPr spcFirstLastPara="1" wrap="square" lIns="91425" tIns="45700" rIns="91425" bIns="45700" anchor="b" anchorCtr="0">
             <a:normAutofit/>
           </a:bodyPr>
           <a:lstStyle>
@@ -2630,15 +2712,19 @@
               <a:defRPr/>
             </a:lvl9pPr>
           </a:lstStyle>
-          <a:p/>
+          <a:p>
+            <a:endParaRPr/>
+          </a:p>
         </p:txBody>
       </p:sp>
       <p:sp>
         <p:nvSpPr>
           <p:cNvPr id="85" name="Google Shape;85;p28"/>
-          <p:cNvSpPr txBox="1"/>
+          <p:cNvSpPr txBox="1">
+            <a:spLocks noGrp="1"/>
+          </p:cNvSpPr>
           <p:nvPr>
-            <p:ph idx="1" type="body"/>
+            <p:ph type="body" idx="1"/>
           </p:nvPr>
         </p:nvSpPr>
         <p:spPr>
@@ -2655,11 +2741,11 @@
           </a:ln>
         </p:spPr>
         <p:txBody>
-          <a:bodyPr anchorCtr="0" anchor="t" bIns="0" lIns="45700" spcFirstLastPara="1" rIns="45700" wrap="square" tIns="0">
+          <a:bodyPr spcFirstLastPara="1" wrap="square" lIns="45700" tIns="0" rIns="45700" bIns="0" anchor="t" anchorCtr="0">
             <a:normAutofit/>
           </a:bodyPr>
           <a:lstStyle>
-            <a:lvl1pPr indent="-342900" lvl="0" marL="457200" algn="l">
+            <a:lvl1pPr marL="457200" lvl="0" indent="-342900" algn="l">
               <a:lnSpc>
                 <a:spcPct val="90000"/>
               </a:lnSpc>
@@ -2673,7 +2759,7 @@
               <a:buChar char=" "/>
               <a:defRPr/>
             </a:lvl1pPr>
-            <a:lvl2pPr indent="-342900" lvl="1" marL="914400" algn="l">
+            <a:lvl2pPr marL="914400" lvl="1" indent="-342900" algn="l">
               <a:lnSpc>
                 <a:spcPct val="90000"/>
               </a:lnSpc>
@@ -2687,7 +2773,7 @@
               <a:buChar char="◦"/>
               <a:defRPr/>
             </a:lvl2pPr>
-            <a:lvl3pPr indent="-342900" lvl="2" marL="1371600" algn="l">
+            <a:lvl3pPr marL="1371600" lvl="2" indent="-342900" algn="l">
               <a:lnSpc>
                 <a:spcPct val="90000"/>
               </a:lnSpc>
@@ -2701,7 +2787,7 @@
               <a:buChar char="◦"/>
               <a:defRPr/>
             </a:lvl3pPr>
-            <a:lvl4pPr indent="-342900" lvl="3" marL="1828800" algn="l">
+            <a:lvl4pPr marL="1828800" lvl="3" indent="-342900" algn="l">
               <a:lnSpc>
                 <a:spcPct val="90000"/>
               </a:lnSpc>
@@ -2715,7 +2801,7 @@
               <a:buChar char="◦"/>
               <a:defRPr/>
             </a:lvl4pPr>
-            <a:lvl5pPr indent="-342900" lvl="4" marL="2286000" algn="l">
+            <a:lvl5pPr marL="2286000" lvl="4" indent="-342900" algn="l">
               <a:lnSpc>
                 <a:spcPct val="90000"/>
               </a:lnSpc>
@@ -2729,7 +2815,7 @@
               <a:buChar char="◦"/>
               <a:defRPr/>
             </a:lvl5pPr>
-            <a:lvl6pPr indent="-342900" lvl="5" marL="2743200" algn="l">
+            <a:lvl6pPr marL="2743200" lvl="5" indent="-342900" algn="l">
               <a:lnSpc>
                 <a:spcPct val="90000"/>
               </a:lnSpc>
@@ -2743,7 +2829,7 @@
               <a:buChar char="◦"/>
               <a:defRPr/>
             </a:lvl6pPr>
-            <a:lvl7pPr indent="-342900" lvl="6" marL="3200400" algn="l">
+            <a:lvl7pPr marL="3200400" lvl="6" indent="-342900" algn="l">
               <a:lnSpc>
                 <a:spcPct val="90000"/>
               </a:lnSpc>
@@ -2757,7 +2843,7 @@
               <a:buChar char="◦"/>
               <a:defRPr/>
             </a:lvl7pPr>
-            <a:lvl8pPr indent="-342900" lvl="7" marL="3657600" algn="l">
+            <a:lvl8pPr marL="3657600" lvl="7" indent="-342900" algn="l">
               <a:lnSpc>
                 <a:spcPct val="90000"/>
               </a:lnSpc>
@@ -2771,7 +2857,7 @@
               <a:buChar char="◦"/>
               <a:defRPr/>
             </a:lvl8pPr>
-            <a:lvl9pPr indent="-342900" lvl="8" marL="4114800" algn="l">
+            <a:lvl9pPr marL="4114800" lvl="8" indent="-342900" algn="l">
               <a:lnSpc>
                 <a:spcPct val="90000"/>
               </a:lnSpc>
@@ -2786,15 +2872,19 @@
               <a:defRPr/>
             </a:lvl9pPr>
           </a:lstStyle>
-          <a:p/>
+          <a:p>
+            <a:endParaRPr/>
+          </a:p>
         </p:txBody>
       </p:sp>
       <p:sp>
         <p:nvSpPr>
           <p:cNvPr id="86" name="Google Shape;86;p28"/>
-          <p:cNvSpPr txBox="1"/>
+          <p:cNvSpPr txBox="1">
+            <a:spLocks noGrp="1"/>
+          </p:cNvSpPr>
           <p:nvPr>
-            <p:ph idx="10" type="dt"/>
+            <p:ph type="dt" idx="10"/>
           </p:nvPr>
         </p:nvSpPr>
         <p:spPr>
@@ -2811,7 +2901,7 @@
           </a:ln>
         </p:spPr>
         <p:txBody>
-          <a:bodyPr anchorCtr="0" anchor="ctr" bIns="45700" lIns="91425" spcFirstLastPara="1" rIns="91425" wrap="square" tIns="45700">
+          <a:bodyPr spcFirstLastPara="1" wrap="square" lIns="91425" tIns="45700" rIns="91425" bIns="45700" anchor="ctr" anchorCtr="0">
             <a:noAutofit/>
           </a:bodyPr>
           <a:lstStyle>
@@ -2915,15 +3005,19 @@
               <a:defRPr/>
             </a:lvl9pPr>
           </a:lstStyle>
-          <a:p/>
+          <a:p>
+            <a:endParaRPr/>
+          </a:p>
         </p:txBody>
       </p:sp>
       <p:sp>
         <p:nvSpPr>
           <p:cNvPr id="87" name="Google Shape;87;p28"/>
-          <p:cNvSpPr txBox="1"/>
+          <p:cNvSpPr txBox="1">
+            <a:spLocks noGrp="1"/>
+          </p:cNvSpPr>
           <p:nvPr>
-            <p:ph idx="11" type="ftr"/>
+            <p:ph type="ftr" idx="11"/>
           </p:nvPr>
         </p:nvSpPr>
         <p:spPr>
@@ -2940,7 +3034,7 @@
           </a:ln>
         </p:spPr>
         <p:txBody>
-          <a:bodyPr anchorCtr="0" anchor="ctr" bIns="45700" lIns="91425" spcFirstLastPara="1" rIns="91425" wrap="square" tIns="45700">
+          <a:bodyPr spcFirstLastPara="1" wrap="square" lIns="91425" tIns="45700" rIns="91425" bIns="45700" anchor="ctr" anchorCtr="0">
             <a:noAutofit/>
           </a:bodyPr>
           <a:lstStyle>
@@ -3044,15 +3138,19 @@
               <a:defRPr/>
             </a:lvl9pPr>
           </a:lstStyle>
-          <a:p/>
+          <a:p>
+            <a:endParaRPr/>
+          </a:p>
         </p:txBody>
       </p:sp>
       <p:sp>
         <p:nvSpPr>
           <p:cNvPr id="88" name="Google Shape;88;p28"/>
-          <p:cNvSpPr txBox="1"/>
+          <p:cNvSpPr txBox="1">
+            <a:spLocks noGrp="1"/>
+          </p:cNvSpPr>
           <p:nvPr>
-            <p:ph idx="12" type="sldNum"/>
+            <p:ph type="sldNum" idx="12"/>
           </p:nvPr>
         </p:nvSpPr>
         <p:spPr>
@@ -3069,67 +3167,67 @@
           </a:ln>
         </p:spPr>
         <p:txBody>
-          <a:bodyPr anchorCtr="0" anchor="ctr" bIns="45700" lIns="91425" spcFirstLastPara="1" rIns="91425" wrap="square" tIns="45700">
+          <a:bodyPr spcFirstLastPara="1" wrap="square" lIns="91425" tIns="45700" rIns="91425" bIns="45700" anchor="ctr" anchorCtr="0">
             <a:noAutofit/>
           </a:bodyPr>
           <a:lstStyle>
-            <a:lvl1pPr indent="0" lvl="0" marL="0" algn="r">
+            <a:lvl1pPr marL="0" lvl="0" indent="0" algn="r">
               <a:spcBef>
                 <a:spcPts val="0"/>
               </a:spcBef>
               <a:buNone/>
               <a:defRPr/>
             </a:lvl1pPr>
-            <a:lvl2pPr indent="0" lvl="1" marL="0" algn="r">
+            <a:lvl2pPr marL="0" lvl="1" indent="0" algn="r">
               <a:spcBef>
                 <a:spcPts val="0"/>
               </a:spcBef>
               <a:buNone/>
               <a:defRPr/>
             </a:lvl2pPr>
-            <a:lvl3pPr indent="0" lvl="2" marL="0" algn="r">
+            <a:lvl3pPr marL="0" lvl="2" indent="0" algn="r">
               <a:spcBef>
                 <a:spcPts val="0"/>
               </a:spcBef>
               <a:buNone/>
               <a:defRPr/>
             </a:lvl3pPr>
-            <a:lvl4pPr indent="0" lvl="3" marL="0" algn="r">
+            <a:lvl4pPr marL="0" lvl="3" indent="0" algn="r">
               <a:spcBef>
                 <a:spcPts val="0"/>
               </a:spcBef>
               <a:buNone/>
               <a:defRPr/>
             </a:lvl4pPr>
-            <a:lvl5pPr indent="0" lvl="4" marL="0" algn="r">
+            <a:lvl5pPr marL="0" lvl="4" indent="0" algn="r">
               <a:spcBef>
                 <a:spcPts val="0"/>
               </a:spcBef>
               <a:buNone/>
               <a:defRPr/>
             </a:lvl5pPr>
-            <a:lvl6pPr indent="0" lvl="5" marL="0" algn="r">
+            <a:lvl6pPr marL="0" lvl="5" indent="0" algn="r">
               <a:spcBef>
                 <a:spcPts val="0"/>
               </a:spcBef>
               <a:buNone/>
               <a:defRPr/>
             </a:lvl6pPr>
-            <a:lvl7pPr indent="0" lvl="6" marL="0" algn="r">
+            <a:lvl7pPr marL="0" lvl="6" indent="0" algn="r">
               <a:spcBef>
                 <a:spcPts val="0"/>
               </a:spcBef>
               <a:buNone/>
               <a:defRPr/>
             </a:lvl7pPr>
-            <a:lvl8pPr indent="0" lvl="7" marL="0" algn="r">
+            <a:lvl8pPr marL="0" lvl="7" indent="0" algn="r">
               <a:spcBef>
                 <a:spcPts val="0"/>
               </a:spcBef>
               <a:buNone/>
               <a:defRPr/>
             </a:lvl8pPr>
-            <a:lvl9pPr indent="0" lvl="8" marL="0" algn="r">
+            <a:lvl9pPr marL="0" lvl="8" indent="0" algn="r">
               <a:spcBef>
                 <a:spcPts val="0"/>
               </a:spcBef>
@@ -3138,7 +3236,7 @@
             </a:lvl9pPr>
           </a:lstStyle>
           <a:p>
-            <a:pPr indent="0" lvl="0" marL="0" rtl="0" algn="r">
+            <a:pPr marL="0" lvl="0" indent="0" algn="r" rtl="0">
               <a:spcBef>
                 <a:spcPts val="0"/>
               </a:spcBef>
@@ -3164,11 +3262,11 @@
 </file>
 
 <file path=ppt/slideLayouts/slideLayout11.xml><?xml version="1.0" encoding="utf-8"?>
-<p:sldLayout xmlns:a="http://schemas.openxmlformats.org/drawingml/2006/main" xmlns:r="http://schemas.openxmlformats.org/officeDocument/2006/relationships" xmlns:mc="http://schemas.openxmlformats.org/markup-compatibility/2006" xmlns:mv="urn:schemas-microsoft-com:mac:vml" xmlns:p="http://schemas.openxmlformats.org/presentationml/2006/main" xmlns:c="http://schemas.openxmlformats.org/drawingml/2006/chart" xmlns:dgm="http://schemas.openxmlformats.org/drawingml/2006/diagram" xmlns:o="urn:schemas-microsoft-com:office:office" xmlns:v="urn:schemas-microsoft-com:vml" xmlns:pvml="urn:schemas-microsoft-com:office:powerpoint" xmlns:com="http://schemas.openxmlformats.org/drawingml/2006/compatibility" xmlns:p14="http://schemas.microsoft.com/office/powerpoint/2010/main" xmlns:p15="http://schemas.microsoft.com/office/powerpoint/2012/main" xmlns:ahyp="http://schemas.microsoft.com/office/drawing/2018/hyperlinkcolor" matchingName="Vertical Title and Text" showMasterSp="0" type="vertTitleAndTx">
+<p:sldLayout xmlns:a="http://schemas.openxmlformats.org/drawingml/2006/main" xmlns:r="http://schemas.openxmlformats.org/officeDocument/2006/relationships" xmlns:p="http://schemas.openxmlformats.org/presentationml/2006/main" showMasterSp="0" matchingName="Vertical Title and Text" type="vertTitleAndTx">
   <p:cSld name="VERTICAL_TITLE_AND_VERTICAL_TEXT">
     <p:spTree>
       <p:nvGrpSpPr>
-        <p:cNvPr id="89" name="Shape 89"/>
+        <p:cNvPr id="1" name="Shape 89"/>
         <p:cNvGrpSpPr/>
         <p:nvPr/>
       </p:nvGrpSpPr>
@@ -3202,12 +3300,12 @@
           </a:ln>
         </p:spPr>
         <p:txBody>
-          <a:bodyPr anchorCtr="0" anchor="ctr" bIns="91425" lIns="91425" spcFirstLastPara="1" rIns="91425" wrap="square" tIns="91425">
+          <a:bodyPr spcFirstLastPara="1" wrap="square" lIns="91425" tIns="91425" rIns="91425" bIns="91425" anchor="ctr" anchorCtr="0">
             <a:noAutofit/>
           </a:bodyPr>
           <a:lstStyle/>
           <a:p>
-            <a:pPr indent="0" lvl="0" marL="0" rtl="0" algn="l">
+            <a:pPr marL="0" lvl="0" indent="0" algn="l" rtl="0">
               <a:spcBef>
                 <a:spcPts val="0"/>
               </a:spcBef>
@@ -3216,9 +3314,6 @@
               </a:spcAft>
               <a:buNone/>
             </a:pPr>
-            <a:r>
-              <a:t/>
-            </a:r>
             <a:endParaRPr/>
           </a:p>
         </p:txBody>
@@ -3245,12 +3340,12 @@
           </a:ln>
         </p:spPr>
         <p:txBody>
-          <a:bodyPr anchorCtr="0" anchor="ctr" bIns="91425" lIns="91425" spcFirstLastPara="1" rIns="91425" wrap="square" tIns="91425">
+          <a:bodyPr spcFirstLastPara="1" wrap="square" lIns="91425" tIns="91425" rIns="91425" bIns="91425" anchor="ctr" anchorCtr="0">
             <a:noAutofit/>
           </a:bodyPr>
           <a:lstStyle/>
           <a:p>
-            <a:pPr indent="0" lvl="0" marL="0" rtl="0" algn="l">
+            <a:pPr marL="0" lvl="0" indent="0" algn="l" rtl="0">
               <a:spcBef>
                 <a:spcPts val="0"/>
               </a:spcBef>
@@ -3259,9 +3354,6 @@
               </a:spcAft>
               <a:buNone/>
             </a:pPr>
-            <a:r>
-              <a:t/>
-            </a:r>
             <a:endParaRPr/>
           </a:p>
         </p:txBody>
@@ -3269,7 +3361,9 @@
       <p:sp>
         <p:nvSpPr>
           <p:cNvPr id="92" name="Google Shape;92;p29"/>
-          <p:cNvSpPr txBox="1"/>
+          <p:cNvSpPr txBox="1">
+            <a:spLocks noGrp="1"/>
+          </p:cNvSpPr>
           <p:nvPr>
             <p:ph type="title"/>
           </p:nvPr>
@@ -3288,7 +3382,7 @@
           </a:ln>
         </p:spPr>
         <p:txBody>
-          <a:bodyPr anchorCtr="0" anchor="b" bIns="45700" lIns="91425" spcFirstLastPara="1" rIns="91425" wrap="square" tIns="45700">
+          <a:bodyPr spcFirstLastPara="1" wrap="square" lIns="91425" tIns="45700" rIns="91425" bIns="45700" anchor="b" anchorCtr="0">
             <a:normAutofit/>
           </a:bodyPr>
           <a:lstStyle>
@@ -3398,15 +3492,19 @@
               <a:defRPr/>
             </a:lvl9pPr>
           </a:lstStyle>
-          <a:p/>
+          <a:p>
+            <a:endParaRPr/>
+          </a:p>
         </p:txBody>
       </p:sp>
       <p:sp>
         <p:nvSpPr>
           <p:cNvPr id="93" name="Google Shape;93;p29"/>
-          <p:cNvSpPr txBox="1"/>
+          <p:cNvSpPr txBox="1">
+            <a:spLocks noGrp="1"/>
+          </p:cNvSpPr>
           <p:nvPr>
-            <p:ph idx="1" type="body"/>
+            <p:ph type="body" idx="1"/>
           </p:nvPr>
         </p:nvSpPr>
         <p:spPr>
@@ -3423,11 +3521,11 @@
           </a:ln>
         </p:spPr>
         <p:txBody>
-          <a:bodyPr anchorCtr="0" anchor="t" bIns="0" lIns="45700" spcFirstLastPara="1" rIns="45700" wrap="square" tIns="0">
+          <a:bodyPr spcFirstLastPara="1" wrap="square" lIns="45700" tIns="0" rIns="45700" bIns="0" anchor="t" anchorCtr="0">
             <a:normAutofit/>
           </a:bodyPr>
           <a:lstStyle>
-            <a:lvl1pPr indent="-342900" lvl="0" marL="457200" algn="l">
+            <a:lvl1pPr marL="457200" lvl="0" indent="-342900" algn="l">
               <a:lnSpc>
                 <a:spcPct val="90000"/>
               </a:lnSpc>
@@ -3441,7 +3539,7 @@
               <a:buChar char=" "/>
               <a:defRPr/>
             </a:lvl1pPr>
-            <a:lvl2pPr indent="-342900" lvl="1" marL="914400" algn="l">
+            <a:lvl2pPr marL="914400" lvl="1" indent="-342900" algn="l">
               <a:lnSpc>
                 <a:spcPct val="90000"/>
               </a:lnSpc>
@@ -3455,7 +3553,7 @@
               <a:buChar char="◦"/>
               <a:defRPr/>
             </a:lvl2pPr>
-            <a:lvl3pPr indent="-342900" lvl="2" marL="1371600" algn="l">
+            <a:lvl3pPr marL="1371600" lvl="2" indent="-342900" algn="l">
               <a:lnSpc>
                 <a:spcPct val="90000"/>
               </a:lnSpc>
@@ -3469,7 +3567,7 @@
               <a:buChar char="◦"/>
               <a:defRPr/>
             </a:lvl3pPr>
-            <a:lvl4pPr indent="-342900" lvl="3" marL="1828800" algn="l">
+            <a:lvl4pPr marL="1828800" lvl="3" indent="-342900" algn="l">
               <a:lnSpc>
                 <a:spcPct val="90000"/>
               </a:lnSpc>
@@ -3483,7 +3581,7 @@
               <a:buChar char="◦"/>
               <a:defRPr/>
             </a:lvl4pPr>
-            <a:lvl5pPr indent="-342900" lvl="4" marL="2286000" algn="l">
+            <a:lvl5pPr marL="2286000" lvl="4" indent="-342900" algn="l">
               <a:lnSpc>
                 <a:spcPct val="90000"/>
               </a:lnSpc>
@@ -3497,7 +3595,7 @@
               <a:buChar char="◦"/>
               <a:defRPr/>
             </a:lvl5pPr>
-            <a:lvl6pPr indent="-342900" lvl="5" marL="2743200" algn="l">
+            <a:lvl6pPr marL="2743200" lvl="5" indent="-342900" algn="l">
               <a:lnSpc>
                 <a:spcPct val="90000"/>
               </a:lnSpc>
@@ -3511,7 +3609,7 @@
               <a:buChar char="◦"/>
               <a:defRPr/>
             </a:lvl6pPr>
-            <a:lvl7pPr indent="-342900" lvl="6" marL="3200400" algn="l">
+            <a:lvl7pPr marL="3200400" lvl="6" indent="-342900" algn="l">
               <a:lnSpc>
                 <a:spcPct val="90000"/>
               </a:lnSpc>
@@ -3525,7 +3623,7 @@
               <a:buChar char="◦"/>
               <a:defRPr/>
             </a:lvl7pPr>
-            <a:lvl8pPr indent="-342900" lvl="7" marL="3657600" algn="l">
+            <a:lvl8pPr marL="3657600" lvl="7" indent="-342900" algn="l">
               <a:lnSpc>
                 <a:spcPct val="90000"/>
               </a:lnSpc>
@@ -3539,7 +3637,7 @@
               <a:buChar char="◦"/>
               <a:defRPr/>
             </a:lvl8pPr>
-            <a:lvl9pPr indent="-342900" lvl="8" marL="4114800" algn="l">
+            <a:lvl9pPr marL="4114800" lvl="8" indent="-342900" algn="l">
               <a:lnSpc>
                 <a:spcPct val="90000"/>
               </a:lnSpc>
@@ -3554,15 +3652,19 @@
               <a:defRPr/>
             </a:lvl9pPr>
           </a:lstStyle>
-          <a:p/>
+          <a:p>
+            <a:endParaRPr/>
+          </a:p>
         </p:txBody>
       </p:sp>
       <p:sp>
         <p:nvSpPr>
           <p:cNvPr id="94" name="Google Shape;94;p29"/>
-          <p:cNvSpPr txBox="1"/>
+          <p:cNvSpPr txBox="1">
+            <a:spLocks noGrp="1"/>
+          </p:cNvSpPr>
           <p:nvPr>
-            <p:ph idx="10" type="dt"/>
+            <p:ph type="dt" idx="10"/>
           </p:nvPr>
         </p:nvSpPr>
         <p:spPr>
@@ -3579,7 +3681,7 @@
           </a:ln>
         </p:spPr>
         <p:txBody>
-          <a:bodyPr anchorCtr="0" anchor="ctr" bIns="45700" lIns="91425" spcFirstLastPara="1" rIns="91425" wrap="square" tIns="45700">
+          <a:bodyPr spcFirstLastPara="1" wrap="square" lIns="91425" tIns="45700" rIns="91425" bIns="45700" anchor="ctr" anchorCtr="0">
             <a:noAutofit/>
           </a:bodyPr>
           <a:lstStyle>
@@ -3683,15 +3785,19 @@
               <a:defRPr/>
             </a:lvl9pPr>
           </a:lstStyle>
-          <a:p/>
+          <a:p>
+            <a:endParaRPr/>
+          </a:p>
         </p:txBody>
       </p:sp>
       <p:sp>
         <p:nvSpPr>
           <p:cNvPr id="95" name="Google Shape;95;p29"/>
-          <p:cNvSpPr txBox="1"/>
+          <p:cNvSpPr txBox="1">
+            <a:spLocks noGrp="1"/>
+          </p:cNvSpPr>
           <p:nvPr>
-            <p:ph idx="11" type="ftr"/>
+            <p:ph type="ftr" idx="11"/>
           </p:nvPr>
         </p:nvSpPr>
         <p:spPr>
@@ -3708,7 +3814,7 @@
           </a:ln>
         </p:spPr>
         <p:txBody>
-          <a:bodyPr anchorCtr="0" anchor="ctr" bIns="45700" lIns="91425" spcFirstLastPara="1" rIns="91425" wrap="square" tIns="45700">
+          <a:bodyPr spcFirstLastPara="1" wrap="square" lIns="91425" tIns="45700" rIns="91425" bIns="45700" anchor="ctr" anchorCtr="0">
             <a:noAutofit/>
           </a:bodyPr>
           <a:lstStyle>
@@ -3812,15 +3918,19 @@
               <a:defRPr/>
             </a:lvl9pPr>
           </a:lstStyle>
-          <a:p/>
+          <a:p>
+            <a:endParaRPr/>
+          </a:p>
         </p:txBody>
       </p:sp>
       <p:sp>
         <p:nvSpPr>
           <p:cNvPr id="96" name="Google Shape;96;p29"/>
-          <p:cNvSpPr txBox="1"/>
+          <p:cNvSpPr txBox="1">
+            <a:spLocks noGrp="1"/>
+          </p:cNvSpPr>
           <p:nvPr>
-            <p:ph idx="12" type="sldNum"/>
+            <p:ph type="sldNum" idx="12"/>
           </p:nvPr>
         </p:nvSpPr>
         <p:spPr>
@@ -3837,67 +3947,67 @@
           </a:ln>
         </p:spPr>
         <p:txBody>
-          <a:bodyPr anchorCtr="0" anchor="ctr" bIns="45700" lIns="91425" spcFirstLastPara="1" rIns="91425" wrap="square" tIns="45700">
+          <a:bodyPr spcFirstLastPara="1" wrap="square" lIns="91425" tIns="45700" rIns="91425" bIns="45700" anchor="ctr" anchorCtr="0">
             <a:noAutofit/>
           </a:bodyPr>
           <a:lstStyle>
-            <a:lvl1pPr indent="0" lvl="0" marL="0" algn="r">
+            <a:lvl1pPr marL="0" lvl="0" indent="0" algn="r">
               <a:spcBef>
                 <a:spcPts val="0"/>
               </a:spcBef>
               <a:buNone/>
               <a:defRPr/>
             </a:lvl1pPr>
-            <a:lvl2pPr indent="0" lvl="1" marL="0" algn="r">
+            <a:lvl2pPr marL="0" lvl="1" indent="0" algn="r">
               <a:spcBef>
                 <a:spcPts val="0"/>
               </a:spcBef>
               <a:buNone/>
               <a:defRPr/>
             </a:lvl2pPr>
-            <a:lvl3pPr indent="0" lvl="2" marL="0" algn="r">
+            <a:lvl3pPr marL="0" lvl="2" indent="0" algn="r">
               <a:spcBef>
                 <a:spcPts val="0"/>
               </a:spcBef>
               <a:buNone/>
               <a:defRPr/>
             </a:lvl3pPr>
-            <a:lvl4pPr indent="0" lvl="3" marL="0" algn="r">
+            <a:lvl4pPr marL="0" lvl="3" indent="0" algn="r">
               <a:spcBef>
                 <a:spcPts val="0"/>
               </a:spcBef>
               <a:buNone/>
               <a:defRPr/>
             </a:lvl4pPr>
-            <a:lvl5pPr indent="0" lvl="4" marL="0" algn="r">
+            <a:lvl5pPr marL="0" lvl="4" indent="0" algn="r">
               <a:spcBef>
                 <a:spcPts val="0"/>
               </a:spcBef>
               <a:buNone/>
               <a:defRPr/>
             </a:lvl5pPr>
-            <a:lvl6pPr indent="0" lvl="5" marL="0" algn="r">
+            <a:lvl6pPr marL="0" lvl="5" indent="0" algn="r">
               <a:spcBef>
                 <a:spcPts val="0"/>
               </a:spcBef>
               <a:buNone/>
               <a:defRPr/>
             </a:lvl6pPr>
-            <a:lvl7pPr indent="0" lvl="6" marL="0" algn="r">
+            <a:lvl7pPr marL="0" lvl="6" indent="0" algn="r">
               <a:spcBef>
                 <a:spcPts val="0"/>
               </a:spcBef>
               <a:buNone/>
               <a:defRPr/>
             </a:lvl7pPr>
-            <a:lvl8pPr indent="0" lvl="7" marL="0" algn="r">
+            <a:lvl8pPr marL="0" lvl="7" indent="0" algn="r">
               <a:spcBef>
                 <a:spcPts val="0"/>
               </a:spcBef>
               <a:buNone/>
               <a:defRPr/>
             </a:lvl8pPr>
-            <a:lvl9pPr indent="0" lvl="8" marL="0" algn="r">
+            <a:lvl9pPr marL="0" lvl="8" indent="0" algn="r">
               <a:spcBef>
                 <a:spcPts val="0"/>
               </a:spcBef>
@@ -3906,7 +4016,7 @@
             </a:lvl9pPr>
           </a:lstStyle>
           <a:p>
-            <a:pPr indent="0" lvl="0" marL="0" rtl="0" algn="r">
+            <a:pPr marL="0" lvl="0" indent="0" algn="r" rtl="0">
               <a:spcBef>
                 <a:spcPts val="0"/>
               </a:spcBef>
@@ -3932,11 +4042,11 @@
 </file>
 
 <file path=ppt/slideLayouts/slideLayout2.xml><?xml version="1.0" encoding="utf-8"?>
-<p:sldLayout xmlns:a="http://schemas.openxmlformats.org/drawingml/2006/main" xmlns:r="http://schemas.openxmlformats.org/officeDocument/2006/relationships" xmlns:mc="http://schemas.openxmlformats.org/markup-compatibility/2006" xmlns:mv="urn:schemas-microsoft-com:mac:vml" xmlns:p="http://schemas.openxmlformats.org/presentationml/2006/main" xmlns:c="http://schemas.openxmlformats.org/drawingml/2006/chart" xmlns:dgm="http://schemas.openxmlformats.org/drawingml/2006/diagram" xmlns:o="urn:schemas-microsoft-com:office:office" xmlns:v="urn:schemas-microsoft-com:vml" xmlns:pvml="urn:schemas-microsoft-com:office:powerpoint" xmlns:com="http://schemas.openxmlformats.org/drawingml/2006/compatibility" xmlns:p14="http://schemas.microsoft.com/office/powerpoint/2010/main" xmlns:p15="http://schemas.microsoft.com/office/powerpoint/2012/main" xmlns:ahyp="http://schemas.microsoft.com/office/drawing/2018/hyperlinkcolor" matchingName="Title and Content" type="obj">
+<p:sldLayout xmlns:a="http://schemas.openxmlformats.org/drawingml/2006/main" xmlns:r="http://schemas.openxmlformats.org/officeDocument/2006/relationships" xmlns:p="http://schemas.openxmlformats.org/presentationml/2006/main" matchingName="Title and Content" type="obj">
   <p:cSld name="OBJECT">
     <p:spTree>
       <p:nvGrpSpPr>
-        <p:cNvPr id="23" name="Shape 23"/>
+        <p:cNvPr id="1" name="Shape 23"/>
         <p:cNvGrpSpPr/>
         <p:nvPr/>
       </p:nvGrpSpPr>
@@ -3951,7 +4061,9 @@
       <p:sp>
         <p:nvSpPr>
           <p:cNvPr id="24" name="Google Shape;24;p20"/>
-          <p:cNvSpPr txBox="1"/>
+          <p:cNvSpPr txBox="1">
+            <a:spLocks noGrp="1"/>
+          </p:cNvSpPr>
           <p:nvPr>
             <p:ph type="title"/>
           </p:nvPr>
@@ -3970,7 +4082,7 @@
           </a:ln>
         </p:spPr>
         <p:txBody>
-          <a:bodyPr anchorCtr="0" anchor="b" bIns="45700" lIns="91425" spcFirstLastPara="1" rIns="91425" wrap="square" tIns="45700">
+          <a:bodyPr spcFirstLastPara="1" wrap="square" lIns="91425" tIns="45700" rIns="91425" bIns="45700" anchor="b" anchorCtr="0">
             <a:normAutofit/>
           </a:bodyPr>
           <a:lstStyle>
@@ -4080,15 +4192,19 @@
               <a:defRPr/>
             </a:lvl9pPr>
           </a:lstStyle>
-          <a:p/>
+          <a:p>
+            <a:endParaRPr/>
+          </a:p>
         </p:txBody>
       </p:sp>
       <p:sp>
         <p:nvSpPr>
           <p:cNvPr id="25" name="Google Shape;25;p20"/>
-          <p:cNvSpPr txBox="1"/>
+          <p:cNvSpPr txBox="1">
+            <a:spLocks noGrp="1"/>
+          </p:cNvSpPr>
           <p:nvPr>
-            <p:ph idx="1" type="body"/>
+            <p:ph type="body" idx="1"/>
           </p:nvPr>
         </p:nvSpPr>
         <p:spPr>
@@ -4105,11 +4221,11 @@
           </a:ln>
         </p:spPr>
         <p:txBody>
-          <a:bodyPr anchorCtr="0" anchor="t" bIns="45700" lIns="0" spcFirstLastPara="1" rIns="0" wrap="square" tIns="45700">
+          <a:bodyPr spcFirstLastPara="1" wrap="square" lIns="0" tIns="45700" rIns="0" bIns="45700" anchor="t" anchorCtr="0">
             <a:normAutofit/>
           </a:bodyPr>
           <a:lstStyle>
-            <a:lvl1pPr indent="-342900" lvl="0" marL="457200" algn="l">
+            <a:lvl1pPr marL="457200" lvl="0" indent="-342900" algn="l">
               <a:lnSpc>
                 <a:spcPct val="90000"/>
               </a:lnSpc>
@@ -4123,7 +4239,7 @@
               <a:buChar char=" "/>
               <a:defRPr/>
             </a:lvl1pPr>
-            <a:lvl2pPr indent="-342900" lvl="1" marL="914400" algn="l">
+            <a:lvl2pPr marL="914400" lvl="1" indent="-342900" algn="l">
               <a:lnSpc>
                 <a:spcPct val="90000"/>
               </a:lnSpc>
@@ -4137,7 +4253,7 @@
               <a:buChar char="◦"/>
               <a:defRPr/>
             </a:lvl2pPr>
-            <a:lvl3pPr indent="-342900" lvl="2" marL="1371600" algn="l">
+            <a:lvl3pPr marL="1371600" lvl="2" indent="-342900" algn="l">
               <a:lnSpc>
                 <a:spcPct val="90000"/>
               </a:lnSpc>
@@ -4151,7 +4267,7 @@
               <a:buChar char="◦"/>
               <a:defRPr/>
             </a:lvl3pPr>
-            <a:lvl4pPr indent="-342900" lvl="3" marL="1828800" algn="l">
+            <a:lvl4pPr marL="1828800" lvl="3" indent="-342900" algn="l">
               <a:lnSpc>
                 <a:spcPct val="90000"/>
               </a:lnSpc>
@@ -4165,7 +4281,7 @@
               <a:buChar char="◦"/>
               <a:defRPr/>
             </a:lvl4pPr>
-            <a:lvl5pPr indent="-342900" lvl="4" marL="2286000" algn="l">
+            <a:lvl5pPr marL="2286000" lvl="4" indent="-342900" algn="l">
               <a:lnSpc>
                 <a:spcPct val="90000"/>
               </a:lnSpc>
@@ -4179,7 +4295,7 @@
               <a:buChar char="◦"/>
               <a:defRPr/>
             </a:lvl5pPr>
-            <a:lvl6pPr indent="-342900" lvl="5" marL="2743200" algn="l">
+            <a:lvl6pPr marL="2743200" lvl="5" indent="-342900" algn="l">
               <a:lnSpc>
                 <a:spcPct val="90000"/>
               </a:lnSpc>
@@ -4193,7 +4309,7 @@
               <a:buChar char="◦"/>
               <a:defRPr/>
             </a:lvl6pPr>
-            <a:lvl7pPr indent="-342900" lvl="6" marL="3200400" algn="l">
+            <a:lvl7pPr marL="3200400" lvl="6" indent="-342900" algn="l">
               <a:lnSpc>
                 <a:spcPct val="90000"/>
               </a:lnSpc>
@@ -4207,7 +4323,7 @@
               <a:buChar char="◦"/>
               <a:defRPr/>
             </a:lvl7pPr>
-            <a:lvl8pPr indent="-342900" lvl="7" marL="3657600" algn="l">
+            <a:lvl8pPr marL="3657600" lvl="7" indent="-342900" algn="l">
               <a:lnSpc>
                 <a:spcPct val="90000"/>
               </a:lnSpc>
@@ -4221,7 +4337,7 @@
               <a:buChar char="◦"/>
               <a:defRPr/>
             </a:lvl8pPr>
-            <a:lvl9pPr indent="-342900" lvl="8" marL="4114800" algn="l">
+            <a:lvl9pPr marL="4114800" lvl="8" indent="-342900" algn="l">
               <a:lnSpc>
                 <a:spcPct val="90000"/>
               </a:lnSpc>
@@ -4236,15 +4352,19 @@
               <a:defRPr/>
             </a:lvl9pPr>
           </a:lstStyle>
-          <a:p/>
+          <a:p>
+            <a:endParaRPr/>
+          </a:p>
         </p:txBody>
       </p:sp>
       <p:sp>
         <p:nvSpPr>
           <p:cNvPr id="26" name="Google Shape;26;p20"/>
-          <p:cNvSpPr txBox="1"/>
+          <p:cNvSpPr txBox="1">
+            <a:spLocks noGrp="1"/>
+          </p:cNvSpPr>
           <p:nvPr>
-            <p:ph idx="10" type="dt"/>
+            <p:ph type="dt" idx="10"/>
           </p:nvPr>
         </p:nvSpPr>
         <p:spPr>
@@ -4261,7 +4381,7 @@
           </a:ln>
         </p:spPr>
         <p:txBody>
-          <a:bodyPr anchorCtr="0" anchor="ctr" bIns="45700" lIns="91425" spcFirstLastPara="1" rIns="91425" wrap="square" tIns="45700">
+          <a:bodyPr spcFirstLastPara="1" wrap="square" lIns="91425" tIns="45700" rIns="91425" bIns="45700" anchor="ctr" anchorCtr="0">
             <a:noAutofit/>
           </a:bodyPr>
           <a:lstStyle>
@@ -4365,15 +4485,19 @@
               <a:defRPr/>
             </a:lvl9pPr>
           </a:lstStyle>
-          <a:p/>
+          <a:p>
+            <a:endParaRPr/>
+          </a:p>
         </p:txBody>
       </p:sp>
       <p:sp>
         <p:nvSpPr>
           <p:cNvPr id="27" name="Google Shape;27;p20"/>
-          <p:cNvSpPr txBox="1"/>
+          <p:cNvSpPr txBox="1">
+            <a:spLocks noGrp="1"/>
+          </p:cNvSpPr>
           <p:nvPr>
-            <p:ph idx="11" type="ftr"/>
+            <p:ph type="ftr" idx="11"/>
           </p:nvPr>
         </p:nvSpPr>
         <p:spPr>
@@ -4390,7 +4514,7 @@
           </a:ln>
         </p:spPr>
         <p:txBody>
-          <a:bodyPr anchorCtr="0" anchor="ctr" bIns="45700" lIns="91425" spcFirstLastPara="1" rIns="91425" wrap="square" tIns="45700">
+          <a:bodyPr spcFirstLastPara="1" wrap="square" lIns="91425" tIns="45700" rIns="91425" bIns="45700" anchor="ctr" anchorCtr="0">
             <a:noAutofit/>
           </a:bodyPr>
           <a:lstStyle>
@@ -4494,15 +4618,19 @@
               <a:defRPr/>
             </a:lvl9pPr>
           </a:lstStyle>
-          <a:p/>
+          <a:p>
+            <a:endParaRPr/>
+          </a:p>
         </p:txBody>
       </p:sp>
       <p:sp>
         <p:nvSpPr>
           <p:cNvPr id="28" name="Google Shape;28;p20"/>
-          <p:cNvSpPr txBox="1"/>
+          <p:cNvSpPr txBox="1">
+            <a:spLocks noGrp="1"/>
+          </p:cNvSpPr>
           <p:nvPr>
-            <p:ph idx="12" type="sldNum"/>
+            <p:ph type="sldNum" idx="12"/>
           </p:nvPr>
         </p:nvSpPr>
         <p:spPr>
@@ -4519,67 +4647,67 @@
           </a:ln>
         </p:spPr>
         <p:txBody>
-          <a:bodyPr anchorCtr="0" anchor="ctr" bIns="45700" lIns="91425" spcFirstLastPara="1" rIns="91425" wrap="square" tIns="45700">
+          <a:bodyPr spcFirstLastPara="1" wrap="square" lIns="91425" tIns="45700" rIns="91425" bIns="45700" anchor="ctr" anchorCtr="0">
             <a:noAutofit/>
           </a:bodyPr>
           <a:lstStyle>
-            <a:lvl1pPr indent="0" lvl="0" marL="0" algn="r">
+            <a:lvl1pPr marL="0" lvl="0" indent="0" algn="r">
               <a:spcBef>
                 <a:spcPts val="0"/>
               </a:spcBef>
               <a:buNone/>
               <a:defRPr/>
             </a:lvl1pPr>
-            <a:lvl2pPr indent="0" lvl="1" marL="0" algn="r">
+            <a:lvl2pPr marL="0" lvl="1" indent="0" algn="r">
               <a:spcBef>
                 <a:spcPts val="0"/>
               </a:spcBef>
               <a:buNone/>
               <a:defRPr/>
             </a:lvl2pPr>
-            <a:lvl3pPr indent="0" lvl="2" marL="0" algn="r">
+            <a:lvl3pPr marL="0" lvl="2" indent="0" algn="r">
               <a:spcBef>
                 <a:spcPts val="0"/>
               </a:spcBef>
               <a:buNone/>
               <a:defRPr/>
             </a:lvl3pPr>
-            <a:lvl4pPr indent="0" lvl="3" marL="0" algn="r">
+            <a:lvl4pPr marL="0" lvl="3" indent="0" algn="r">
               <a:spcBef>
                 <a:spcPts val="0"/>
               </a:spcBef>
               <a:buNone/>
               <a:defRPr/>
             </a:lvl4pPr>
-            <a:lvl5pPr indent="0" lvl="4" marL="0" algn="r">
+            <a:lvl5pPr marL="0" lvl="4" indent="0" algn="r">
               <a:spcBef>
                 <a:spcPts val="0"/>
               </a:spcBef>
               <a:buNone/>
               <a:defRPr/>
             </a:lvl5pPr>
-            <a:lvl6pPr indent="0" lvl="5" marL="0" algn="r">
+            <a:lvl6pPr marL="0" lvl="5" indent="0" algn="r">
               <a:spcBef>
                 <a:spcPts val="0"/>
               </a:spcBef>
               <a:buNone/>
               <a:defRPr/>
             </a:lvl6pPr>
-            <a:lvl7pPr indent="0" lvl="6" marL="0" algn="r">
+            <a:lvl7pPr marL="0" lvl="6" indent="0" algn="r">
               <a:spcBef>
                 <a:spcPts val="0"/>
               </a:spcBef>
               <a:buNone/>
               <a:defRPr/>
             </a:lvl7pPr>
-            <a:lvl8pPr indent="0" lvl="7" marL="0" algn="r">
+            <a:lvl8pPr marL="0" lvl="7" indent="0" algn="r">
               <a:spcBef>
                 <a:spcPts val="0"/>
               </a:spcBef>
               <a:buNone/>
               <a:defRPr/>
             </a:lvl8pPr>
-            <a:lvl9pPr indent="0" lvl="8" marL="0" algn="r">
+            <a:lvl9pPr marL="0" lvl="8" indent="0" algn="r">
               <a:spcBef>
                 <a:spcPts val="0"/>
               </a:spcBef>
@@ -4588,7 +4716,7 @@
             </a:lvl9pPr>
           </a:lstStyle>
           <a:p>
-            <a:pPr indent="0" lvl="0" marL="0" rtl="0" algn="r">
+            <a:pPr marL="0" lvl="0" indent="0" algn="r" rtl="0">
               <a:spcBef>
                 <a:spcPts val="0"/>
               </a:spcBef>
@@ -4614,18 +4742,19 @@
 </file>
 
 <file path=ppt/slideLayouts/slideLayout3.xml><?xml version="1.0" encoding="utf-8"?>
-<p:sldLayout xmlns:a="http://schemas.openxmlformats.org/drawingml/2006/main" xmlns:r="http://schemas.openxmlformats.org/officeDocument/2006/relationships" xmlns:mc="http://schemas.openxmlformats.org/markup-compatibility/2006" xmlns:mv="urn:schemas-microsoft-com:mac:vml" xmlns:p="http://schemas.openxmlformats.org/presentationml/2006/main" xmlns:c="http://schemas.openxmlformats.org/drawingml/2006/chart" xmlns:dgm="http://schemas.openxmlformats.org/drawingml/2006/diagram" xmlns:o="urn:schemas-microsoft-com:office:office" xmlns:v="urn:schemas-microsoft-com:vml" xmlns:pvml="urn:schemas-microsoft-com:office:powerpoint" xmlns:com="http://schemas.openxmlformats.org/drawingml/2006/compatibility" xmlns:p14="http://schemas.microsoft.com/office/powerpoint/2010/main" xmlns:p15="http://schemas.microsoft.com/office/powerpoint/2012/main" xmlns:ahyp="http://schemas.microsoft.com/office/drawing/2018/hyperlinkcolor" matchingName="Section Header" showMasterSp="0" type="secHead">
+<p:sldLayout xmlns:a="http://schemas.openxmlformats.org/drawingml/2006/main" xmlns:r="http://schemas.openxmlformats.org/officeDocument/2006/relationships" xmlns:p="http://schemas.openxmlformats.org/presentationml/2006/main" showMasterSp="0" matchingName="Section Header" type="secHead">
   <p:cSld name="SECTION_HEADER">
     <p:bg>
       <p:bgPr>
         <a:solidFill>
           <a:schemeClr val="lt1"/>
         </a:solidFill>
+        <a:effectLst/>
       </p:bgPr>
     </p:bg>
     <p:spTree>
       <p:nvGrpSpPr>
-        <p:cNvPr id="29" name="Shape 29"/>
+        <p:cNvPr id="1" name="Shape 29"/>
         <p:cNvGrpSpPr/>
         <p:nvPr/>
       </p:nvGrpSpPr>
@@ -4659,12 +4788,12 @@
           </a:ln>
         </p:spPr>
         <p:txBody>
-          <a:bodyPr anchorCtr="0" anchor="ctr" bIns="91425" lIns="91425" spcFirstLastPara="1" rIns="91425" wrap="square" tIns="91425">
+          <a:bodyPr spcFirstLastPara="1" wrap="square" lIns="91425" tIns="91425" rIns="91425" bIns="91425" anchor="ctr" anchorCtr="0">
             <a:noAutofit/>
           </a:bodyPr>
           <a:lstStyle/>
           <a:p>
-            <a:pPr indent="0" lvl="0" marL="0" rtl="0" algn="l">
+            <a:pPr marL="0" lvl="0" indent="0" algn="l" rtl="0">
               <a:spcBef>
                 <a:spcPts val="0"/>
               </a:spcBef>
@@ -4673,9 +4802,6 @@
               </a:spcAft>
               <a:buNone/>
             </a:pPr>
-            <a:r>
-              <a:t/>
-            </a:r>
             <a:endParaRPr/>
           </a:p>
         </p:txBody>
@@ -4702,12 +4828,12 @@
           </a:ln>
         </p:spPr>
         <p:txBody>
-          <a:bodyPr anchorCtr="0" anchor="ctr" bIns="91425" lIns="91425" spcFirstLastPara="1" rIns="91425" wrap="square" tIns="91425">
+          <a:bodyPr spcFirstLastPara="1" wrap="square" lIns="91425" tIns="91425" rIns="91425" bIns="91425" anchor="ctr" anchorCtr="0">
             <a:noAutofit/>
           </a:bodyPr>
           <a:lstStyle/>
           <a:p>
-            <a:pPr indent="0" lvl="0" marL="0" rtl="0" algn="l">
+            <a:pPr marL="0" lvl="0" indent="0" algn="l" rtl="0">
               <a:spcBef>
                 <a:spcPts val="0"/>
               </a:spcBef>
@@ -4716,9 +4842,6 @@
               </a:spcAft>
               <a:buNone/>
             </a:pPr>
-            <a:r>
-              <a:t/>
-            </a:r>
             <a:endParaRPr/>
           </a:p>
         </p:txBody>
@@ -4726,7 +4849,9 @@
       <p:sp>
         <p:nvSpPr>
           <p:cNvPr id="32" name="Google Shape;32;p21"/>
-          <p:cNvSpPr txBox="1"/>
+          <p:cNvSpPr txBox="1">
+            <a:spLocks noGrp="1"/>
+          </p:cNvSpPr>
           <p:nvPr>
             <p:ph type="title"/>
           </p:nvPr>
@@ -4745,7 +4870,7 @@
           </a:ln>
         </p:spPr>
         <p:txBody>
-          <a:bodyPr anchorCtr="0" anchor="b" bIns="45700" lIns="91425" spcFirstLastPara="1" rIns="91425" wrap="square" tIns="45700">
+          <a:bodyPr spcFirstLastPara="1" wrap="square" lIns="91425" tIns="45700" rIns="91425" bIns="45700" anchor="b" anchorCtr="0">
             <a:normAutofit/>
           </a:bodyPr>
           <a:lstStyle>
@@ -4765,7 +4890,7 @@
               <a:buSzPts val="8000"/>
               <a:buFont typeface="Calibri"/>
               <a:buNone/>
-              <a:defRPr b="0" sz="8000">
+              <a:defRPr sz="8000" b="0">
                 <a:solidFill>
                   <a:srgbClr val="262626"/>
                 </a:solidFill>
@@ -4860,15 +4985,19 @@
               <a:defRPr/>
             </a:lvl9pPr>
           </a:lstStyle>
-          <a:p/>
+          <a:p>
+            <a:endParaRPr/>
+          </a:p>
         </p:txBody>
       </p:sp>
       <p:sp>
         <p:nvSpPr>
           <p:cNvPr id="33" name="Google Shape;33;p21"/>
-          <p:cNvSpPr txBox="1"/>
+          <p:cNvSpPr txBox="1">
+            <a:spLocks noGrp="1"/>
+          </p:cNvSpPr>
           <p:nvPr>
-            <p:ph idx="1" type="body"/>
+            <p:ph type="body" idx="1"/>
           </p:nvPr>
         </p:nvSpPr>
         <p:spPr>
@@ -4885,11 +5014,11 @@
           </a:ln>
         </p:spPr>
         <p:txBody>
-          <a:bodyPr anchorCtr="0" anchor="t" bIns="45700" lIns="91425" spcFirstLastPara="1" rIns="91425" wrap="square" tIns="45700">
+          <a:bodyPr spcFirstLastPara="1" wrap="square" lIns="91425" tIns="45700" rIns="91425" bIns="45700" anchor="t" anchorCtr="0">
             <a:normAutofit/>
           </a:bodyPr>
           <a:lstStyle>
-            <a:lvl1pPr indent="-228600" lvl="0" marL="457200" algn="l">
+            <a:lvl1pPr marL="457200" lvl="0" indent="-228600" algn="l">
               <a:lnSpc>
                 <a:spcPct val="90000"/>
               </a:lnSpc>
@@ -4911,7 +5040,7 @@
                 <a:sym typeface="Calibri"/>
               </a:defRPr>
             </a:lvl1pPr>
-            <a:lvl2pPr indent="-228600" lvl="1" marL="914400" algn="l">
+            <a:lvl2pPr marL="914400" lvl="1" indent="-228600" algn="l">
               <a:lnSpc>
                 <a:spcPct val="90000"/>
               </a:lnSpc>
@@ -4929,7 +5058,7 @@
                 </a:solidFill>
               </a:defRPr>
             </a:lvl2pPr>
-            <a:lvl3pPr indent="-228600" lvl="2" marL="1371600" algn="l">
+            <a:lvl3pPr marL="1371600" lvl="2" indent="-228600" algn="l">
               <a:lnSpc>
                 <a:spcPct val="90000"/>
               </a:lnSpc>
@@ -4947,7 +5076,7 @@
                 </a:solidFill>
               </a:defRPr>
             </a:lvl3pPr>
-            <a:lvl4pPr indent="-228600" lvl="3" marL="1828800" algn="l">
+            <a:lvl4pPr marL="1828800" lvl="3" indent="-228600" algn="l">
               <a:lnSpc>
                 <a:spcPct val="90000"/>
               </a:lnSpc>
@@ -4965,7 +5094,7 @@
                 </a:solidFill>
               </a:defRPr>
             </a:lvl4pPr>
-            <a:lvl5pPr indent="-228600" lvl="4" marL="2286000" algn="l">
+            <a:lvl5pPr marL="2286000" lvl="4" indent="-228600" algn="l">
               <a:lnSpc>
                 <a:spcPct val="90000"/>
               </a:lnSpc>
@@ -4983,7 +5112,7 @@
                 </a:solidFill>
               </a:defRPr>
             </a:lvl5pPr>
-            <a:lvl6pPr indent="-228600" lvl="5" marL="2743200" algn="l">
+            <a:lvl6pPr marL="2743200" lvl="5" indent="-228600" algn="l">
               <a:lnSpc>
                 <a:spcPct val="90000"/>
               </a:lnSpc>
@@ -5001,7 +5130,7 @@
                 </a:solidFill>
               </a:defRPr>
             </a:lvl6pPr>
-            <a:lvl7pPr indent="-228600" lvl="6" marL="3200400" algn="l">
+            <a:lvl7pPr marL="3200400" lvl="6" indent="-228600" algn="l">
               <a:lnSpc>
                 <a:spcPct val="90000"/>
               </a:lnSpc>
@@ -5019,7 +5148,7 @@
                 </a:solidFill>
               </a:defRPr>
             </a:lvl7pPr>
-            <a:lvl8pPr indent="-228600" lvl="7" marL="3657600" algn="l">
+            <a:lvl8pPr marL="3657600" lvl="7" indent="-228600" algn="l">
               <a:lnSpc>
                 <a:spcPct val="90000"/>
               </a:lnSpc>
@@ -5037,7 +5166,7 @@
                 </a:solidFill>
               </a:defRPr>
             </a:lvl8pPr>
-            <a:lvl9pPr indent="-228600" lvl="8" marL="4114800" algn="l">
+            <a:lvl9pPr marL="4114800" lvl="8" indent="-228600" algn="l">
               <a:lnSpc>
                 <a:spcPct val="90000"/>
               </a:lnSpc>
@@ -5056,15 +5185,19 @@
               </a:defRPr>
             </a:lvl9pPr>
           </a:lstStyle>
-          <a:p/>
+          <a:p>
+            <a:endParaRPr/>
+          </a:p>
         </p:txBody>
       </p:sp>
       <p:sp>
         <p:nvSpPr>
           <p:cNvPr id="34" name="Google Shape;34;p21"/>
-          <p:cNvSpPr txBox="1"/>
+          <p:cNvSpPr txBox="1">
+            <a:spLocks noGrp="1"/>
+          </p:cNvSpPr>
           <p:nvPr>
-            <p:ph idx="10" type="dt"/>
+            <p:ph type="dt" idx="10"/>
           </p:nvPr>
         </p:nvSpPr>
         <p:spPr>
@@ -5081,7 +5214,7 @@
           </a:ln>
         </p:spPr>
         <p:txBody>
-          <a:bodyPr anchorCtr="0" anchor="ctr" bIns="45700" lIns="91425" spcFirstLastPara="1" rIns="91425" wrap="square" tIns="45700">
+          <a:bodyPr spcFirstLastPara="1" wrap="square" lIns="91425" tIns="45700" rIns="91425" bIns="45700" anchor="ctr" anchorCtr="0">
             <a:noAutofit/>
           </a:bodyPr>
           <a:lstStyle>
@@ -5185,15 +5318,19 @@
               <a:defRPr/>
             </a:lvl9pPr>
           </a:lstStyle>
-          <a:p/>
+          <a:p>
+            <a:endParaRPr/>
+          </a:p>
         </p:txBody>
       </p:sp>
       <p:sp>
         <p:nvSpPr>
           <p:cNvPr id="35" name="Google Shape;35;p21"/>
-          <p:cNvSpPr txBox="1"/>
+          <p:cNvSpPr txBox="1">
+            <a:spLocks noGrp="1"/>
+          </p:cNvSpPr>
           <p:nvPr>
-            <p:ph idx="11" type="ftr"/>
+            <p:ph type="ftr" idx="11"/>
           </p:nvPr>
         </p:nvSpPr>
         <p:spPr>
@@ -5210,7 +5347,7 @@
           </a:ln>
         </p:spPr>
         <p:txBody>
-          <a:bodyPr anchorCtr="0" anchor="ctr" bIns="45700" lIns="91425" spcFirstLastPara="1" rIns="91425" wrap="square" tIns="45700">
+          <a:bodyPr spcFirstLastPara="1" wrap="square" lIns="91425" tIns="45700" rIns="91425" bIns="45700" anchor="ctr" anchorCtr="0">
             <a:noAutofit/>
           </a:bodyPr>
           <a:lstStyle>
@@ -5314,15 +5451,19 @@
               <a:defRPr/>
             </a:lvl9pPr>
           </a:lstStyle>
-          <a:p/>
+          <a:p>
+            <a:endParaRPr/>
+          </a:p>
         </p:txBody>
       </p:sp>
       <p:sp>
         <p:nvSpPr>
           <p:cNvPr id="36" name="Google Shape;36;p21"/>
-          <p:cNvSpPr txBox="1"/>
+          <p:cNvSpPr txBox="1">
+            <a:spLocks noGrp="1"/>
+          </p:cNvSpPr>
           <p:nvPr>
-            <p:ph idx="12" type="sldNum"/>
+            <p:ph type="sldNum" idx="12"/>
           </p:nvPr>
         </p:nvSpPr>
         <p:spPr>
@@ -5339,67 +5480,67 @@
           </a:ln>
         </p:spPr>
         <p:txBody>
-          <a:bodyPr anchorCtr="0" anchor="ctr" bIns="45700" lIns="91425" spcFirstLastPara="1" rIns="91425" wrap="square" tIns="45700">
+          <a:bodyPr spcFirstLastPara="1" wrap="square" lIns="91425" tIns="45700" rIns="91425" bIns="45700" anchor="ctr" anchorCtr="0">
             <a:noAutofit/>
           </a:bodyPr>
           <a:lstStyle>
-            <a:lvl1pPr indent="0" lvl="0" marL="0" algn="r">
+            <a:lvl1pPr marL="0" lvl="0" indent="0" algn="r">
               <a:spcBef>
                 <a:spcPts val="0"/>
               </a:spcBef>
               <a:buNone/>
               <a:defRPr/>
             </a:lvl1pPr>
-            <a:lvl2pPr indent="0" lvl="1" marL="0" algn="r">
+            <a:lvl2pPr marL="0" lvl="1" indent="0" algn="r">
               <a:spcBef>
                 <a:spcPts val="0"/>
               </a:spcBef>
               <a:buNone/>
               <a:defRPr/>
             </a:lvl2pPr>
-            <a:lvl3pPr indent="0" lvl="2" marL="0" algn="r">
+            <a:lvl3pPr marL="0" lvl="2" indent="0" algn="r">
               <a:spcBef>
                 <a:spcPts val="0"/>
               </a:spcBef>
               <a:buNone/>
               <a:defRPr/>
             </a:lvl3pPr>
-            <a:lvl4pPr indent="0" lvl="3" marL="0" algn="r">
+            <a:lvl4pPr marL="0" lvl="3" indent="0" algn="r">
               <a:spcBef>
                 <a:spcPts val="0"/>
               </a:spcBef>
               <a:buNone/>
               <a:defRPr/>
             </a:lvl4pPr>
-            <a:lvl5pPr indent="0" lvl="4" marL="0" algn="r">
+            <a:lvl5pPr marL="0" lvl="4" indent="0" algn="r">
               <a:spcBef>
                 <a:spcPts val="0"/>
               </a:spcBef>
               <a:buNone/>
               <a:defRPr/>
             </a:lvl5pPr>
-            <a:lvl6pPr indent="0" lvl="5" marL="0" algn="r">
+            <a:lvl6pPr marL="0" lvl="5" indent="0" algn="r">
               <a:spcBef>
                 <a:spcPts val="0"/>
               </a:spcBef>
               <a:buNone/>
               <a:defRPr/>
             </a:lvl6pPr>
-            <a:lvl7pPr indent="0" lvl="6" marL="0" algn="r">
+            <a:lvl7pPr marL="0" lvl="6" indent="0" algn="r">
               <a:spcBef>
                 <a:spcPts val="0"/>
               </a:spcBef>
               <a:buNone/>
               <a:defRPr/>
             </a:lvl7pPr>
-            <a:lvl8pPr indent="0" lvl="7" marL="0" algn="r">
+            <a:lvl8pPr marL="0" lvl="7" indent="0" algn="r">
               <a:spcBef>
                 <a:spcPts val="0"/>
               </a:spcBef>
               <a:buNone/>
               <a:defRPr/>
             </a:lvl8pPr>
-            <a:lvl9pPr indent="0" lvl="8" marL="0" algn="r">
+            <a:lvl9pPr marL="0" lvl="8" indent="0" algn="r">
               <a:spcBef>
                 <a:spcPts val="0"/>
               </a:spcBef>
@@ -5408,7 +5549,7 @@
             </a:lvl9pPr>
           </a:lstStyle>
           <a:p>
-            <a:pPr indent="0" lvl="0" marL="0" rtl="0" algn="r">
+            <a:pPr marL="0" lvl="0" indent="0" algn="r" rtl="0">
               <a:spcBef>
                 <a:spcPts val="0"/>
               </a:spcBef>
@@ -5440,14 +5581,14 @@
             <a:avLst/>
           </a:prstGeom>
           <a:noFill/>
-          <a:ln cap="flat" cmpd="sng" w="9525">
+          <a:ln w="9525" cap="flat" cmpd="sng">
             <a:solidFill>
               <a:srgbClr val="7F7F7F"/>
             </a:solidFill>
             <a:prstDash val="solid"/>
             <a:round/>
-            <a:headEnd len="sm" w="sm" type="none"/>
-            <a:tailEnd len="sm" w="sm" type="none"/>
+            <a:headEnd type="none" w="sm" len="sm"/>
+            <a:tailEnd type="none" w="sm" len="sm"/>
           </a:ln>
         </p:spPr>
       </p:cxnSp>
@@ -5460,11 +5601,11 @@
 </file>
 
 <file path=ppt/slideLayouts/slideLayout4.xml><?xml version="1.0" encoding="utf-8"?>
-<p:sldLayout xmlns:a="http://schemas.openxmlformats.org/drawingml/2006/main" xmlns:r="http://schemas.openxmlformats.org/officeDocument/2006/relationships" xmlns:mc="http://schemas.openxmlformats.org/markup-compatibility/2006" xmlns:mv="urn:schemas-microsoft-com:mac:vml" xmlns:p="http://schemas.openxmlformats.org/presentationml/2006/main" xmlns:c="http://schemas.openxmlformats.org/drawingml/2006/chart" xmlns:dgm="http://schemas.openxmlformats.org/drawingml/2006/diagram" xmlns:o="urn:schemas-microsoft-com:office:office" xmlns:v="urn:schemas-microsoft-com:vml" xmlns:pvml="urn:schemas-microsoft-com:office:powerpoint" xmlns:com="http://schemas.openxmlformats.org/drawingml/2006/compatibility" xmlns:p14="http://schemas.microsoft.com/office/powerpoint/2010/main" xmlns:p15="http://schemas.microsoft.com/office/powerpoint/2012/main" xmlns:ahyp="http://schemas.microsoft.com/office/drawing/2018/hyperlinkcolor" matchingName="Two Content" type="twoObj">
+<p:sldLayout xmlns:a="http://schemas.openxmlformats.org/drawingml/2006/main" xmlns:r="http://schemas.openxmlformats.org/officeDocument/2006/relationships" xmlns:p="http://schemas.openxmlformats.org/presentationml/2006/main" matchingName="Two Content" type="twoObj">
   <p:cSld name="TWO_OBJECTS">
     <p:spTree>
       <p:nvGrpSpPr>
-        <p:cNvPr id="38" name="Shape 38"/>
+        <p:cNvPr id="1" name="Shape 38"/>
         <p:cNvGrpSpPr/>
         <p:nvPr/>
       </p:nvGrpSpPr>
@@ -5479,7 +5620,9 @@
       <p:sp>
         <p:nvSpPr>
           <p:cNvPr id="39" name="Google Shape;39;p22"/>
-          <p:cNvSpPr txBox="1"/>
+          <p:cNvSpPr txBox="1">
+            <a:spLocks noGrp="1"/>
+          </p:cNvSpPr>
           <p:nvPr>
             <p:ph type="title"/>
           </p:nvPr>
@@ -5498,7 +5641,7 @@
           </a:ln>
         </p:spPr>
         <p:txBody>
-          <a:bodyPr anchorCtr="0" anchor="b" bIns="45700" lIns="91425" spcFirstLastPara="1" rIns="91425" wrap="square" tIns="45700">
+          <a:bodyPr spcFirstLastPara="1" wrap="square" lIns="91425" tIns="45700" rIns="91425" bIns="45700" anchor="b" anchorCtr="0">
             <a:normAutofit/>
           </a:bodyPr>
           <a:lstStyle>
@@ -5608,15 +5751,19 @@
               <a:defRPr/>
             </a:lvl9pPr>
           </a:lstStyle>
-          <a:p/>
+          <a:p>
+            <a:endParaRPr/>
+          </a:p>
         </p:txBody>
       </p:sp>
       <p:sp>
         <p:nvSpPr>
           <p:cNvPr id="40" name="Google Shape;40;p22"/>
-          <p:cNvSpPr txBox="1"/>
+          <p:cNvSpPr txBox="1">
+            <a:spLocks noGrp="1"/>
+          </p:cNvSpPr>
           <p:nvPr>
-            <p:ph idx="1" type="body"/>
+            <p:ph type="body" idx="1"/>
           </p:nvPr>
         </p:nvSpPr>
         <p:spPr>
@@ -5633,11 +5780,11 @@
           </a:ln>
         </p:spPr>
         <p:txBody>
-          <a:bodyPr anchorCtr="0" anchor="t" bIns="45700" lIns="0" spcFirstLastPara="1" rIns="0" wrap="square" tIns="45700">
+          <a:bodyPr spcFirstLastPara="1" wrap="square" lIns="0" tIns="45700" rIns="0" bIns="45700" anchor="t" anchorCtr="0">
             <a:normAutofit/>
           </a:bodyPr>
           <a:lstStyle>
-            <a:lvl1pPr indent="-342900" lvl="0" marL="457200" algn="l">
+            <a:lvl1pPr marL="457200" lvl="0" indent="-342900" algn="l">
               <a:lnSpc>
                 <a:spcPct val="90000"/>
               </a:lnSpc>
@@ -5651,7 +5798,7 @@
               <a:buChar char=" "/>
               <a:defRPr/>
             </a:lvl1pPr>
-            <a:lvl2pPr indent="-342900" lvl="1" marL="914400" algn="l">
+            <a:lvl2pPr marL="914400" lvl="1" indent="-342900" algn="l">
               <a:lnSpc>
                 <a:spcPct val="90000"/>
               </a:lnSpc>
@@ -5665,7 +5812,7 @@
               <a:buChar char="◦"/>
               <a:defRPr/>
             </a:lvl2pPr>
-            <a:lvl3pPr indent="-342900" lvl="2" marL="1371600" algn="l">
+            <a:lvl3pPr marL="1371600" lvl="2" indent="-342900" algn="l">
               <a:lnSpc>
                 <a:spcPct val="90000"/>
               </a:lnSpc>
@@ -5679,7 +5826,7 @@
               <a:buChar char="◦"/>
               <a:defRPr/>
             </a:lvl3pPr>
-            <a:lvl4pPr indent="-342900" lvl="3" marL="1828800" algn="l">
+            <a:lvl4pPr marL="1828800" lvl="3" indent="-342900" algn="l">
               <a:lnSpc>
                 <a:spcPct val="90000"/>
               </a:lnSpc>
@@ -5693,7 +5840,7 @@
               <a:buChar char="◦"/>
               <a:defRPr/>
             </a:lvl4pPr>
-            <a:lvl5pPr indent="-342900" lvl="4" marL="2286000" algn="l">
+            <a:lvl5pPr marL="2286000" lvl="4" indent="-342900" algn="l">
               <a:lnSpc>
                 <a:spcPct val="90000"/>
               </a:lnSpc>
@@ -5707,7 +5854,7 @@
               <a:buChar char="◦"/>
               <a:defRPr/>
             </a:lvl5pPr>
-            <a:lvl6pPr indent="-342900" lvl="5" marL="2743200" algn="l">
+            <a:lvl6pPr marL="2743200" lvl="5" indent="-342900" algn="l">
               <a:lnSpc>
                 <a:spcPct val="90000"/>
               </a:lnSpc>
@@ -5721,7 +5868,7 @@
               <a:buChar char="◦"/>
               <a:defRPr/>
             </a:lvl6pPr>
-            <a:lvl7pPr indent="-342900" lvl="6" marL="3200400" algn="l">
+            <a:lvl7pPr marL="3200400" lvl="6" indent="-342900" algn="l">
               <a:lnSpc>
                 <a:spcPct val="90000"/>
               </a:lnSpc>
@@ -5735,7 +5882,7 @@
               <a:buChar char="◦"/>
               <a:defRPr/>
             </a:lvl7pPr>
-            <a:lvl8pPr indent="-342900" lvl="7" marL="3657600" algn="l">
+            <a:lvl8pPr marL="3657600" lvl="7" indent="-342900" algn="l">
               <a:lnSpc>
                 <a:spcPct val="90000"/>
               </a:lnSpc>
@@ -5749,7 +5896,7 @@
               <a:buChar char="◦"/>
               <a:defRPr/>
             </a:lvl8pPr>
-            <a:lvl9pPr indent="-342900" lvl="8" marL="4114800" algn="l">
+            <a:lvl9pPr marL="4114800" lvl="8" indent="-342900" algn="l">
               <a:lnSpc>
                 <a:spcPct val="90000"/>
               </a:lnSpc>
@@ -5764,15 +5911,19 @@
               <a:defRPr/>
             </a:lvl9pPr>
           </a:lstStyle>
-          <a:p/>
+          <a:p>
+            <a:endParaRPr/>
+          </a:p>
         </p:txBody>
       </p:sp>
       <p:sp>
         <p:nvSpPr>
           <p:cNvPr id="41" name="Google Shape;41;p22"/>
-          <p:cNvSpPr txBox="1"/>
+          <p:cNvSpPr txBox="1">
+            <a:spLocks noGrp="1"/>
+          </p:cNvSpPr>
           <p:nvPr>
-            <p:ph idx="2" type="body"/>
+            <p:ph type="body" idx="2"/>
           </p:nvPr>
         </p:nvSpPr>
         <p:spPr>
@@ -5789,11 +5940,11 @@
           </a:ln>
         </p:spPr>
         <p:txBody>
-          <a:bodyPr anchorCtr="0" anchor="t" bIns="45700" lIns="0" spcFirstLastPara="1" rIns="0" wrap="square" tIns="45700">
+          <a:bodyPr spcFirstLastPara="1" wrap="square" lIns="0" tIns="45700" rIns="0" bIns="45700" anchor="t" anchorCtr="0">
             <a:normAutofit/>
           </a:bodyPr>
           <a:lstStyle>
-            <a:lvl1pPr indent="-342900" lvl="0" marL="457200" algn="l">
+            <a:lvl1pPr marL="457200" lvl="0" indent="-342900" algn="l">
               <a:lnSpc>
                 <a:spcPct val="90000"/>
               </a:lnSpc>
@@ -5807,7 +5958,7 @@
               <a:buChar char=" "/>
               <a:defRPr/>
             </a:lvl1pPr>
-            <a:lvl2pPr indent="-342900" lvl="1" marL="914400" algn="l">
+            <a:lvl2pPr marL="914400" lvl="1" indent="-342900" algn="l">
               <a:lnSpc>
                 <a:spcPct val="90000"/>
               </a:lnSpc>
@@ -5821,7 +5972,7 @@
               <a:buChar char="◦"/>
               <a:defRPr/>
             </a:lvl2pPr>
-            <a:lvl3pPr indent="-342900" lvl="2" marL="1371600" algn="l">
+            <a:lvl3pPr marL="1371600" lvl="2" indent="-342900" algn="l">
               <a:lnSpc>
                 <a:spcPct val="90000"/>
               </a:lnSpc>
@@ -5835,7 +5986,7 @@
               <a:buChar char="◦"/>
               <a:defRPr/>
             </a:lvl3pPr>
-            <a:lvl4pPr indent="-342900" lvl="3" marL="1828800" algn="l">
+            <a:lvl4pPr marL="1828800" lvl="3" indent="-342900" algn="l">
               <a:lnSpc>
                 <a:spcPct val="90000"/>
               </a:lnSpc>
@@ -5849,7 +6000,7 @@
               <a:buChar char="◦"/>
               <a:defRPr/>
             </a:lvl4pPr>
-            <a:lvl5pPr indent="-342900" lvl="4" marL="2286000" algn="l">
+            <a:lvl5pPr marL="2286000" lvl="4" indent="-342900" algn="l">
               <a:lnSpc>
                 <a:spcPct val="90000"/>
               </a:lnSpc>
@@ -5863,7 +6014,7 @@
               <a:buChar char="◦"/>
               <a:defRPr/>
             </a:lvl5pPr>
-            <a:lvl6pPr indent="-342900" lvl="5" marL="2743200" algn="l">
+            <a:lvl6pPr marL="2743200" lvl="5" indent="-342900" algn="l">
               <a:lnSpc>
                 <a:spcPct val="90000"/>
               </a:lnSpc>
@@ -5877,7 +6028,7 @@
               <a:buChar char="◦"/>
               <a:defRPr/>
             </a:lvl6pPr>
-            <a:lvl7pPr indent="-342900" lvl="6" marL="3200400" algn="l">
+            <a:lvl7pPr marL="3200400" lvl="6" indent="-342900" algn="l">
               <a:lnSpc>
                 <a:spcPct val="90000"/>
               </a:lnSpc>
@@ -5891,7 +6042,7 @@
               <a:buChar char="◦"/>
               <a:defRPr/>
             </a:lvl7pPr>
-            <a:lvl8pPr indent="-342900" lvl="7" marL="3657600" algn="l">
+            <a:lvl8pPr marL="3657600" lvl="7" indent="-342900" algn="l">
               <a:lnSpc>
                 <a:spcPct val="90000"/>
               </a:lnSpc>
@@ -5905,7 +6056,7 @@
               <a:buChar char="◦"/>
               <a:defRPr/>
             </a:lvl8pPr>
-            <a:lvl9pPr indent="-342900" lvl="8" marL="4114800" algn="l">
+            <a:lvl9pPr marL="4114800" lvl="8" indent="-342900" algn="l">
               <a:lnSpc>
                 <a:spcPct val="90000"/>
               </a:lnSpc>
@@ -5920,15 +6071,19 @@
               <a:defRPr/>
             </a:lvl9pPr>
           </a:lstStyle>
-          <a:p/>
+          <a:p>
+            <a:endParaRPr/>
+          </a:p>
         </p:txBody>
       </p:sp>
       <p:sp>
         <p:nvSpPr>
           <p:cNvPr id="42" name="Google Shape;42;p22"/>
-          <p:cNvSpPr txBox="1"/>
+          <p:cNvSpPr txBox="1">
+            <a:spLocks noGrp="1"/>
+          </p:cNvSpPr>
           <p:nvPr>
-            <p:ph idx="10" type="dt"/>
+            <p:ph type="dt" idx="10"/>
           </p:nvPr>
         </p:nvSpPr>
         <p:spPr>
@@ -5945,7 +6100,7 @@
           </a:ln>
         </p:spPr>
         <p:txBody>
-          <a:bodyPr anchorCtr="0" anchor="ctr" bIns="45700" lIns="91425" spcFirstLastPara="1" rIns="91425" wrap="square" tIns="45700">
+          <a:bodyPr spcFirstLastPara="1" wrap="square" lIns="91425" tIns="45700" rIns="91425" bIns="45700" anchor="ctr" anchorCtr="0">
             <a:noAutofit/>
           </a:bodyPr>
           <a:lstStyle>
@@ -6049,15 +6204,19 @@
               <a:defRPr/>
             </a:lvl9pPr>
           </a:lstStyle>
-          <a:p/>
+          <a:p>
+            <a:endParaRPr/>
+          </a:p>
         </p:txBody>
       </p:sp>
       <p:sp>
         <p:nvSpPr>
           <p:cNvPr id="43" name="Google Shape;43;p22"/>
-          <p:cNvSpPr txBox="1"/>
+          <p:cNvSpPr txBox="1">
+            <a:spLocks noGrp="1"/>
+          </p:cNvSpPr>
           <p:nvPr>
-            <p:ph idx="11" type="ftr"/>
+            <p:ph type="ftr" idx="11"/>
           </p:nvPr>
         </p:nvSpPr>
         <p:spPr>
@@ -6074,7 +6233,7 @@
           </a:ln>
         </p:spPr>
         <p:txBody>
-          <a:bodyPr anchorCtr="0" anchor="ctr" bIns="45700" lIns="91425" spcFirstLastPara="1" rIns="91425" wrap="square" tIns="45700">
+          <a:bodyPr spcFirstLastPara="1" wrap="square" lIns="91425" tIns="45700" rIns="91425" bIns="45700" anchor="ctr" anchorCtr="0">
             <a:noAutofit/>
           </a:bodyPr>
           <a:lstStyle>
@@ -6178,15 +6337,19 @@
               <a:defRPr/>
             </a:lvl9pPr>
           </a:lstStyle>
-          <a:p/>
+          <a:p>
+            <a:endParaRPr/>
+          </a:p>
         </p:txBody>
       </p:sp>
       <p:sp>
         <p:nvSpPr>
           <p:cNvPr id="44" name="Google Shape;44;p22"/>
-          <p:cNvSpPr txBox="1"/>
+          <p:cNvSpPr txBox="1">
+            <a:spLocks noGrp="1"/>
+          </p:cNvSpPr>
           <p:nvPr>
-            <p:ph idx="12" type="sldNum"/>
+            <p:ph type="sldNum" idx="12"/>
           </p:nvPr>
         </p:nvSpPr>
         <p:spPr>
@@ -6203,67 +6366,67 @@
           </a:ln>
         </p:spPr>
         <p:txBody>
-          <a:bodyPr anchorCtr="0" anchor="ctr" bIns="45700" lIns="91425" spcFirstLastPara="1" rIns="91425" wrap="square" tIns="45700">
+          <a:bodyPr spcFirstLastPara="1" wrap="square" lIns="91425" tIns="45700" rIns="91425" bIns="45700" anchor="ctr" anchorCtr="0">
             <a:noAutofit/>
           </a:bodyPr>
           <a:lstStyle>
-            <a:lvl1pPr indent="0" lvl="0" marL="0" algn="r">
+            <a:lvl1pPr marL="0" lvl="0" indent="0" algn="r">
               <a:spcBef>
                 <a:spcPts val="0"/>
               </a:spcBef>
               <a:buNone/>
               <a:defRPr/>
             </a:lvl1pPr>
-            <a:lvl2pPr indent="0" lvl="1" marL="0" algn="r">
+            <a:lvl2pPr marL="0" lvl="1" indent="0" algn="r">
               <a:spcBef>
                 <a:spcPts val="0"/>
               </a:spcBef>
               <a:buNone/>
               <a:defRPr/>
             </a:lvl2pPr>
-            <a:lvl3pPr indent="0" lvl="2" marL="0" algn="r">
+            <a:lvl3pPr marL="0" lvl="2" indent="0" algn="r">
               <a:spcBef>
                 <a:spcPts val="0"/>
               </a:spcBef>
               <a:buNone/>
               <a:defRPr/>
             </a:lvl3pPr>
-            <a:lvl4pPr indent="0" lvl="3" marL="0" algn="r">
+            <a:lvl4pPr marL="0" lvl="3" indent="0" algn="r">
               <a:spcBef>
                 <a:spcPts val="0"/>
               </a:spcBef>
               <a:buNone/>
               <a:defRPr/>
             </a:lvl4pPr>
-            <a:lvl5pPr indent="0" lvl="4" marL="0" algn="r">
+            <a:lvl5pPr marL="0" lvl="4" indent="0" algn="r">
               <a:spcBef>
                 <a:spcPts val="0"/>
               </a:spcBef>
               <a:buNone/>
               <a:defRPr/>
             </a:lvl5pPr>
-            <a:lvl6pPr indent="0" lvl="5" marL="0" algn="r">
+            <a:lvl6pPr marL="0" lvl="5" indent="0" algn="r">
               <a:spcBef>
                 <a:spcPts val="0"/>
               </a:spcBef>
               <a:buNone/>
               <a:defRPr/>
             </a:lvl6pPr>
-            <a:lvl7pPr indent="0" lvl="6" marL="0" algn="r">
+            <a:lvl7pPr marL="0" lvl="6" indent="0" algn="r">
               <a:spcBef>
                 <a:spcPts val="0"/>
               </a:spcBef>
               <a:buNone/>
               <a:defRPr/>
             </a:lvl7pPr>
-            <a:lvl8pPr indent="0" lvl="7" marL="0" algn="r">
+            <a:lvl8pPr marL="0" lvl="7" indent="0" algn="r">
               <a:spcBef>
                 <a:spcPts val="0"/>
               </a:spcBef>
               <a:buNone/>
               <a:defRPr/>
             </a:lvl8pPr>
-            <a:lvl9pPr indent="0" lvl="8" marL="0" algn="r">
+            <a:lvl9pPr marL="0" lvl="8" indent="0" algn="r">
               <a:spcBef>
                 <a:spcPts val="0"/>
               </a:spcBef>
@@ -6272,7 +6435,7 @@
             </a:lvl9pPr>
           </a:lstStyle>
           <a:p>
-            <a:pPr indent="0" lvl="0" marL="0" rtl="0" algn="r">
+            <a:pPr marL="0" lvl="0" indent="0" algn="r" rtl="0">
               <a:spcBef>
                 <a:spcPts val="0"/>
               </a:spcBef>
@@ -6298,11 +6461,11 @@
 </file>
 
 <file path=ppt/slideLayouts/slideLayout5.xml><?xml version="1.0" encoding="utf-8"?>
-<p:sldLayout xmlns:a="http://schemas.openxmlformats.org/drawingml/2006/main" xmlns:r="http://schemas.openxmlformats.org/officeDocument/2006/relationships" xmlns:mc="http://schemas.openxmlformats.org/markup-compatibility/2006" xmlns:mv="urn:schemas-microsoft-com:mac:vml" xmlns:p="http://schemas.openxmlformats.org/presentationml/2006/main" xmlns:c="http://schemas.openxmlformats.org/drawingml/2006/chart" xmlns:dgm="http://schemas.openxmlformats.org/drawingml/2006/diagram" xmlns:o="urn:schemas-microsoft-com:office:office" xmlns:v="urn:schemas-microsoft-com:vml" xmlns:pvml="urn:schemas-microsoft-com:office:powerpoint" xmlns:com="http://schemas.openxmlformats.org/drawingml/2006/compatibility" xmlns:p14="http://schemas.microsoft.com/office/powerpoint/2010/main" xmlns:p15="http://schemas.microsoft.com/office/powerpoint/2012/main" xmlns:ahyp="http://schemas.microsoft.com/office/drawing/2018/hyperlinkcolor" matchingName="Comparison" type="twoTxTwoObj">
+<p:sldLayout xmlns:a="http://schemas.openxmlformats.org/drawingml/2006/main" xmlns:r="http://schemas.openxmlformats.org/officeDocument/2006/relationships" xmlns:p="http://schemas.openxmlformats.org/presentationml/2006/main" matchingName="Comparison" type="twoTxTwoObj">
   <p:cSld name="TWO_OBJECTS_WITH_TEXT">
     <p:spTree>
       <p:nvGrpSpPr>
-        <p:cNvPr id="45" name="Shape 45"/>
+        <p:cNvPr id="1" name="Shape 45"/>
         <p:cNvGrpSpPr/>
         <p:nvPr/>
       </p:nvGrpSpPr>
@@ -6317,7 +6480,9 @@
       <p:sp>
         <p:nvSpPr>
           <p:cNvPr id="46" name="Google Shape;46;p23"/>
-          <p:cNvSpPr txBox="1"/>
+          <p:cNvSpPr txBox="1">
+            <a:spLocks noGrp="1"/>
+          </p:cNvSpPr>
           <p:nvPr>
             <p:ph type="title"/>
           </p:nvPr>
@@ -6336,7 +6501,7 @@
           </a:ln>
         </p:spPr>
         <p:txBody>
-          <a:bodyPr anchorCtr="0" anchor="b" bIns="45700" lIns="91425" spcFirstLastPara="1" rIns="91425" wrap="square" tIns="45700">
+          <a:bodyPr spcFirstLastPara="1" wrap="square" lIns="91425" tIns="45700" rIns="91425" bIns="45700" anchor="b" anchorCtr="0">
             <a:normAutofit/>
           </a:bodyPr>
           <a:lstStyle>
@@ -6446,15 +6611,19 @@
               <a:defRPr/>
             </a:lvl9pPr>
           </a:lstStyle>
-          <a:p/>
+          <a:p>
+            <a:endParaRPr/>
+          </a:p>
         </p:txBody>
       </p:sp>
       <p:sp>
         <p:nvSpPr>
           <p:cNvPr id="47" name="Google Shape;47;p23"/>
-          <p:cNvSpPr txBox="1"/>
+          <p:cNvSpPr txBox="1">
+            <a:spLocks noGrp="1"/>
+          </p:cNvSpPr>
           <p:nvPr>
-            <p:ph idx="1" type="body"/>
+            <p:ph type="body" idx="1"/>
           </p:nvPr>
         </p:nvSpPr>
         <p:spPr>
@@ -6471,11 +6640,11 @@
           </a:ln>
         </p:spPr>
         <p:txBody>
-          <a:bodyPr anchorCtr="0" anchor="ctr" bIns="45700" lIns="91425" spcFirstLastPara="1" rIns="91425" wrap="square" tIns="45700">
+          <a:bodyPr spcFirstLastPara="1" wrap="square" lIns="91425" tIns="45700" rIns="91425" bIns="45700" anchor="ctr" anchorCtr="0">
             <a:normAutofit/>
           </a:bodyPr>
           <a:lstStyle>
-            <a:lvl1pPr indent="-228600" lvl="0" marL="457200" algn="l">
+            <a:lvl1pPr marL="457200" lvl="0" indent="-228600" algn="l">
               <a:lnSpc>
                 <a:spcPct val="90000"/>
               </a:lnSpc>
@@ -6487,13 +6656,13 @@
               </a:spcAft>
               <a:buSzPts val="2000"/>
               <a:buNone/>
-              <a:defRPr b="0" sz="2000" cap="none">
+              <a:defRPr sz="2000" b="0" cap="none">
                 <a:solidFill>
                   <a:schemeClr val="dk2"/>
                 </a:solidFill>
               </a:defRPr>
             </a:lvl1pPr>
-            <a:lvl2pPr indent="-228600" lvl="1" marL="914400" algn="l">
+            <a:lvl2pPr marL="914400" lvl="1" indent="-228600" algn="l">
               <a:lnSpc>
                 <a:spcPct val="90000"/>
               </a:lnSpc>
@@ -6505,9 +6674,9 @@
               </a:spcAft>
               <a:buSzPts val="2000"/>
               <a:buNone/>
-              <a:defRPr b="1" sz="2000"/>
+              <a:defRPr sz="2000" b="1"/>
             </a:lvl2pPr>
-            <a:lvl3pPr indent="-228600" lvl="2" marL="1371600" algn="l">
+            <a:lvl3pPr marL="1371600" lvl="2" indent="-228600" algn="l">
               <a:lnSpc>
                 <a:spcPct val="90000"/>
               </a:lnSpc>
@@ -6519,9 +6688,9 @@
               </a:spcAft>
               <a:buSzPts val="1800"/>
               <a:buNone/>
-              <a:defRPr b="1" sz="1800"/>
+              <a:defRPr sz="1800" b="1"/>
             </a:lvl3pPr>
-            <a:lvl4pPr indent="-228600" lvl="3" marL="1828800" algn="l">
+            <a:lvl4pPr marL="1828800" lvl="3" indent="-228600" algn="l">
               <a:lnSpc>
                 <a:spcPct val="90000"/>
               </a:lnSpc>
@@ -6533,9 +6702,9 @@
               </a:spcAft>
               <a:buSzPts val="1600"/>
               <a:buNone/>
-              <a:defRPr b="1" sz="1600"/>
+              <a:defRPr sz="1600" b="1"/>
             </a:lvl4pPr>
-            <a:lvl5pPr indent="-228600" lvl="4" marL="2286000" algn="l">
+            <a:lvl5pPr marL="2286000" lvl="4" indent="-228600" algn="l">
               <a:lnSpc>
                 <a:spcPct val="90000"/>
               </a:lnSpc>
@@ -6547,9 +6716,9 @@
               </a:spcAft>
               <a:buSzPts val="1600"/>
               <a:buNone/>
-              <a:defRPr b="1" sz="1600"/>
+              <a:defRPr sz="1600" b="1"/>
             </a:lvl5pPr>
-            <a:lvl6pPr indent="-228600" lvl="5" marL="2743200" algn="l">
+            <a:lvl6pPr marL="2743200" lvl="5" indent="-228600" algn="l">
               <a:lnSpc>
                 <a:spcPct val="90000"/>
               </a:lnSpc>
@@ -6561,9 +6730,9 @@
               </a:spcAft>
               <a:buSzPts val="1600"/>
               <a:buNone/>
-              <a:defRPr b="1" sz="1600"/>
+              <a:defRPr sz="1600" b="1"/>
             </a:lvl6pPr>
-            <a:lvl7pPr indent="-228600" lvl="6" marL="3200400" algn="l">
+            <a:lvl7pPr marL="3200400" lvl="6" indent="-228600" algn="l">
               <a:lnSpc>
                 <a:spcPct val="90000"/>
               </a:lnSpc>
@@ -6575,9 +6744,9 @@
               </a:spcAft>
               <a:buSzPts val="1600"/>
               <a:buNone/>
-              <a:defRPr b="1" sz="1600"/>
+              <a:defRPr sz="1600" b="1"/>
             </a:lvl7pPr>
-            <a:lvl8pPr indent="-228600" lvl="7" marL="3657600" algn="l">
+            <a:lvl8pPr marL="3657600" lvl="7" indent="-228600" algn="l">
               <a:lnSpc>
                 <a:spcPct val="90000"/>
               </a:lnSpc>
@@ -6589,9 +6758,9 @@
               </a:spcAft>
               <a:buSzPts val="1600"/>
               <a:buNone/>
-              <a:defRPr b="1" sz="1600"/>
+              <a:defRPr sz="1600" b="1"/>
             </a:lvl8pPr>
-            <a:lvl9pPr indent="-228600" lvl="8" marL="4114800" algn="l">
+            <a:lvl9pPr marL="4114800" lvl="8" indent="-228600" algn="l">
               <a:lnSpc>
                 <a:spcPct val="90000"/>
               </a:lnSpc>
@@ -6603,18 +6772,22 @@
               </a:spcAft>
               <a:buSzPts val="1600"/>
               <a:buNone/>
-              <a:defRPr b="1" sz="1600"/>
+              <a:defRPr sz="1600" b="1"/>
             </a:lvl9pPr>
           </a:lstStyle>
-          <a:p/>
+          <a:p>
+            <a:endParaRPr/>
+          </a:p>
         </p:txBody>
       </p:sp>
       <p:sp>
         <p:nvSpPr>
           <p:cNvPr id="48" name="Google Shape;48;p23"/>
-          <p:cNvSpPr txBox="1"/>
+          <p:cNvSpPr txBox="1">
+            <a:spLocks noGrp="1"/>
+          </p:cNvSpPr>
           <p:nvPr>
-            <p:ph idx="2" type="body"/>
+            <p:ph type="body" idx="2"/>
           </p:nvPr>
         </p:nvSpPr>
         <p:spPr>
@@ -6631,11 +6804,11 @@
           </a:ln>
         </p:spPr>
         <p:txBody>
-          <a:bodyPr anchorCtr="0" anchor="t" bIns="45700" lIns="0" spcFirstLastPara="1" rIns="0" wrap="square" tIns="45700">
+          <a:bodyPr spcFirstLastPara="1" wrap="square" lIns="0" tIns="45700" rIns="0" bIns="45700" anchor="t" anchorCtr="0">
             <a:normAutofit/>
           </a:bodyPr>
           <a:lstStyle>
-            <a:lvl1pPr indent="-342900" lvl="0" marL="457200" algn="l">
+            <a:lvl1pPr marL="457200" lvl="0" indent="-342900" algn="l">
               <a:lnSpc>
                 <a:spcPct val="90000"/>
               </a:lnSpc>
@@ -6649,7 +6822,7 @@
               <a:buChar char=" "/>
               <a:defRPr/>
             </a:lvl1pPr>
-            <a:lvl2pPr indent="-342900" lvl="1" marL="914400" algn="l">
+            <a:lvl2pPr marL="914400" lvl="1" indent="-342900" algn="l">
               <a:lnSpc>
                 <a:spcPct val="90000"/>
               </a:lnSpc>
@@ -6663,7 +6836,7 @@
               <a:buChar char="◦"/>
               <a:defRPr/>
             </a:lvl2pPr>
-            <a:lvl3pPr indent="-342900" lvl="2" marL="1371600" algn="l">
+            <a:lvl3pPr marL="1371600" lvl="2" indent="-342900" algn="l">
               <a:lnSpc>
                 <a:spcPct val="90000"/>
               </a:lnSpc>
@@ -6677,7 +6850,7 @@
               <a:buChar char="◦"/>
               <a:defRPr/>
             </a:lvl3pPr>
-            <a:lvl4pPr indent="-342900" lvl="3" marL="1828800" algn="l">
+            <a:lvl4pPr marL="1828800" lvl="3" indent="-342900" algn="l">
               <a:lnSpc>
                 <a:spcPct val="90000"/>
               </a:lnSpc>
@@ -6691,7 +6864,7 @@
               <a:buChar char="◦"/>
               <a:defRPr/>
             </a:lvl4pPr>
-            <a:lvl5pPr indent="-342900" lvl="4" marL="2286000" algn="l">
+            <a:lvl5pPr marL="2286000" lvl="4" indent="-342900" algn="l">
               <a:lnSpc>
                 <a:spcPct val="90000"/>
               </a:lnSpc>
@@ -6705,7 +6878,7 @@
               <a:buChar char="◦"/>
               <a:defRPr/>
             </a:lvl5pPr>
-            <a:lvl6pPr indent="-342900" lvl="5" marL="2743200" algn="l">
+            <a:lvl6pPr marL="2743200" lvl="5" indent="-342900" algn="l">
               <a:lnSpc>
                 <a:spcPct val="90000"/>
               </a:lnSpc>
@@ -6719,7 +6892,7 @@
               <a:buChar char="◦"/>
               <a:defRPr/>
             </a:lvl6pPr>
-            <a:lvl7pPr indent="-342900" lvl="6" marL="3200400" algn="l">
+            <a:lvl7pPr marL="3200400" lvl="6" indent="-342900" algn="l">
               <a:lnSpc>
                 <a:spcPct val="90000"/>
               </a:lnSpc>
@@ -6733,7 +6906,7 @@
               <a:buChar char="◦"/>
               <a:defRPr/>
             </a:lvl7pPr>
-            <a:lvl8pPr indent="-342900" lvl="7" marL="3657600" algn="l">
+            <a:lvl8pPr marL="3657600" lvl="7" indent="-342900" algn="l">
               <a:lnSpc>
                 <a:spcPct val="90000"/>
               </a:lnSpc>
@@ -6747,7 +6920,7 @@
               <a:buChar char="◦"/>
               <a:defRPr/>
             </a:lvl8pPr>
-            <a:lvl9pPr indent="-342900" lvl="8" marL="4114800" algn="l">
+            <a:lvl9pPr marL="4114800" lvl="8" indent="-342900" algn="l">
               <a:lnSpc>
                 <a:spcPct val="90000"/>
               </a:lnSpc>
@@ -6762,15 +6935,19 @@
               <a:defRPr/>
             </a:lvl9pPr>
           </a:lstStyle>
-          <a:p/>
+          <a:p>
+            <a:endParaRPr/>
+          </a:p>
         </p:txBody>
       </p:sp>
       <p:sp>
         <p:nvSpPr>
           <p:cNvPr id="49" name="Google Shape;49;p23"/>
-          <p:cNvSpPr txBox="1"/>
+          <p:cNvSpPr txBox="1">
+            <a:spLocks noGrp="1"/>
+          </p:cNvSpPr>
           <p:nvPr>
-            <p:ph idx="3" type="body"/>
+            <p:ph type="body" idx="3"/>
           </p:nvPr>
         </p:nvSpPr>
         <p:spPr>
@@ -6787,11 +6964,11 @@
           </a:ln>
         </p:spPr>
         <p:txBody>
-          <a:bodyPr anchorCtr="0" anchor="ctr" bIns="45700" lIns="91425" spcFirstLastPara="1" rIns="91425" wrap="square" tIns="45700">
+          <a:bodyPr spcFirstLastPara="1" wrap="square" lIns="91425" tIns="45700" rIns="91425" bIns="45700" anchor="ctr" anchorCtr="0">
             <a:normAutofit/>
           </a:bodyPr>
           <a:lstStyle>
-            <a:lvl1pPr indent="-228600" lvl="0" marL="457200" algn="l">
+            <a:lvl1pPr marL="457200" lvl="0" indent="-228600" algn="l">
               <a:lnSpc>
                 <a:spcPct val="90000"/>
               </a:lnSpc>
@@ -6803,13 +6980,13 @@
               </a:spcAft>
               <a:buSzPts val="2000"/>
               <a:buNone/>
-              <a:defRPr b="0" sz="2000" cap="none">
+              <a:defRPr sz="2000" b="0" cap="none">
                 <a:solidFill>
                   <a:schemeClr val="dk2"/>
                 </a:solidFill>
               </a:defRPr>
             </a:lvl1pPr>
-            <a:lvl2pPr indent="-228600" lvl="1" marL="914400" algn="l">
+            <a:lvl2pPr marL="914400" lvl="1" indent="-228600" algn="l">
               <a:lnSpc>
                 <a:spcPct val="90000"/>
               </a:lnSpc>
@@ -6821,9 +6998,9 @@
               </a:spcAft>
               <a:buSzPts val="2000"/>
               <a:buNone/>
-              <a:defRPr b="1" sz="2000"/>
+              <a:defRPr sz="2000" b="1"/>
             </a:lvl2pPr>
-            <a:lvl3pPr indent="-228600" lvl="2" marL="1371600" algn="l">
+            <a:lvl3pPr marL="1371600" lvl="2" indent="-228600" algn="l">
               <a:lnSpc>
                 <a:spcPct val="90000"/>
               </a:lnSpc>
@@ -6835,9 +7012,9 @@
               </a:spcAft>
               <a:buSzPts val="1800"/>
               <a:buNone/>
-              <a:defRPr b="1" sz="1800"/>
+              <a:defRPr sz="1800" b="1"/>
             </a:lvl3pPr>
-            <a:lvl4pPr indent="-228600" lvl="3" marL="1828800" algn="l">
+            <a:lvl4pPr marL="1828800" lvl="3" indent="-228600" algn="l">
               <a:lnSpc>
                 <a:spcPct val="90000"/>
               </a:lnSpc>
@@ -6849,9 +7026,9 @@
               </a:spcAft>
               <a:buSzPts val="1600"/>
               <a:buNone/>
-              <a:defRPr b="1" sz="1600"/>
+              <a:defRPr sz="1600" b="1"/>
             </a:lvl4pPr>
-            <a:lvl5pPr indent="-228600" lvl="4" marL="2286000" algn="l">
+            <a:lvl5pPr marL="2286000" lvl="4" indent="-228600" algn="l">
               <a:lnSpc>
                 <a:spcPct val="90000"/>
               </a:lnSpc>
@@ -6863,9 +7040,9 @@
               </a:spcAft>
               <a:buSzPts val="1600"/>
               <a:buNone/>
-              <a:defRPr b="1" sz="1600"/>
+              <a:defRPr sz="1600" b="1"/>
             </a:lvl5pPr>
-            <a:lvl6pPr indent="-228600" lvl="5" marL="2743200" algn="l">
+            <a:lvl6pPr marL="2743200" lvl="5" indent="-228600" algn="l">
               <a:lnSpc>
                 <a:spcPct val="90000"/>
               </a:lnSpc>
@@ -6877,9 +7054,9 @@
               </a:spcAft>
               <a:buSzPts val="1600"/>
               <a:buNone/>
-              <a:defRPr b="1" sz="1600"/>
+              <a:defRPr sz="1600" b="1"/>
             </a:lvl6pPr>
-            <a:lvl7pPr indent="-228600" lvl="6" marL="3200400" algn="l">
+            <a:lvl7pPr marL="3200400" lvl="6" indent="-228600" algn="l">
               <a:lnSpc>
                 <a:spcPct val="90000"/>
               </a:lnSpc>
@@ -6891,9 +7068,9 @@
               </a:spcAft>
               <a:buSzPts val="1600"/>
               <a:buNone/>
-              <a:defRPr b="1" sz="1600"/>
+              <a:defRPr sz="1600" b="1"/>
             </a:lvl7pPr>
-            <a:lvl8pPr indent="-228600" lvl="7" marL="3657600" algn="l">
+            <a:lvl8pPr marL="3657600" lvl="7" indent="-228600" algn="l">
               <a:lnSpc>
                 <a:spcPct val="90000"/>
               </a:lnSpc>
@@ -6905,9 +7082,9 @@
               </a:spcAft>
               <a:buSzPts val="1600"/>
               <a:buNone/>
-              <a:defRPr b="1" sz="1600"/>
+              <a:defRPr sz="1600" b="1"/>
             </a:lvl8pPr>
-            <a:lvl9pPr indent="-228600" lvl="8" marL="4114800" algn="l">
+            <a:lvl9pPr marL="4114800" lvl="8" indent="-228600" algn="l">
               <a:lnSpc>
                 <a:spcPct val="90000"/>
               </a:lnSpc>
@@ -6919,18 +7096,22 @@
               </a:spcAft>
               <a:buSzPts val="1600"/>
               <a:buNone/>
-              <a:defRPr b="1" sz="1600"/>
+              <a:defRPr sz="1600" b="1"/>
             </a:lvl9pPr>
           </a:lstStyle>
-          <a:p/>
+          <a:p>
+            <a:endParaRPr/>
+          </a:p>
         </p:txBody>
       </p:sp>
       <p:sp>
         <p:nvSpPr>
           <p:cNvPr id="50" name="Google Shape;50;p23"/>
-          <p:cNvSpPr txBox="1"/>
+          <p:cNvSpPr txBox="1">
+            <a:spLocks noGrp="1"/>
+          </p:cNvSpPr>
           <p:nvPr>
-            <p:ph idx="4" type="body"/>
+            <p:ph type="body" idx="4"/>
           </p:nvPr>
         </p:nvSpPr>
         <p:spPr>
@@ -6947,11 +7128,11 @@
           </a:ln>
         </p:spPr>
         <p:txBody>
-          <a:bodyPr anchorCtr="0" anchor="t" bIns="45700" lIns="0" spcFirstLastPara="1" rIns="0" wrap="square" tIns="45700">
+          <a:bodyPr spcFirstLastPara="1" wrap="square" lIns="0" tIns="45700" rIns="0" bIns="45700" anchor="t" anchorCtr="0">
             <a:normAutofit/>
           </a:bodyPr>
           <a:lstStyle>
-            <a:lvl1pPr indent="-342900" lvl="0" marL="457200" algn="l">
+            <a:lvl1pPr marL="457200" lvl="0" indent="-342900" algn="l">
               <a:lnSpc>
                 <a:spcPct val="90000"/>
               </a:lnSpc>
@@ -6965,7 +7146,7 @@
               <a:buChar char=" "/>
               <a:defRPr/>
             </a:lvl1pPr>
-            <a:lvl2pPr indent="-342900" lvl="1" marL="914400" algn="l">
+            <a:lvl2pPr marL="914400" lvl="1" indent="-342900" algn="l">
               <a:lnSpc>
                 <a:spcPct val="90000"/>
               </a:lnSpc>
@@ -6979,7 +7160,7 @@
               <a:buChar char="◦"/>
               <a:defRPr/>
             </a:lvl2pPr>
-            <a:lvl3pPr indent="-342900" lvl="2" marL="1371600" algn="l">
+            <a:lvl3pPr marL="1371600" lvl="2" indent="-342900" algn="l">
               <a:lnSpc>
                 <a:spcPct val="90000"/>
               </a:lnSpc>
@@ -6993,7 +7174,7 @@
               <a:buChar char="◦"/>
               <a:defRPr/>
             </a:lvl3pPr>
-            <a:lvl4pPr indent="-342900" lvl="3" marL="1828800" algn="l">
+            <a:lvl4pPr marL="1828800" lvl="3" indent="-342900" algn="l">
               <a:lnSpc>
                 <a:spcPct val="90000"/>
               </a:lnSpc>
@@ -7007,7 +7188,7 @@
               <a:buChar char="◦"/>
               <a:defRPr/>
             </a:lvl4pPr>
-            <a:lvl5pPr indent="-342900" lvl="4" marL="2286000" algn="l">
+            <a:lvl5pPr marL="2286000" lvl="4" indent="-342900" algn="l">
               <a:lnSpc>
                 <a:spcPct val="90000"/>
               </a:lnSpc>
@@ -7021,7 +7202,7 @@
               <a:buChar char="◦"/>
               <a:defRPr/>
             </a:lvl5pPr>
-            <a:lvl6pPr indent="-342900" lvl="5" marL="2743200" algn="l">
+            <a:lvl6pPr marL="2743200" lvl="5" indent="-342900" algn="l">
               <a:lnSpc>
                 <a:spcPct val="90000"/>
               </a:lnSpc>
@@ -7035,7 +7216,7 @@
               <a:buChar char="◦"/>
               <a:defRPr/>
             </a:lvl6pPr>
-            <a:lvl7pPr indent="-342900" lvl="6" marL="3200400" algn="l">
+            <a:lvl7pPr marL="3200400" lvl="6" indent="-342900" algn="l">
               <a:lnSpc>
                 <a:spcPct val="90000"/>
               </a:lnSpc>
@@ -7049,7 +7230,7 @@
               <a:buChar char="◦"/>
               <a:defRPr/>
             </a:lvl7pPr>
-            <a:lvl8pPr indent="-342900" lvl="7" marL="3657600" algn="l">
+            <a:lvl8pPr marL="3657600" lvl="7" indent="-342900" algn="l">
               <a:lnSpc>
                 <a:spcPct val="90000"/>
               </a:lnSpc>
@@ -7063,7 +7244,7 @@
               <a:buChar char="◦"/>
               <a:defRPr/>
             </a:lvl8pPr>
-            <a:lvl9pPr indent="-342900" lvl="8" marL="4114800" algn="l">
+            <a:lvl9pPr marL="4114800" lvl="8" indent="-342900" algn="l">
               <a:lnSpc>
                 <a:spcPct val="90000"/>
               </a:lnSpc>
@@ -7078,15 +7259,19 @@
               <a:defRPr/>
             </a:lvl9pPr>
           </a:lstStyle>
-          <a:p/>
+          <a:p>
+            <a:endParaRPr/>
+          </a:p>
         </p:txBody>
       </p:sp>
       <p:sp>
         <p:nvSpPr>
           <p:cNvPr id="51" name="Google Shape;51;p23"/>
-          <p:cNvSpPr txBox="1"/>
+          <p:cNvSpPr txBox="1">
+            <a:spLocks noGrp="1"/>
+          </p:cNvSpPr>
           <p:nvPr>
-            <p:ph idx="10" type="dt"/>
+            <p:ph type="dt" idx="10"/>
           </p:nvPr>
         </p:nvSpPr>
         <p:spPr>
@@ -7103,7 +7288,7 @@
           </a:ln>
         </p:spPr>
         <p:txBody>
-          <a:bodyPr anchorCtr="0" anchor="ctr" bIns="45700" lIns="91425" spcFirstLastPara="1" rIns="91425" wrap="square" tIns="45700">
+          <a:bodyPr spcFirstLastPara="1" wrap="square" lIns="91425" tIns="45700" rIns="91425" bIns="45700" anchor="ctr" anchorCtr="0">
             <a:noAutofit/>
           </a:bodyPr>
           <a:lstStyle>
@@ -7207,15 +7392,19 @@
               <a:defRPr/>
             </a:lvl9pPr>
           </a:lstStyle>
-          <a:p/>
+          <a:p>
+            <a:endParaRPr/>
+          </a:p>
         </p:txBody>
       </p:sp>
       <p:sp>
         <p:nvSpPr>
           <p:cNvPr id="52" name="Google Shape;52;p23"/>
-          <p:cNvSpPr txBox="1"/>
+          <p:cNvSpPr txBox="1">
+            <a:spLocks noGrp="1"/>
+          </p:cNvSpPr>
           <p:nvPr>
-            <p:ph idx="11" type="ftr"/>
+            <p:ph type="ftr" idx="11"/>
           </p:nvPr>
         </p:nvSpPr>
         <p:spPr>
@@ -7232,7 +7421,7 @@
           </a:ln>
         </p:spPr>
         <p:txBody>
-          <a:bodyPr anchorCtr="0" anchor="ctr" bIns="45700" lIns="91425" spcFirstLastPara="1" rIns="91425" wrap="square" tIns="45700">
+          <a:bodyPr spcFirstLastPara="1" wrap="square" lIns="91425" tIns="45700" rIns="91425" bIns="45700" anchor="ctr" anchorCtr="0">
             <a:noAutofit/>
           </a:bodyPr>
           <a:lstStyle>
@@ -7336,15 +7525,19 @@
               <a:defRPr/>
             </a:lvl9pPr>
           </a:lstStyle>
-          <a:p/>
+          <a:p>
+            <a:endParaRPr/>
+          </a:p>
         </p:txBody>
       </p:sp>
       <p:sp>
         <p:nvSpPr>
           <p:cNvPr id="53" name="Google Shape;53;p23"/>
-          <p:cNvSpPr txBox="1"/>
+          <p:cNvSpPr txBox="1">
+            <a:spLocks noGrp="1"/>
+          </p:cNvSpPr>
           <p:nvPr>
-            <p:ph idx="12" type="sldNum"/>
+            <p:ph type="sldNum" idx="12"/>
           </p:nvPr>
         </p:nvSpPr>
         <p:spPr>
@@ -7361,67 +7554,67 @@
           </a:ln>
         </p:spPr>
         <p:txBody>
-          <a:bodyPr anchorCtr="0" anchor="ctr" bIns="45700" lIns="91425" spcFirstLastPara="1" rIns="91425" wrap="square" tIns="45700">
+          <a:bodyPr spcFirstLastPara="1" wrap="square" lIns="91425" tIns="45700" rIns="91425" bIns="45700" anchor="ctr" anchorCtr="0">
             <a:noAutofit/>
           </a:bodyPr>
           <a:lstStyle>
-            <a:lvl1pPr indent="0" lvl="0" marL="0" algn="r">
+            <a:lvl1pPr marL="0" lvl="0" indent="0" algn="r">
               <a:spcBef>
                 <a:spcPts val="0"/>
               </a:spcBef>
               <a:buNone/>
               <a:defRPr/>
             </a:lvl1pPr>
-            <a:lvl2pPr indent="0" lvl="1" marL="0" algn="r">
+            <a:lvl2pPr marL="0" lvl="1" indent="0" algn="r">
               <a:spcBef>
                 <a:spcPts val="0"/>
               </a:spcBef>
               <a:buNone/>
               <a:defRPr/>
             </a:lvl2pPr>
-            <a:lvl3pPr indent="0" lvl="2" marL="0" algn="r">
+            <a:lvl3pPr marL="0" lvl="2" indent="0" algn="r">
               <a:spcBef>
                 <a:spcPts val="0"/>
               </a:spcBef>
               <a:buNone/>
               <a:defRPr/>
             </a:lvl3pPr>
-            <a:lvl4pPr indent="0" lvl="3" marL="0" algn="r">
+            <a:lvl4pPr marL="0" lvl="3" indent="0" algn="r">
               <a:spcBef>
                 <a:spcPts val="0"/>
               </a:spcBef>
               <a:buNone/>
               <a:defRPr/>
             </a:lvl4pPr>
-            <a:lvl5pPr indent="0" lvl="4" marL="0" algn="r">
+            <a:lvl5pPr marL="0" lvl="4" indent="0" algn="r">
               <a:spcBef>
                 <a:spcPts val="0"/>
               </a:spcBef>
               <a:buNone/>
               <a:defRPr/>
             </a:lvl5pPr>
-            <a:lvl6pPr indent="0" lvl="5" marL="0" algn="r">
+            <a:lvl6pPr marL="0" lvl="5" indent="0" algn="r">
               <a:spcBef>
                 <a:spcPts val="0"/>
               </a:spcBef>
               <a:buNone/>
               <a:defRPr/>
             </a:lvl6pPr>
-            <a:lvl7pPr indent="0" lvl="6" marL="0" algn="r">
+            <a:lvl7pPr marL="0" lvl="6" indent="0" algn="r">
               <a:spcBef>
                 <a:spcPts val="0"/>
               </a:spcBef>
               <a:buNone/>
               <a:defRPr/>
             </a:lvl7pPr>
-            <a:lvl8pPr indent="0" lvl="7" marL="0" algn="r">
+            <a:lvl8pPr marL="0" lvl="7" indent="0" algn="r">
               <a:spcBef>
                 <a:spcPts val="0"/>
               </a:spcBef>
               <a:buNone/>
               <a:defRPr/>
             </a:lvl8pPr>
-            <a:lvl9pPr indent="0" lvl="8" marL="0" algn="r">
+            <a:lvl9pPr marL="0" lvl="8" indent="0" algn="r">
               <a:spcBef>
                 <a:spcPts val="0"/>
               </a:spcBef>
@@ -7430,7 +7623,7 @@
             </a:lvl9pPr>
           </a:lstStyle>
           <a:p>
-            <a:pPr indent="0" lvl="0" marL="0" rtl="0" algn="r">
+            <a:pPr marL="0" lvl="0" indent="0" algn="r" rtl="0">
               <a:spcBef>
                 <a:spcPts val="0"/>
               </a:spcBef>
@@ -7456,11 +7649,11 @@
 </file>
 
 <file path=ppt/slideLayouts/slideLayout6.xml><?xml version="1.0" encoding="utf-8"?>
-<p:sldLayout xmlns:a="http://schemas.openxmlformats.org/drawingml/2006/main" xmlns:r="http://schemas.openxmlformats.org/officeDocument/2006/relationships" xmlns:mc="http://schemas.openxmlformats.org/markup-compatibility/2006" xmlns:mv="urn:schemas-microsoft-com:mac:vml" xmlns:p="http://schemas.openxmlformats.org/presentationml/2006/main" xmlns:c="http://schemas.openxmlformats.org/drawingml/2006/chart" xmlns:dgm="http://schemas.openxmlformats.org/drawingml/2006/diagram" xmlns:o="urn:schemas-microsoft-com:office:office" xmlns:v="urn:schemas-microsoft-com:vml" xmlns:pvml="urn:schemas-microsoft-com:office:powerpoint" xmlns:com="http://schemas.openxmlformats.org/drawingml/2006/compatibility" xmlns:p14="http://schemas.microsoft.com/office/powerpoint/2010/main" xmlns:p15="http://schemas.microsoft.com/office/powerpoint/2012/main" xmlns:ahyp="http://schemas.microsoft.com/office/drawing/2018/hyperlinkcolor" matchingName="Title Only" type="titleOnly">
+<p:sldLayout xmlns:a="http://schemas.openxmlformats.org/drawingml/2006/main" xmlns:r="http://schemas.openxmlformats.org/officeDocument/2006/relationships" xmlns:p="http://schemas.openxmlformats.org/presentationml/2006/main" matchingName="Title Only" type="titleOnly">
   <p:cSld name="TITLE_ONLY">
     <p:spTree>
       <p:nvGrpSpPr>
-        <p:cNvPr id="54" name="Shape 54"/>
+        <p:cNvPr id="1" name="Shape 54"/>
         <p:cNvGrpSpPr/>
         <p:nvPr/>
       </p:nvGrpSpPr>
@@ -7475,7 +7668,9 @@
       <p:sp>
         <p:nvSpPr>
           <p:cNvPr id="55" name="Google Shape;55;p24"/>
-          <p:cNvSpPr txBox="1"/>
+          <p:cNvSpPr txBox="1">
+            <a:spLocks noGrp="1"/>
+          </p:cNvSpPr>
           <p:nvPr>
             <p:ph type="title"/>
           </p:nvPr>
@@ -7494,7 +7689,7 @@
           </a:ln>
         </p:spPr>
         <p:txBody>
-          <a:bodyPr anchorCtr="0" anchor="b" bIns="45700" lIns="91425" spcFirstLastPara="1" rIns="91425" wrap="square" tIns="45700">
+          <a:bodyPr spcFirstLastPara="1" wrap="square" lIns="91425" tIns="45700" rIns="91425" bIns="45700" anchor="b" anchorCtr="0">
             <a:normAutofit/>
           </a:bodyPr>
           <a:lstStyle>
@@ -7604,15 +7799,19 @@
               <a:defRPr/>
             </a:lvl9pPr>
           </a:lstStyle>
-          <a:p/>
+          <a:p>
+            <a:endParaRPr/>
+          </a:p>
         </p:txBody>
       </p:sp>
       <p:sp>
         <p:nvSpPr>
           <p:cNvPr id="56" name="Google Shape;56;p24"/>
-          <p:cNvSpPr txBox="1"/>
+          <p:cNvSpPr txBox="1">
+            <a:spLocks noGrp="1"/>
+          </p:cNvSpPr>
           <p:nvPr>
-            <p:ph idx="10" type="dt"/>
+            <p:ph type="dt" idx="10"/>
           </p:nvPr>
         </p:nvSpPr>
         <p:spPr>
@@ -7629,7 +7828,7 @@
           </a:ln>
         </p:spPr>
         <p:txBody>
-          <a:bodyPr anchorCtr="0" anchor="ctr" bIns="45700" lIns="91425" spcFirstLastPara="1" rIns="91425" wrap="square" tIns="45700">
+          <a:bodyPr spcFirstLastPara="1" wrap="square" lIns="91425" tIns="45700" rIns="91425" bIns="45700" anchor="ctr" anchorCtr="0">
             <a:noAutofit/>
           </a:bodyPr>
           <a:lstStyle>
@@ -7733,15 +7932,19 @@
               <a:defRPr/>
             </a:lvl9pPr>
           </a:lstStyle>
-          <a:p/>
+          <a:p>
+            <a:endParaRPr/>
+          </a:p>
         </p:txBody>
       </p:sp>
       <p:sp>
         <p:nvSpPr>
           <p:cNvPr id="57" name="Google Shape;57;p24"/>
-          <p:cNvSpPr txBox="1"/>
+          <p:cNvSpPr txBox="1">
+            <a:spLocks noGrp="1"/>
+          </p:cNvSpPr>
           <p:nvPr>
-            <p:ph idx="11" type="ftr"/>
+            <p:ph type="ftr" idx="11"/>
           </p:nvPr>
         </p:nvSpPr>
         <p:spPr>
@@ -7758,7 +7961,7 @@
           </a:ln>
         </p:spPr>
         <p:txBody>
-          <a:bodyPr anchorCtr="0" anchor="ctr" bIns="45700" lIns="91425" spcFirstLastPara="1" rIns="91425" wrap="square" tIns="45700">
+          <a:bodyPr spcFirstLastPara="1" wrap="square" lIns="91425" tIns="45700" rIns="91425" bIns="45700" anchor="ctr" anchorCtr="0">
             <a:noAutofit/>
           </a:bodyPr>
           <a:lstStyle>
@@ -7862,15 +8065,19 @@
               <a:defRPr/>
             </a:lvl9pPr>
           </a:lstStyle>
-          <a:p/>
+          <a:p>
+            <a:endParaRPr/>
+          </a:p>
         </p:txBody>
       </p:sp>
       <p:sp>
         <p:nvSpPr>
           <p:cNvPr id="58" name="Google Shape;58;p24"/>
-          <p:cNvSpPr txBox="1"/>
+          <p:cNvSpPr txBox="1">
+            <a:spLocks noGrp="1"/>
+          </p:cNvSpPr>
           <p:nvPr>
-            <p:ph idx="12" type="sldNum"/>
+            <p:ph type="sldNum" idx="12"/>
           </p:nvPr>
         </p:nvSpPr>
         <p:spPr>
@@ -7887,67 +8094,67 @@
           </a:ln>
         </p:spPr>
         <p:txBody>
-          <a:bodyPr anchorCtr="0" anchor="ctr" bIns="45700" lIns="91425" spcFirstLastPara="1" rIns="91425" wrap="square" tIns="45700">
+          <a:bodyPr spcFirstLastPara="1" wrap="square" lIns="91425" tIns="45700" rIns="91425" bIns="45700" anchor="ctr" anchorCtr="0">
             <a:noAutofit/>
           </a:bodyPr>
           <a:lstStyle>
-            <a:lvl1pPr indent="0" lvl="0" marL="0" algn="r">
+            <a:lvl1pPr marL="0" lvl="0" indent="0" algn="r">
               <a:spcBef>
                 <a:spcPts val="0"/>
               </a:spcBef>
               <a:buNone/>
               <a:defRPr/>
             </a:lvl1pPr>
-            <a:lvl2pPr indent="0" lvl="1" marL="0" algn="r">
+            <a:lvl2pPr marL="0" lvl="1" indent="0" algn="r">
               <a:spcBef>
                 <a:spcPts val="0"/>
               </a:spcBef>
               <a:buNone/>
               <a:defRPr/>
             </a:lvl2pPr>
-            <a:lvl3pPr indent="0" lvl="2" marL="0" algn="r">
+            <a:lvl3pPr marL="0" lvl="2" indent="0" algn="r">
               <a:spcBef>
                 <a:spcPts val="0"/>
               </a:spcBef>
               <a:buNone/>
               <a:defRPr/>
             </a:lvl3pPr>
-            <a:lvl4pPr indent="0" lvl="3" marL="0" algn="r">
+            <a:lvl4pPr marL="0" lvl="3" indent="0" algn="r">
               <a:spcBef>
                 <a:spcPts val="0"/>
               </a:spcBef>
               <a:buNone/>
               <a:defRPr/>
             </a:lvl4pPr>
-            <a:lvl5pPr indent="0" lvl="4" marL="0" algn="r">
+            <a:lvl5pPr marL="0" lvl="4" indent="0" algn="r">
               <a:spcBef>
                 <a:spcPts val="0"/>
               </a:spcBef>
               <a:buNone/>
               <a:defRPr/>
             </a:lvl5pPr>
-            <a:lvl6pPr indent="0" lvl="5" marL="0" algn="r">
+            <a:lvl6pPr marL="0" lvl="5" indent="0" algn="r">
               <a:spcBef>
                 <a:spcPts val="0"/>
               </a:spcBef>
               <a:buNone/>
               <a:defRPr/>
             </a:lvl6pPr>
-            <a:lvl7pPr indent="0" lvl="6" marL="0" algn="r">
+            <a:lvl7pPr marL="0" lvl="6" indent="0" algn="r">
               <a:spcBef>
                 <a:spcPts val="0"/>
               </a:spcBef>
               <a:buNone/>
               <a:defRPr/>
             </a:lvl7pPr>
-            <a:lvl8pPr indent="0" lvl="7" marL="0" algn="r">
+            <a:lvl8pPr marL="0" lvl="7" indent="0" algn="r">
               <a:spcBef>
                 <a:spcPts val="0"/>
               </a:spcBef>
               <a:buNone/>
               <a:defRPr/>
             </a:lvl8pPr>
-            <a:lvl9pPr indent="0" lvl="8" marL="0" algn="r">
+            <a:lvl9pPr marL="0" lvl="8" indent="0" algn="r">
               <a:spcBef>
                 <a:spcPts val="0"/>
               </a:spcBef>
@@ -7956,7 +8163,7 @@
             </a:lvl9pPr>
           </a:lstStyle>
           <a:p>
-            <a:pPr indent="0" lvl="0" marL="0" rtl="0" algn="r">
+            <a:pPr marL="0" lvl="0" indent="0" algn="r" rtl="0">
               <a:spcBef>
                 <a:spcPts val="0"/>
               </a:spcBef>
@@ -7982,11 +8189,11 @@
 </file>
 
 <file path=ppt/slideLayouts/slideLayout7.xml><?xml version="1.0" encoding="utf-8"?>
-<p:sldLayout xmlns:a="http://schemas.openxmlformats.org/drawingml/2006/main" xmlns:r="http://schemas.openxmlformats.org/officeDocument/2006/relationships" xmlns:mc="http://schemas.openxmlformats.org/markup-compatibility/2006" xmlns:mv="urn:schemas-microsoft-com:mac:vml" xmlns:p="http://schemas.openxmlformats.org/presentationml/2006/main" xmlns:c="http://schemas.openxmlformats.org/drawingml/2006/chart" xmlns:dgm="http://schemas.openxmlformats.org/drawingml/2006/diagram" xmlns:o="urn:schemas-microsoft-com:office:office" xmlns:v="urn:schemas-microsoft-com:vml" xmlns:pvml="urn:schemas-microsoft-com:office:powerpoint" xmlns:com="http://schemas.openxmlformats.org/drawingml/2006/compatibility" xmlns:p14="http://schemas.microsoft.com/office/powerpoint/2010/main" xmlns:p15="http://schemas.microsoft.com/office/powerpoint/2012/main" xmlns:ahyp="http://schemas.microsoft.com/office/drawing/2018/hyperlinkcolor" matchingName="Blank" showMasterSp="0" type="blank">
+<p:sldLayout xmlns:a="http://schemas.openxmlformats.org/drawingml/2006/main" xmlns:r="http://schemas.openxmlformats.org/officeDocument/2006/relationships" xmlns:p="http://schemas.openxmlformats.org/presentationml/2006/main" showMasterSp="0" matchingName="Blank" type="blank">
   <p:cSld name="BLANK">
     <p:spTree>
       <p:nvGrpSpPr>
-        <p:cNvPr id="59" name="Shape 59"/>
+        <p:cNvPr id="1" name="Shape 59"/>
         <p:cNvGrpSpPr/>
         <p:nvPr/>
       </p:nvGrpSpPr>
@@ -8020,12 +8227,12 @@
           </a:ln>
         </p:spPr>
         <p:txBody>
-          <a:bodyPr anchorCtr="0" anchor="ctr" bIns="91425" lIns="91425" spcFirstLastPara="1" rIns="91425" wrap="square" tIns="91425">
+          <a:bodyPr spcFirstLastPara="1" wrap="square" lIns="91425" tIns="91425" rIns="91425" bIns="91425" anchor="ctr" anchorCtr="0">
             <a:noAutofit/>
           </a:bodyPr>
           <a:lstStyle/>
           <a:p>
-            <a:pPr indent="0" lvl="0" marL="0" rtl="0" algn="l">
+            <a:pPr marL="0" lvl="0" indent="0" algn="l" rtl="0">
               <a:spcBef>
                 <a:spcPts val="0"/>
               </a:spcBef>
@@ -8034,9 +8241,6 @@
               </a:spcAft>
               <a:buNone/>
             </a:pPr>
-            <a:r>
-              <a:t/>
-            </a:r>
             <a:endParaRPr/>
           </a:p>
         </p:txBody>
@@ -8063,12 +8267,12 @@
           </a:ln>
         </p:spPr>
         <p:txBody>
-          <a:bodyPr anchorCtr="0" anchor="ctr" bIns="91425" lIns="91425" spcFirstLastPara="1" rIns="91425" wrap="square" tIns="91425">
+          <a:bodyPr spcFirstLastPara="1" wrap="square" lIns="91425" tIns="91425" rIns="91425" bIns="91425" anchor="ctr" anchorCtr="0">
             <a:noAutofit/>
           </a:bodyPr>
           <a:lstStyle/>
           <a:p>
-            <a:pPr indent="0" lvl="0" marL="0" rtl="0" algn="l">
+            <a:pPr marL="0" lvl="0" indent="0" algn="l" rtl="0">
               <a:spcBef>
                 <a:spcPts val="0"/>
               </a:spcBef>
@@ -8077,9 +8281,6 @@
               </a:spcAft>
               <a:buNone/>
             </a:pPr>
-            <a:r>
-              <a:t/>
-            </a:r>
             <a:endParaRPr/>
           </a:p>
         </p:txBody>
@@ -8087,9 +8288,11 @@
       <p:sp>
         <p:nvSpPr>
           <p:cNvPr id="62" name="Google Shape;62;p25"/>
-          <p:cNvSpPr txBox="1"/>
+          <p:cNvSpPr txBox="1">
+            <a:spLocks noGrp="1"/>
+          </p:cNvSpPr>
           <p:nvPr>
-            <p:ph idx="10" type="dt"/>
+            <p:ph type="dt" idx="10"/>
           </p:nvPr>
         </p:nvSpPr>
         <p:spPr>
@@ -8106,7 +8309,7 @@
           </a:ln>
         </p:spPr>
         <p:txBody>
-          <a:bodyPr anchorCtr="0" anchor="ctr" bIns="45700" lIns="91425" spcFirstLastPara="1" rIns="91425" wrap="square" tIns="45700">
+          <a:bodyPr spcFirstLastPara="1" wrap="square" lIns="91425" tIns="45700" rIns="91425" bIns="45700" anchor="ctr" anchorCtr="0">
             <a:noAutofit/>
           </a:bodyPr>
           <a:lstStyle>
@@ -8210,15 +8413,19 @@
               <a:defRPr/>
             </a:lvl9pPr>
           </a:lstStyle>
-          <a:p/>
+          <a:p>
+            <a:endParaRPr/>
+          </a:p>
         </p:txBody>
       </p:sp>
       <p:sp>
         <p:nvSpPr>
           <p:cNvPr id="63" name="Google Shape;63;p25"/>
-          <p:cNvSpPr txBox="1"/>
+          <p:cNvSpPr txBox="1">
+            <a:spLocks noGrp="1"/>
+          </p:cNvSpPr>
           <p:nvPr>
-            <p:ph idx="11" type="ftr"/>
+            <p:ph type="ftr" idx="11"/>
           </p:nvPr>
         </p:nvSpPr>
         <p:spPr>
@@ -8235,7 +8442,7 @@
           </a:ln>
         </p:spPr>
         <p:txBody>
-          <a:bodyPr anchorCtr="0" anchor="ctr" bIns="45700" lIns="91425" spcFirstLastPara="1" rIns="91425" wrap="square" tIns="45700">
+          <a:bodyPr spcFirstLastPara="1" wrap="square" lIns="91425" tIns="45700" rIns="91425" bIns="45700" anchor="ctr" anchorCtr="0">
             <a:noAutofit/>
           </a:bodyPr>
           <a:lstStyle>
@@ -8343,15 +8550,19 @@
               <a:defRPr/>
             </a:lvl9pPr>
           </a:lstStyle>
-          <a:p/>
+          <a:p>
+            <a:endParaRPr/>
+          </a:p>
         </p:txBody>
       </p:sp>
       <p:sp>
         <p:nvSpPr>
           <p:cNvPr id="64" name="Google Shape;64;p25"/>
-          <p:cNvSpPr txBox="1"/>
+          <p:cNvSpPr txBox="1">
+            <a:spLocks noGrp="1"/>
+          </p:cNvSpPr>
           <p:nvPr>
-            <p:ph idx="12" type="sldNum"/>
+            <p:ph type="sldNum" idx="12"/>
           </p:nvPr>
         </p:nvSpPr>
         <p:spPr>
@@ -8368,67 +8579,67 @@
           </a:ln>
         </p:spPr>
         <p:txBody>
-          <a:bodyPr anchorCtr="0" anchor="ctr" bIns="45700" lIns="91425" spcFirstLastPara="1" rIns="91425" wrap="square" tIns="45700">
+          <a:bodyPr spcFirstLastPara="1" wrap="square" lIns="91425" tIns="45700" rIns="91425" bIns="45700" anchor="ctr" anchorCtr="0">
             <a:noAutofit/>
           </a:bodyPr>
           <a:lstStyle>
-            <a:lvl1pPr indent="0" lvl="0" marL="0" algn="r">
+            <a:lvl1pPr marL="0" lvl="0" indent="0" algn="r">
               <a:spcBef>
                 <a:spcPts val="0"/>
               </a:spcBef>
               <a:buNone/>
               <a:defRPr/>
             </a:lvl1pPr>
-            <a:lvl2pPr indent="0" lvl="1" marL="0" algn="r">
+            <a:lvl2pPr marL="0" lvl="1" indent="0" algn="r">
               <a:spcBef>
                 <a:spcPts val="0"/>
               </a:spcBef>
               <a:buNone/>
               <a:defRPr/>
             </a:lvl2pPr>
-            <a:lvl3pPr indent="0" lvl="2" marL="0" algn="r">
+            <a:lvl3pPr marL="0" lvl="2" indent="0" algn="r">
               <a:spcBef>
                 <a:spcPts val="0"/>
               </a:spcBef>
               <a:buNone/>
               <a:defRPr/>
             </a:lvl3pPr>
-            <a:lvl4pPr indent="0" lvl="3" marL="0" algn="r">
+            <a:lvl4pPr marL="0" lvl="3" indent="0" algn="r">
               <a:spcBef>
                 <a:spcPts val="0"/>
               </a:spcBef>
               <a:buNone/>
               <a:defRPr/>
             </a:lvl4pPr>
-            <a:lvl5pPr indent="0" lvl="4" marL="0" algn="r">
+            <a:lvl5pPr marL="0" lvl="4" indent="0" algn="r">
               <a:spcBef>
                 <a:spcPts val="0"/>
               </a:spcBef>
               <a:buNone/>
               <a:defRPr/>
             </a:lvl5pPr>
-            <a:lvl6pPr indent="0" lvl="5" marL="0" algn="r">
+            <a:lvl6pPr marL="0" lvl="5" indent="0" algn="r">
               <a:spcBef>
                 <a:spcPts val="0"/>
               </a:spcBef>
               <a:buNone/>
               <a:defRPr/>
             </a:lvl6pPr>
-            <a:lvl7pPr indent="0" lvl="6" marL="0" algn="r">
+            <a:lvl7pPr marL="0" lvl="6" indent="0" algn="r">
               <a:spcBef>
                 <a:spcPts val="0"/>
               </a:spcBef>
               <a:buNone/>
               <a:defRPr/>
             </a:lvl7pPr>
-            <a:lvl8pPr indent="0" lvl="7" marL="0" algn="r">
+            <a:lvl8pPr marL="0" lvl="7" indent="0" algn="r">
               <a:spcBef>
                 <a:spcPts val="0"/>
               </a:spcBef>
               <a:buNone/>
               <a:defRPr/>
             </a:lvl8pPr>
-            <a:lvl9pPr indent="0" lvl="8" marL="0" algn="r">
+            <a:lvl9pPr marL="0" lvl="8" indent="0" algn="r">
               <a:spcBef>
                 <a:spcPts val="0"/>
               </a:spcBef>
@@ -8437,7 +8648,7 @@
             </a:lvl9pPr>
           </a:lstStyle>
           <a:p>
-            <a:pPr indent="0" lvl="0" marL="0" rtl="0" algn="r">
+            <a:pPr marL="0" lvl="0" indent="0" algn="r" rtl="0">
               <a:spcBef>
                 <a:spcPts val="0"/>
               </a:spcBef>
@@ -8463,11 +8674,11 @@
 </file>
 
 <file path=ppt/slideLayouts/slideLayout8.xml><?xml version="1.0" encoding="utf-8"?>
-<p:sldLayout xmlns:a="http://schemas.openxmlformats.org/drawingml/2006/main" xmlns:r="http://schemas.openxmlformats.org/officeDocument/2006/relationships" xmlns:mc="http://schemas.openxmlformats.org/markup-compatibility/2006" xmlns:mv="urn:schemas-microsoft-com:mac:vml" xmlns:p="http://schemas.openxmlformats.org/presentationml/2006/main" xmlns:c="http://schemas.openxmlformats.org/drawingml/2006/chart" xmlns:dgm="http://schemas.openxmlformats.org/drawingml/2006/diagram" xmlns:o="urn:schemas-microsoft-com:office:office" xmlns:v="urn:schemas-microsoft-com:vml" xmlns:pvml="urn:schemas-microsoft-com:office:powerpoint" xmlns:com="http://schemas.openxmlformats.org/drawingml/2006/compatibility" xmlns:p14="http://schemas.microsoft.com/office/powerpoint/2010/main" xmlns:p15="http://schemas.microsoft.com/office/powerpoint/2012/main" xmlns:ahyp="http://schemas.microsoft.com/office/drawing/2018/hyperlinkcolor" matchingName="Content with Caption" showMasterSp="0" type="objTx">
+<p:sldLayout xmlns:a="http://schemas.openxmlformats.org/drawingml/2006/main" xmlns:r="http://schemas.openxmlformats.org/officeDocument/2006/relationships" xmlns:p="http://schemas.openxmlformats.org/presentationml/2006/main" showMasterSp="0" matchingName="Content with Caption" type="objTx">
   <p:cSld name="OBJECT_WITH_CAPTION_TEXT">
     <p:spTree>
       <p:nvGrpSpPr>
-        <p:cNvPr id="65" name="Shape 65"/>
+        <p:cNvPr id="1" name="Shape 65"/>
         <p:cNvGrpSpPr/>
         <p:nvPr/>
       </p:nvGrpSpPr>
@@ -8501,12 +8712,12 @@
           </a:ln>
         </p:spPr>
         <p:txBody>
-          <a:bodyPr anchorCtr="0" anchor="ctr" bIns="91425" lIns="91425" spcFirstLastPara="1" rIns="91425" wrap="square" tIns="91425">
+          <a:bodyPr spcFirstLastPara="1" wrap="square" lIns="91425" tIns="91425" rIns="91425" bIns="91425" anchor="ctr" anchorCtr="0">
             <a:noAutofit/>
           </a:bodyPr>
           <a:lstStyle/>
           <a:p>
-            <a:pPr indent="0" lvl="0" marL="0" rtl="0" algn="l">
+            <a:pPr marL="0" lvl="0" indent="0" algn="l" rtl="0">
               <a:spcBef>
                 <a:spcPts val="0"/>
               </a:spcBef>
@@ -8515,9 +8726,6 @@
               </a:spcAft>
               <a:buNone/>
             </a:pPr>
-            <a:r>
-              <a:t/>
-            </a:r>
             <a:endParaRPr/>
           </a:p>
         </p:txBody>
@@ -8544,12 +8752,12 @@
           </a:ln>
         </p:spPr>
         <p:txBody>
-          <a:bodyPr anchorCtr="0" anchor="ctr" bIns="91425" lIns="91425" spcFirstLastPara="1" rIns="91425" wrap="square" tIns="91425">
+          <a:bodyPr spcFirstLastPara="1" wrap="square" lIns="91425" tIns="91425" rIns="91425" bIns="91425" anchor="ctr" anchorCtr="0">
             <a:noAutofit/>
           </a:bodyPr>
           <a:lstStyle/>
           <a:p>
-            <a:pPr indent="0" lvl="0" marL="0" rtl="0" algn="l">
+            <a:pPr marL="0" lvl="0" indent="0" algn="l" rtl="0">
               <a:spcBef>
                 <a:spcPts val="0"/>
               </a:spcBef>
@@ -8558,9 +8766,6 @@
               </a:spcAft>
               <a:buNone/>
             </a:pPr>
-            <a:r>
-              <a:t/>
-            </a:r>
             <a:endParaRPr/>
           </a:p>
         </p:txBody>
@@ -8568,7 +8773,9 @@
       <p:sp>
         <p:nvSpPr>
           <p:cNvPr id="68" name="Google Shape;68;p26"/>
-          <p:cNvSpPr txBox="1"/>
+          <p:cNvSpPr txBox="1">
+            <a:spLocks noGrp="1"/>
+          </p:cNvSpPr>
           <p:nvPr>
             <p:ph type="title"/>
           </p:nvPr>
@@ -8587,7 +8794,7 @@
           </a:ln>
         </p:spPr>
         <p:txBody>
-          <a:bodyPr anchorCtr="0" anchor="b" bIns="45700" lIns="91425" spcFirstLastPara="1" rIns="91425" wrap="square" tIns="45700">
+          <a:bodyPr spcFirstLastPara="1" wrap="square" lIns="91425" tIns="45700" rIns="91425" bIns="45700" anchor="b" anchorCtr="0">
             <a:normAutofit/>
           </a:bodyPr>
           <a:lstStyle>
@@ -8607,7 +8814,7 @@
               <a:buSzPts val="3600"/>
               <a:buFont typeface="Calibri"/>
               <a:buNone/>
-              <a:defRPr b="0" sz="3600">
+              <a:defRPr sz="3600" b="0">
                 <a:solidFill>
                   <a:srgbClr val="FFFFFF"/>
                 </a:solidFill>
@@ -8702,15 +8909,19 @@
               <a:defRPr/>
             </a:lvl9pPr>
           </a:lstStyle>
-          <a:p/>
+          <a:p>
+            <a:endParaRPr/>
+          </a:p>
         </p:txBody>
       </p:sp>
       <p:sp>
         <p:nvSpPr>
           <p:cNvPr id="69" name="Google Shape;69;p26"/>
-          <p:cNvSpPr txBox="1"/>
+          <p:cNvSpPr txBox="1">
+            <a:spLocks noGrp="1"/>
+          </p:cNvSpPr>
           <p:nvPr>
-            <p:ph idx="1" type="body"/>
+            <p:ph type="body" idx="1"/>
           </p:nvPr>
         </p:nvSpPr>
         <p:spPr>
@@ -8727,11 +8938,11 @@
           </a:ln>
         </p:spPr>
         <p:txBody>
-          <a:bodyPr anchorCtr="0" anchor="t" bIns="45700" lIns="0" spcFirstLastPara="1" rIns="0" wrap="square" tIns="45700">
+          <a:bodyPr spcFirstLastPara="1" wrap="square" lIns="0" tIns="45700" rIns="0" bIns="45700" anchor="t" anchorCtr="0">
             <a:normAutofit/>
           </a:bodyPr>
           <a:lstStyle>
-            <a:lvl1pPr indent="-342900" lvl="0" marL="457200" algn="l">
+            <a:lvl1pPr marL="457200" lvl="0" indent="-342900" algn="l">
               <a:lnSpc>
                 <a:spcPct val="90000"/>
               </a:lnSpc>
@@ -8745,7 +8956,7 @@
               <a:buChar char=" "/>
               <a:defRPr/>
             </a:lvl1pPr>
-            <a:lvl2pPr indent="-342900" lvl="1" marL="914400" algn="l">
+            <a:lvl2pPr marL="914400" lvl="1" indent="-342900" algn="l">
               <a:lnSpc>
                 <a:spcPct val="90000"/>
               </a:lnSpc>
@@ -8759,7 +8970,7 @@
               <a:buChar char="◦"/>
               <a:defRPr/>
             </a:lvl2pPr>
-            <a:lvl3pPr indent="-342900" lvl="2" marL="1371600" algn="l">
+            <a:lvl3pPr marL="1371600" lvl="2" indent="-342900" algn="l">
               <a:lnSpc>
                 <a:spcPct val="90000"/>
               </a:lnSpc>
@@ -8773,7 +8984,7 @@
               <a:buChar char="◦"/>
               <a:defRPr/>
             </a:lvl3pPr>
-            <a:lvl4pPr indent="-342900" lvl="3" marL="1828800" algn="l">
+            <a:lvl4pPr marL="1828800" lvl="3" indent="-342900" algn="l">
               <a:lnSpc>
                 <a:spcPct val="90000"/>
               </a:lnSpc>
@@ -8787,7 +8998,7 @@
               <a:buChar char="◦"/>
               <a:defRPr/>
             </a:lvl4pPr>
-            <a:lvl5pPr indent="-342900" lvl="4" marL="2286000" algn="l">
+            <a:lvl5pPr marL="2286000" lvl="4" indent="-342900" algn="l">
               <a:lnSpc>
                 <a:spcPct val="90000"/>
               </a:lnSpc>
@@ -8801,7 +9012,7 @@
               <a:buChar char="◦"/>
               <a:defRPr/>
             </a:lvl5pPr>
-            <a:lvl6pPr indent="-342900" lvl="5" marL="2743200" algn="l">
+            <a:lvl6pPr marL="2743200" lvl="5" indent="-342900" algn="l">
               <a:lnSpc>
                 <a:spcPct val="90000"/>
               </a:lnSpc>
@@ -8815,7 +9026,7 @@
               <a:buChar char="◦"/>
               <a:defRPr/>
             </a:lvl6pPr>
-            <a:lvl7pPr indent="-342900" lvl="6" marL="3200400" algn="l">
+            <a:lvl7pPr marL="3200400" lvl="6" indent="-342900" algn="l">
               <a:lnSpc>
                 <a:spcPct val="90000"/>
               </a:lnSpc>
@@ -8829,7 +9040,7 @@
               <a:buChar char="◦"/>
               <a:defRPr/>
             </a:lvl7pPr>
-            <a:lvl8pPr indent="-342900" lvl="7" marL="3657600" algn="l">
+            <a:lvl8pPr marL="3657600" lvl="7" indent="-342900" algn="l">
               <a:lnSpc>
                 <a:spcPct val="90000"/>
               </a:lnSpc>
@@ -8843,7 +9054,7 @@
               <a:buChar char="◦"/>
               <a:defRPr/>
             </a:lvl8pPr>
-            <a:lvl9pPr indent="-342900" lvl="8" marL="4114800" algn="l">
+            <a:lvl9pPr marL="4114800" lvl="8" indent="-342900" algn="l">
               <a:lnSpc>
                 <a:spcPct val="90000"/>
               </a:lnSpc>
@@ -8858,15 +9069,19 @@
               <a:defRPr/>
             </a:lvl9pPr>
           </a:lstStyle>
-          <a:p/>
+          <a:p>
+            <a:endParaRPr/>
+          </a:p>
         </p:txBody>
       </p:sp>
       <p:sp>
         <p:nvSpPr>
           <p:cNvPr id="70" name="Google Shape;70;p26"/>
-          <p:cNvSpPr txBox="1"/>
+          <p:cNvSpPr txBox="1">
+            <a:spLocks noGrp="1"/>
+          </p:cNvSpPr>
           <p:nvPr>
-            <p:ph idx="2" type="body"/>
+            <p:ph type="body" idx="2"/>
           </p:nvPr>
         </p:nvSpPr>
         <p:spPr>
@@ -8883,11 +9098,11 @@
           </a:ln>
         </p:spPr>
         <p:txBody>
-          <a:bodyPr anchorCtr="0" anchor="t" bIns="45700" lIns="91425" spcFirstLastPara="1" rIns="91425" wrap="square" tIns="45700">
+          <a:bodyPr spcFirstLastPara="1" wrap="square" lIns="91425" tIns="45700" rIns="91425" bIns="45700" anchor="t" anchorCtr="0">
             <a:normAutofit/>
           </a:bodyPr>
           <a:lstStyle>
-            <a:lvl1pPr indent="-228600" lvl="0" marL="457200" algn="l">
+            <a:lvl1pPr marL="457200" lvl="0" indent="-228600" algn="l">
               <a:lnSpc>
                 <a:spcPct val="90000"/>
               </a:lnSpc>
@@ -8905,7 +9120,7 @@
                 </a:solidFill>
               </a:defRPr>
             </a:lvl1pPr>
-            <a:lvl2pPr indent="-228600" lvl="1" marL="914400" algn="l">
+            <a:lvl2pPr marL="914400" lvl="1" indent="-228600" algn="l">
               <a:lnSpc>
                 <a:spcPct val="90000"/>
               </a:lnSpc>
@@ -8919,7 +9134,7 @@
               <a:buNone/>
               <a:defRPr sz="1200"/>
             </a:lvl2pPr>
-            <a:lvl3pPr indent="-228600" lvl="2" marL="1371600" algn="l">
+            <a:lvl3pPr marL="1371600" lvl="2" indent="-228600" algn="l">
               <a:lnSpc>
                 <a:spcPct val="90000"/>
               </a:lnSpc>
@@ -8933,7 +9148,7 @@
               <a:buNone/>
               <a:defRPr sz="1000"/>
             </a:lvl3pPr>
-            <a:lvl4pPr indent="-228600" lvl="3" marL="1828800" algn="l">
+            <a:lvl4pPr marL="1828800" lvl="3" indent="-228600" algn="l">
               <a:lnSpc>
                 <a:spcPct val="90000"/>
               </a:lnSpc>
@@ -8947,7 +9162,7 @@
               <a:buNone/>
               <a:defRPr sz="900"/>
             </a:lvl4pPr>
-            <a:lvl5pPr indent="-228600" lvl="4" marL="2286000" algn="l">
+            <a:lvl5pPr marL="2286000" lvl="4" indent="-228600" algn="l">
               <a:lnSpc>
                 <a:spcPct val="90000"/>
               </a:lnSpc>
@@ -8961,7 +9176,7 @@
               <a:buNone/>
               <a:defRPr sz="900"/>
             </a:lvl5pPr>
-            <a:lvl6pPr indent="-228600" lvl="5" marL="2743200" algn="l">
+            <a:lvl6pPr marL="2743200" lvl="5" indent="-228600" algn="l">
               <a:lnSpc>
                 <a:spcPct val="90000"/>
               </a:lnSpc>
@@ -8975,7 +9190,7 @@
               <a:buNone/>
               <a:defRPr sz="900"/>
             </a:lvl6pPr>
-            <a:lvl7pPr indent="-228600" lvl="6" marL="3200400" algn="l">
+            <a:lvl7pPr marL="3200400" lvl="6" indent="-228600" algn="l">
               <a:lnSpc>
                 <a:spcPct val="90000"/>
               </a:lnSpc>
@@ -8989,7 +9204,7 @@
               <a:buNone/>
               <a:defRPr sz="900"/>
             </a:lvl7pPr>
-            <a:lvl8pPr indent="-228600" lvl="7" marL="3657600" algn="l">
+            <a:lvl8pPr marL="3657600" lvl="7" indent="-228600" algn="l">
               <a:lnSpc>
                 <a:spcPct val="90000"/>
               </a:lnSpc>
@@ -9003,7 +9218,7 @@
               <a:buNone/>
               <a:defRPr sz="900"/>
             </a:lvl8pPr>
-            <a:lvl9pPr indent="-228600" lvl="8" marL="4114800" algn="l">
+            <a:lvl9pPr marL="4114800" lvl="8" indent="-228600" algn="l">
               <a:lnSpc>
                 <a:spcPct val="90000"/>
               </a:lnSpc>
@@ -9018,15 +9233,19 @@
               <a:defRPr sz="900"/>
             </a:lvl9pPr>
           </a:lstStyle>
-          <a:p/>
+          <a:p>
+            <a:endParaRPr/>
+          </a:p>
         </p:txBody>
       </p:sp>
       <p:sp>
         <p:nvSpPr>
           <p:cNvPr id="71" name="Google Shape;71;p26"/>
-          <p:cNvSpPr txBox="1"/>
+          <p:cNvSpPr txBox="1">
+            <a:spLocks noGrp="1"/>
+          </p:cNvSpPr>
           <p:nvPr>
-            <p:ph idx="10" type="dt"/>
+            <p:ph type="dt" idx="10"/>
           </p:nvPr>
         </p:nvSpPr>
         <p:spPr>
@@ -9043,7 +9262,7 @@
           </a:ln>
         </p:spPr>
         <p:txBody>
-          <a:bodyPr anchorCtr="0" anchor="ctr" bIns="45700" lIns="91425" spcFirstLastPara="1" rIns="91425" wrap="square" tIns="45700">
+          <a:bodyPr spcFirstLastPara="1" wrap="square" lIns="91425" tIns="45700" rIns="91425" bIns="45700" anchor="ctr" anchorCtr="0">
             <a:noAutofit/>
           </a:bodyPr>
           <a:lstStyle>
@@ -9147,15 +9366,19 @@
               <a:defRPr/>
             </a:lvl9pPr>
           </a:lstStyle>
-          <a:p/>
+          <a:p>
+            <a:endParaRPr/>
+          </a:p>
         </p:txBody>
       </p:sp>
       <p:sp>
         <p:nvSpPr>
           <p:cNvPr id="72" name="Google Shape;72;p26"/>
-          <p:cNvSpPr txBox="1"/>
+          <p:cNvSpPr txBox="1">
+            <a:spLocks noGrp="1"/>
+          </p:cNvSpPr>
           <p:nvPr>
-            <p:ph idx="11" type="ftr"/>
+            <p:ph type="ftr" idx="11"/>
           </p:nvPr>
         </p:nvSpPr>
         <p:spPr>
@@ -9172,7 +9395,7 @@
           </a:ln>
         </p:spPr>
         <p:txBody>
-          <a:bodyPr anchorCtr="0" anchor="ctr" bIns="45700" lIns="91425" spcFirstLastPara="1" rIns="91425" wrap="square" tIns="45700">
+          <a:bodyPr spcFirstLastPara="1" wrap="square" lIns="91425" tIns="45700" rIns="91425" bIns="45700" anchor="ctr" anchorCtr="0">
             <a:noAutofit/>
           </a:bodyPr>
           <a:lstStyle>
@@ -9280,15 +9503,19 @@
               <a:defRPr/>
             </a:lvl9pPr>
           </a:lstStyle>
-          <a:p/>
+          <a:p>
+            <a:endParaRPr/>
+          </a:p>
         </p:txBody>
       </p:sp>
       <p:sp>
         <p:nvSpPr>
           <p:cNvPr id="73" name="Google Shape;73;p26"/>
-          <p:cNvSpPr txBox="1"/>
+          <p:cNvSpPr txBox="1">
+            <a:spLocks noGrp="1"/>
+          </p:cNvSpPr>
           <p:nvPr>
-            <p:ph idx="12" type="sldNum"/>
+            <p:ph type="sldNum" idx="12"/>
           </p:nvPr>
         </p:nvSpPr>
         <p:spPr>
@@ -9305,16 +9532,16 @@
           </a:ln>
         </p:spPr>
         <p:txBody>
-          <a:bodyPr anchorCtr="0" anchor="ctr" bIns="45700" lIns="91425" spcFirstLastPara="1" rIns="91425" wrap="square" tIns="45700">
+          <a:bodyPr spcFirstLastPara="1" wrap="square" lIns="91425" tIns="45700" rIns="91425" bIns="45700" anchor="ctr" anchorCtr="0">
             <a:noAutofit/>
           </a:bodyPr>
           <a:lstStyle>
-            <a:lvl1pPr indent="0" lvl="0" marL="0" algn="r">
-              <a:spcBef>
-                <a:spcPts val="0"/>
-              </a:spcBef>
-              <a:buNone/>
-              <a:defRPr b="0" i="0" sz="1050" u="none" cap="none" strike="noStrike">
+            <a:lvl1pPr marL="0" lvl="0" indent="0" algn="r">
+              <a:spcBef>
+                <a:spcPts val="0"/>
+              </a:spcBef>
+              <a:buNone/>
+              <a:defRPr sz="1050" b="0" i="0" u="none" strike="noStrike" cap="none">
                 <a:solidFill>
                   <a:schemeClr val="dk2"/>
                 </a:solidFill>
@@ -9324,12 +9551,12 @@
                 <a:sym typeface="Calibri"/>
               </a:defRPr>
             </a:lvl1pPr>
-            <a:lvl2pPr indent="0" lvl="1" marL="0" algn="r">
-              <a:spcBef>
-                <a:spcPts val="0"/>
-              </a:spcBef>
-              <a:buNone/>
-              <a:defRPr b="0" i="0" sz="1050" u="none" cap="none" strike="noStrike">
+            <a:lvl2pPr marL="0" lvl="1" indent="0" algn="r">
+              <a:spcBef>
+                <a:spcPts val="0"/>
+              </a:spcBef>
+              <a:buNone/>
+              <a:defRPr sz="1050" b="0" i="0" u="none" strike="noStrike" cap="none">
                 <a:solidFill>
                   <a:schemeClr val="dk2"/>
                 </a:solidFill>
@@ -9339,12 +9566,12 @@
                 <a:sym typeface="Calibri"/>
               </a:defRPr>
             </a:lvl2pPr>
-            <a:lvl3pPr indent="0" lvl="2" marL="0" algn="r">
-              <a:spcBef>
-                <a:spcPts val="0"/>
-              </a:spcBef>
-              <a:buNone/>
-              <a:defRPr b="0" i="0" sz="1050" u="none" cap="none" strike="noStrike">
+            <a:lvl3pPr marL="0" lvl="2" indent="0" algn="r">
+              <a:spcBef>
+                <a:spcPts val="0"/>
+              </a:spcBef>
+              <a:buNone/>
+              <a:defRPr sz="1050" b="0" i="0" u="none" strike="noStrike" cap="none">
                 <a:solidFill>
                   <a:schemeClr val="dk2"/>
                 </a:solidFill>
@@ -9354,12 +9581,12 @@
                 <a:sym typeface="Calibri"/>
               </a:defRPr>
             </a:lvl3pPr>
-            <a:lvl4pPr indent="0" lvl="3" marL="0" algn="r">
-              <a:spcBef>
-                <a:spcPts val="0"/>
-              </a:spcBef>
-              <a:buNone/>
-              <a:defRPr b="0" i="0" sz="1050" u="none" cap="none" strike="noStrike">
+            <a:lvl4pPr marL="0" lvl="3" indent="0" algn="r">
+              <a:spcBef>
+                <a:spcPts val="0"/>
+              </a:spcBef>
+              <a:buNone/>
+              <a:defRPr sz="1050" b="0" i="0" u="none" strike="noStrike" cap="none">
                 <a:solidFill>
                   <a:schemeClr val="dk2"/>
                 </a:solidFill>
@@ -9369,12 +9596,12 @@
                 <a:sym typeface="Calibri"/>
               </a:defRPr>
             </a:lvl4pPr>
-            <a:lvl5pPr indent="0" lvl="4" marL="0" algn="r">
-              <a:spcBef>
-                <a:spcPts val="0"/>
-              </a:spcBef>
-              <a:buNone/>
-              <a:defRPr b="0" i="0" sz="1050" u="none" cap="none" strike="noStrike">
+            <a:lvl5pPr marL="0" lvl="4" indent="0" algn="r">
+              <a:spcBef>
+                <a:spcPts val="0"/>
+              </a:spcBef>
+              <a:buNone/>
+              <a:defRPr sz="1050" b="0" i="0" u="none" strike="noStrike" cap="none">
                 <a:solidFill>
                   <a:schemeClr val="dk2"/>
                 </a:solidFill>
@@ -9384,12 +9611,12 @@
                 <a:sym typeface="Calibri"/>
               </a:defRPr>
             </a:lvl5pPr>
-            <a:lvl6pPr indent="0" lvl="5" marL="0" algn="r">
-              <a:spcBef>
-                <a:spcPts val="0"/>
-              </a:spcBef>
-              <a:buNone/>
-              <a:defRPr b="0" i="0" sz="1050" u="none" cap="none" strike="noStrike">
+            <a:lvl6pPr marL="0" lvl="5" indent="0" algn="r">
+              <a:spcBef>
+                <a:spcPts val="0"/>
+              </a:spcBef>
+              <a:buNone/>
+              <a:defRPr sz="1050" b="0" i="0" u="none" strike="noStrike" cap="none">
                 <a:solidFill>
                   <a:schemeClr val="dk2"/>
                 </a:solidFill>
@@ -9399,12 +9626,12 @@
                 <a:sym typeface="Calibri"/>
               </a:defRPr>
             </a:lvl6pPr>
-            <a:lvl7pPr indent="0" lvl="6" marL="0" algn="r">
-              <a:spcBef>
-                <a:spcPts val="0"/>
-              </a:spcBef>
-              <a:buNone/>
-              <a:defRPr b="0" i="0" sz="1050" u="none" cap="none" strike="noStrike">
+            <a:lvl7pPr marL="0" lvl="6" indent="0" algn="r">
+              <a:spcBef>
+                <a:spcPts val="0"/>
+              </a:spcBef>
+              <a:buNone/>
+              <a:defRPr sz="1050" b="0" i="0" u="none" strike="noStrike" cap="none">
                 <a:solidFill>
                   <a:schemeClr val="dk2"/>
                 </a:solidFill>
@@ -9414,12 +9641,12 @@
                 <a:sym typeface="Calibri"/>
               </a:defRPr>
             </a:lvl7pPr>
-            <a:lvl8pPr indent="0" lvl="7" marL="0" algn="r">
-              <a:spcBef>
-                <a:spcPts val="0"/>
-              </a:spcBef>
-              <a:buNone/>
-              <a:defRPr b="0" i="0" sz="1050" u="none" cap="none" strike="noStrike">
+            <a:lvl8pPr marL="0" lvl="7" indent="0" algn="r">
+              <a:spcBef>
+                <a:spcPts val="0"/>
+              </a:spcBef>
+              <a:buNone/>
+              <a:defRPr sz="1050" b="0" i="0" u="none" strike="noStrike" cap="none">
                 <a:solidFill>
                   <a:schemeClr val="dk2"/>
                 </a:solidFill>
@@ -9429,12 +9656,12 @@
                 <a:sym typeface="Calibri"/>
               </a:defRPr>
             </a:lvl8pPr>
-            <a:lvl9pPr indent="0" lvl="8" marL="0" algn="r">
-              <a:spcBef>
-                <a:spcPts val="0"/>
-              </a:spcBef>
-              <a:buNone/>
-              <a:defRPr b="0" i="0" sz="1050" u="none" cap="none" strike="noStrike">
+            <a:lvl9pPr marL="0" lvl="8" indent="0" algn="r">
+              <a:spcBef>
+                <a:spcPts val="0"/>
+              </a:spcBef>
+              <a:buNone/>
+              <a:defRPr sz="1050" b="0" i="0" u="none" strike="noStrike" cap="none">
                 <a:solidFill>
                   <a:schemeClr val="dk2"/>
                 </a:solidFill>
@@ -9446,7 +9673,7 @@
             </a:lvl9pPr>
           </a:lstStyle>
           <a:p>
-            <a:pPr indent="0" lvl="0" marL="0" rtl="0" algn="r">
+            <a:pPr marL="0" lvl="0" indent="0" algn="r" rtl="0">
               <a:spcBef>
                 <a:spcPts val="0"/>
               </a:spcBef>
@@ -9472,11 +9699,11 @@
 </file>
 
 <file path=ppt/slideLayouts/slideLayout9.xml><?xml version="1.0" encoding="utf-8"?>
-<p:sldLayout xmlns:a="http://schemas.openxmlformats.org/drawingml/2006/main" xmlns:r="http://schemas.openxmlformats.org/officeDocument/2006/relationships" xmlns:mc="http://schemas.openxmlformats.org/markup-compatibility/2006" xmlns:mv="urn:schemas-microsoft-com:mac:vml" xmlns:p="http://schemas.openxmlformats.org/presentationml/2006/main" xmlns:c="http://schemas.openxmlformats.org/drawingml/2006/chart" xmlns:dgm="http://schemas.openxmlformats.org/drawingml/2006/diagram" xmlns:o="urn:schemas-microsoft-com:office:office" xmlns:v="urn:schemas-microsoft-com:vml" xmlns:pvml="urn:schemas-microsoft-com:office:powerpoint" xmlns:com="http://schemas.openxmlformats.org/drawingml/2006/compatibility" xmlns:p14="http://schemas.microsoft.com/office/powerpoint/2010/main" xmlns:p15="http://schemas.microsoft.com/office/powerpoint/2012/main" xmlns:ahyp="http://schemas.microsoft.com/office/drawing/2018/hyperlinkcolor" matchingName="Picture with Caption" showMasterSp="0" type="picTx">
+<p:sldLayout xmlns:a="http://schemas.openxmlformats.org/drawingml/2006/main" xmlns:r="http://schemas.openxmlformats.org/officeDocument/2006/relationships" xmlns:p="http://schemas.openxmlformats.org/presentationml/2006/main" showMasterSp="0" matchingName="Picture with Caption" type="picTx">
   <p:cSld name="PICTURE_WITH_CAPTION_TEXT">
     <p:spTree>
       <p:nvGrpSpPr>
-        <p:cNvPr id="74" name="Shape 74"/>
+        <p:cNvPr id="1" name="Shape 74"/>
         <p:cNvGrpSpPr/>
         <p:nvPr/>
       </p:nvGrpSpPr>
@@ -9510,12 +9737,12 @@
           </a:ln>
         </p:spPr>
         <p:txBody>
-          <a:bodyPr anchorCtr="0" anchor="ctr" bIns="91425" lIns="91425" spcFirstLastPara="1" rIns="91425" wrap="square" tIns="91425">
+          <a:bodyPr spcFirstLastPara="1" wrap="square" lIns="91425" tIns="91425" rIns="91425" bIns="91425" anchor="ctr" anchorCtr="0">
             <a:noAutofit/>
           </a:bodyPr>
           <a:lstStyle/>
           <a:p>
-            <a:pPr indent="0" lvl="0" marL="0" rtl="0" algn="l">
+            <a:pPr marL="0" lvl="0" indent="0" algn="l" rtl="0">
               <a:spcBef>
                 <a:spcPts val="0"/>
               </a:spcBef>
@@ -9524,9 +9751,6 @@
               </a:spcAft>
               <a:buNone/>
             </a:pPr>
-            <a:r>
-              <a:t/>
-            </a:r>
             <a:endParaRPr/>
           </a:p>
         </p:txBody>
@@ -9553,12 +9777,12 @@
           </a:ln>
         </p:spPr>
         <p:txBody>
-          <a:bodyPr anchorCtr="0" anchor="ctr" bIns="91425" lIns="91425" spcFirstLastPara="1" rIns="91425" wrap="square" tIns="91425">
+          <a:bodyPr spcFirstLastPara="1" wrap="square" lIns="91425" tIns="91425" rIns="91425" bIns="91425" anchor="ctr" anchorCtr="0">
             <a:noAutofit/>
           </a:bodyPr>
           <a:lstStyle/>
           <a:p>
-            <a:pPr indent="0" lvl="0" marL="0" rtl="0" algn="l">
+            <a:pPr marL="0" lvl="0" indent="0" algn="l" rtl="0">
               <a:spcBef>
                 <a:spcPts val="0"/>
               </a:spcBef>
@@ -9567,9 +9791,6 @@
               </a:spcAft>
               <a:buNone/>
             </a:pPr>
-            <a:r>
-              <a:t/>
-            </a:r>
             <a:endParaRPr/>
           </a:p>
         </p:txBody>
@@ -9577,7 +9798,9 @@
       <p:sp>
         <p:nvSpPr>
           <p:cNvPr id="77" name="Google Shape;77;p27"/>
-          <p:cNvSpPr txBox="1"/>
+          <p:cNvSpPr txBox="1">
+            <a:spLocks noGrp="1"/>
+          </p:cNvSpPr>
           <p:nvPr>
             <p:ph type="title"/>
           </p:nvPr>
@@ -9596,7 +9819,7 @@
           </a:ln>
         </p:spPr>
         <p:txBody>
-          <a:bodyPr anchorCtr="0" anchor="b" bIns="0" lIns="91425" spcFirstLastPara="1" rIns="91425" wrap="square" tIns="0">
+          <a:bodyPr spcFirstLastPara="1" wrap="square" lIns="91425" tIns="0" rIns="91425" bIns="0" anchor="b" anchorCtr="0">
             <a:noAutofit/>
           </a:bodyPr>
           <a:lstStyle>
@@ -9616,7 +9839,7 @@
               <a:buSzPts val="3600"/>
               <a:buFont typeface="Calibri"/>
               <a:buNone/>
-              <a:defRPr b="0" sz="3600">
+              <a:defRPr sz="3600" b="0">
                 <a:solidFill>
                   <a:srgbClr val="FFFFFF"/>
                 </a:solidFill>
@@ -9711,15 +9934,19 @@
               <a:defRPr/>
             </a:lvl9pPr>
           </a:lstStyle>
-          <a:p/>
+          <a:p>
+            <a:endParaRPr/>
+          </a:p>
         </p:txBody>
       </p:sp>
       <p:sp>
         <p:nvSpPr>
           <p:cNvPr id="78" name="Google Shape;78;p27"/>
-          <p:cNvSpPr/>
+          <p:cNvSpPr>
+            <a:spLocks noGrp="1"/>
+          </p:cNvSpPr>
           <p:nvPr>
-            <p:ph idx="2" type="pic"/>
+            <p:ph type="pic" idx="2"/>
           </p:nvPr>
         </p:nvSpPr>
         <p:spPr>
@@ -9741,9 +9968,11 @@
       <p:sp>
         <p:nvSpPr>
           <p:cNvPr id="79" name="Google Shape;79;p27"/>
-          <p:cNvSpPr txBox="1"/>
+          <p:cNvSpPr txBox="1">
+            <a:spLocks noGrp="1"/>
+          </p:cNvSpPr>
           <p:nvPr>
-            <p:ph idx="1" type="body"/>
+            <p:ph type="body" idx="1"/>
           </p:nvPr>
         </p:nvSpPr>
         <p:spPr>
@@ -9760,11 +9989,11 @@
           </a:ln>
         </p:spPr>
         <p:txBody>
-          <a:bodyPr anchorCtr="0" anchor="t" bIns="0" lIns="91425" spcFirstLastPara="1" rIns="91425" wrap="square" tIns="0">
+          <a:bodyPr spcFirstLastPara="1" wrap="square" lIns="91425" tIns="0" rIns="91425" bIns="0" anchor="t" anchorCtr="0">
             <a:normAutofit/>
           </a:bodyPr>
           <a:lstStyle>
-            <a:lvl1pPr indent="-228600" lvl="0" marL="457200" algn="l">
+            <a:lvl1pPr marL="457200" lvl="0" indent="-228600" algn="l">
               <a:lnSpc>
                 <a:spcPct val="90000"/>
               </a:lnSpc>
@@ -9782,7 +10011,7 @@
                 </a:solidFill>
               </a:defRPr>
             </a:lvl1pPr>
-            <a:lvl2pPr indent="-228600" lvl="1" marL="914400" algn="l">
+            <a:lvl2pPr marL="914400" lvl="1" indent="-228600" algn="l">
               <a:lnSpc>
                 <a:spcPct val="90000"/>
               </a:lnSpc>
@@ -9796,7 +10025,7 @@
               <a:buNone/>
               <a:defRPr sz="1200"/>
             </a:lvl2pPr>
-            <a:lvl3pPr indent="-228600" lvl="2" marL="1371600" algn="l">
+            <a:lvl3pPr marL="1371600" lvl="2" indent="-228600" algn="l">
               <a:lnSpc>
                 <a:spcPct val="90000"/>
               </a:lnSpc>
@@ -9810,7 +10039,7 @@
               <a:buNone/>
               <a:defRPr sz="1000"/>
             </a:lvl3pPr>
-            <a:lvl4pPr indent="-228600" lvl="3" marL="1828800" algn="l">
+            <a:lvl4pPr marL="1828800" lvl="3" indent="-228600" algn="l">
               <a:lnSpc>
                 <a:spcPct val="90000"/>
               </a:lnSpc>
@@ -9824,7 +10053,7 @@
               <a:buNone/>
               <a:defRPr sz="900"/>
             </a:lvl4pPr>
-            <a:lvl5pPr indent="-228600" lvl="4" marL="2286000" algn="l">
+            <a:lvl5pPr marL="2286000" lvl="4" indent="-228600" algn="l">
               <a:lnSpc>
                 <a:spcPct val="90000"/>
               </a:lnSpc>
@@ -9838,7 +10067,7 @@
               <a:buNone/>
               <a:defRPr sz="900"/>
             </a:lvl5pPr>
-            <a:lvl6pPr indent="-228600" lvl="5" marL="2743200" algn="l">
+            <a:lvl6pPr marL="2743200" lvl="5" indent="-228600" algn="l">
               <a:lnSpc>
                 <a:spcPct val="90000"/>
               </a:lnSpc>
@@ -9852,7 +10081,7 @@
               <a:buNone/>
               <a:defRPr sz="900"/>
             </a:lvl6pPr>
-            <a:lvl7pPr indent="-228600" lvl="6" marL="3200400" algn="l">
+            <a:lvl7pPr marL="3200400" lvl="6" indent="-228600" algn="l">
               <a:lnSpc>
                 <a:spcPct val="90000"/>
               </a:lnSpc>
@@ -9866,7 +10095,7 @@
               <a:buNone/>
               <a:defRPr sz="900"/>
             </a:lvl7pPr>
-            <a:lvl8pPr indent="-228600" lvl="7" marL="3657600" algn="l">
+            <a:lvl8pPr marL="3657600" lvl="7" indent="-228600" algn="l">
               <a:lnSpc>
                 <a:spcPct val="90000"/>
               </a:lnSpc>
@@ -9880,7 +10109,7 @@
               <a:buNone/>
               <a:defRPr sz="900"/>
             </a:lvl8pPr>
-            <a:lvl9pPr indent="-228600" lvl="8" marL="4114800" algn="l">
+            <a:lvl9pPr marL="4114800" lvl="8" indent="-228600" algn="l">
               <a:lnSpc>
                 <a:spcPct val="90000"/>
               </a:lnSpc>
@@ -9895,15 +10124,19 @@
               <a:defRPr sz="900"/>
             </a:lvl9pPr>
           </a:lstStyle>
-          <a:p/>
+          <a:p>
+            <a:endParaRPr/>
+          </a:p>
         </p:txBody>
       </p:sp>
       <p:sp>
         <p:nvSpPr>
           <p:cNvPr id="80" name="Google Shape;80;p27"/>
-          <p:cNvSpPr txBox="1"/>
+          <p:cNvSpPr txBox="1">
+            <a:spLocks noGrp="1"/>
+          </p:cNvSpPr>
           <p:nvPr>
-            <p:ph idx="10" type="dt"/>
+            <p:ph type="dt" idx="10"/>
           </p:nvPr>
         </p:nvSpPr>
         <p:spPr>
@@ -9920,7 +10153,7 @@
           </a:ln>
         </p:spPr>
         <p:txBody>
-          <a:bodyPr anchorCtr="0" anchor="ctr" bIns="45700" lIns="91425" spcFirstLastPara="1" rIns="91425" wrap="square" tIns="45700">
+          <a:bodyPr spcFirstLastPara="1" wrap="square" lIns="91425" tIns="45700" rIns="91425" bIns="45700" anchor="ctr" anchorCtr="0">
             <a:noAutofit/>
           </a:bodyPr>
           <a:lstStyle>
@@ -10024,15 +10257,19 @@
               <a:defRPr/>
             </a:lvl9pPr>
           </a:lstStyle>
-          <a:p/>
+          <a:p>
+            <a:endParaRPr/>
+          </a:p>
         </p:txBody>
       </p:sp>
       <p:sp>
         <p:nvSpPr>
           <p:cNvPr id="81" name="Google Shape;81;p27"/>
-          <p:cNvSpPr txBox="1"/>
+          <p:cNvSpPr txBox="1">
+            <a:spLocks noGrp="1"/>
+          </p:cNvSpPr>
           <p:nvPr>
-            <p:ph idx="11" type="ftr"/>
+            <p:ph type="ftr" idx="11"/>
           </p:nvPr>
         </p:nvSpPr>
         <p:spPr>
@@ -10049,7 +10286,7 @@
           </a:ln>
         </p:spPr>
         <p:txBody>
-          <a:bodyPr anchorCtr="0" anchor="ctr" bIns="45700" lIns="91425" spcFirstLastPara="1" rIns="91425" wrap="square" tIns="45700">
+          <a:bodyPr spcFirstLastPara="1" wrap="square" lIns="91425" tIns="45700" rIns="91425" bIns="45700" anchor="ctr" anchorCtr="0">
             <a:noAutofit/>
           </a:bodyPr>
           <a:lstStyle>
@@ -10153,15 +10390,19 @@
               <a:defRPr/>
             </a:lvl9pPr>
           </a:lstStyle>
-          <a:p/>
+          <a:p>
+            <a:endParaRPr/>
+          </a:p>
         </p:txBody>
       </p:sp>
       <p:sp>
         <p:nvSpPr>
           <p:cNvPr id="82" name="Google Shape;82;p27"/>
-          <p:cNvSpPr txBox="1"/>
+          <p:cNvSpPr txBox="1">
+            <a:spLocks noGrp="1"/>
+          </p:cNvSpPr>
           <p:nvPr>
-            <p:ph idx="12" type="sldNum"/>
+            <p:ph type="sldNum" idx="12"/>
           </p:nvPr>
         </p:nvSpPr>
         <p:spPr>
@@ -10178,67 +10419,67 @@
           </a:ln>
         </p:spPr>
         <p:txBody>
-          <a:bodyPr anchorCtr="0" anchor="ctr" bIns="45700" lIns="91425" spcFirstLastPara="1" rIns="91425" wrap="square" tIns="45700">
+          <a:bodyPr spcFirstLastPara="1" wrap="square" lIns="91425" tIns="45700" rIns="91425" bIns="45700" anchor="ctr" anchorCtr="0">
             <a:noAutofit/>
           </a:bodyPr>
           <a:lstStyle>
-            <a:lvl1pPr indent="0" lvl="0" marL="0" algn="r">
+            <a:lvl1pPr marL="0" lvl="0" indent="0" algn="r">
               <a:spcBef>
                 <a:spcPts val="0"/>
               </a:spcBef>
               <a:buNone/>
               <a:defRPr/>
             </a:lvl1pPr>
-            <a:lvl2pPr indent="0" lvl="1" marL="0" algn="r">
+            <a:lvl2pPr marL="0" lvl="1" indent="0" algn="r">
               <a:spcBef>
                 <a:spcPts val="0"/>
               </a:spcBef>
               <a:buNone/>
               <a:defRPr/>
             </a:lvl2pPr>
-            <a:lvl3pPr indent="0" lvl="2" marL="0" algn="r">
+            <a:lvl3pPr marL="0" lvl="2" indent="0" algn="r">
               <a:spcBef>
                 <a:spcPts val="0"/>
               </a:spcBef>
               <a:buNone/>
               <a:defRPr/>
             </a:lvl3pPr>
-            <a:lvl4pPr indent="0" lvl="3" marL="0" algn="r">
+            <a:lvl4pPr marL="0" lvl="3" indent="0" algn="r">
               <a:spcBef>
                 <a:spcPts val="0"/>
               </a:spcBef>
               <a:buNone/>
               <a:defRPr/>
             </a:lvl4pPr>
-            <a:lvl5pPr indent="0" lvl="4" marL="0" algn="r">
+            <a:lvl5pPr marL="0" lvl="4" indent="0" algn="r">
               <a:spcBef>
                 <a:spcPts val="0"/>
               </a:spcBef>
               <a:buNone/>
               <a:defRPr/>
             </a:lvl5pPr>
-            <a:lvl6pPr indent="0" lvl="5" marL="0" algn="r">
+            <a:lvl6pPr marL="0" lvl="5" indent="0" algn="r">
               <a:spcBef>
                 <a:spcPts val="0"/>
               </a:spcBef>
               <a:buNone/>
               <a:defRPr/>
             </a:lvl6pPr>
-            <a:lvl7pPr indent="0" lvl="6" marL="0" algn="r">
+            <a:lvl7pPr marL="0" lvl="6" indent="0" algn="r">
               <a:spcBef>
                 <a:spcPts val="0"/>
               </a:spcBef>
               <a:buNone/>
               <a:defRPr/>
             </a:lvl7pPr>
-            <a:lvl8pPr indent="0" lvl="7" marL="0" algn="r">
+            <a:lvl8pPr marL="0" lvl="7" indent="0" algn="r">
               <a:spcBef>
                 <a:spcPts val="0"/>
               </a:spcBef>
               <a:buNone/>
               <a:defRPr/>
             </a:lvl8pPr>
-            <a:lvl9pPr indent="0" lvl="8" marL="0" algn="r">
+            <a:lvl9pPr marL="0" lvl="8" indent="0" algn="r">
               <a:spcBef>
                 <a:spcPts val="0"/>
               </a:spcBef>
@@ -10247,7 +10488,7 @@
             </a:lvl9pPr>
           </a:lstStyle>
           <a:p>
-            <a:pPr indent="0" lvl="0" marL="0" rtl="0" algn="r">
+            <a:pPr marL="0" lvl="0" indent="0" algn="r" rtl="0">
               <a:spcBef>
                 <a:spcPts val="0"/>
               </a:spcBef>
@@ -10273,18 +10514,19 @@
 </file>
 
 <file path=ppt/slideMasters/slideMaster1.xml><?xml version="1.0" encoding="utf-8"?>
-<p:sldMaster xmlns:a="http://schemas.openxmlformats.org/drawingml/2006/main" xmlns:r="http://schemas.openxmlformats.org/officeDocument/2006/relationships" xmlns:mc="http://schemas.openxmlformats.org/markup-compatibility/2006" xmlns:mv="urn:schemas-microsoft-com:mac:vml" xmlns:p="http://schemas.openxmlformats.org/presentationml/2006/main" xmlns:c="http://schemas.openxmlformats.org/drawingml/2006/chart" xmlns:dgm="http://schemas.openxmlformats.org/drawingml/2006/diagram" xmlns:o="urn:schemas-microsoft-com:office:office" xmlns:v="urn:schemas-microsoft-com:vml" xmlns:pvml="urn:schemas-microsoft-com:office:powerpoint" xmlns:com="http://schemas.openxmlformats.org/drawingml/2006/compatibility" xmlns:p14="http://schemas.microsoft.com/office/powerpoint/2010/main" xmlns:p15="http://schemas.microsoft.com/office/powerpoint/2012/main" xmlns:ahyp="http://schemas.microsoft.com/office/drawing/2018/hyperlinkcolor">
+<p:sldMaster xmlns:a="http://schemas.openxmlformats.org/drawingml/2006/main" xmlns:r="http://schemas.openxmlformats.org/officeDocument/2006/relationships" xmlns:p="http://schemas.openxmlformats.org/presentationml/2006/main">
   <p:cSld>
     <p:bg>
       <p:bgPr>
         <a:solidFill>
           <a:schemeClr val="lt1"/>
         </a:solidFill>
+        <a:effectLst/>
       </p:bgPr>
     </p:bg>
     <p:spTree>
       <p:nvGrpSpPr>
-        <p:cNvPr id="5" name="Shape 5"/>
+        <p:cNvPr id="1" name="Shape 5"/>
         <p:cNvGrpSpPr/>
         <p:nvPr/>
       </p:nvGrpSpPr>
@@ -10318,12 +10560,12 @@
           </a:ln>
         </p:spPr>
         <p:txBody>
-          <a:bodyPr anchorCtr="0" anchor="ctr" bIns="91425" lIns="91425" spcFirstLastPara="1" rIns="91425" wrap="square" tIns="91425">
+          <a:bodyPr spcFirstLastPara="1" wrap="square" lIns="91425" tIns="91425" rIns="91425" bIns="91425" anchor="ctr" anchorCtr="0">
             <a:noAutofit/>
           </a:bodyPr>
           <a:lstStyle/>
           <a:p>
-            <a:pPr indent="0" lvl="0" marL="0" rtl="0" algn="l">
+            <a:pPr marL="0" lvl="0" indent="0" algn="l" rtl="0">
               <a:spcBef>
                 <a:spcPts val="0"/>
               </a:spcBef>
@@ -10332,9 +10574,6 @@
               </a:spcAft>
               <a:buNone/>
             </a:pPr>
-            <a:r>
-              <a:t/>
-            </a:r>
             <a:endParaRPr/>
           </a:p>
         </p:txBody>
@@ -10361,12 +10600,12 @@
           </a:ln>
         </p:spPr>
         <p:txBody>
-          <a:bodyPr anchorCtr="0" anchor="ctr" bIns="91425" lIns="91425" spcFirstLastPara="1" rIns="91425" wrap="square" tIns="91425">
+          <a:bodyPr spcFirstLastPara="1" wrap="square" lIns="91425" tIns="91425" rIns="91425" bIns="91425" anchor="ctr" anchorCtr="0">
             <a:noAutofit/>
           </a:bodyPr>
           <a:lstStyle/>
           <a:p>
-            <a:pPr indent="0" lvl="0" marL="0" rtl="0" algn="l">
+            <a:pPr marL="0" lvl="0" indent="0" algn="l" rtl="0">
               <a:spcBef>
                 <a:spcPts val="0"/>
               </a:spcBef>
@@ -10375,9 +10614,6 @@
               </a:spcAft>
               <a:buNone/>
             </a:pPr>
-            <a:r>
-              <a:t/>
-            </a:r>
             <a:endParaRPr/>
           </a:p>
         </p:txBody>
@@ -10385,7 +10621,9 @@
       <p:sp>
         <p:nvSpPr>
           <p:cNvPr id="8" name="Google Shape;8;p18"/>
-          <p:cNvSpPr txBox="1"/>
+          <p:cNvSpPr txBox="1">
+            <a:spLocks noGrp="1"/>
+          </p:cNvSpPr>
           <p:nvPr>
             <p:ph type="title"/>
           </p:nvPr>
@@ -10404,11 +10642,11 @@
           </a:ln>
         </p:spPr>
         <p:txBody>
-          <a:bodyPr anchorCtr="0" anchor="b" bIns="45700" lIns="91425" spcFirstLastPara="1" rIns="91425" wrap="square" tIns="45700">
+          <a:bodyPr spcFirstLastPara="1" wrap="square" lIns="91425" tIns="45700" rIns="91425" bIns="45700" anchor="b" anchorCtr="0">
             <a:normAutofit/>
           </a:bodyPr>
           <a:lstStyle>
-            <a:lvl1pPr lvl="0" marR="0" rtl="0" algn="l">
+            <a:lvl1pPr marR="0" lvl="0" algn="l" rtl="0">
               <a:lnSpc>
                 <a:spcPct val="85000"/>
               </a:lnSpc>
@@ -10424,7 +10662,7 @@
               <a:buSzPts val="4800"/>
               <a:buFont typeface="Calibri"/>
               <a:buNone/>
-              <a:defRPr b="0" i="0" sz="4800" u="none" cap="none" strike="noStrike">
+              <a:defRPr sz="4800" b="0" i="0" u="none" strike="noStrike" cap="none">
                 <a:solidFill>
                   <a:srgbClr val="3F3F3F"/>
                 </a:solidFill>
@@ -10523,15 +10761,19 @@
               <a:defRPr sz="1800"/>
             </a:lvl9pPr>
           </a:lstStyle>
-          <a:p/>
+          <a:p>
+            <a:endParaRPr/>
+          </a:p>
         </p:txBody>
       </p:sp>
       <p:sp>
         <p:nvSpPr>
           <p:cNvPr id="9" name="Google Shape;9;p18"/>
-          <p:cNvSpPr txBox="1"/>
+          <p:cNvSpPr txBox="1">
+            <a:spLocks noGrp="1"/>
+          </p:cNvSpPr>
           <p:nvPr>
-            <p:ph idx="1" type="body"/>
+            <p:ph type="body" idx="1"/>
           </p:nvPr>
         </p:nvSpPr>
         <p:spPr>
@@ -10548,11 +10790,11 @@
           </a:ln>
         </p:spPr>
         <p:txBody>
-          <a:bodyPr anchorCtr="0" anchor="t" bIns="45700" lIns="0" spcFirstLastPara="1" rIns="0" wrap="square" tIns="45700">
+          <a:bodyPr spcFirstLastPara="1" wrap="square" lIns="0" tIns="45700" rIns="0" bIns="45700" anchor="t" anchorCtr="0">
             <a:normAutofit/>
           </a:bodyPr>
           <a:lstStyle>
-            <a:lvl1pPr indent="-355600" lvl="0" marL="457200" marR="0" rtl="0" algn="l">
+            <a:lvl1pPr marL="457200" marR="0" lvl="0" indent="-355600" algn="l" rtl="0">
               <a:lnSpc>
                 <a:spcPct val="90000"/>
               </a:lnSpc>
@@ -10568,7 +10810,7 @@
               <a:buSzPts val="2000"/>
               <a:buFont typeface="Calibri"/>
               <a:buChar char=" "/>
-              <a:defRPr b="0" i="0" sz="2000" u="none" cap="none" strike="noStrike">
+              <a:defRPr sz="2000" b="0" i="0" u="none" strike="noStrike" cap="none">
                 <a:solidFill>
                   <a:srgbClr val="3F3F3F"/>
                 </a:solidFill>
@@ -10578,7 +10820,7 @@
                 <a:sym typeface="Calibri"/>
               </a:defRPr>
             </a:lvl1pPr>
-            <a:lvl2pPr indent="-342900" lvl="1" marL="914400" marR="0" rtl="0" algn="l">
+            <a:lvl2pPr marL="914400" marR="0" lvl="1" indent="-342900" algn="l" rtl="0">
               <a:lnSpc>
                 <a:spcPct val="90000"/>
               </a:lnSpc>
@@ -10594,7 +10836,7 @@
               <a:buSzPts val="1800"/>
               <a:buFont typeface="Calibri"/>
               <a:buChar char="◦"/>
-              <a:defRPr b="0" i="0" sz="1800" u="none" cap="none" strike="noStrike">
+              <a:defRPr sz="1800" b="0" i="0" u="none" strike="noStrike" cap="none">
                 <a:solidFill>
                   <a:srgbClr val="3F3F3F"/>
                 </a:solidFill>
@@ -10604,7 +10846,7 @@
                 <a:sym typeface="Calibri"/>
               </a:defRPr>
             </a:lvl2pPr>
-            <a:lvl3pPr indent="-317500" lvl="2" marL="1371600" marR="0" rtl="0" algn="l">
+            <a:lvl3pPr marL="1371600" marR="0" lvl="2" indent="-317500" algn="l" rtl="0">
               <a:lnSpc>
                 <a:spcPct val="90000"/>
               </a:lnSpc>
@@ -10620,7 +10862,7 @@
               <a:buSzPts val="1400"/>
               <a:buFont typeface="Calibri"/>
               <a:buChar char="◦"/>
-              <a:defRPr b="0" i="0" sz="1400" u="none" cap="none" strike="noStrike">
+              <a:defRPr sz="1400" b="0" i="0" u="none" strike="noStrike" cap="none">
                 <a:solidFill>
                   <a:srgbClr val="3F3F3F"/>
                 </a:solidFill>
@@ -10630,7 +10872,7 @@
                 <a:sym typeface="Calibri"/>
               </a:defRPr>
             </a:lvl3pPr>
-            <a:lvl4pPr indent="-317500" lvl="3" marL="1828800" marR="0" rtl="0" algn="l">
+            <a:lvl4pPr marL="1828800" marR="0" lvl="3" indent="-317500" algn="l" rtl="0">
               <a:lnSpc>
                 <a:spcPct val="90000"/>
               </a:lnSpc>
@@ -10646,7 +10888,7 @@
               <a:buSzPts val="1400"/>
               <a:buFont typeface="Calibri"/>
               <a:buChar char="◦"/>
-              <a:defRPr b="0" i="0" sz="1400" u="none" cap="none" strike="noStrike">
+              <a:defRPr sz="1400" b="0" i="0" u="none" strike="noStrike" cap="none">
                 <a:solidFill>
                   <a:srgbClr val="3F3F3F"/>
                 </a:solidFill>
@@ -10656,7 +10898,7 @@
                 <a:sym typeface="Calibri"/>
               </a:defRPr>
             </a:lvl4pPr>
-            <a:lvl5pPr indent="-317500" lvl="4" marL="2286000" marR="0" rtl="0" algn="l">
+            <a:lvl5pPr marL="2286000" marR="0" lvl="4" indent="-317500" algn="l" rtl="0">
               <a:lnSpc>
                 <a:spcPct val="90000"/>
               </a:lnSpc>
@@ -10672,7 +10914,7 @@
               <a:buSzPts val="1400"/>
               <a:buFont typeface="Calibri"/>
               <a:buChar char="◦"/>
-              <a:defRPr b="0" i="0" sz="1400" u="none" cap="none" strike="noStrike">
+              <a:defRPr sz="1400" b="0" i="0" u="none" strike="noStrike" cap="none">
                 <a:solidFill>
                   <a:srgbClr val="3F3F3F"/>
                 </a:solidFill>
@@ -10682,7 +10924,7 @@
                 <a:sym typeface="Calibri"/>
               </a:defRPr>
             </a:lvl5pPr>
-            <a:lvl6pPr indent="-317500" lvl="5" marL="2743200" marR="0" rtl="0" algn="l">
+            <a:lvl6pPr marL="2743200" marR="0" lvl="5" indent="-317500" algn="l" rtl="0">
               <a:lnSpc>
                 <a:spcPct val="90000"/>
               </a:lnSpc>
@@ -10698,7 +10940,7 @@
               <a:buSzPts val="1400"/>
               <a:buFont typeface="Calibri"/>
               <a:buChar char="◦"/>
-              <a:defRPr b="0" i="0" sz="1400" u="none" cap="none" strike="noStrike">
+              <a:defRPr sz="1400" b="0" i="0" u="none" strike="noStrike" cap="none">
                 <a:solidFill>
                   <a:srgbClr val="3F3F3F"/>
                 </a:solidFill>
@@ -10708,7 +10950,7 @@
                 <a:sym typeface="Calibri"/>
               </a:defRPr>
             </a:lvl6pPr>
-            <a:lvl7pPr indent="-317500" lvl="6" marL="3200400" marR="0" rtl="0" algn="l">
+            <a:lvl7pPr marL="3200400" marR="0" lvl="6" indent="-317500" algn="l" rtl="0">
               <a:lnSpc>
                 <a:spcPct val="90000"/>
               </a:lnSpc>
@@ -10724,7 +10966,7 @@
               <a:buSzPts val="1400"/>
               <a:buFont typeface="Calibri"/>
               <a:buChar char="◦"/>
-              <a:defRPr b="0" i="0" sz="1400" u="none" cap="none" strike="noStrike">
+              <a:defRPr sz="1400" b="0" i="0" u="none" strike="noStrike" cap="none">
                 <a:solidFill>
                   <a:srgbClr val="3F3F3F"/>
                 </a:solidFill>
@@ -10734,7 +10976,7 @@
                 <a:sym typeface="Calibri"/>
               </a:defRPr>
             </a:lvl7pPr>
-            <a:lvl8pPr indent="-317500" lvl="7" marL="3657600" marR="0" rtl="0" algn="l">
+            <a:lvl8pPr marL="3657600" marR="0" lvl="7" indent="-317500" algn="l" rtl="0">
               <a:lnSpc>
                 <a:spcPct val="90000"/>
               </a:lnSpc>
@@ -10750,7 +10992,7 @@
               <a:buSzPts val="1400"/>
               <a:buFont typeface="Calibri"/>
               <a:buChar char="◦"/>
-              <a:defRPr b="0" i="0" sz="1400" u="none" cap="none" strike="noStrike">
+              <a:defRPr sz="1400" b="0" i="0" u="none" strike="noStrike" cap="none">
                 <a:solidFill>
                   <a:srgbClr val="3F3F3F"/>
                 </a:solidFill>
@@ -10760,7 +11002,7 @@
                 <a:sym typeface="Calibri"/>
               </a:defRPr>
             </a:lvl8pPr>
-            <a:lvl9pPr indent="-317500" lvl="8" marL="4114800" marR="0" rtl="0" algn="l">
+            <a:lvl9pPr marL="4114800" marR="0" lvl="8" indent="-317500" algn="l" rtl="0">
               <a:lnSpc>
                 <a:spcPct val="90000"/>
               </a:lnSpc>
@@ -10776,7 +11018,7 @@
               <a:buSzPts val="1400"/>
               <a:buFont typeface="Calibri"/>
               <a:buChar char="◦"/>
-              <a:defRPr b="0" i="0" sz="1400" u="none" cap="none" strike="noStrike">
+              <a:defRPr sz="1400" b="0" i="0" u="none" strike="noStrike" cap="none">
                 <a:solidFill>
                   <a:srgbClr val="3F3F3F"/>
                 </a:solidFill>
@@ -10787,15 +11029,19 @@
               </a:defRPr>
             </a:lvl9pPr>
           </a:lstStyle>
-          <a:p/>
+          <a:p>
+            <a:endParaRPr/>
+          </a:p>
         </p:txBody>
       </p:sp>
       <p:sp>
         <p:nvSpPr>
           <p:cNvPr id="10" name="Google Shape;10;p18"/>
-          <p:cNvSpPr txBox="1"/>
+          <p:cNvSpPr txBox="1">
+            <a:spLocks noGrp="1"/>
+          </p:cNvSpPr>
           <p:nvPr>
-            <p:ph idx="10" type="dt"/>
+            <p:ph type="dt" idx="10"/>
           </p:nvPr>
         </p:nvSpPr>
         <p:spPr>
@@ -10812,20 +11058,20 @@
           </a:ln>
         </p:spPr>
         <p:txBody>
-          <a:bodyPr anchorCtr="0" anchor="ctr" bIns="45700" lIns="91425" spcFirstLastPara="1" rIns="91425" wrap="square" tIns="45700">
+          <a:bodyPr spcFirstLastPara="1" wrap="square" lIns="91425" tIns="45700" rIns="91425" bIns="45700" anchor="ctr" anchorCtr="0">
             <a:noAutofit/>
           </a:bodyPr>
           <a:lstStyle>
-            <a:lvl1pPr lvl="0" marR="0" rtl="0" algn="l">
-              <a:spcBef>
-                <a:spcPts val="0"/>
-              </a:spcBef>
-              <a:spcAft>
-                <a:spcPts val="0"/>
-              </a:spcAft>
-              <a:buSzPts val="1400"/>
-              <a:buNone/>
-              <a:defRPr b="0" i="0" sz="900" u="none" cap="none" strike="noStrike">
+            <a:lvl1pPr marR="0" lvl="0" algn="l" rtl="0">
+              <a:spcBef>
+                <a:spcPts val="0"/>
+              </a:spcBef>
+              <a:spcAft>
+                <a:spcPts val="0"/>
+              </a:spcAft>
+              <a:buSzPts val="1400"/>
+              <a:buNone/>
+              <a:defRPr sz="900" b="0" i="0" u="none" strike="noStrike" cap="none">
                 <a:solidFill>
                   <a:srgbClr val="FFFFFF"/>
                 </a:solidFill>
@@ -10835,16 +11081,16 @@
                 <a:sym typeface="Calibri"/>
               </a:defRPr>
             </a:lvl1pPr>
-            <a:lvl2pPr lvl="1" marR="0" rtl="0" algn="l">
-              <a:spcBef>
-                <a:spcPts val="0"/>
-              </a:spcBef>
-              <a:spcAft>
-                <a:spcPts val="0"/>
-              </a:spcAft>
-              <a:buSzPts val="1400"/>
-              <a:buNone/>
-              <a:defRPr b="0" i="0" sz="1800" u="none" cap="none" strike="noStrike">
+            <a:lvl2pPr marR="0" lvl="1" algn="l" rtl="0">
+              <a:spcBef>
+                <a:spcPts val="0"/>
+              </a:spcBef>
+              <a:spcAft>
+                <a:spcPts val="0"/>
+              </a:spcAft>
+              <a:buSzPts val="1400"/>
+              <a:buNone/>
+              <a:defRPr sz="1800" b="0" i="0" u="none" strike="noStrike" cap="none">
                 <a:solidFill>
                   <a:schemeClr val="dk1"/>
                 </a:solidFill>
@@ -10854,16 +11100,16 @@
                 <a:sym typeface="Calibri"/>
               </a:defRPr>
             </a:lvl2pPr>
-            <a:lvl3pPr lvl="2" marR="0" rtl="0" algn="l">
-              <a:spcBef>
-                <a:spcPts val="0"/>
-              </a:spcBef>
-              <a:spcAft>
-                <a:spcPts val="0"/>
-              </a:spcAft>
-              <a:buSzPts val="1400"/>
-              <a:buNone/>
-              <a:defRPr b="0" i="0" sz="1800" u="none" cap="none" strike="noStrike">
+            <a:lvl3pPr marR="0" lvl="2" algn="l" rtl="0">
+              <a:spcBef>
+                <a:spcPts val="0"/>
+              </a:spcBef>
+              <a:spcAft>
+                <a:spcPts val="0"/>
+              </a:spcAft>
+              <a:buSzPts val="1400"/>
+              <a:buNone/>
+              <a:defRPr sz="1800" b="0" i="0" u="none" strike="noStrike" cap="none">
                 <a:solidFill>
                   <a:schemeClr val="dk1"/>
                 </a:solidFill>
@@ -10873,16 +11119,16 @@
                 <a:sym typeface="Calibri"/>
               </a:defRPr>
             </a:lvl3pPr>
-            <a:lvl4pPr lvl="3" marR="0" rtl="0" algn="l">
-              <a:spcBef>
-                <a:spcPts val="0"/>
-              </a:spcBef>
-              <a:spcAft>
-                <a:spcPts val="0"/>
-              </a:spcAft>
-              <a:buSzPts val="1400"/>
-              <a:buNone/>
-              <a:defRPr b="0" i="0" sz="1800" u="none" cap="none" strike="noStrike">
+            <a:lvl4pPr marR="0" lvl="3" algn="l" rtl="0">
+              <a:spcBef>
+                <a:spcPts val="0"/>
+              </a:spcBef>
+              <a:spcAft>
+                <a:spcPts val="0"/>
+              </a:spcAft>
+              <a:buSzPts val="1400"/>
+              <a:buNone/>
+              <a:defRPr sz="1800" b="0" i="0" u="none" strike="noStrike" cap="none">
                 <a:solidFill>
                   <a:schemeClr val="dk1"/>
                 </a:solidFill>
@@ -10892,16 +11138,16 @@
                 <a:sym typeface="Calibri"/>
               </a:defRPr>
             </a:lvl4pPr>
-            <a:lvl5pPr lvl="4" marR="0" rtl="0" algn="l">
-              <a:spcBef>
-                <a:spcPts val="0"/>
-              </a:spcBef>
-              <a:spcAft>
-                <a:spcPts val="0"/>
-              </a:spcAft>
-              <a:buSzPts val="1400"/>
-              <a:buNone/>
-              <a:defRPr b="0" i="0" sz="1800" u="none" cap="none" strike="noStrike">
+            <a:lvl5pPr marR="0" lvl="4" algn="l" rtl="0">
+              <a:spcBef>
+                <a:spcPts val="0"/>
+              </a:spcBef>
+              <a:spcAft>
+                <a:spcPts val="0"/>
+              </a:spcAft>
+              <a:buSzPts val="1400"/>
+              <a:buNone/>
+              <a:defRPr sz="1800" b="0" i="0" u="none" strike="noStrike" cap="none">
                 <a:solidFill>
                   <a:schemeClr val="dk1"/>
                 </a:solidFill>
@@ -10911,16 +11157,16 @@
                 <a:sym typeface="Calibri"/>
               </a:defRPr>
             </a:lvl5pPr>
-            <a:lvl6pPr lvl="5" marR="0" rtl="0" algn="l">
-              <a:spcBef>
-                <a:spcPts val="0"/>
-              </a:spcBef>
-              <a:spcAft>
-                <a:spcPts val="0"/>
-              </a:spcAft>
-              <a:buSzPts val="1400"/>
-              <a:buNone/>
-              <a:defRPr b="0" i="0" sz="1800" u="none" cap="none" strike="noStrike">
+            <a:lvl6pPr marR="0" lvl="5" algn="l" rtl="0">
+              <a:spcBef>
+                <a:spcPts val="0"/>
+              </a:spcBef>
+              <a:spcAft>
+                <a:spcPts val="0"/>
+              </a:spcAft>
+              <a:buSzPts val="1400"/>
+              <a:buNone/>
+              <a:defRPr sz="1800" b="0" i="0" u="none" strike="noStrike" cap="none">
                 <a:solidFill>
                   <a:schemeClr val="dk1"/>
                 </a:solidFill>
@@ -10930,16 +11176,16 @@
                 <a:sym typeface="Calibri"/>
               </a:defRPr>
             </a:lvl6pPr>
-            <a:lvl7pPr lvl="6" marR="0" rtl="0" algn="l">
-              <a:spcBef>
-                <a:spcPts val="0"/>
-              </a:spcBef>
-              <a:spcAft>
-                <a:spcPts val="0"/>
-              </a:spcAft>
-              <a:buSzPts val="1400"/>
-              <a:buNone/>
-              <a:defRPr b="0" i="0" sz="1800" u="none" cap="none" strike="noStrike">
+            <a:lvl7pPr marR="0" lvl="6" algn="l" rtl="0">
+              <a:spcBef>
+                <a:spcPts val="0"/>
+              </a:spcBef>
+              <a:spcAft>
+                <a:spcPts val="0"/>
+              </a:spcAft>
+              <a:buSzPts val="1400"/>
+              <a:buNone/>
+              <a:defRPr sz="1800" b="0" i="0" u="none" strike="noStrike" cap="none">
                 <a:solidFill>
                   <a:schemeClr val="dk1"/>
                 </a:solidFill>
@@ -10949,16 +11195,16 @@
                 <a:sym typeface="Calibri"/>
               </a:defRPr>
             </a:lvl7pPr>
-            <a:lvl8pPr lvl="7" marR="0" rtl="0" algn="l">
-              <a:spcBef>
-                <a:spcPts val="0"/>
-              </a:spcBef>
-              <a:spcAft>
-                <a:spcPts val="0"/>
-              </a:spcAft>
-              <a:buSzPts val="1400"/>
-              <a:buNone/>
-              <a:defRPr b="0" i="0" sz="1800" u="none" cap="none" strike="noStrike">
+            <a:lvl8pPr marR="0" lvl="7" algn="l" rtl="0">
+              <a:spcBef>
+                <a:spcPts val="0"/>
+              </a:spcBef>
+              <a:spcAft>
+                <a:spcPts val="0"/>
+              </a:spcAft>
+              <a:buSzPts val="1400"/>
+              <a:buNone/>
+              <a:defRPr sz="1800" b="0" i="0" u="none" strike="noStrike" cap="none">
                 <a:solidFill>
                   <a:schemeClr val="dk1"/>
                 </a:solidFill>
@@ -10968,16 +11214,16 @@
                 <a:sym typeface="Calibri"/>
               </a:defRPr>
             </a:lvl8pPr>
-            <a:lvl9pPr lvl="8" marR="0" rtl="0" algn="l">
-              <a:spcBef>
-                <a:spcPts val="0"/>
-              </a:spcBef>
-              <a:spcAft>
-                <a:spcPts val="0"/>
-              </a:spcAft>
-              <a:buSzPts val="1400"/>
-              <a:buNone/>
-              <a:defRPr b="0" i="0" sz="1800" u="none" cap="none" strike="noStrike">
+            <a:lvl9pPr marR="0" lvl="8" algn="l" rtl="0">
+              <a:spcBef>
+                <a:spcPts val="0"/>
+              </a:spcBef>
+              <a:spcAft>
+                <a:spcPts val="0"/>
+              </a:spcAft>
+              <a:buSzPts val="1400"/>
+              <a:buNone/>
+              <a:defRPr sz="1800" b="0" i="0" u="none" strike="noStrike" cap="none">
                 <a:solidFill>
                   <a:schemeClr val="dk1"/>
                 </a:solidFill>
@@ -10988,15 +11234,19 @@
               </a:defRPr>
             </a:lvl9pPr>
           </a:lstStyle>
-          <a:p/>
+          <a:p>
+            <a:endParaRPr/>
+          </a:p>
         </p:txBody>
       </p:sp>
       <p:sp>
         <p:nvSpPr>
           <p:cNvPr id="11" name="Google Shape;11;p18"/>
-          <p:cNvSpPr txBox="1"/>
+          <p:cNvSpPr txBox="1">
+            <a:spLocks noGrp="1"/>
+          </p:cNvSpPr>
           <p:nvPr>
-            <p:ph idx="11" type="ftr"/>
+            <p:ph type="ftr" idx="11"/>
           </p:nvPr>
         </p:nvSpPr>
         <p:spPr>
@@ -11013,20 +11263,20 @@
           </a:ln>
         </p:spPr>
         <p:txBody>
-          <a:bodyPr anchorCtr="0" anchor="ctr" bIns="45700" lIns="91425" spcFirstLastPara="1" rIns="91425" wrap="square" tIns="45700">
+          <a:bodyPr spcFirstLastPara="1" wrap="square" lIns="91425" tIns="45700" rIns="91425" bIns="45700" anchor="ctr" anchorCtr="0">
             <a:noAutofit/>
           </a:bodyPr>
           <a:lstStyle>
-            <a:lvl1pPr lvl="0" marR="0" rtl="0" algn="ctr">
-              <a:spcBef>
-                <a:spcPts val="0"/>
-              </a:spcBef>
-              <a:spcAft>
-                <a:spcPts val="0"/>
-              </a:spcAft>
-              <a:buSzPts val="1400"/>
-              <a:buNone/>
-              <a:defRPr b="0" i="0" sz="900" u="none" cap="none" strike="noStrike">
+            <a:lvl1pPr marR="0" lvl="0" algn="ctr" rtl="0">
+              <a:spcBef>
+                <a:spcPts val="0"/>
+              </a:spcBef>
+              <a:spcAft>
+                <a:spcPts val="0"/>
+              </a:spcAft>
+              <a:buSzPts val="1400"/>
+              <a:buNone/>
+              <a:defRPr sz="900" b="0" i="0" u="none" strike="noStrike" cap="none">
                 <a:solidFill>
                   <a:srgbClr val="FFFFFF"/>
                 </a:solidFill>
@@ -11036,16 +11286,16 @@
                 <a:sym typeface="Calibri"/>
               </a:defRPr>
             </a:lvl1pPr>
-            <a:lvl2pPr lvl="1" marR="0" rtl="0" algn="l">
-              <a:spcBef>
-                <a:spcPts val="0"/>
-              </a:spcBef>
-              <a:spcAft>
-                <a:spcPts val="0"/>
-              </a:spcAft>
-              <a:buSzPts val="1400"/>
-              <a:buNone/>
-              <a:defRPr b="0" i="0" sz="1800" u="none" cap="none" strike="noStrike">
+            <a:lvl2pPr marR="0" lvl="1" algn="l" rtl="0">
+              <a:spcBef>
+                <a:spcPts val="0"/>
+              </a:spcBef>
+              <a:spcAft>
+                <a:spcPts val="0"/>
+              </a:spcAft>
+              <a:buSzPts val="1400"/>
+              <a:buNone/>
+              <a:defRPr sz="1800" b="0" i="0" u="none" strike="noStrike" cap="none">
                 <a:solidFill>
                   <a:schemeClr val="dk1"/>
                 </a:solidFill>
@@ -11055,16 +11305,16 @@
                 <a:sym typeface="Calibri"/>
               </a:defRPr>
             </a:lvl2pPr>
-            <a:lvl3pPr lvl="2" marR="0" rtl="0" algn="l">
-              <a:spcBef>
-                <a:spcPts val="0"/>
-              </a:spcBef>
-              <a:spcAft>
-                <a:spcPts val="0"/>
-              </a:spcAft>
-              <a:buSzPts val="1400"/>
-              <a:buNone/>
-              <a:defRPr b="0" i="0" sz="1800" u="none" cap="none" strike="noStrike">
+            <a:lvl3pPr marR="0" lvl="2" algn="l" rtl="0">
+              <a:spcBef>
+                <a:spcPts val="0"/>
+              </a:spcBef>
+              <a:spcAft>
+                <a:spcPts val="0"/>
+              </a:spcAft>
+              <a:buSzPts val="1400"/>
+              <a:buNone/>
+              <a:defRPr sz="1800" b="0" i="0" u="none" strike="noStrike" cap="none">
                 <a:solidFill>
                   <a:schemeClr val="dk1"/>
                 </a:solidFill>
@@ -11074,16 +11324,16 @@
                 <a:sym typeface="Calibri"/>
               </a:defRPr>
             </a:lvl3pPr>
-            <a:lvl4pPr lvl="3" marR="0" rtl="0" algn="l">
-              <a:spcBef>
-                <a:spcPts val="0"/>
-              </a:spcBef>
-              <a:spcAft>
-                <a:spcPts val="0"/>
-              </a:spcAft>
-              <a:buSzPts val="1400"/>
-              <a:buNone/>
-              <a:defRPr b="0" i="0" sz="1800" u="none" cap="none" strike="noStrike">
+            <a:lvl4pPr marR="0" lvl="3" algn="l" rtl="0">
+              <a:spcBef>
+                <a:spcPts val="0"/>
+              </a:spcBef>
+              <a:spcAft>
+                <a:spcPts val="0"/>
+              </a:spcAft>
+              <a:buSzPts val="1400"/>
+              <a:buNone/>
+              <a:defRPr sz="1800" b="0" i="0" u="none" strike="noStrike" cap="none">
                 <a:solidFill>
                   <a:schemeClr val="dk1"/>
                 </a:solidFill>
@@ -11093,16 +11343,16 @@
                 <a:sym typeface="Calibri"/>
               </a:defRPr>
             </a:lvl4pPr>
-            <a:lvl5pPr lvl="4" marR="0" rtl="0" algn="l">
-              <a:spcBef>
-                <a:spcPts val="0"/>
-              </a:spcBef>
-              <a:spcAft>
-                <a:spcPts val="0"/>
-              </a:spcAft>
-              <a:buSzPts val="1400"/>
-              <a:buNone/>
-              <a:defRPr b="0" i="0" sz="1800" u="none" cap="none" strike="noStrike">
+            <a:lvl5pPr marR="0" lvl="4" algn="l" rtl="0">
+              <a:spcBef>
+                <a:spcPts val="0"/>
+              </a:spcBef>
+              <a:spcAft>
+                <a:spcPts val="0"/>
+              </a:spcAft>
+              <a:buSzPts val="1400"/>
+              <a:buNone/>
+              <a:defRPr sz="1800" b="0" i="0" u="none" strike="noStrike" cap="none">
                 <a:solidFill>
                   <a:schemeClr val="dk1"/>
                 </a:solidFill>
@@ -11112,16 +11362,16 @@
                 <a:sym typeface="Calibri"/>
               </a:defRPr>
             </a:lvl5pPr>
-            <a:lvl6pPr lvl="5" marR="0" rtl="0" algn="l">
-              <a:spcBef>
-                <a:spcPts val="0"/>
-              </a:spcBef>
-              <a:spcAft>
-                <a:spcPts val="0"/>
-              </a:spcAft>
-              <a:buSzPts val="1400"/>
-              <a:buNone/>
-              <a:defRPr b="0" i="0" sz="1800" u="none" cap="none" strike="noStrike">
+            <a:lvl6pPr marR="0" lvl="5" algn="l" rtl="0">
+              <a:spcBef>
+                <a:spcPts val="0"/>
+              </a:spcBef>
+              <a:spcAft>
+                <a:spcPts val="0"/>
+              </a:spcAft>
+              <a:buSzPts val="1400"/>
+              <a:buNone/>
+              <a:defRPr sz="1800" b="0" i="0" u="none" strike="noStrike" cap="none">
                 <a:solidFill>
                   <a:schemeClr val="dk1"/>
                 </a:solidFill>
@@ -11131,16 +11381,16 @@
                 <a:sym typeface="Calibri"/>
               </a:defRPr>
             </a:lvl6pPr>
-            <a:lvl7pPr lvl="6" marR="0" rtl="0" algn="l">
-              <a:spcBef>
-                <a:spcPts val="0"/>
-              </a:spcBef>
-              <a:spcAft>
-                <a:spcPts val="0"/>
-              </a:spcAft>
-              <a:buSzPts val="1400"/>
-              <a:buNone/>
-              <a:defRPr b="0" i="0" sz="1800" u="none" cap="none" strike="noStrike">
+            <a:lvl7pPr marR="0" lvl="6" algn="l" rtl="0">
+              <a:spcBef>
+                <a:spcPts val="0"/>
+              </a:spcBef>
+              <a:spcAft>
+                <a:spcPts val="0"/>
+              </a:spcAft>
+              <a:buSzPts val="1400"/>
+              <a:buNone/>
+              <a:defRPr sz="1800" b="0" i="0" u="none" strike="noStrike" cap="none">
                 <a:solidFill>
                   <a:schemeClr val="dk1"/>
                 </a:solidFill>
@@ -11150,16 +11400,16 @@
                 <a:sym typeface="Calibri"/>
               </a:defRPr>
             </a:lvl7pPr>
-            <a:lvl8pPr lvl="7" marR="0" rtl="0" algn="l">
-              <a:spcBef>
-                <a:spcPts val="0"/>
-              </a:spcBef>
-              <a:spcAft>
-                <a:spcPts val="0"/>
-              </a:spcAft>
-              <a:buSzPts val="1400"/>
-              <a:buNone/>
-              <a:defRPr b="0" i="0" sz="1800" u="none" cap="none" strike="noStrike">
+            <a:lvl8pPr marR="0" lvl="7" algn="l" rtl="0">
+              <a:spcBef>
+                <a:spcPts val="0"/>
+              </a:spcBef>
+              <a:spcAft>
+                <a:spcPts val="0"/>
+              </a:spcAft>
+              <a:buSzPts val="1400"/>
+              <a:buNone/>
+              <a:defRPr sz="1800" b="0" i="0" u="none" strike="noStrike" cap="none">
                 <a:solidFill>
                   <a:schemeClr val="dk1"/>
                 </a:solidFill>
@@ -11169,16 +11419,16 @@
                 <a:sym typeface="Calibri"/>
               </a:defRPr>
             </a:lvl8pPr>
-            <a:lvl9pPr lvl="8" marR="0" rtl="0" algn="l">
-              <a:spcBef>
-                <a:spcPts val="0"/>
-              </a:spcBef>
-              <a:spcAft>
-                <a:spcPts val="0"/>
-              </a:spcAft>
-              <a:buSzPts val="1400"/>
-              <a:buNone/>
-              <a:defRPr b="0" i="0" sz="1800" u="none" cap="none" strike="noStrike">
+            <a:lvl9pPr marR="0" lvl="8" algn="l" rtl="0">
+              <a:spcBef>
+                <a:spcPts val="0"/>
+              </a:spcBef>
+              <a:spcAft>
+                <a:spcPts val="0"/>
+              </a:spcAft>
+              <a:buSzPts val="1400"/>
+              <a:buNone/>
+              <a:defRPr sz="1800" b="0" i="0" u="none" strike="noStrike" cap="none">
                 <a:solidFill>
                   <a:schemeClr val="dk1"/>
                 </a:solidFill>
@@ -11189,15 +11439,19 @@
               </a:defRPr>
             </a:lvl9pPr>
           </a:lstStyle>
-          <a:p/>
+          <a:p>
+            <a:endParaRPr/>
+          </a:p>
         </p:txBody>
       </p:sp>
       <p:sp>
         <p:nvSpPr>
           <p:cNvPr id="12" name="Google Shape;12;p18"/>
-          <p:cNvSpPr txBox="1"/>
+          <p:cNvSpPr txBox="1">
+            <a:spLocks noGrp="1"/>
+          </p:cNvSpPr>
           <p:nvPr>
-            <p:ph idx="12" type="sldNum"/>
+            <p:ph type="sldNum" idx="12"/>
           </p:nvPr>
         </p:nvSpPr>
         <p:spPr>
@@ -11214,16 +11468,16 @@
           </a:ln>
         </p:spPr>
         <p:txBody>
-          <a:bodyPr anchorCtr="0" anchor="ctr" bIns="45700" lIns="91425" spcFirstLastPara="1" rIns="91425" wrap="square" tIns="45700">
+          <a:bodyPr spcFirstLastPara="1" wrap="square" lIns="91425" tIns="45700" rIns="91425" bIns="45700" anchor="ctr" anchorCtr="0">
             <a:noAutofit/>
           </a:bodyPr>
           <a:lstStyle>
-            <a:lvl1pPr indent="0" lvl="0" marL="0" marR="0" rtl="0" algn="r">
-              <a:spcBef>
-                <a:spcPts val="0"/>
-              </a:spcBef>
-              <a:buNone/>
-              <a:defRPr b="0" i="0" sz="1050" u="none" cap="none" strike="noStrike">
+            <a:lvl1pPr marL="0" marR="0" lvl="0" indent="0" algn="r" rtl="0">
+              <a:spcBef>
+                <a:spcPts val="0"/>
+              </a:spcBef>
+              <a:buNone/>
+              <a:defRPr sz="1050" b="0" i="0" u="none" strike="noStrike" cap="none">
                 <a:solidFill>
                   <a:srgbClr val="FFFFFF"/>
                 </a:solidFill>
@@ -11233,12 +11487,12 @@
                 <a:sym typeface="Calibri"/>
               </a:defRPr>
             </a:lvl1pPr>
-            <a:lvl2pPr indent="0" lvl="1" marL="0" marR="0" rtl="0" algn="r">
-              <a:spcBef>
-                <a:spcPts val="0"/>
-              </a:spcBef>
-              <a:buNone/>
-              <a:defRPr b="0" i="0" sz="1050" u="none" cap="none" strike="noStrike">
+            <a:lvl2pPr marL="0" marR="0" lvl="1" indent="0" algn="r" rtl="0">
+              <a:spcBef>
+                <a:spcPts val="0"/>
+              </a:spcBef>
+              <a:buNone/>
+              <a:defRPr sz="1050" b="0" i="0" u="none" strike="noStrike" cap="none">
                 <a:solidFill>
                   <a:srgbClr val="FFFFFF"/>
                 </a:solidFill>
@@ -11248,12 +11502,12 @@
                 <a:sym typeface="Calibri"/>
               </a:defRPr>
             </a:lvl2pPr>
-            <a:lvl3pPr indent="0" lvl="2" marL="0" marR="0" rtl="0" algn="r">
-              <a:spcBef>
-                <a:spcPts val="0"/>
-              </a:spcBef>
-              <a:buNone/>
-              <a:defRPr b="0" i="0" sz="1050" u="none" cap="none" strike="noStrike">
+            <a:lvl3pPr marL="0" marR="0" lvl="2" indent="0" algn="r" rtl="0">
+              <a:spcBef>
+                <a:spcPts val="0"/>
+              </a:spcBef>
+              <a:buNone/>
+              <a:defRPr sz="1050" b="0" i="0" u="none" strike="noStrike" cap="none">
                 <a:solidFill>
                   <a:srgbClr val="FFFFFF"/>
                 </a:solidFill>
@@ -11263,12 +11517,12 @@
                 <a:sym typeface="Calibri"/>
               </a:defRPr>
             </a:lvl3pPr>
-            <a:lvl4pPr indent="0" lvl="3" marL="0" marR="0" rtl="0" algn="r">
-              <a:spcBef>
-                <a:spcPts val="0"/>
-              </a:spcBef>
-              <a:buNone/>
-              <a:defRPr b="0" i="0" sz="1050" u="none" cap="none" strike="noStrike">
+            <a:lvl4pPr marL="0" marR="0" lvl="3" indent="0" algn="r" rtl="0">
+              <a:spcBef>
+                <a:spcPts val="0"/>
+              </a:spcBef>
+              <a:buNone/>
+              <a:defRPr sz="1050" b="0" i="0" u="none" strike="noStrike" cap="none">
                 <a:solidFill>
                   <a:srgbClr val="FFFFFF"/>
                 </a:solidFill>
@@ -11278,12 +11532,12 @@
                 <a:sym typeface="Calibri"/>
               </a:defRPr>
             </a:lvl4pPr>
-            <a:lvl5pPr indent="0" lvl="4" marL="0" marR="0" rtl="0" algn="r">
-              <a:spcBef>
-                <a:spcPts val="0"/>
-              </a:spcBef>
-              <a:buNone/>
-              <a:defRPr b="0" i="0" sz="1050" u="none" cap="none" strike="noStrike">
+            <a:lvl5pPr marL="0" marR="0" lvl="4" indent="0" algn="r" rtl="0">
+              <a:spcBef>
+                <a:spcPts val="0"/>
+              </a:spcBef>
+              <a:buNone/>
+              <a:defRPr sz="1050" b="0" i="0" u="none" strike="noStrike" cap="none">
                 <a:solidFill>
                   <a:srgbClr val="FFFFFF"/>
                 </a:solidFill>
@@ -11293,12 +11547,12 @@
                 <a:sym typeface="Calibri"/>
               </a:defRPr>
             </a:lvl5pPr>
-            <a:lvl6pPr indent="0" lvl="5" marL="0" marR="0" rtl="0" algn="r">
-              <a:spcBef>
-                <a:spcPts val="0"/>
-              </a:spcBef>
-              <a:buNone/>
-              <a:defRPr b="0" i="0" sz="1050" u="none" cap="none" strike="noStrike">
+            <a:lvl6pPr marL="0" marR="0" lvl="5" indent="0" algn="r" rtl="0">
+              <a:spcBef>
+                <a:spcPts val="0"/>
+              </a:spcBef>
+              <a:buNone/>
+              <a:defRPr sz="1050" b="0" i="0" u="none" strike="noStrike" cap="none">
                 <a:solidFill>
                   <a:srgbClr val="FFFFFF"/>
                 </a:solidFill>
@@ -11308,12 +11562,12 @@
                 <a:sym typeface="Calibri"/>
               </a:defRPr>
             </a:lvl6pPr>
-            <a:lvl7pPr indent="0" lvl="6" marL="0" marR="0" rtl="0" algn="r">
-              <a:spcBef>
-                <a:spcPts val="0"/>
-              </a:spcBef>
-              <a:buNone/>
-              <a:defRPr b="0" i="0" sz="1050" u="none" cap="none" strike="noStrike">
+            <a:lvl7pPr marL="0" marR="0" lvl="6" indent="0" algn="r" rtl="0">
+              <a:spcBef>
+                <a:spcPts val="0"/>
+              </a:spcBef>
+              <a:buNone/>
+              <a:defRPr sz="1050" b="0" i="0" u="none" strike="noStrike" cap="none">
                 <a:solidFill>
                   <a:srgbClr val="FFFFFF"/>
                 </a:solidFill>
@@ -11323,12 +11577,12 @@
                 <a:sym typeface="Calibri"/>
               </a:defRPr>
             </a:lvl7pPr>
-            <a:lvl8pPr indent="0" lvl="7" marL="0" marR="0" rtl="0" algn="r">
-              <a:spcBef>
-                <a:spcPts val="0"/>
-              </a:spcBef>
-              <a:buNone/>
-              <a:defRPr b="0" i="0" sz="1050" u="none" cap="none" strike="noStrike">
+            <a:lvl8pPr marL="0" marR="0" lvl="7" indent="0" algn="r" rtl="0">
+              <a:spcBef>
+                <a:spcPts val="0"/>
+              </a:spcBef>
+              <a:buNone/>
+              <a:defRPr sz="1050" b="0" i="0" u="none" strike="noStrike" cap="none">
                 <a:solidFill>
                   <a:srgbClr val="FFFFFF"/>
                 </a:solidFill>
@@ -11338,12 +11592,12 @@
                 <a:sym typeface="Calibri"/>
               </a:defRPr>
             </a:lvl8pPr>
-            <a:lvl9pPr indent="0" lvl="8" marL="0" marR="0" rtl="0" algn="r">
-              <a:spcBef>
-                <a:spcPts val="0"/>
-              </a:spcBef>
-              <a:buNone/>
-              <a:defRPr b="0" i="0" sz="1050" u="none" cap="none" strike="noStrike">
+            <a:lvl9pPr marL="0" marR="0" lvl="8" indent="0" algn="r" rtl="0">
+              <a:spcBef>
+                <a:spcPts val="0"/>
+              </a:spcBef>
+              <a:buNone/>
+              <a:defRPr sz="1050" b="0" i="0" u="none" strike="noStrike" cap="none">
                 <a:solidFill>
                   <a:srgbClr val="FFFFFF"/>
                 </a:solidFill>
@@ -11355,7 +11609,7 @@
             </a:lvl9pPr>
           </a:lstStyle>
           <a:p>
-            <a:pPr indent="0" lvl="0" marL="0" rtl="0" algn="r">
+            <a:pPr marL="0" lvl="0" indent="0" algn="r" rtl="0">
               <a:spcBef>
                 <a:spcPts val="0"/>
               </a:spcBef>
@@ -11387,20 +11641,20 @@
             <a:avLst/>
           </a:prstGeom>
           <a:noFill/>
-          <a:ln cap="flat" cmpd="sng" w="9525">
+          <a:ln w="9525" cap="flat" cmpd="sng">
             <a:solidFill>
               <a:srgbClr val="7F7F7F"/>
             </a:solidFill>
             <a:prstDash val="solid"/>
             <a:round/>
-            <a:headEnd len="sm" w="sm" type="none"/>
-            <a:tailEnd len="sm" w="sm" type="none"/>
+            <a:headEnd type="none" w="sm" len="sm"/>
+            <a:tailEnd type="none" w="sm" len="sm"/>
           </a:ln>
         </p:spPr>
       </p:cxnSp>
     </p:spTree>
   </p:cSld>
-  <p:clrMap accent1="accent1" accent2="accent2" accent3="accent3" accent4="accent4" accent5="accent5" accent6="accent6" bg1="lt1" bg2="dk2" tx1="dk1" tx2="lt2" folHlink="folHlink" hlink="hlink"/>
+  <p:clrMap bg1="lt1" tx1="dk1" bg2="dk2" tx2="lt2" accent1="accent1" accent2="accent2" accent3="accent3" accent4="accent4" accent5="accent5" accent6="accent6" hlink="hlink" folHlink="folHlink"/>
   <p:sldLayoutIdLst>
     <p:sldLayoutId id="2147483649" r:id="rId1"/>
     <p:sldLayoutId id="2147483650" r:id="rId2"/>
@@ -11414,10 +11668,10 @@
     <p:sldLayoutId id="2147483658" r:id="rId10"/>
     <p:sldLayoutId id="2147483659" r:id="rId11"/>
   </p:sldLayoutIdLst>
-  <p:hf dt="0" ftr="0" hdr="0" sldNum="0"/>
+  <p:hf sldNum="0" hdr="0" ftr="0" dt="0"/>
   <p:txStyles>
     <p:titleStyle>
-      <a:defPPr lvl="0" marR="0" rtl="0" algn="l">
+      <a:defPPr marR="0" lvl="0" algn="l" rtl="0">
         <a:lnSpc>
           <a:spcPct val="100000"/>
         </a:lnSpc>
@@ -11428,7 +11682,7 @@
           <a:spcPts val="0"/>
         </a:spcAft>
       </a:defPPr>
-      <a:lvl1pPr lvl="0" marR="0" rtl="0" algn="l">
+      <a:lvl1pPr marR="0" lvl="0" algn="l" rtl="0">
         <a:lnSpc>
           <a:spcPct val="100000"/>
         </a:lnSpc>
@@ -11442,7 +11696,7 @@
           <a:srgbClr val="000000"/>
         </a:buClr>
         <a:buFont typeface="Arial"/>
-        <a:defRPr b="0" i="0" sz="1400" u="none" cap="none" strike="noStrike">
+        <a:defRPr sz="1400" b="0" i="0" u="none" strike="noStrike" cap="none">
           <a:solidFill>
             <a:srgbClr val="000000"/>
           </a:solidFill>
@@ -11452,7 +11706,7 @@
           <a:sym typeface="Arial"/>
         </a:defRPr>
       </a:lvl1pPr>
-      <a:lvl2pPr lvl="1" marR="0" rtl="0" algn="l">
+      <a:lvl2pPr marR="0" lvl="1" algn="l" rtl="0">
         <a:lnSpc>
           <a:spcPct val="100000"/>
         </a:lnSpc>
@@ -11466,7 +11720,7 @@
           <a:srgbClr val="000000"/>
         </a:buClr>
         <a:buFont typeface="Arial"/>
-        <a:defRPr b="0" i="0" sz="1400" u="none" cap="none" strike="noStrike">
+        <a:defRPr sz="1400" b="0" i="0" u="none" strike="noStrike" cap="none">
           <a:solidFill>
             <a:srgbClr val="000000"/>
           </a:solidFill>
@@ -11476,7 +11730,7 @@
           <a:sym typeface="Arial"/>
         </a:defRPr>
       </a:lvl2pPr>
-      <a:lvl3pPr lvl="2" marR="0" rtl="0" algn="l">
+      <a:lvl3pPr marR="0" lvl="2" algn="l" rtl="0">
         <a:lnSpc>
           <a:spcPct val="100000"/>
         </a:lnSpc>
@@ -11490,7 +11744,7 @@
           <a:srgbClr val="000000"/>
         </a:buClr>
         <a:buFont typeface="Arial"/>
-        <a:defRPr b="0" i="0" sz="1400" u="none" cap="none" strike="noStrike">
+        <a:defRPr sz="1400" b="0" i="0" u="none" strike="noStrike" cap="none">
           <a:solidFill>
             <a:srgbClr val="000000"/>
           </a:solidFill>
@@ -11500,7 +11754,7 @@
           <a:sym typeface="Arial"/>
         </a:defRPr>
       </a:lvl3pPr>
-      <a:lvl4pPr lvl="3" marR="0" rtl="0" algn="l">
+      <a:lvl4pPr marR="0" lvl="3" algn="l" rtl="0">
         <a:lnSpc>
           <a:spcPct val="100000"/>
         </a:lnSpc>
@@ -11514,7 +11768,7 @@
           <a:srgbClr val="000000"/>
         </a:buClr>
         <a:buFont typeface="Arial"/>
-        <a:defRPr b="0" i="0" sz="1400" u="none" cap="none" strike="noStrike">
+        <a:defRPr sz="1400" b="0" i="0" u="none" strike="noStrike" cap="none">
           <a:solidFill>
             <a:srgbClr val="000000"/>
           </a:solidFill>
@@ -11524,7 +11778,7 @@
           <a:sym typeface="Arial"/>
         </a:defRPr>
       </a:lvl4pPr>
-      <a:lvl5pPr lvl="4" marR="0" rtl="0" algn="l">
+      <a:lvl5pPr marR="0" lvl="4" algn="l" rtl="0">
         <a:lnSpc>
           <a:spcPct val="100000"/>
         </a:lnSpc>
@@ -11538,7 +11792,7 @@
           <a:srgbClr val="000000"/>
         </a:buClr>
         <a:buFont typeface="Arial"/>
-        <a:defRPr b="0" i="0" sz="1400" u="none" cap="none" strike="noStrike">
+        <a:defRPr sz="1400" b="0" i="0" u="none" strike="noStrike" cap="none">
           <a:solidFill>
             <a:srgbClr val="000000"/>
           </a:solidFill>
@@ -11548,7 +11802,7 @@
           <a:sym typeface="Arial"/>
         </a:defRPr>
       </a:lvl5pPr>
-      <a:lvl6pPr lvl="5" marR="0" rtl="0" algn="l">
+      <a:lvl6pPr marR="0" lvl="5" algn="l" rtl="0">
         <a:lnSpc>
           <a:spcPct val="100000"/>
         </a:lnSpc>
@@ -11562,7 +11816,7 @@
           <a:srgbClr val="000000"/>
         </a:buClr>
         <a:buFont typeface="Arial"/>
-        <a:defRPr b="0" i="0" sz="1400" u="none" cap="none" strike="noStrike">
+        <a:defRPr sz="1400" b="0" i="0" u="none" strike="noStrike" cap="none">
           <a:solidFill>
             <a:srgbClr val="000000"/>
           </a:solidFill>
@@ -11572,7 +11826,7 @@
           <a:sym typeface="Arial"/>
         </a:defRPr>
       </a:lvl6pPr>
-      <a:lvl7pPr lvl="6" marR="0" rtl="0" algn="l">
+      <a:lvl7pPr marR="0" lvl="6" algn="l" rtl="0">
         <a:lnSpc>
           <a:spcPct val="100000"/>
         </a:lnSpc>
@@ -11586,7 +11840,7 @@
           <a:srgbClr val="000000"/>
         </a:buClr>
         <a:buFont typeface="Arial"/>
-        <a:defRPr b="0" i="0" sz="1400" u="none" cap="none" strike="noStrike">
+        <a:defRPr sz="1400" b="0" i="0" u="none" strike="noStrike" cap="none">
           <a:solidFill>
             <a:srgbClr val="000000"/>
           </a:solidFill>
@@ -11596,7 +11850,7 @@
           <a:sym typeface="Arial"/>
         </a:defRPr>
       </a:lvl7pPr>
-      <a:lvl8pPr lvl="7" marR="0" rtl="0" algn="l">
+      <a:lvl8pPr marR="0" lvl="7" algn="l" rtl="0">
         <a:lnSpc>
           <a:spcPct val="100000"/>
         </a:lnSpc>
@@ -11610,7 +11864,7 @@
           <a:srgbClr val="000000"/>
         </a:buClr>
         <a:buFont typeface="Arial"/>
-        <a:defRPr b="0" i="0" sz="1400" u="none" cap="none" strike="noStrike">
+        <a:defRPr sz="1400" b="0" i="0" u="none" strike="noStrike" cap="none">
           <a:solidFill>
             <a:srgbClr val="000000"/>
           </a:solidFill>
@@ -11620,7 +11874,7 @@
           <a:sym typeface="Arial"/>
         </a:defRPr>
       </a:lvl8pPr>
-      <a:lvl9pPr lvl="8" marR="0" rtl="0" algn="l">
+      <a:lvl9pPr marR="0" lvl="8" algn="l" rtl="0">
         <a:lnSpc>
           <a:spcPct val="100000"/>
         </a:lnSpc>
@@ -11634,7 +11888,7 @@
           <a:srgbClr val="000000"/>
         </a:buClr>
         <a:buFont typeface="Arial"/>
-        <a:defRPr b="0" i="0" sz="1400" u="none" cap="none" strike="noStrike">
+        <a:defRPr sz="1400" b="0" i="0" u="none" strike="noStrike" cap="none">
           <a:solidFill>
             <a:srgbClr val="000000"/>
           </a:solidFill>
@@ -11646,7 +11900,7 @@
       </a:lvl9pPr>
     </p:titleStyle>
     <p:bodyStyle>
-      <a:defPPr lvl="0" marR="0" rtl="0" algn="l">
+      <a:defPPr marR="0" lvl="0" algn="l" rtl="0">
         <a:lnSpc>
           <a:spcPct val="100000"/>
         </a:lnSpc>
@@ -11657,7 +11911,7 @@
           <a:spcPts val="0"/>
         </a:spcAft>
       </a:defPPr>
-      <a:lvl1pPr lvl="0" marR="0" rtl="0" algn="l">
+      <a:lvl1pPr marR="0" lvl="0" algn="l" rtl="0">
         <a:lnSpc>
           <a:spcPct val="100000"/>
         </a:lnSpc>
@@ -11671,7 +11925,7 @@
           <a:srgbClr val="000000"/>
         </a:buClr>
         <a:buFont typeface="Arial"/>
-        <a:defRPr b="0" i="0" sz="1400" u="none" cap="none" strike="noStrike">
+        <a:defRPr sz="1400" b="0" i="0" u="none" strike="noStrike" cap="none">
           <a:solidFill>
             <a:srgbClr val="000000"/>
           </a:solidFill>
@@ -11681,7 +11935,7 @@
           <a:sym typeface="Arial"/>
         </a:defRPr>
       </a:lvl1pPr>
-      <a:lvl2pPr lvl="1" marR="0" rtl="0" algn="l">
+      <a:lvl2pPr marR="0" lvl="1" algn="l" rtl="0">
         <a:lnSpc>
           <a:spcPct val="100000"/>
         </a:lnSpc>
@@ -11695,7 +11949,7 @@
           <a:srgbClr val="000000"/>
         </a:buClr>
         <a:buFont typeface="Arial"/>
-        <a:defRPr b="0" i="0" sz="1400" u="none" cap="none" strike="noStrike">
+        <a:defRPr sz="1400" b="0" i="0" u="none" strike="noStrike" cap="none">
           <a:solidFill>
             <a:srgbClr val="000000"/>
           </a:solidFill>
@@ -11705,7 +11959,7 @@
           <a:sym typeface="Arial"/>
         </a:defRPr>
       </a:lvl2pPr>
-      <a:lvl3pPr lvl="2" marR="0" rtl="0" algn="l">
+      <a:lvl3pPr marR="0" lvl="2" algn="l" rtl="0">
         <a:lnSpc>
           <a:spcPct val="100000"/>
         </a:lnSpc>
@@ -11719,7 +11973,7 @@
           <a:srgbClr val="000000"/>
         </a:buClr>
         <a:buFont typeface="Arial"/>
-        <a:defRPr b="0" i="0" sz="1400" u="none" cap="none" strike="noStrike">
+        <a:defRPr sz="1400" b="0" i="0" u="none" strike="noStrike" cap="none">
           <a:solidFill>
             <a:srgbClr val="000000"/>
           </a:solidFill>
@@ -11729,7 +11983,7 @@
           <a:sym typeface="Arial"/>
         </a:defRPr>
       </a:lvl3pPr>
-      <a:lvl4pPr lvl="3" marR="0" rtl="0" algn="l">
+      <a:lvl4pPr marR="0" lvl="3" algn="l" rtl="0">
         <a:lnSpc>
           <a:spcPct val="100000"/>
         </a:lnSpc>
@@ -11743,7 +11997,7 @@
           <a:srgbClr val="000000"/>
         </a:buClr>
         <a:buFont typeface="Arial"/>
-        <a:defRPr b="0" i="0" sz="1400" u="none" cap="none" strike="noStrike">
+        <a:defRPr sz="1400" b="0" i="0" u="none" strike="noStrike" cap="none">
           <a:solidFill>
             <a:srgbClr val="000000"/>
           </a:solidFill>
@@ -11753,7 +12007,7 @@
           <a:sym typeface="Arial"/>
         </a:defRPr>
       </a:lvl4pPr>
-      <a:lvl5pPr lvl="4" marR="0" rtl="0" algn="l">
+      <a:lvl5pPr marR="0" lvl="4" algn="l" rtl="0">
         <a:lnSpc>
           <a:spcPct val="100000"/>
         </a:lnSpc>
@@ -11767,7 +12021,7 @@
           <a:srgbClr val="000000"/>
         </a:buClr>
         <a:buFont typeface="Arial"/>
-        <a:defRPr b="0" i="0" sz="1400" u="none" cap="none" strike="noStrike">
+        <a:defRPr sz="1400" b="0" i="0" u="none" strike="noStrike" cap="none">
           <a:solidFill>
             <a:srgbClr val="000000"/>
           </a:solidFill>
@@ -11777,7 +12031,7 @@
           <a:sym typeface="Arial"/>
         </a:defRPr>
       </a:lvl5pPr>
-      <a:lvl6pPr lvl="5" marR="0" rtl="0" algn="l">
+      <a:lvl6pPr marR="0" lvl="5" algn="l" rtl="0">
         <a:lnSpc>
           <a:spcPct val="100000"/>
         </a:lnSpc>
@@ -11791,7 +12045,7 @@
           <a:srgbClr val="000000"/>
         </a:buClr>
         <a:buFont typeface="Arial"/>
-        <a:defRPr b="0" i="0" sz="1400" u="none" cap="none" strike="noStrike">
+        <a:defRPr sz="1400" b="0" i="0" u="none" strike="noStrike" cap="none">
           <a:solidFill>
             <a:srgbClr val="000000"/>
           </a:solidFill>
@@ -11801,7 +12055,7 @@
           <a:sym typeface="Arial"/>
         </a:defRPr>
       </a:lvl6pPr>
-      <a:lvl7pPr lvl="6" marR="0" rtl="0" algn="l">
+      <a:lvl7pPr marR="0" lvl="6" algn="l" rtl="0">
         <a:lnSpc>
           <a:spcPct val="100000"/>
         </a:lnSpc>
@@ -11815,7 +12069,7 @@
           <a:srgbClr val="000000"/>
         </a:buClr>
         <a:buFont typeface="Arial"/>
-        <a:defRPr b="0" i="0" sz="1400" u="none" cap="none" strike="noStrike">
+        <a:defRPr sz="1400" b="0" i="0" u="none" strike="noStrike" cap="none">
           <a:solidFill>
             <a:srgbClr val="000000"/>
           </a:solidFill>
@@ -11825,7 +12079,7 @@
           <a:sym typeface="Arial"/>
         </a:defRPr>
       </a:lvl7pPr>
-      <a:lvl8pPr lvl="7" marR="0" rtl="0" algn="l">
+      <a:lvl8pPr marR="0" lvl="7" algn="l" rtl="0">
         <a:lnSpc>
           <a:spcPct val="100000"/>
         </a:lnSpc>
@@ -11839,7 +12093,7 @@
           <a:srgbClr val="000000"/>
         </a:buClr>
         <a:buFont typeface="Arial"/>
-        <a:defRPr b="0" i="0" sz="1400" u="none" cap="none" strike="noStrike">
+        <a:defRPr sz="1400" b="0" i="0" u="none" strike="noStrike" cap="none">
           <a:solidFill>
             <a:srgbClr val="000000"/>
           </a:solidFill>
@@ -11849,7 +12103,7 @@
           <a:sym typeface="Arial"/>
         </a:defRPr>
       </a:lvl8pPr>
-      <a:lvl9pPr lvl="8" marR="0" rtl="0" algn="l">
+      <a:lvl9pPr marR="0" lvl="8" algn="l" rtl="0">
         <a:lnSpc>
           <a:spcPct val="100000"/>
         </a:lnSpc>
@@ -11863,7 +12117,7 @@
           <a:srgbClr val="000000"/>
         </a:buClr>
         <a:buFont typeface="Arial"/>
-        <a:defRPr b="0" i="0" sz="1400" u="none" cap="none" strike="noStrike">
+        <a:defRPr sz="1400" b="0" i="0" u="none" strike="noStrike" cap="none">
           <a:solidFill>
             <a:srgbClr val="000000"/>
           </a:solidFill>
@@ -11875,7 +12129,7 @@
       </a:lvl9pPr>
     </p:bodyStyle>
     <p:otherStyle>
-      <a:defPPr lvl="0" marR="0" rtl="0" algn="l">
+      <a:defPPr marR="0" lvl="0" algn="l" rtl="0">
         <a:lnSpc>
           <a:spcPct val="100000"/>
         </a:lnSpc>
@@ -11886,7 +12140,7 @@
           <a:spcPts val="0"/>
         </a:spcAft>
       </a:defPPr>
-      <a:lvl1pPr lvl="0" marR="0" rtl="0" algn="l">
+      <a:lvl1pPr marR="0" lvl="0" algn="l" rtl="0">
         <a:lnSpc>
           <a:spcPct val="100000"/>
         </a:lnSpc>
@@ -11900,7 +12154,7 @@
           <a:srgbClr val="000000"/>
         </a:buClr>
         <a:buFont typeface="Arial"/>
-        <a:defRPr b="0" i="0" sz="1400" u="none" cap="none" strike="noStrike">
+        <a:defRPr sz="1400" b="0" i="0" u="none" strike="noStrike" cap="none">
           <a:solidFill>
             <a:srgbClr val="000000"/>
           </a:solidFill>
@@ -11910,7 +12164,7 @@
           <a:sym typeface="Arial"/>
         </a:defRPr>
       </a:lvl1pPr>
-      <a:lvl2pPr lvl="1" marR="0" rtl="0" algn="l">
+      <a:lvl2pPr marR="0" lvl="1" algn="l" rtl="0">
         <a:lnSpc>
           <a:spcPct val="100000"/>
         </a:lnSpc>
@@ -11924,7 +12178,7 @@
           <a:srgbClr val="000000"/>
         </a:buClr>
         <a:buFont typeface="Arial"/>
-        <a:defRPr b="0" i="0" sz="1400" u="none" cap="none" strike="noStrike">
+        <a:defRPr sz="1400" b="0" i="0" u="none" strike="noStrike" cap="none">
           <a:solidFill>
             <a:srgbClr val="000000"/>
           </a:solidFill>
@@ -11934,7 +12188,7 @@
           <a:sym typeface="Arial"/>
         </a:defRPr>
       </a:lvl2pPr>
-      <a:lvl3pPr lvl="2" marR="0" rtl="0" algn="l">
+      <a:lvl3pPr marR="0" lvl="2" algn="l" rtl="0">
         <a:lnSpc>
           <a:spcPct val="100000"/>
         </a:lnSpc>
@@ -11948,7 +12202,7 @@
           <a:srgbClr val="000000"/>
         </a:buClr>
         <a:buFont typeface="Arial"/>
-        <a:defRPr b="0" i="0" sz="1400" u="none" cap="none" strike="noStrike">
+        <a:defRPr sz="1400" b="0" i="0" u="none" strike="noStrike" cap="none">
           <a:solidFill>
             <a:srgbClr val="000000"/>
           </a:solidFill>
@@ -11958,7 +12212,7 @@
           <a:sym typeface="Arial"/>
         </a:defRPr>
       </a:lvl3pPr>
-      <a:lvl4pPr lvl="3" marR="0" rtl="0" algn="l">
+      <a:lvl4pPr marR="0" lvl="3" algn="l" rtl="0">
         <a:lnSpc>
           <a:spcPct val="100000"/>
         </a:lnSpc>
@@ -11972,7 +12226,7 @@
           <a:srgbClr val="000000"/>
         </a:buClr>
         <a:buFont typeface="Arial"/>
-        <a:defRPr b="0" i="0" sz="1400" u="none" cap="none" strike="noStrike">
+        <a:defRPr sz="1400" b="0" i="0" u="none" strike="noStrike" cap="none">
           <a:solidFill>
             <a:srgbClr val="000000"/>
           </a:solidFill>
@@ -11982,7 +12236,7 @@
           <a:sym typeface="Arial"/>
         </a:defRPr>
       </a:lvl4pPr>
-      <a:lvl5pPr lvl="4" marR="0" rtl="0" algn="l">
+      <a:lvl5pPr marR="0" lvl="4" algn="l" rtl="0">
         <a:lnSpc>
           <a:spcPct val="100000"/>
         </a:lnSpc>
@@ -11996,7 +12250,7 @@
           <a:srgbClr val="000000"/>
         </a:buClr>
         <a:buFont typeface="Arial"/>
-        <a:defRPr b="0" i="0" sz="1400" u="none" cap="none" strike="noStrike">
+        <a:defRPr sz="1400" b="0" i="0" u="none" strike="noStrike" cap="none">
           <a:solidFill>
             <a:srgbClr val="000000"/>
           </a:solidFill>
@@ -12006,7 +12260,7 @@
           <a:sym typeface="Arial"/>
         </a:defRPr>
       </a:lvl5pPr>
-      <a:lvl6pPr lvl="5" marR="0" rtl="0" algn="l">
+      <a:lvl6pPr marR="0" lvl="5" algn="l" rtl="0">
         <a:lnSpc>
           <a:spcPct val="100000"/>
         </a:lnSpc>
@@ -12020,7 +12274,7 @@
           <a:srgbClr val="000000"/>
         </a:buClr>
         <a:buFont typeface="Arial"/>
-        <a:defRPr b="0" i="0" sz="1400" u="none" cap="none" strike="noStrike">
+        <a:defRPr sz="1400" b="0" i="0" u="none" strike="noStrike" cap="none">
           <a:solidFill>
             <a:srgbClr val="000000"/>
           </a:solidFill>
@@ -12030,7 +12284,7 @@
           <a:sym typeface="Arial"/>
         </a:defRPr>
       </a:lvl6pPr>
-      <a:lvl7pPr lvl="6" marR="0" rtl="0" algn="l">
+      <a:lvl7pPr marR="0" lvl="6" algn="l" rtl="0">
         <a:lnSpc>
           <a:spcPct val="100000"/>
         </a:lnSpc>
@@ -12044,7 +12298,7 @@
           <a:srgbClr val="000000"/>
         </a:buClr>
         <a:buFont typeface="Arial"/>
-        <a:defRPr b="0" i="0" sz="1400" u="none" cap="none" strike="noStrike">
+        <a:defRPr sz="1400" b="0" i="0" u="none" strike="noStrike" cap="none">
           <a:solidFill>
             <a:srgbClr val="000000"/>
           </a:solidFill>
@@ -12054,7 +12308,7 @@
           <a:sym typeface="Arial"/>
         </a:defRPr>
       </a:lvl7pPr>
-      <a:lvl8pPr lvl="7" marR="0" rtl="0" algn="l">
+      <a:lvl8pPr marR="0" lvl="7" algn="l" rtl="0">
         <a:lnSpc>
           <a:spcPct val="100000"/>
         </a:lnSpc>
@@ -12068,7 +12322,7 @@
           <a:srgbClr val="000000"/>
         </a:buClr>
         <a:buFont typeface="Arial"/>
-        <a:defRPr b="0" i="0" sz="1400" u="none" cap="none" strike="noStrike">
+        <a:defRPr sz="1400" b="0" i="0" u="none" strike="noStrike" cap="none">
           <a:solidFill>
             <a:srgbClr val="000000"/>
           </a:solidFill>
@@ -12078,7 +12332,7 @@
           <a:sym typeface="Arial"/>
         </a:defRPr>
       </a:lvl8pPr>
-      <a:lvl9pPr lvl="8" marR="0" rtl="0" algn="l">
+      <a:lvl9pPr marR="0" lvl="8" algn="l" rtl="0">
         <a:lnSpc>
           <a:spcPct val="100000"/>
         </a:lnSpc>
@@ -12092,7 +12346,7 @@
           <a:srgbClr val="000000"/>
         </a:buClr>
         <a:buFont typeface="Arial"/>
-        <a:defRPr b="0" i="0" sz="1400" u="none" cap="none" strike="noStrike">
+        <a:defRPr sz="1400" b="0" i="0" u="none" strike="noStrike" cap="none">
           <a:solidFill>
             <a:srgbClr val="000000"/>
           </a:solidFill>
@@ -12108,11 +12362,11 @@
 </file>
 
 <file path=ppt/slides/slide1.xml><?xml version="1.0" encoding="utf-8"?>
-<p:sld xmlns:a="http://schemas.openxmlformats.org/drawingml/2006/main" xmlns:r="http://schemas.openxmlformats.org/officeDocument/2006/relationships" xmlns:mc="http://schemas.openxmlformats.org/markup-compatibility/2006" xmlns:mv="urn:schemas-microsoft-com:mac:vml" xmlns:p="http://schemas.openxmlformats.org/presentationml/2006/main" xmlns:c="http://schemas.openxmlformats.org/drawingml/2006/chart" xmlns:dgm="http://schemas.openxmlformats.org/drawingml/2006/diagram" xmlns:o="urn:schemas-microsoft-com:office:office" xmlns:v="urn:schemas-microsoft-com:vml" xmlns:pvml="urn:schemas-microsoft-com:office:powerpoint" xmlns:com="http://schemas.openxmlformats.org/drawingml/2006/compatibility" xmlns:p14="http://schemas.microsoft.com/office/powerpoint/2010/main" xmlns:p15="http://schemas.microsoft.com/office/powerpoint/2012/main" xmlns:ahyp="http://schemas.microsoft.com/office/drawing/2018/hyperlinkcolor">
+<p:sld xmlns:a="http://schemas.openxmlformats.org/drawingml/2006/main" xmlns:r="http://schemas.openxmlformats.org/officeDocument/2006/relationships" xmlns:p="http://schemas.openxmlformats.org/presentationml/2006/main">
   <p:cSld>
     <p:spTree>
       <p:nvGrpSpPr>
-        <p:cNvPr id="100" name="Shape 100"/>
+        <p:cNvPr id="1" name="Shape 100"/>
         <p:cNvGrpSpPr/>
         <p:nvPr/>
       </p:nvGrpSpPr>
@@ -12127,7 +12381,9 @@
       <p:sp>
         <p:nvSpPr>
           <p:cNvPr id="101" name="Google Shape;101;p1"/>
-          <p:cNvSpPr txBox="1"/>
+          <p:cNvSpPr txBox="1">
+            <a:spLocks noGrp="1"/>
+          </p:cNvSpPr>
           <p:nvPr>
             <p:ph type="ctrTitle"/>
           </p:nvPr>
@@ -12146,12 +12402,12 @@
           </a:ln>
         </p:spPr>
         <p:txBody>
-          <a:bodyPr anchorCtr="0" anchor="b" bIns="45700" lIns="91425" spcFirstLastPara="1" rIns="91425" wrap="square" tIns="45700">
+          <a:bodyPr spcFirstLastPara="1" wrap="square" lIns="91425" tIns="45700" rIns="91425" bIns="45700" anchor="b" anchorCtr="0">
             <a:noAutofit/>
           </a:bodyPr>
           <a:lstStyle/>
           <a:p>
-            <a:pPr indent="0" lvl="0" marL="0" rtl="0" algn="l">
+            <a:pPr marL="0" lvl="0" indent="0" algn="l" rtl="0">
               <a:lnSpc>
                 <a:spcPct val="85000"/>
               </a:lnSpc>
@@ -12169,7 +12425,7 @@
               <a:buNone/>
             </a:pPr>
             <a:r>
-              <a:rPr b="1" lang="en-US" sz="4400"/>
+              <a:rPr lang="en-US" sz="4400" b="1"/>
               <a:t>ML 23/24-05 Implement the Visualization of Permanence Value</a:t>
             </a:r>
             <a:endParaRPr sz="4400"/>
@@ -12179,9 +12435,11 @@
       <p:sp>
         <p:nvSpPr>
           <p:cNvPr id="102" name="Google Shape;102;p1"/>
-          <p:cNvSpPr txBox="1"/>
+          <p:cNvSpPr txBox="1">
+            <a:spLocks noGrp="1"/>
+          </p:cNvSpPr>
           <p:nvPr>
-            <p:ph idx="1" type="subTitle"/>
+            <p:ph type="subTitle" idx="1"/>
           </p:nvPr>
         </p:nvSpPr>
         <p:spPr>
@@ -12198,12 +12456,12 @@
           </a:ln>
         </p:spPr>
         <p:txBody>
-          <a:bodyPr anchorCtr="0" anchor="t" bIns="45700" lIns="91425" spcFirstLastPara="1" rIns="91425" wrap="square" tIns="45700">
+          <a:bodyPr spcFirstLastPara="1" wrap="square" lIns="91425" tIns="45700" rIns="91425" bIns="45700" anchor="t" anchorCtr="0">
             <a:noAutofit/>
           </a:bodyPr>
           <a:lstStyle/>
           <a:p>
-            <a:pPr indent="0" lvl="0" marL="0" marR="0" rtl="0" algn="l">
+            <a:pPr marL="0" marR="0" lvl="0" indent="0" algn="l" rtl="0">
               <a:lnSpc>
                 <a:spcPct val="90000"/>
               </a:lnSpc>
@@ -12217,7 +12475,7 @@
               <a:buNone/>
             </a:pPr>
             <a:r>
-              <a:rPr b="1" lang="en-US" sz="1400">
+              <a:rPr lang="en-US" sz="1400" b="1">
                 <a:solidFill>
                   <a:srgbClr val="000000"/>
                 </a:solidFill>
@@ -12229,7 +12487,7 @@
               <a:t>SAMSIL AREFIN</a:t>
             </a:r>
             <a:br>
-              <a:rPr b="1" i="1" lang="en-US" sz="1400">
+              <a:rPr lang="en-US" sz="1400" b="1" i="1">
                 <a:solidFill>
                   <a:srgbClr val="000000"/>
                 </a:solidFill>
@@ -12240,7 +12498,7 @@
               </a:rPr>
             </a:br>
             <a:r>
-              <a:rPr b="1" lang="en-US" sz="1100">
+              <a:rPr lang="en-US" sz="1100" b="1">
                 <a:solidFill>
                   <a:schemeClr val="dk1"/>
                 </a:solidFill>
@@ -12264,7 +12522,7 @@
               <a:t> </a:t>
             </a:r>
             <a:r>
-              <a:rPr b="1" lang="en-US" sz="1400">
+              <a:rPr lang="en-US" sz="1400" b="1">
                 <a:solidFill>
                   <a:srgbClr val="000000"/>
                 </a:solidFill>
@@ -12276,7 +12534,7 @@
               <a:t>1393091</a:t>
             </a:r>
             <a:br>
-              <a:rPr b="1" lang="en-US" sz="1400">
+              <a:rPr lang="en-US" sz="1400" b="1">
                 <a:solidFill>
                   <a:srgbClr val="000000"/>
                 </a:solidFill>
@@ -12287,7 +12545,7 @@
               </a:rPr>
             </a:br>
             <a:r>
-              <a:rPr b="1" lang="en-US" sz="1100" u="sng">
+              <a:rPr lang="en-US" sz="1100" b="1" u="sng">
                 <a:solidFill>
                   <a:srgbClr val="000000"/>
                 </a:solidFill>
@@ -12298,14 +12556,14 @@
                 <a:hlinkClick r:id="rId3">
                   <a:extLst>
                     <a:ext uri="{A12FA001-AC4F-418D-AE19-62706E023703}">
-                      <ahyp:hlinkClr val="tx"/>
+                      <ahyp:hlinkClr xmlns:ahyp="http://schemas.microsoft.com/office/drawing/2018/hyperlinkcolor" val="tx"/>
                     </a:ext>
                   </a:extLst>
                 </a:hlinkClick>
               </a:rPr>
               <a:t>SAMSIL.AREFIN@STUD.FRA-UAS.DE</a:t>
             </a:r>
-            <a:endParaRPr b="1" sz="1100">
+            <a:endParaRPr sz="1100" b="1">
               <a:solidFill>
                 <a:srgbClr val="000000"/>
               </a:solidFill>
@@ -12316,7 +12574,7 @@
             </a:endParaRPr>
           </a:p>
           <a:p>
-            <a:pPr indent="0" lvl="0" marL="0" marR="0" rtl="0" algn="l">
+            <a:pPr marL="0" marR="0" lvl="0" indent="0" algn="l" rtl="0">
               <a:lnSpc>
                 <a:spcPct val="90000"/>
               </a:lnSpc>
@@ -12330,7 +12588,7 @@
               <a:buNone/>
             </a:pPr>
             <a:r>
-              <a:rPr b="1" lang="en-US" sz="1600">
+              <a:rPr lang="en-US" sz="1600" b="1">
                 <a:solidFill>
                   <a:schemeClr val="dk1"/>
                 </a:solidFill>
@@ -12342,7 +12600,7 @@
               <a:t>GUIDED BY: </a:t>
             </a:r>
             <a:r>
-              <a:rPr b="1" lang="en-US" sz="1400">
+              <a:rPr lang="en-US" sz="1400" b="1">
                 <a:solidFill>
                   <a:schemeClr val="dk1"/>
                 </a:solidFill>
@@ -12354,7 +12612,7 @@
               <a:t>PROF. </a:t>
             </a:r>
             <a:r>
-              <a:rPr b="1" lang="en-US" sz="1400">
+              <a:rPr lang="en-US" sz="1400" b="1">
                 <a:solidFill>
                   <a:schemeClr val="dk1"/>
                 </a:solidFill>
@@ -12362,7 +12620,7 @@
               <a:t>DAMIR DOBRIC </a:t>
             </a:r>
             <a:r>
-              <a:rPr b="1" lang="en-US" sz="1400">
+              <a:rPr lang="en-US" sz="1400" b="1">
                 <a:solidFill>
                   <a:schemeClr val="dk1"/>
                 </a:solidFill>
@@ -12376,7 +12634,7 @@
             <a:endParaRPr sz="1400"/>
           </a:p>
           <a:p>
-            <a:pPr indent="0" lvl="0" marL="0" marR="0" rtl="0" algn="l">
+            <a:pPr marL="0" marR="0" lvl="0" indent="0" algn="l" rtl="0">
               <a:lnSpc>
                 <a:spcPct val="90000"/>
               </a:lnSpc>
@@ -12389,10 +12647,7 @@
               <a:buSzPts val="1400"/>
               <a:buNone/>
             </a:pPr>
-            <a:r>
-              <a:t/>
-            </a:r>
-            <a:endParaRPr b="1" sz="1400">
+            <a:endParaRPr sz="1400" b="1">
               <a:latin typeface="Calibri"/>
               <a:ea typeface="Calibri"/>
               <a:cs typeface="Calibri"/>
@@ -12400,7 +12655,7 @@
             </a:endParaRPr>
           </a:p>
           <a:p>
-            <a:pPr indent="0" lvl="0" marL="0" marR="0" rtl="0" algn="l">
+            <a:pPr marL="0" marR="0" lvl="0" indent="0" algn="l" rtl="0">
               <a:lnSpc>
                 <a:spcPct val="90000"/>
               </a:lnSpc>
@@ -12414,7 +12669,7 @@
               <a:buNone/>
             </a:pPr>
             <a:br>
-              <a:rPr b="1" lang="en-US" sz="1400">
+              <a:rPr lang="en-US" sz="1400" b="1">
                 <a:latin typeface="Calibri"/>
                 <a:ea typeface="Calibri"/>
                 <a:cs typeface="Calibri"/>
@@ -12422,7 +12677,7 @@
               </a:rPr>
             </a:br>
             <a:r>
-              <a:rPr b="1" lang="en-US" sz="1400">
+              <a:rPr lang="en-US" sz="1400" b="1">
                 <a:latin typeface="Calibri"/>
                 <a:ea typeface="Calibri"/>
                 <a:cs typeface="Calibri"/>
@@ -12433,7 +12688,7 @@
             <a:endParaRPr/>
           </a:p>
           <a:p>
-            <a:pPr indent="0" lvl="0" marL="0" rtl="0" algn="l">
+            <a:pPr marL="0" lvl="0" indent="0" algn="l" rtl="0">
               <a:lnSpc>
                 <a:spcPct val="90000"/>
               </a:lnSpc>
@@ -12447,7 +12702,7 @@
               <a:buNone/>
             </a:pPr>
             <a:br>
-              <a:rPr b="1" lang="en-US" sz="1400">
+              <a:rPr lang="en-US" sz="1400" b="1">
                 <a:latin typeface="Calibri"/>
                 <a:ea typeface="Calibri"/>
                 <a:cs typeface="Calibri"/>
@@ -12455,14 +12710,14 @@
               </a:rPr>
             </a:br>
             <a:br>
-              <a:rPr b="1" lang="en-US" sz="1400">
+              <a:rPr lang="en-US" sz="1400" b="1">
                 <a:latin typeface="Calibri"/>
                 <a:ea typeface="Calibri"/>
                 <a:cs typeface="Calibri"/>
                 <a:sym typeface="Calibri"/>
               </a:rPr>
             </a:br>
-            <a:endParaRPr b="1" sz="1400">
+            <a:endParaRPr sz="1400" b="1">
               <a:latin typeface="Calibri"/>
               <a:ea typeface="Calibri"/>
               <a:cs typeface="Calibri"/>
@@ -12470,7 +12725,7 @@
             </a:endParaRPr>
           </a:p>
           <a:p>
-            <a:pPr indent="0" lvl="0" marL="0" rtl="0" algn="l">
+            <a:pPr marL="0" lvl="0" indent="0" algn="l" rtl="0">
               <a:lnSpc>
                 <a:spcPct val="90000"/>
               </a:lnSpc>
@@ -12484,14 +12739,14 @@
               <a:buNone/>
             </a:pPr>
             <a:br>
-              <a:rPr b="1" lang="en-US" sz="1400">
+              <a:rPr lang="en-US" sz="1400" b="1">
                 <a:latin typeface="Calibri"/>
                 <a:ea typeface="Calibri"/>
                 <a:cs typeface="Calibri"/>
                 <a:sym typeface="Calibri"/>
               </a:rPr>
             </a:br>
-            <a:endParaRPr b="1" sz="1400">
+            <a:endParaRPr sz="1400" b="1">
               <a:latin typeface="Calibri"/>
               <a:ea typeface="Calibri"/>
               <a:cs typeface="Calibri"/>
@@ -12510,12 +12765,12 @@
           <a:blip r:embed="rId4">
             <a:alphaModFix/>
           </a:blip>
-          <a:srcRect b="0" l="0" r="0" t="0"/>
+          <a:srcRect/>
           <a:stretch/>
         </p:blipFill>
         <p:spPr>
           <a:xfrm>
-            <a:off x="9842673" y="5422410"/>
+            <a:off x="10841914" y="5714641"/>
             <a:ext cx="1249276" cy="523594"/>
           </a:xfrm>
           <a:prstGeom prst="rect">
@@ -12536,11 +12791,11 @@
 </file>
 
 <file path=ppt/slides/slide10.xml><?xml version="1.0" encoding="utf-8"?>
-<p:sld xmlns:a="http://schemas.openxmlformats.org/drawingml/2006/main" xmlns:r="http://schemas.openxmlformats.org/officeDocument/2006/relationships" xmlns:mc="http://schemas.openxmlformats.org/markup-compatibility/2006" xmlns:mv="urn:schemas-microsoft-com:mac:vml" xmlns:p="http://schemas.openxmlformats.org/presentationml/2006/main" xmlns:c="http://schemas.openxmlformats.org/drawingml/2006/chart" xmlns:dgm="http://schemas.openxmlformats.org/drawingml/2006/diagram" xmlns:o="urn:schemas-microsoft-com:office:office" xmlns:v="urn:schemas-microsoft-com:vml" xmlns:pvml="urn:schemas-microsoft-com:office:powerpoint" xmlns:com="http://schemas.openxmlformats.org/drawingml/2006/compatibility" xmlns:p14="http://schemas.microsoft.com/office/powerpoint/2010/main" xmlns:p15="http://schemas.microsoft.com/office/powerpoint/2012/main" xmlns:ahyp="http://schemas.microsoft.com/office/drawing/2018/hyperlinkcolor">
+<p:sld xmlns:a="http://schemas.openxmlformats.org/drawingml/2006/main" xmlns:r="http://schemas.openxmlformats.org/officeDocument/2006/relationships" xmlns:p="http://schemas.openxmlformats.org/presentationml/2006/main">
   <p:cSld>
     <p:spTree>
       <p:nvGrpSpPr>
-        <p:cNvPr id="164" name="Shape 164"/>
+        <p:cNvPr id="1" name="Shape 164"/>
         <p:cNvGrpSpPr/>
         <p:nvPr/>
       </p:nvGrpSpPr>
@@ -12555,7 +12810,9 @@
       <p:sp>
         <p:nvSpPr>
           <p:cNvPr id="165" name="Google Shape;165;p16"/>
-          <p:cNvSpPr txBox="1"/>
+          <p:cNvSpPr txBox="1">
+            <a:spLocks noGrp="1"/>
+          </p:cNvSpPr>
           <p:nvPr>
             <p:ph type="title"/>
           </p:nvPr>
@@ -12574,12 +12831,12 @@
           </a:ln>
         </p:spPr>
         <p:txBody>
-          <a:bodyPr anchorCtr="0" anchor="b" bIns="45700" lIns="91425" spcFirstLastPara="1" rIns="91425" wrap="square" tIns="45700">
+          <a:bodyPr spcFirstLastPara="1" wrap="square" lIns="91425" tIns="45700" rIns="91425" bIns="45700" anchor="b" anchorCtr="0">
             <a:normAutofit/>
           </a:bodyPr>
           <a:lstStyle/>
           <a:p>
-            <a:pPr indent="0" lvl="0" marL="0" rtl="0" algn="l">
+            <a:pPr marL="0" lvl="0" indent="0" algn="l" rtl="0">
               <a:lnSpc>
                 <a:spcPct val="85000"/>
               </a:lnSpc>
@@ -12597,25 +12854,27 @@
               <a:buNone/>
             </a:pPr>
             <a:r>
-              <a:rPr lang="en-US"/>
+              <a:rPr lang="en-US" dirty="0"/>
               <a:t>References</a:t>
             </a:r>
-            <a:endParaRPr/>
+            <a:endParaRPr dirty="0"/>
           </a:p>
         </p:txBody>
       </p:sp>
       <p:sp>
         <p:nvSpPr>
           <p:cNvPr id="166" name="Google Shape;166;p16"/>
-          <p:cNvSpPr txBox="1"/>
+          <p:cNvSpPr txBox="1">
+            <a:spLocks noGrp="1"/>
+          </p:cNvSpPr>
           <p:nvPr>
-            <p:ph idx="1" type="body"/>
+            <p:ph type="body" idx="1"/>
           </p:nvPr>
         </p:nvSpPr>
         <p:spPr>
           <a:xfrm>
-            <a:off x="1097280" y="1845734"/>
-            <a:ext cx="10058400" cy="4023360"/>
+            <a:off x="1097279" y="1845734"/>
+            <a:ext cx="10554251" cy="3574678"/>
           </a:xfrm>
           <a:prstGeom prst="rect">
             <a:avLst/>
@@ -12626,12 +12885,12 @@
           </a:ln>
         </p:spPr>
         <p:txBody>
-          <a:bodyPr anchorCtr="0" anchor="t" bIns="45700" lIns="0" spcFirstLastPara="1" rIns="0" wrap="square" tIns="45700">
-            <a:normAutofit/>
+          <a:bodyPr spcFirstLastPara="1" wrap="square" lIns="0" tIns="45700" rIns="0" bIns="45700" anchor="t" anchorCtr="0">
+            <a:normAutofit lnSpcReduction="10000"/>
           </a:bodyPr>
           <a:lstStyle/>
           <a:p>
-            <a:pPr indent="-114300" lvl="0" marL="0" marR="0" rtl="0" algn="just">
+            <a:pPr marL="0" marR="0" lvl="0" indent="0" algn="just" rtl="0">
               <a:lnSpc>
                 <a:spcPct val="107000"/>
               </a:lnSpc>
@@ -12642,26 +12901,18 @@
                 <a:spcPts val="0"/>
               </a:spcAft>
               <a:buSzPts val="1800"/>
-              <a:buChar char=" "/>
+              <a:buNone/>
             </a:pPr>
             <a:r>
-              <a:rPr lang="en-US" sz="1800">
+              <a:rPr lang="en-US" sz="1800" dirty="0">
                 <a:solidFill>
                   <a:schemeClr val="dk1"/>
                 </a:solidFill>
               </a:rPr>
-              <a:t>[1] </a:t>
+              <a:t>[1] Hawkins, J., &amp; Ahmad, S. (2016). Why Neurons Have Thousands of Synapses, a Theory of Sequence Memory in Neocortex. Frontiers in Neural Circuits, 10, 23. </a:t>
             </a:r>
             <a:r>
-              <a:rPr lang="en-US" sz="1800">
-                <a:solidFill>
-                  <a:schemeClr val="dk1"/>
-                </a:solidFill>
-              </a:rPr>
-              <a:t>Hawkins, J., &amp; Ahmad, S. (2016). Why Neurons Have Thousands of Synapses, a Theory of Sequence Memory in Neocortex. Frontiers in Neural Circuits, 10, 23. </a:t>
-            </a:r>
-            <a:r>
-              <a:rPr lang="en-US" sz="1800" u="sng">
+              <a:rPr lang="en-US" sz="1800" u="sng" dirty="0">
                 <a:solidFill>
                   <a:schemeClr val="hlink"/>
                 </a:solidFill>
@@ -12669,14 +12920,14 @@
               </a:rPr>
               <a:t>https://doi.org/10.3389/fncir.2016.00023</a:t>
             </a:r>
-            <a:endParaRPr sz="1800">
+            <a:endParaRPr sz="1800" dirty="0">
               <a:solidFill>
                 <a:schemeClr val="dk1"/>
               </a:solidFill>
             </a:endParaRPr>
           </a:p>
           <a:p>
-            <a:pPr indent="-114300" lvl="0" marL="0" marR="0" rtl="0" algn="just">
+            <a:pPr marL="0" marR="0" lvl="0" indent="0" algn="just" rtl="0">
               <a:lnSpc>
                 <a:spcPct val="107000"/>
               </a:lnSpc>
@@ -12690,10 +12941,33 @@
                 <a:schemeClr val="dk1"/>
               </a:buClr>
               <a:buSzPts val="1800"/>
-              <a:buChar char=" "/>
+              <a:buNone/>
+            </a:pPr>
+            <a:endParaRPr lang="en-US" sz="1800" dirty="0">
+              <a:solidFill>
+                <a:schemeClr val="dk1"/>
+              </a:solidFill>
+            </a:endParaRPr>
+          </a:p>
+          <a:p>
+            <a:pPr marL="0" marR="0" lvl="0" indent="0" algn="just" rtl="0">
+              <a:lnSpc>
+                <a:spcPct val="107000"/>
+              </a:lnSpc>
+              <a:spcBef>
+                <a:spcPts val="0"/>
+              </a:spcBef>
+              <a:spcAft>
+                <a:spcPts val="0"/>
+              </a:spcAft>
+              <a:buClr>
+                <a:schemeClr val="dk1"/>
+              </a:buClr>
+              <a:buSzPts val="1800"/>
+              <a:buNone/>
             </a:pPr>
             <a:r>
-              <a:rPr lang="en-US" sz="1800">
+              <a:rPr lang="en-US" sz="1800" dirty="0">
                 <a:solidFill>
                   <a:schemeClr val="dk1"/>
                 </a:solidFill>
@@ -12701,7 +12975,7 @@
               <a:t>[2] Cui, Y., &amp; Ahmad, S. (2017). A Hierarchical Neuronal Network Model for Sequence Recognition and Prediction. Neural Computation, 29(6), 1671–1695. </a:t>
             </a:r>
             <a:r>
-              <a:rPr lang="en-US" sz="1800" u="sng">
+              <a:rPr lang="en-US" sz="1800" u="sng" dirty="0">
                 <a:solidFill>
                   <a:schemeClr val="hlink"/>
                 </a:solidFill>
@@ -12709,14 +12983,14 @@
               </a:rPr>
               <a:t>https://doi.org/10.1162/neco_a_00966</a:t>
             </a:r>
-            <a:endParaRPr sz="1800">
+            <a:endParaRPr sz="1800" dirty="0">
               <a:solidFill>
                 <a:schemeClr val="dk1"/>
               </a:solidFill>
             </a:endParaRPr>
           </a:p>
           <a:p>
-            <a:pPr indent="-114300" lvl="0" marL="0" marR="0" rtl="0" algn="just">
+            <a:pPr marL="0" marR="0" lvl="0" indent="0" algn="just" rtl="0">
               <a:lnSpc>
                 <a:spcPct val="107000"/>
               </a:lnSpc>
@@ -12730,18 +13004,57 @@
                 <a:schemeClr val="dk1"/>
               </a:buClr>
               <a:buSzPts val="1800"/>
-              <a:buChar char=" "/>
+              <a:buNone/>
+            </a:pPr>
+            <a:endParaRPr lang="en-US" sz="1800" dirty="0">
+              <a:solidFill>
+                <a:schemeClr val="dk1"/>
+              </a:solidFill>
+            </a:endParaRPr>
+          </a:p>
+          <a:p>
+            <a:pPr marL="0" marR="0" lvl="0" indent="0" algn="just" rtl="0">
+              <a:lnSpc>
+                <a:spcPct val="107000"/>
+              </a:lnSpc>
+              <a:spcBef>
+                <a:spcPts val="0"/>
+              </a:spcBef>
+              <a:spcAft>
+                <a:spcPts val="0"/>
+              </a:spcAft>
+              <a:buClr>
+                <a:schemeClr val="dk1"/>
+              </a:buClr>
+              <a:buSzPts val="1800"/>
+              <a:buNone/>
             </a:pPr>
             <a:r>
-              <a:rPr lang="en-US" sz="1800">
+              <a:rPr lang="en-US" sz="1800" dirty="0">
                 <a:solidFill>
                   <a:schemeClr val="dk1"/>
                 </a:solidFill>
               </a:rPr>
-              <a:t>[3] Numenta. (n.d.). Understanding HTM: Building intelligent systems. Retrieved from </a:t>
+              <a:t>[3] </a:t>
             </a:r>
             <a:r>
-              <a:rPr lang="en-US" sz="1800" u="sng">
+              <a:rPr lang="en-US" sz="1800" dirty="0" err="1">
+                <a:solidFill>
+                  <a:schemeClr val="dk1"/>
+                </a:solidFill>
+              </a:rPr>
+              <a:t>Numenta</a:t>
+            </a:r>
+            <a:r>
+              <a:rPr lang="en-US" sz="1800" dirty="0">
+                <a:solidFill>
+                  <a:schemeClr val="dk1"/>
+                </a:solidFill>
+              </a:rPr>
+              <a:t>. (n.d.). Understanding HTM: Building intelligent systems. Retrieved from </a:t>
+            </a:r>
+            <a:r>
+              <a:rPr lang="en-US" sz="1800" u="sng" dirty="0">
                 <a:solidFill>
                   <a:schemeClr val="hlink"/>
                 </a:solidFill>
@@ -12749,14 +13062,14 @@
               </a:rPr>
               <a:t>https://numenta.com/assets/pdf/whitepapers/understanding-htm-3-0.pdf</a:t>
             </a:r>
-            <a:endParaRPr sz="1800">
+            <a:endParaRPr sz="1800" dirty="0">
               <a:solidFill>
                 <a:schemeClr val="dk1"/>
               </a:solidFill>
             </a:endParaRPr>
           </a:p>
           <a:p>
-            <a:pPr indent="-114300" lvl="0" marL="0" marR="0" rtl="0" algn="just">
+            <a:pPr marL="0" marR="0" lvl="0" indent="0" algn="just" rtl="0">
               <a:lnSpc>
                 <a:spcPct val="107000"/>
               </a:lnSpc>
@@ -12770,24 +13083,79 @@
                 <a:schemeClr val="dk1"/>
               </a:buClr>
               <a:buSzPts val="1800"/>
-              <a:buChar char=" "/>
+              <a:buNone/>
             </a:pPr>
-            <a:r>
-              <a:rPr lang="en-US" sz="1800">
-                <a:solidFill>
-                  <a:schemeClr val="dk1"/>
-                </a:solidFill>
-              </a:rPr>
-              <a:t>[4] Dobric, V., &amp; Aviani, A. (2019). Visualizing Reconstructed Data Using Heatmaps: An Analysis Approach. Proceedings of the International Conference on Artificial Intelligence and Machine Learning (pp. 123-135). New York, NY: ACM.</a:t>
-            </a:r>
-            <a:endParaRPr sz="1800">
+            <a:endParaRPr lang="en-US" sz="1800" dirty="0">
               <a:solidFill>
                 <a:schemeClr val="dk1"/>
               </a:solidFill>
             </a:endParaRPr>
           </a:p>
           <a:p>
-            <a:pPr indent="-114300" lvl="0" marL="0" marR="0" rtl="0" algn="just">
+            <a:pPr marL="0" marR="0" lvl="0" indent="0" algn="just" rtl="0">
+              <a:lnSpc>
+                <a:spcPct val="107000"/>
+              </a:lnSpc>
+              <a:spcBef>
+                <a:spcPts val="0"/>
+              </a:spcBef>
+              <a:spcAft>
+                <a:spcPts val="0"/>
+              </a:spcAft>
+              <a:buClr>
+                <a:schemeClr val="dk1"/>
+              </a:buClr>
+              <a:buSzPts val="1800"/>
+              <a:buNone/>
+            </a:pPr>
+            <a:r>
+              <a:rPr lang="en-US" sz="1800" dirty="0">
+                <a:solidFill>
+                  <a:schemeClr val="dk1"/>
+                </a:solidFill>
+              </a:rPr>
+              <a:t>[4] </a:t>
+            </a:r>
+            <a:r>
+              <a:rPr lang="en-US" sz="1800" dirty="0" err="1">
+                <a:solidFill>
+                  <a:schemeClr val="dk1"/>
+                </a:solidFill>
+              </a:rPr>
+              <a:t>Dobric</a:t>
+            </a:r>
+            <a:r>
+              <a:rPr lang="en-US" sz="1800" dirty="0">
+                <a:solidFill>
+                  <a:schemeClr val="dk1"/>
+                </a:solidFill>
+              </a:rPr>
+              <a:t>, V., &amp; </a:t>
+            </a:r>
+            <a:r>
+              <a:rPr lang="en-US" sz="1800" dirty="0" err="1">
+                <a:solidFill>
+                  <a:schemeClr val="dk1"/>
+                </a:solidFill>
+              </a:rPr>
+              <a:t>Aviani</a:t>
+            </a:r>
+            <a:r>
+              <a:rPr lang="en-US" sz="1800" dirty="0">
+                <a:solidFill>
+                  <a:schemeClr val="dk1"/>
+                </a:solidFill>
+              </a:rPr>
+              <a:t>, A. (2019). Visualizing Reconstructed Data Using Heatmaps: An Analysis Approach. Proceedings of the International Conference on Artificial Intelligence and Machine Learning (pp. 123-135). New York, NY: ACM.</a:t>
+            </a:r>
+            <a:endParaRPr sz="1800" dirty="0">
+              <a:solidFill>
+                <a:schemeClr val="dk1"/>
+              </a:solidFill>
+            </a:endParaRPr>
+          </a:p>
+          <a:p>
+            <a:pPr marL="0" marR="0" lvl="0" indent="-114300" algn="just" rtl="0">
               <a:lnSpc>
                 <a:spcPct val="107000"/>
               </a:lnSpc>
@@ -12801,17 +13169,17 @@
               <a:buChar char=" "/>
             </a:pPr>
             <a:r>
-              <a:rPr lang="en-US" sz="1800">
+              <a:rPr lang="en-US" sz="1800" dirty="0">
                 <a:solidFill>
                   <a:schemeClr val="dk1"/>
                 </a:solidFill>
               </a:rPr>
               <a:t> </a:t>
             </a:r>
-            <a:endParaRPr/>
+            <a:endParaRPr dirty="0"/>
           </a:p>
           <a:p>
-            <a:pPr indent="0" lvl="0" marL="91440" rtl="0" algn="l">
+            <a:pPr marL="91440" lvl="0" indent="0" algn="l" rtl="0">
               <a:lnSpc>
                 <a:spcPct val="90000"/>
               </a:lnSpc>
@@ -12824,10 +13192,7 @@
               <a:buSzPts val="2000"/>
               <a:buNone/>
             </a:pPr>
-            <a:r>
-              <a:t/>
-            </a:r>
-            <a:endParaRPr>
+            <a:endParaRPr dirty="0">
               <a:solidFill>
                 <a:schemeClr val="dk1"/>
               </a:solidFill>
@@ -12845,12 +13210,12 @@
           <a:blip r:embed="rId6">
             <a:alphaModFix/>
           </a:blip>
-          <a:srcRect b="0" l="0" r="0" t="0"/>
+          <a:srcRect/>
           <a:stretch/>
         </p:blipFill>
         <p:spPr>
           <a:xfrm>
-            <a:off x="9842673" y="5422410"/>
+            <a:off x="10832487" y="5715671"/>
             <a:ext cx="1249276" cy="523594"/>
           </a:xfrm>
           <a:prstGeom prst="rect">
@@ -12871,11 +13236,11 @@
 </file>
 
 <file path=ppt/slides/slide2.xml><?xml version="1.0" encoding="utf-8"?>
-<p:sld xmlns:a="http://schemas.openxmlformats.org/drawingml/2006/main" xmlns:r="http://schemas.openxmlformats.org/officeDocument/2006/relationships" xmlns:mc="http://schemas.openxmlformats.org/markup-compatibility/2006" xmlns:mv="urn:schemas-microsoft-com:mac:vml" xmlns:p="http://schemas.openxmlformats.org/presentationml/2006/main" xmlns:c="http://schemas.openxmlformats.org/drawingml/2006/chart" xmlns:dgm="http://schemas.openxmlformats.org/drawingml/2006/diagram" xmlns:o="urn:schemas-microsoft-com:office:office" xmlns:v="urn:schemas-microsoft-com:vml" xmlns:pvml="urn:schemas-microsoft-com:office:powerpoint" xmlns:com="http://schemas.openxmlformats.org/drawingml/2006/compatibility" xmlns:p14="http://schemas.microsoft.com/office/powerpoint/2010/main" xmlns:p15="http://schemas.microsoft.com/office/powerpoint/2012/main" xmlns:ahyp="http://schemas.microsoft.com/office/drawing/2018/hyperlinkcolor">
+<p:sld xmlns:a="http://schemas.openxmlformats.org/drawingml/2006/main" xmlns:r="http://schemas.openxmlformats.org/officeDocument/2006/relationships" xmlns:p="http://schemas.openxmlformats.org/presentationml/2006/main">
   <p:cSld>
     <p:spTree>
       <p:nvGrpSpPr>
-        <p:cNvPr id="107" name="Shape 107"/>
+        <p:cNvPr id="1" name="Shape 107"/>
         <p:cNvGrpSpPr/>
         <p:nvPr/>
       </p:nvGrpSpPr>
@@ -12890,7 +13255,9 @@
       <p:sp>
         <p:nvSpPr>
           <p:cNvPr id="108" name="Google Shape;108;p2"/>
-          <p:cNvSpPr txBox="1"/>
+          <p:cNvSpPr txBox="1">
+            <a:spLocks noGrp="1"/>
+          </p:cNvSpPr>
           <p:nvPr>
             <p:ph type="title"/>
           </p:nvPr>
@@ -12909,12 +13276,12 @@
           </a:ln>
         </p:spPr>
         <p:txBody>
-          <a:bodyPr anchorCtr="0" anchor="b" bIns="45700" lIns="91425" spcFirstLastPara="1" rIns="91425" wrap="square" tIns="45700">
+          <a:bodyPr spcFirstLastPara="1" wrap="square" lIns="91425" tIns="45700" rIns="91425" bIns="45700" anchor="b" anchorCtr="0">
             <a:normAutofit/>
           </a:bodyPr>
           <a:lstStyle/>
           <a:p>
-            <a:pPr indent="0" lvl="0" marL="0" rtl="0" algn="l">
+            <a:pPr marL="0" lvl="0" indent="0" algn="l" rtl="0">
               <a:lnSpc>
                 <a:spcPct val="85000"/>
               </a:lnSpc>
@@ -12942,9 +13309,11 @@
       <p:sp>
         <p:nvSpPr>
           <p:cNvPr id="109" name="Google Shape;109;p2"/>
-          <p:cNvSpPr txBox="1"/>
+          <p:cNvSpPr txBox="1">
+            <a:spLocks noGrp="1"/>
+          </p:cNvSpPr>
           <p:nvPr>
-            <p:ph idx="1" type="body"/>
+            <p:ph type="body" idx="1"/>
           </p:nvPr>
         </p:nvSpPr>
         <p:spPr>
@@ -12961,12 +13330,12 @@
           </a:ln>
         </p:spPr>
         <p:txBody>
-          <a:bodyPr anchorCtr="0" anchor="t" bIns="45700" lIns="0" spcFirstLastPara="1" rIns="0" wrap="square" tIns="45700">
+          <a:bodyPr spcFirstLastPara="1" wrap="square" lIns="0" tIns="45700" rIns="0" bIns="45700" anchor="t" anchorCtr="0">
             <a:normAutofit/>
           </a:bodyPr>
           <a:lstStyle/>
           <a:p>
-            <a:pPr indent="0" lvl="0" marL="0" rtl="0" algn="ctr">
+            <a:pPr marL="0" lvl="0" indent="0" algn="ctr" rtl="0">
               <a:lnSpc>
                 <a:spcPct val="90000"/>
               </a:lnSpc>
@@ -12979,13 +13348,10 @@
               <a:buSzPts val="2000"/>
               <a:buNone/>
             </a:pPr>
-            <a:r>
-              <a:t/>
-            </a:r>
             <a:endParaRPr/>
           </a:p>
           <a:p>
-            <a:pPr indent="0" lvl="0" marL="0" rtl="0" algn="ctr">
+            <a:pPr marL="0" lvl="0" indent="0" algn="ctr" rtl="0">
               <a:lnSpc>
                 <a:spcPct val="90000"/>
               </a:lnSpc>
@@ -12998,13 +13364,10 @@
               <a:buSzPts val="2000"/>
               <a:buNone/>
             </a:pPr>
-            <a:r>
-              <a:t/>
-            </a:r>
             <a:endParaRPr/>
           </a:p>
           <a:p>
-            <a:pPr indent="-400050" lvl="0" marL="400050" rtl="0" algn="l">
+            <a:pPr marL="400050" lvl="0" indent="-400050" algn="l" rtl="0">
               <a:lnSpc>
                 <a:spcPct val="90000"/>
               </a:lnSpc>
@@ -13033,7 +13396,7 @@
             <a:endParaRPr/>
           </a:p>
           <a:p>
-            <a:pPr indent="-400050" lvl="0" marL="400050" rtl="0" algn="l">
+            <a:pPr marL="400050" lvl="0" indent="-400050" algn="l" rtl="0">
               <a:lnSpc>
                 <a:spcPct val="90000"/>
               </a:lnSpc>
@@ -13054,7 +13417,7 @@
             <a:endParaRPr/>
           </a:p>
           <a:p>
-            <a:pPr indent="0" lvl="0" marL="0" rtl="0" algn="l">
+            <a:pPr marL="0" lvl="0" indent="0" algn="l" rtl="0">
               <a:lnSpc>
                 <a:spcPct val="90000"/>
               </a:lnSpc>
@@ -13066,13 +13429,10 @@
               </a:spcAft>
               <a:buNone/>
             </a:pPr>
-            <a:r>
-              <a:t/>
-            </a:r>
             <a:endParaRPr/>
           </a:p>
           <a:p>
-            <a:pPr indent="0" lvl="0" marL="91440" rtl="0" algn="l">
+            <a:pPr marL="91440" lvl="0" indent="0" algn="l" rtl="0">
               <a:lnSpc>
                 <a:spcPct val="90000"/>
               </a:lnSpc>
@@ -13085,9 +13445,6 @@
               <a:buSzPts val="2000"/>
               <a:buNone/>
             </a:pPr>
-            <a:r>
-              <a:t/>
-            </a:r>
             <a:endParaRPr/>
           </a:p>
         </p:txBody>
@@ -13102,12 +13459,12 @@
           <a:blip r:embed="rId3">
             <a:alphaModFix/>
           </a:blip>
-          <a:srcRect b="0" l="0" r="0" t="0"/>
+          <a:srcRect/>
           <a:stretch/>
         </p:blipFill>
         <p:spPr>
           <a:xfrm>
-            <a:off x="9842673" y="5422410"/>
+            <a:off x="10860768" y="5715671"/>
             <a:ext cx="1249276" cy="523594"/>
           </a:xfrm>
           <a:prstGeom prst="rect">
@@ -13128,11 +13485,11 @@
 </file>
 
 <file path=ppt/slides/slide3.xml><?xml version="1.0" encoding="utf-8"?>
-<p:sld xmlns:a="http://schemas.openxmlformats.org/drawingml/2006/main" xmlns:r="http://schemas.openxmlformats.org/officeDocument/2006/relationships" xmlns:mc="http://schemas.openxmlformats.org/markup-compatibility/2006" xmlns:mv="urn:schemas-microsoft-com:mac:vml" xmlns:p="http://schemas.openxmlformats.org/presentationml/2006/main" xmlns:c="http://schemas.openxmlformats.org/drawingml/2006/chart" xmlns:dgm="http://schemas.openxmlformats.org/drawingml/2006/diagram" xmlns:o="urn:schemas-microsoft-com:office:office" xmlns:v="urn:schemas-microsoft-com:vml" xmlns:pvml="urn:schemas-microsoft-com:office:powerpoint" xmlns:com="http://schemas.openxmlformats.org/drawingml/2006/compatibility" xmlns:p14="http://schemas.microsoft.com/office/powerpoint/2010/main" xmlns:p15="http://schemas.microsoft.com/office/powerpoint/2012/main" xmlns:ahyp="http://schemas.microsoft.com/office/drawing/2018/hyperlinkcolor">
+<p:sld xmlns:a="http://schemas.openxmlformats.org/drawingml/2006/main" xmlns:r="http://schemas.openxmlformats.org/officeDocument/2006/relationships" xmlns:p="http://schemas.openxmlformats.org/presentationml/2006/main">
   <p:cSld>
     <p:spTree>
       <p:nvGrpSpPr>
-        <p:cNvPr id="114" name="Shape 114"/>
+        <p:cNvPr id="1" name="Shape 114"/>
         <p:cNvGrpSpPr/>
         <p:nvPr/>
       </p:nvGrpSpPr>
@@ -13147,7 +13504,9 @@
       <p:sp>
         <p:nvSpPr>
           <p:cNvPr id="115" name="Google Shape;115;p3"/>
-          <p:cNvSpPr txBox="1"/>
+          <p:cNvSpPr txBox="1">
+            <a:spLocks noGrp="1"/>
+          </p:cNvSpPr>
           <p:nvPr>
             <p:ph type="title"/>
           </p:nvPr>
@@ -13166,12 +13525,12 @@
           </a:ln>
         </p:spPr>
         <p:txBody>
-          <a:bodyPr anchorCtr="0" anchor="b" bIns="45700" lIns="91425" spcFirstLastPara="1" rIns="91425" wrap="square" tIns="45700">
+          <a:bodyPr spcFirstLastPara="1" wrap="square" lIns="91425" tIns="45700" rIns="91425" bIns="45700" anchor="b" anchorCtr="0">
             <a:normAutofit/>
           </a:bodyPr>
           <a:lstStyle/>
           <a:p>
-            <a:pPr indent="0" lvl="0" marL="0" rtl="0" algn="l">
+            <a:pPr marL="0" lvl="0" indent="0" algn="l" rtl="0">
               <a:lnSpc>
                 <a:spcPct val="85000"/>
               </a:lnSpc>
@@ -13199,9 +13558,11 @@
       <p:sp>
         <p:nvSpPr>
           <p:cNvPr id="116" name="Google Shape;116;p3"/>
-          <p:cNvSpPr txBox="1"/>
+          <p:cNvSpPr txBox="1">
+            <a:spLocks noGrp="1"/>
+          </p:cNvSpPr>
           <p:nvPr>
-            <p:ph idx="1" type="body"/>
+            <p:ph type="body" idx="1"/>
           </p:nvPr>
         </p:nvSpPr>
         <p:spPr>
@@ -13218,12 +13579,12 @@
           </a:ln>
         </p:spPr>
         <p:txBody>
-          <a:bodyPr anchorCtr="0" anchor="t" bIns="45700" lIns="0" spcFirstLastPara="1" rIns="0" wrap="square" tIns="45700">
+          <a:bodyPr spcFirstLastPara="1" wrap="square" lIns="0" tIns="45700" rIns="0" bIns="45700" anchor="t" anchorCtr="0">
             <a:normAutofit/>
           </a:bodyPr>
           <a:lstStyle/>
           <a:p>
-            <a:pPr indent="0" lvl="0" marL="0" rtl="0" algn="l">
+            <a:pPr marL="0" lvl="0" indent="0" algn="l" rtl="0">
               <a:lnSpc>
                 <a:spcPct val="90000"/>
               </a:lnSpc>
@@ -13236,13 +13597,10 @@
               <a:buSzPts val="2000"/>
               <a:buNone/>
             </a:pPr>
-            <a:r>
-              <a:t/>
-            </a:r>
             <a:endParaRPr/>
           </a:p>
           <a:p>
-            <a:pPr indent="0" lvl="0" marL="0" rtl="0" algn="ctr">
+            <a:pPr marL="0" lvl="0" indent="0" algn="ctr" rtl="0">
               <a:lnSpc>
                 <a:spcPct val="90000"/>
               </a:lnSpc>
@@ -13255,9 +13613,6 @@
               <a:buSzPts val="2000"/>
               <a:buNone/>
             </a:pPr>
-            <a:r>
-              <a:t/>
-            </a:r>
             <a:endParaRPr b="0" i="0">
               <a:solidFill>
                 <a:srgbClr val="374151"/>
@@ -13269,7 +13624,7 @@
             </a:endParaRPr>
           </a:p>
           <a:p>
-            <a:pPr indent="-400050" lvl="0" marL="400050" rtl="0" algn="just">
+            <a:pPr marL="400050" lvl="0" indent="-400050" algn="just" rtl="0">
               <a:lnSpc>
                 <a:spcPct val="90000"/>
               </a:lnSpc>
@@ -13290,7 +13645,7 @@
             <a:endParaRPr/>
           </a:p>
           <a:p>
-            <a:pPr indent="-387350" lvl="0" marL="400050" rtl="0" algn="just">
+            <a:pPr marL="400050" lvl="0" indent="-387350" algn="just" rtl="0">
               <a:lnSpc>
                 <a:spcPct val="90000"/>
               </a:lnSpc>
@@ -13310,7 +13665,7 @@
             <a:endParaRPr/>
           </a:p>
           <a:p>
-            <a:pPr indent="-387350" lvl="0" marL="400050" rtl="0" algn="just">
+            <a:pPr marL="400050" lvl="0" indent="-387350" algn="just" rtl="0">
               <a:lnSpc>
                 <a:spcPct val="90000"/>
               </a:lnSpc>
@@ -13330,7 +13685,7 @@
             <a:endParaRPr/>
           </a:p>
           <a:p>
-            <a:pPr indent="-387350" lvl="0" marL="400050" rtl="0" algn="just">
+            <a:pPr marL="400050" lvl="0" indent="-387350" algn="just" rtl="0">
               <a:lnSpc>
                 <a:spcPct val="90000"/>
               </a:lnSpc>
@@ -13350,7 +13705,7 @@
             <a:endParaRPr/>
           </a:p>
           <a:p>
-            <a:pPr indent="-387350" lvl="0" marL="400050" rtl="0" algn="just">
+            <a:pPr marL="400050" lvl="0" indent="-387350" algn="just" rtl="0">
               <a:lnSpc>
                 <a:spcPct val="90000"/>
               </a:lnSpc>
@@ -13370,7 +13725,7 @@
             <a:endParaRPr/>
           </a:p>
           <a:p>
-            <a:pPr indent="0" lvl="0" marL="0" rtl="0" algn="just">
+            <a:pPr marL="0" lvl="0" indent="0" algn="just" rtl="0">
               <a:lnSpc>
                 <a:spcPct val="90000"/>
               </a:lnSpc>
@@ -13382,9 +13737,6 @@
               </a:spcAft>
               <a:buNone/>
             </a:pPr>
-            <a:r>
-              <a:t/>
-            </a:r>
             <a:endParaRPr/>
           </a:p>
         </p:txBody>
@@ -13399,12 +13751,12 @@
           <a:blip r:embed="rId3">
             <a:alphaModFix/>
           </a:blip>
-          <a:srcRect b="0" l="0" r="0" t="0"/>
+          <a:srcRect/>
           <a:stretch/>
         </p:blipFill>
         <p:spPr>
           <a:xfrm>
-            <a:off x="9842673" y="5422410"/>
+            <a:off x="10775927" y="5715671"/>
             <a:ext cx="1249276" cy="523594"/>
           </a:xfrm>
           <a:prstGeom prst="rect">
@@ -13425,11 +13777,11 @@
 </file>
 
 <file path=ppt/slides/slide4.xml><?xml version="1.0" encoding="utf-8"?>
-<p:sld xmlns:a="http://schemas.openxmlformats.org/drawingml/2006/main" xmlns:r="http://schemas.openxmlformats.org/officeDocument/2006/relationships" xmlns:mc="http://schemas.openxmlformats.org/markup-compatibility/2006" xmlns:mv="urn:schemas-microsoft-com:mac:vml" xmlns:p="http://schemas.openxmlformats.org/presentationml/2006/main" xmlns:c="http://schemas.openxmlformats.org/drawingml/2006/chart" xmlns:dgm="http://schemas.openxmlformats.org/drawingml/2006/diagram" xmlns:o="urn:schemas-microsoft-com:office:office" xmlns:v="urn:schemas-microsoft-com:vml" xmlns:pvml="urn:schemas-microsoft-com:office:powerpoint" xmlns:com="http://schemas.openxmlformats.org/drawingml/2006/compatibility" xmlns:p14="http://schemas.microsoft.com/office/powerpoint/2010/main" xmlns:p15="http://schemas.microsoft.com/office/powerpoint/2012/main" xmlns:ahyp="http://schemas.microsoft.com/office/drawing/2018/hyperlinkcolor">
+<p:sld xmlns:a="http://schemas.openxmlformats.org/drawingml/2006/main" xmlns:r="http://schemas.openxmlformats.org/officeDocument/2006/relationships" xmlns:p="http://schemas.openxmlformats.org/presentationml/2006/main">
   <p:cSld>
     <p:spTree>
       <p:nvGrpSpPr>
-        <p:cNvPr id="121" name="Shape 121"/>
+        <p:cNvPr id="1" name="Shape 121"/>
         <p:cNvGrpSpPr/>
         <p:nvPr/>
       </p:nvGrpSpPr>
@@ -13444,7 +13796,9 @@
       <p:sp>
         <p:nvSpPr>
           <p:cNvPr id="122" name="Google Shape;122;g2c7d885d6c1_1_6"/>
-          <p:cNvSpPr txBox="1"/>
+          <p:cNvSpPr txBox="1">
+            <a:spLocks noGrp="1"/>
+          </p:cNvSpPr>
           <p:nvPr>
             <p:ph type="title"/>
           </p:nvPr>
@@ -13463,12 +13817,12 @@
           </a:ln>
         </p:spPr>
         <p:txBody>
-          <a:bodyPr anchorCtr="0" anchor="b" bIns="45700" lIns="91425" spcFirstLastPara="1" rIns="91425" wrap="square" tIns="45700">
+          <a:bodyPr spcFirstLastPara="1" wrap="square" lIns="91425" tIns="45700" rIns="91425" bIns="45700" anchor="b" anchorCtr="0">
             <a:normAutofit/>
           </a:bodyPr>
           <a:lstStyle/>
           <a:p>
-            <a:pPr indent="0" lvl="0" marL="0" rtl="0" algn="l">
+            <a:pPr marL="0" lvl="0" indent="0" algn="l" rtl="0">
               <a:lnSpc>
                 <a:spcPct val="85000"/>
               </a:lnSpc>
@@ -13496,9 +13850,11 @@
       <p:sp>
         <p:nvSpPr>
           <p:cNvPr id="123" name="Google Shape;123;g2c7d885d6c1_1_6"/>
-          <p:cNvSpPr txBox="1"/>
+          <p:cNvSpPr txBox="1">
+            <a:spLocks noGrp="1"/>
+          </p:cNvSpPr>
           <p:nvPr>
-            <p:ph idx="1" type="body"/>
+            <p:ph type="body" idx="1"/>
           </p:nvPr>
         </p:nvSpPr>
         <p:spPr>
@@ -13515,12 +13871,12 @@
           </a:ln>
         </p:spPr>
         <p:txBody>
-          <a:bodyPr anchorCtr="0" anchor="t" bIns="45700" lIns="0" spcFirstLastPara="1" rIns="0" wrap="square" tIns="45700">
-            <a:normAutofit fontScale="92500" lnSpcReduction="10000"/>
+          <a:bodyPr spcFirstLastPara="1" wrap="square" lIns="0" tIns="45700" rIns="0" bIns="45700" anchor="t" anchorCtr="0">
+            <a:normAutofit fontScale="92500" lnSpcReduction="20000"/>
           </a:bodyPr>
           <a:lstStyle/>
           <a:p>
-            <a:pPr indent="0" lvl="0" marL="0" rtl="0" algn="ctr">
+            <a:pPr marL="0" lvl="0" indent="0" algn="ctr" rtl="0">
               <a:lnSpc>
                 <a:spcPct val="90000"/>
               </a:lnSpc>
@@ -13533,9 +13889,6 @@
               <a:buSzPct val="100000"/>
               <a:buNone/>
             </a:pPr>
-            <a:r>
-              <a:t/>
-            </a:r>
             <a:endParaRPr b="0" i="0">
               <a:solidFill>
                 <a:srgbClr val="374151"/>
@@ -13547,7 +13900,7 @@
             </a:endParaRPr>
           </a:p>
           <a:p>
-            <a:pPr indent="-390525" lvl="0" marL="400050" rtl="0" algn="just">
+            <a:pPr marL="400050" lvl="0" indent="-390525" algn="just" rtl="0">
               <a:lnSpc>
                 <a:spcPct val="90000"/>
               </a:lnSpc>
@@ -13568,7 +13921,7 @@
             <a:endParaRPr/>
           </a:p>
           <a:p>
-            <a:pPr indent="-390525" lvl="0" marL="400050" rtl="0" algn="just">
+            <a:pPr marL="400050" lvl="0" indent="-390525" algn="just" rtl="0">
               <a:lnSpc>
                 <a:spcPct val="90000"/>
               </a:lnSpc>
@@ -13584,16 +13937,12 @@
             </a:pPr>
             <a:r>
               <a:rPr lang="en-US"/>
-              <a:t>T</a:t>
-            </a:r>
-            <a:r>
-              <a:rPr lang="en-US"/>
-              <a:t>In the SP algorithm, permanence values are assigned to each connection between input neurons and columns in the cortical region. These values typically range between 0 and 1. They signify the likelihood or strength of a connection being considered active or "permanent" during the learning process. Permanence values are updated based on input patterns and play a crucial role in determining which columns become active in response to specific input patterns.</a:t>
+              <a:t>TIn the SP algorithm, permanence values are assigned to each connection between input neurons and columns in the cortical region. These values typically range between 0 and 1. They signify the likelihood or strength of a connection being considered active or "permanent" during the learning process. Permanence values are updated based on input patterns and play a crucial role in determining which columns become active in response to specific input patterns.</a:t>
             </a:r>
             <a:endParaRPr/>
           </a:p>
           <a:p>
-            <a:pPr indent="-378777" lvl="0" marL="400050" rtl="0" algn="just">
+            <a:pPr marL="400050" lvl="0" indent="-378777" algn="just" rtl="0">
               <a:lnSpc>
                 <a:spcPct val="90000"/>
               </a:lnSpc>
@@ -13624,13 +13973,13 @@
           <a:blip r:embed="rId3">
             <a:alphaModFix/>
           </a:blip>
-          <a:srcRect b="0" l="0" r="0" t="0"/>
+          <a:srcRect/>
           <a:stretch/>
         </p:blipFill>
         <p:spPr>
           <a:xfrm>
-            <a:off x="9842673" y="5422410"/>
-            <a:ext cx="1249276" cy="523594"/>
+            <a:off x="10955036" y="5733730"/>
+            <a:ext cx="1139554" cy="487269"/>
           </a:xfrm>
           <a:prstGeom prst="rect">
             <a:avLst/>
@@ -13650,11 +13999,11 @@
 </file>
 
 <file path=ppt/slides/slide5.xml><?xml version="1.0" encoding="utf-8"?>
-<p:sld xmlns:a="http://schemas.openxmlformats.org/drawingml/2006/main" xmlns:r="http://schemas.openxmlformats.org/officeDocument/2006/relationships" xmlns:mc="http://schemas.openxmlformats.org/markup-compatibility/2006" xmlns:mv="urn:schemas-microsoft-com:mac:vml" xmlns:p="http://schemas.openxmlformats.org/presentationml/2006/main" xmlns:c="http://schemas.openxmlformats.org/drawingml/2006/chart" xmlns:dgm="http://schemas.openxmlformats.org/drawingml/2006/diagram" xmlns:o="urn:schemas-microsoft-com:office:office" xmlns:v="urn:schemas-microsoft-com:vml" xmlns:pvml="urn:schemas-microsoft-com:office:powerpoint" xmlns:com="http://schemas.openxmlformats.org/drawingml/2006/compatibility" xmlns:p14="http://schemas.microsoft.com/office/powerpoint/2010/main" xmlns:p15="http://schemas.microsoft.com/office/powerpoint/2012/main" xmlns:ahyp="http://schemas.microsoft.com/office/drawing/2018/hyperlinkcolor">
+<p:sld xmlns:a="http://schemas.openxmlformats.org/drawingml/2006/main" xmlns:r="http://schemas.openxmlformats.org/officeDocument/2006/relationships" xmlns:p="http://schemas.openxmlformats.org/presentationml/2006/main">
   <p:cSld>
     <p:spTree>
       <p:nvGrpSpPr>
-        <p:cNvPr id="128" name="Shape 128"/>
+        <p:cNvPr id="1" name="Shape 128"/>
         <p:cNvGrpSpPr/>
         <p:nvPr/>
       </p:nvGrpSpPr>
@@ -13669,7 +14018,9 @@
       <p:sp>
         <p:nvSpPr>
           <p:cNvPr id="129" name="Google Shape;129;p4"/>
-          <p:cNvSpPr txBox="1"/>
+          <p:cNvSpPr txBox="1">
+            <a:spLocks noGrp="1"/>
+          </p:cNvSpPr>
           <p:nvPr>
             <p:ph type="title"/>
           </p:nvPr>
@@ -13688,12 +14039,12 @@
           </a:ln>
         </p:spPr>
         <p:txBody>
-          <a:bodyPr anchorCtr="0" anchor="b" bIns="45700" lIns="91425" spcFirstLastPara="1" rIns="91425" wrap="square" tIns="45700">
+          <a:bodyPr spcFirstLastPara="1" wrap="square" lIns="91425" tIns="45700" rIns="91425" bIns="45700" anchor="b" anchorCtr="0">
             <a:normAutofit/>
           </a:bodyPr>
           <a:lstStyle/>
           <a:p>
-            <a:pPr indent="0" lvl="0" marL="0" rtl="0" algn="l">
+            <a:pPr marL="0" lvl="0" indent="0" algn="l" rtl="0">
               <a:lnSpc>
                 <a:spcPct val="85000"/>
               </a:lnSpc>
@@ -13729,9 +14080,11 @@
       <p:sp>
         <p:nvSpPr>
           <p:cNvPr id="130" name="Google Shape;130;p4"/>
-          <p:cNvSpPr txBox="1"/>
+          <p:cNvSpPr txBox="1">
+            <a:spLocks noGrp="1"/>
+          </p:cNvSpPr>
           <p:nvPr>
-            <p:ph idx="1" type="body"/>
+            <p:ph type="body" idx="1"/>
           </p:nvPr>
         </p:nvSpPr>
         <p:spPr>
@@ -13748,12 +14101,12 @@
           </a:ln>
         </p:spPr>
         <p:txBody>
-          <a:bodyPr anchorCtr="0" anchor="t" bIns="45700" lIns="0" spcFirstLastPara="1" rIns="0" wrap="square" tIns="45700">
+          <a:bodyPr spcFirstLastPara="1" wrap="square" lIns="0" tIns="45700" rIns="0" bIns="45700" anchor="t" anchorCtr="0">
             <a:normAutofit/>
           </a:bodyPr>
           <a:lstStyle/>
           <a:p>
-            <a:pPr indent="0" lvl="0" marL="91440" rtl="0" algn="l">
+            <a:pPr marL="91440" lvl="0" indent="0" algn="l" rtl="0">
               <a:lnSpc>
                 <a:spcPct val="90000"/>
               </a:lnSpc>
@@ -13766,13 +14119,13 @@
               <a:buNone/>
             </a:pPr>
             <a:r>
-              <a:rPr lang="en-US"/>
+              <a:rPr lang="en-US" dirty="0"/>
               <a:t>Flow chart:</a:t>
             </a:r>
-            <a:endParaRPr/>
+            <a:endParaRPr dirty="0"/>
           </a:p>
           <a:p>
-            <a:pPr indent="0" lvl="0" marL="91440" rtl="0" algn="l">
+            <a:pPr marL="91440" lvl="0" indent="0" algn="l" rtl="0">
               <a:lnSpc>
                 <a:spcPct val="90000"/>
               </a:lnSpc>
@@ -13784,13 +14137,10 @@
               </a:spcAft>
               <a:buNone/>
             </a:pPr>
-            <a:r>
-              <a:t/>
-            </a:r>
-            <a:endParaRPr/>
+            <a:endParaRPr dirty="0"/>
           </a:p>
           <a:p>
-            <a:pPr indent="0" lvl="0" marL="91440" rtl="0" algn="l">
+            <a:pPr marL="91440" lvl="0" indent="0" algn="l" rtl="0">
               <a:lnSpc>
                 <a:spcPct val="90000"/>
               </a:lnSpc>
@@ -13802,10 +14152,7 @@
               </a:spcAft>
               <a:buNone/>
             </a:pPr>
-            <a:r>
-              <a:t/>
-            </a:r>
-            <a:endParaRPr/>
+            <a:endParaRPr dirty="0"/>
           </a:p>
         </p:txBody>
       </p:sp>
@@ -13819,12 +14166,12 @@
           <a:blip r:embed="rId3">
             <a:alphaModFix/>
           </a:blip>
-          <a:srcRect b="0" l="0" r="0" t="0"/>
+          <a:srcRect/>
           <a:stretch/>
         </p:blipFill>
         <p:spPr>
           <a:xfrm>
-            <a:off x="9842673" y="5422410"/>
+            <a:off x="10813634" y="5715671"/>
             <a:ext cx="1249276" cy="523594"/>
           </a:xfrm>
           <a:prstGeom prst="rect">
@@ -13838,30 +14185,32 @@
       </p:pic>
       <p:pic>
         <p:nvPicPr>
-          <p:cNvPr id="132" name="Google Shape;132;p4"/>
-          <p:cNvPicPr preferRelativeResize="0"/>
+          <p:cNvPr id="4" name="Picture 3" descr="A diagram of a process&#10;&#10;Description automatically generated">
+            <a:extLst>
+              <a:ext uri="{FF2B5EF4-FFF2-40B4-BE49-F238E27FC236}">
+                <a16:creationId xmlns:a16="http://schemas.microsoft.com/office/drawing/2014/main" id="{11FC5A59-BFE1-D0D9-F734-6F58AD85346F}"/>
+              </a:ext>
+            </a:extLst>
+          </p:cNvPr>
+          <p:cNvPicPr>
+            <a:picLocks noChangeAspect="1"/>
+          </p:cNvPicPr>
           <p:nvPr/>
         </p:nvPicPr>
         <p:blipFill>
-          <a:blip r:embed="rId4">
-            <a:alphaModFix/>
-          </a:blip>
+          <a:blip r:embed="rId4"/>
           <a:stretch>
             <a:fillRect/>
           </a:stretch>
         </p:blipFill>
         <p:spPr>
           <a:xfrm>
-            <a:off x="2115363" y="2241813"/>
-            <a:ext cx="6200775" cy="3819525"/>
+            <a:off x="2448909" y="2171088"/>
+            <a:ext cx="6034033" cy="3806380"/>
           </a:xfrm>
           <a:prstGeom prst="rect">
             <a:avLst/>
           </a:prstGeom>
-          <a:noFill/>
-          <a:ln>
-            <a:noFill/>
-          </a:ln>
         </p:spPr>
       </p:pic>
     </p:spTree>
@@ -13873,11 +14222,11 @@
 </file>
 
 <file path=ppt/slides/slide6.xml><?xml version="1.0" encoding="utf-8"?>
-<p:sld xmlns:a="http://schemas.openxmlformats.org/drawingml/2006/main" xmlns:r="http://schemas.openxmlformats.org/officeDocument/2006/relationships" xmlns:mc="http://schemas.openxmlformats.org/markup-compatibility/2006" xmlns:mv="urn:schemas-microsoft-com:mac:vml" xmlns:p="http://schemas.openxmlformats.org/presentationml/2006/main" xmlns:c="http://schemas.openxmlformats.org/drawingml/2006/chart" xmlns:dgm="http://schemas.openxmlformats.org/drawingml/2006/diagram" xmlns:o="urn:schemas-microsoft-com:office:office" xmlns:v="urn:schemas-microsoft-com:vml" xmlns:pvml="urn:schemas-microsoft-com:office:powerpoint" xmlns:com="http://schemas.openxmlformats.org/drawingml/2006/compatibility" xmlns:p14="http://schemas.microsoft.com/office/powerpoint/2010/main" xmlns:p15="http://schemas.microsoft.com/office/powerpoint/2012/main" xmlns:ahyp="http://schemas.microsoft.com/office/drawing/2018/hyperlinkcolor">
+<p:sld xmlns:a="http://schemas.openxmlformats.org/drawingml/2006/main" xmlns:r="http://schemas.openxmlformats.org/officeDocument/2006/relationships" xmlns:p="http://schemas.openxmlformats.org/presentationml/2006/main">
   <p:cSld>
     <p:spTree>
       <p:nvGrpSpPr>
-        <p:cNvPr id="136" name="Shape 136"/>
+        <p:cNvPr id="1" name="Shape 136"/>
         <p:cNvGrpSpPr/>
         <p:nvPr/>
       </p:nvGrpSpPr>
@@ -13892,7 +14241,9 @@
       <p:sp>
         <p:nvSpPr>
           <p:cNvPr id="137" name="Google Shape;137;g2c7d885d6c1_1_15"/>
-          <p:cNvSpPr txBox="1"/>
+          <p:cNvSpPr txBox="1">
+            <a:spLocks noGrp="1"/>
+          </p:cNvSpPr>
           <p:nvPr>
             <p:ph type="title"/>
           </p:nvPr>
@@ -13911,12 +14262,12 @@
           </a:ln>
         </p:spPr>
         <p:txBody>
-          <a:bodyPr anchorCtr="0" anchor="b" bIns="45700" lIns="91425" spcFirstLastPara="1" rIns="91425" wrap="square" tIns="45700">
+          <a:bodyPr spcFirstLastPara="1" wrap="square" lIns="91425" tIns="45700" rIns="91425" bIns="45700" anchor="b" anchorCtr="0">
             <a:normAutofit/>
           </a:bodyPr>
           <a:lstStyle/>
           <a:p>
-            <a:pPr indent="0" lvl="0" marL="0" rtl="0" algn="l">
+            <a:pPr marL="0" lvl="0" indent="0" algn="l" rtl="0">
               <a:lnSpc>
                 <a:spcPct val="85000"/>
               </a:lnSpc>
@@ -13952,9 +14303,11 @@
       <p:sp>
         <p:nvSpPr>
           <p:cNvPr id="138" name="Google Shape;138;g2c7d885d6c1_1_15"/>
-          <p:cNvSpPr txBox="1"/>
+          <p:cNvSpPr txBox="1">
+            <a:spLocks noGrp="1"/>
+          </p:cNvSpPr>
           <p:nvPr>
-            <p:ph idx="1" type="body"/>
+            <p:ph type="body" idx="1"/>
           </p:nvPr>
         </p:nvSpPr>
         <p:spPr>
@@ -13971,12 +14324,12 @@
           </a:ln>
         </p:spPr>
         <p:txBody>
-          <a:bodyPr anchorCtr="0" anchor="t" bIns="45700" lIns="0" spcFirstLastPara="1" rIns="0" wrap="square" tIns="45700">
+          <a:bodyPr spcFirstLastPara="1" wrap="square" lIns="0" tIns="45700" rIns="0" bIns="45700" anchor="t" anchorCtr="0">
             <a:normAutofit fontScale="85000" lnSpcReduction="20000"/>
           </a:bodyPr>
           <a:lstStyle/>
           <a:p>
-            <a:pPr indent="-107950" lvl="0" marL="91440" rtl="0" algn="l">
+            <a:pPr marL="91440" lvl="0" indent="-107950" algn="l" rtl="0">
               <a:lnSpc>
                 <a:spcPct val="90000"/>
               </a:lnSpc>
@@ -13991,17 +14344,13 @@
               <a:buChar char="o"/>
             </a:pPr>
             <a:r>
-              <a:rPr lang="en-US" sz="2300"/>
-              <a:t> </a:t>
+              <a:rPr lang="en-US" sz="2300" dirty="0"/>
+              <a:t> The encoded int[] arrays undergo transformation using the HTM Spatial Pooler, generating Sparse   Distributed Representations (SDRs). This pivotal step lays the groundwork for further exploration.</a:t>
             </a:r>
-            <a:r>
-              <a:rPr lang="en-US" sz="2300"/>
-              <a:t>The encoded int[] arrays undergo transformation using the HTM Spatial Pooler, generating Sparse   Distributed Representations (SDRs). This pivotal step lays the groundwork for further exploration.</a:t>
-            </a:r>
-            <a:endParaRPr sz="2300"/>
+            <a:endParaRPr sz="2300" dirty="0"/>
           </a:p>
           <a:p>
-            <a:pPr indent="0" lvl="0" marL="0" rtl="0" algn="l">
+            <a:pPr marL="0" lvl="0" indent="0" algn="l" rtl="0">
               <a:lnSpc>
                 <a:spcPct val="90000"/>
               </a:lnSpc>
@@ -14013,13 +14362,10 @@
               </a:spcAft>
               <a:buNone/>
             </a:pPr>
-            <a:r>
-              <a:t/>
-            </a:r>
-            <a:endParaRPr sz="2300"/>
+            <a:endParaRPr sz="2300" dirty="0"/>
           </a:p>
           <a:p>
-            <a:pPr indent="-113347" lvl="0" marL="91440" rtl="0" algn="l">
+            <a:pPr marL="91440" lvl="0" indent="-113347" algn="l" rtl="0">
               <a:lnSpc>
                 <a:spcPct val="90000"/>
               </a:lnSpc>
@@ -14033,13 +14379,13 @@
               <a:buChar char="o"/>
             </a:pPr>
             <a:r>
-              <a:rPr lang="en-US" sz="2300"/>
+              <a:rPr lang="en-US" sz="2300" dirty="0"/>
               <a:t> Understand the exist codes. Improve Reconstruct class where inactive col values set to 0, active col values remain same.</a:t>
             </a:r>
-            <a:endParaRPr sz="2300"/>
+            <a:endParaRPr sz="2300" dirty="0"/>
           </a:p>
           <a:p>
-            <a:pPr indent="0" lvl="0" marL="0" rtl="0" algn="l">
+            <a:pPr marL="0" lvl="0" indent="0" algn="l" rtl="0">
               <a:lnSpc>
                 <a:spcPct val="90000"/>
               </a:lnSpc>
@@ -14051,13 +14397,10 @@
               </a:spcAft>
               <a:buNone/>
             </a:pPr>
-            <a:r>
-              <a:t/>
-            </a:r>
-            <a:endParaRPr sz="2300"/>
+            <a:endParaRPr sz="2300" dirty="0"/>
           </a:p>
           <a:p>
-            <a:pPr indent="-113347" lvl="0" marL="91440" rtl="0" algn="l">
+            <a:pPr marL="91440" lvl="0" indent="-113347" algn="l" rtl="0">
               <a:lnSpc>
                 <a:spcPct val="90000"/>
               </a:lnSpc>
@@ -14071,13 +14414,21 @@
               <a:buChar char="o"/>
             </a:pPr>
             <a:r>
-              <a:rPr lang="en-US" sz="2300"/>
-              <a:t> Select a threshold values 0.52 and write ThresholdProbabilities class codes to convert permanence values into either 0 or 1.</a:t>
+              <a:rPr lang="en-US" sz="2300" dirty="0"/>
+              <a:t> Select a threshold values 0.52 and write </a:t>
             </a:r>
-            <a:endParaRPr sz="2300"/>
+            <a:r>
+              <a:rPr lang="en-US" sz="2300" dirty="0" err="1"/>
+              <a:t>ThresholdProbabilities</a:t>
+            </a:r>
+            <a:r>
+              <a:rPr lang="en-US" sz="2300" dirty="0"/>
+              <a:t> class codes to convert permanence values into either 0 or 1.</a:t>
+            </a:r>
+            <a:endParaRPr sz="2300" dirty="0"/>
           </a:p>
           <a:p>
-            <a:pPr indent="0" lvl="0" marL="0" rtl="0" algn="l">
+            <a:pPr marL="0" lvl="0" indent="0" algn="l" rtl="0">
               <a:lnSpc>
                 <a:spcPct val="90000"/>
               </a:lnSpc>
@@ -14089,13 +14440,10 @@
               </a:spcAft>
               <a:buNone/>
             </a:pPr>
-            <a:r>
-              <a:t/>
-            </a:r>
-            <a:endParaRPr sz="2300"/>
+            <a:endParaRPr sz="2300" dirty="0"/>
           </a:p>
           <a:p>
-            <a:pPr indent="-113347" lvl="0" marL="91440" rtl="0" algn="l">
+            <a:pPr marL="91440" lvl="0" indent="-113347" algn="l" rtl="0">
               <a:lnSpc>
                 <a:spcPct val="90000"/>
               </a:lnSpc>
@@ -14109,13 +14457,13 @@
               <a:buChar char="o"/>
             </a:pPr>
             <a:r>
-              <a:rPr lang="en-US" sz="2300"/>
+              <a:rPr lang="en-US" sz="2300" dirty="0"/>
               <a:t> Make a 2d array of threshold values.</a:t>
             </a:r>
-            <a:endParaRPr sz="2300"/>
+            <a:endParaRPr sz="2300" dirty="0"/>
           </a:p>
           <a:p>
-            <a:pPr indent="0" lvl="0" marL="0" rtl="0" algn="l">
+            <a:pPr marL="0" lvl="0" indent="0" algn="l" rtl="0">
               <a:lnSpc>
                 <a:spcPct val="90000"/>
               </a:lnSpc>
@@ -14127,13 +14475,10 @@
               </a:spcAft>
               <a:buNone/>
             </a:pPr>
-            <a:r>
-              <a:t/>
-            </a:r>
-            <a:endParaRPr sz="2300"/>
+            <a:endParaRPr sz="2300" dirty="0"/>
           </a:p>
           <a:p>
-            <a:pPr indent="-113347" lvl="0" marL="91440" rtl="0" algn="l">
+            <a:pPr marL="91440" lvl="0" indent="-113347" algn="l" rtl="0">
               <a:lnSpc>
                 <a:spcPct val="90000"/>
               </a:lnSpc>
@@ -14147,13 +14492,13 @@
               <a:buChar char="o"/>
             </a:pPr>
             <a:r>
-              <a:rPr lang="en-US" sz="2300"/>
+              <a:rPr lang="en-US" sz="2300" dirty="0"/>
               <a:t> Create a directory to store output images.</a:t>
             </a:r>
-            <a:endParaRPr sz="2300"/>
+            <a:endParaRPr sz="2300" dirty="0"/>
           </a:p>
           <a:p>
-            <a:pPr indent="0" lvl="0" marL="0" rtl="0" algn="l">
+            <a:pPr marL="0" lvl="0" indent="0" algn="l" rtl="0">
               <a:lnSpc>
                 <a:spcPct val="90000"/>
               </a:lnSpc>
@@ -14165,13 +14510,10 @@
               </a:spcAft>
               <a:buNone/>
             </a:pPr>
-            <a:r>
-              <a:t/>
-            </a:r>
-            <a:endParaRPr sz="2300"/>
+            <a:endParaRPr sz="2300" dirty="0"/>
           </a:p>
           <a:p>
-            <a:pPr indent="-113347" lvl="0" marL="91440" rtl="0" algn="l">
+            <a:pPr marL="91440" lvl="0" indent="-113347" algn="l" rtl="0">
               <a:lnSpc>
                 <a:spcPct val="90000"/>
               </a:lnSpc>
@@ -14185,13 +14527,13 @@
               <a:buChar char="o"/>
             </a:pPr>
             <a:r>
-              <a:rPr lang="en-US" sz="2300"/>
+              <a:rPr lang="en-US" sz="2300" dirty="0"/>
               <a:t> Passing parameters to generate heatmaps.</a:t>
             </a:r>
-            <a:endParaRPr sz="2300"/>
+            <a:endParaRPr sz="2300" dirty="0"/>
           </a:p>
           <a:p>
-            <a:pPr indent="0" lvl="0" marL="91440" rtl="0" algn="l">
+            <a:pPr marL="91440" lvl="0" indent="0" algn="l" rtl="0">
               <a:lnSpc>
                 <a:spcPct val="90000"/>
               </a:lnSpc>
@@ -14203,13 +14545,10 @@
               </a:spcAft>
               <a:buNone/>
             </a:pPr>
-            <a:r>
-              <a:t/>
-            </a:r>
-            <a:endParaRPr sz="2300"/>
+            <a:endParaRPr sz="2300" dirty="0"/>
           </a:p>
           <a:p>
-            <a:pPr indent="-113347" lvl="0" marL="91440" rtl="0" algn="l">
+            <a:pPr marL="91440" lvl="0" indent="-113347" algn="l" rtl="0">
               <a:lnSpc>
                 <a:spcPct val="90000"/>
               </a:lnSpc>
@@ -14223,13 +14562,13 @@
               <a:buChar char="o"/>
             </a:pPr>
             <a:r>
-              <a:rPr lang="en-US" sz="2300"/>
+              <a:rPr lang="en-US" sz="2300" dirty="0"/>
               <a:t> Write down get color class to select colors in heatmaps.</a:t>
             </a:r>
-            <a:endParaRPr sz="2300"/>
+            <a:endParaRPr sz="2300" dirty="0"/>
           </a:p>
           <a:p>
-            <a:pPr indent="0" lvl="0" marL="91440" rtl="0" algn="l">
+            <a:pPr marL="91440" lvl="0" indent="0" algn="l" rtl="0">
               <a:lnSpc>
                 <a:spcPct val="90000"/>
               </a:lnSpc>
@@ -14241,10 +14580,7 @@
               </a:spcAft>
               <a:buNone/>
             </a:pPr>
-            <a:r>
-              <a:t/>
-            </a:r>
-            <a:endParaRPr/>
+            <a:endParaRPr dirty="0"/>
           </a:p>
         </p:txBody>
       </p:sp>
@@ -14258,12 +14594,12 @@
           <a:blip r:embed="rId3">
             <a:alphaModFix/>
           </a:blip>
-          <a:srcRect b="0" l="0" r="0" t="0"/>
+          <a:srcRect/>
           <a:stretch/>
         </p:blipFill>
         <p:spPr>
           <a:xfrm>
-            <a:off x="9842673" y="5422410"/>
+            <a:off x="10823061" y="5715568"/>
             <a:ext cx="1249276" cy="523594"/>
           </a:xfrm>
           <a:prstGeom prst="rect">
@@ -14284,11 +14620,11 @@
 </file>
 
 <file path=ppt/slides/slide7.xml><?xml version="1.0" encoding="utf-8"?>
-<p:sld xmlns:a="http://schemas.openxmlformats.org/drawingml/2006/main" xmlns:r="http://schemas.openxmlformats.org/officeDocument/2006/relationships" xmlns:mc="http://schemas.openxmlformats.org/markup-compatibility/2006" xmlns:mv="urn:schemas-microsoft-com:mac:vml" xmlns:p="http://schemas.openxmlformats.org/presentationml/2006/main" xmlns:c="http://schemas.openxmlformats.org/drawingml/2006/chart" xmlns:dgm="http://schemas.openxmlformats.org/drawingml/2006/diagram" xmlns:o="urn:schemas-microsoft-com:office:office" xmlns:v="urn:schemas-microsoft-com:vml" xmlns:pvml="urn:schemas-microsoft-com:office:powerpoint" xmlns:com="http://schemas.openxmlformats.org/drawingml/2006/compatibility" xmlns:p14="http://schemas.microsoft.com/office/powerpoint/2010/main" xmlns:p15="http://schemas.microsoft.com/office/powerpoint/2012/main" xmlns:ahyp="http://schemas.microsoft.com/office/drawing/2018/hyperlinkcolor">
+<p:sld xmlns:a="http://schemas.openxmlformats.org/drawingml/2006/main" xmlns:r="http://schemas.openxmlformats.org/officeDocument/2006/relationships" xmlns:p="http://schemas.openxmlformats.org/presentationml/2006/main">
   <p:cSld>
     <p:spTree>
       <p:nvGrpSpPr>
-        <p:cNvPr id="143" name="Shape 143"/>
+        <p:cNvPr id="1" name="Shape 143"/>
         <p:cNvGrpSpPr/>
         <p:nvPr/>
       </p:nvGrpSpPr>
@@ -14303,7 +14639,9 @@
       <p:sp>
         <p:nvSpPr>
           <p:cNvPr id="144" name="Google Shape;144;p5"/>
-          <p:cNvSpPr txBox="1"/>
+          <p:cNvSpPr txBox="1">
+            <a:spLocks noGrp="1"/>
+          </p:cNvSpPr>
           <p:nvPr>
             <p:ph type="title"/>
           </p:nvPr>
@@ -14322,12 +14660,12 @@
           </a:ln>
         </p:spPr>
         <p:txBody>
-          <a:bodyPr anchorCtr="0" anchor="b" bIns="45700" lIns="91425" spcFirstLastPara="1" rIns="91425" wrap="square" tIns="45700">
+          <a:bodyPr spcFirstLastPara="1" wrap="square" lIns="91425" tIns="45700" rIns="91425" bIns="45700" anchor="b" anchorCtr="0">
             <a:normAutofit/>
           </a:bodyPr>
           <a:lstStyle/>
           <a:p>
-            <a:pPr indent="0" lvl="0" marL="0" rtl="0" algn="l">
+            <a:pPr marL="0" lvl="0" indent="0" algn="l" rtl="0">
               <a:lnSpc>
                 <a:spcPct val="85000"/>
               </a:lnSpc>
@@ -14355,9 +14693,11 @@
       <p:sp>
         <p:nvSpPr>
           <p:cNvPr id="145" name="Google Shape;145;p5"/>
-          <p:cNvSpPr txBox="1"/>
+          <p:cNvSpPr txBox="1">
+            <a:spLocks noGrp="1"/>
+          </p:cNvSpPr>
           <p:nvPr>
-            <p:ph idx="1" type="body"/>
+            <p:ph type="body" idx="1"/>
           </p:nvPr>
         </p:nvSpPr>
         <p:spPr>
@@ -14374,12 +14714,12 @@
           </a:ln>
         </p:spPr>
         <p:txBody>
-          <a:bodyPr anchorCtr="0" anchor="t" bIns="45700" lIns="0" spcFirstLastPara="1" rIns="0" wrap="square" tIns="45700">
+          <a:bodyPr spcFirstLastPara="1" wrap="square" lIns="0" tIns="45700" rIns="0" bIns="45700" anchor="t" anchorCtr="0">
             <a:normAutofit/>
           </a:bodyPr>
           <a:lstStyle/>
           <a:p>
-            <a:pPr indent="0" lvl="0" marL="0" rtl="0" algn="l">
+            <a:pPr marL="0" lvl="0" indent="0" algn="l" rtl="0">
               <a:lnSpc>
                 <a:spcPct val="90000"/>
               </a:lnSpc>
@@ -14399,7 +14739,7 @@
             <a:endParaRPr sz="1800"/>
           </a:p>
           <a:p>
-            <a:pPr indent="0" lvl="0" marL="0" rtl="0" algn="l">
+            <a:pPr marL="0" lvl="0" indent="0" algn="l" rtl="0">
               <a:lnSpc>
                 <a:spcPct val="90000"/>
               </a:lnSpc>
@@ -14412,13 +14752,10 @@
               <a:buSzPts val="1800"/>
               <a:buNone/>
             </a:pPr>
-            <a:r>
-              <a:t/>
-            </a:r>
             <a:endParaRPr sz="1800"/>
           </a:p>
           <a:p>
-            <a:pPr indent="0" lvl="0" marL="0" rtl="0" algn="l">
+            <a:pPr marL="0" lvl="0" indent="0" algn="l" rtl="0">
               <a:lnSpc>
                 <a:spcPct val="90000"/>
               </a:lnSpc>
@@ -14431,9 +14768,6 @@
               <a:buSzPts val="1800"/>
               <a:buNone/>
             </a:pPr>
-            <a:r>
-              <a:t/>
-            </a:r>
             <a:endParaRPr sz="1800"/>
           </a:p>
         </p:txBody>
@@ -14448,12 +14782,12 @@
           <a:blip r:embed="rId3">
             <a:alphaModFix/>
           </a:blip>
-          <a:srcRect b="0" l="0" r="0" t="0"/>
+          <a:srcRect/>
           <a:stretch/>
         </p:blipFill>
         <p:spPr>
           <a:xfrm>
-            <a:off x="9842673" y="5422410"/>
+            <a:off x="10870195" y="5742037"/>
             <a:ext cx="1249276" cy="523594"/>
           </a:xfrm>
           <a:prstGeom prst="rect">
@@ -14502,11 +14836,11 @@
 </file>
 
 <file path=ppt/slides/slide8.xml><?xml version="1.0" encoding="utf-8"?>
-<p:sld xmlns:a="http://schemas.openxmlformats.org/drawingml/2006/main" xmlns:r="http://schemas.openxmlformats.org/officeDocument/2006/relationships" xmlns:mc="http://schemas.openxmlformats.org/markup-compatibility/2006" xmlns:mv="urn:schemas-microsoft-com:mac:vml" xmlns:p="http://schemas.openxmlformats.org/presentationml/2006/main" xmlns:c="http://schemas.openxmlformats.org/drawingml/2006/chart" xmlns:dgm="http://schemas.openxmlformats.org/drawingml/2006/diagram" xmlns:o="urn:schemas-microsoft-com:office:office" xmlns:v="urn:schemas-microsoft-com:vml" xmlns:pvml="urn:schemas-microsoft-com:office:powerpoint" xmlns:com="http://schemas.openxmlformats.org/drawingml/2006/compatibility" xmlns:p14="http://schemas.microsoft.com/office/powerpoint/2010/main" xmlns:p15="http://schemas.microsoft.com/office/powerpoint/2012/main" xmlns:ahyp="http://schemas.microsoft.com/office/drawing/2018/hyperlinkcolor">
+<p:sld xmlns:a="http://schemas.openxmlformats.org/drawingml/2006/main" xmlns:r="http://schemas.openxmlformats.org/officeDocument/2006/relationships" xmlns:p="http://schemas.openxmlformats.org/presentationml/2006/main">
   <p:cSld>
     <p:spTree>
       <p:nvGrpSpPr>
-        <p:cNvPr id="151" name="Shape 151"/>
+        <p:cNvPr id="1" name="Shape 151"/>
         <p:cNvGrpSpPr/>
         <p:nvPr/>
       </p:nvGrpSpPr>
@@ -14521,7 +14855,9 @@
       <p:sp>
         <p:nvSpPr>
           <p:cNvPr id="152" name="Google Shape;152;p14"/>
-          <p:cNvSpPr txBox="1"/>
+          <p:cNvSpPr txBox="1">
+            <a:spLocks noGrp="1"/>
+          </p:cNvSpPr>
           <p:nvPr>
             <p:ph type="title"/>
           </p:nvPr>
@@ -14540,12 +14876,12 @@
           </a:ln>
         </p:spPr>
         <p:txBody>
-          <a:bodyPr anchorCtr="0" anchor="b" bIns="45700" lIns="91425" spcFirstLastPara="1" rIns="91425" wrap="square" tIns="45700">
+          <a:bodyPr spcFirstLastPara="1" wrap="square" lIns="91425" tIns="45700" rIns="91425" bIns="45700" anchor="b" anchorCtr="0">
             <a:normAutofit/>
           </a:bodyPr>
           <a:lstStyle/>
           <a:p>
-            <a:pPr indent="0" lvl="0" marL="0" rtl="0" algn="l">
+            <a:pPr marL="0" lvl="0" indent="0" algn="l" rtl="0">
               <a:lnSpc>
                 <a:spcPct val="85000"/>
               </a:lnSpc>
@@ -14573,9 +14909,11 @@
       <p:sp>
         <p:nvSpPr>
           <p:cNvPr id="153" name="Google Shape;153;p14"/>
-          <p:cNvSpPr txBox="1"/>
+          <p:cNvSpPr txBox="1">
+            <a:spLocks noGrp="1"/>
+          </p:cNvSpPr>
           <p:nvPr>
-            <p:ph idx="1" type="body"/>
+            <p:ph type="body" idx="1"/>
           </p:nvPr>
         </p:nvSpPr>
         <p:spPr>
@@ -14592,12 +14930,12 @@
           </a:ln>
         </p:spPr>
         <p:txBody>
-          <a:bodyPr anchorCtr="0" anchor="t" bIns="45700" lIns="0" spcFirstLastPara="1" rIns="0" wrap="square" tIns="45700">
+          <a:bodyPr spcFirstLastPara="1" wrap="square" lIns="0" tIns="45700" rIns="0" bIns="45700" anchor="t" anchorCtr="0">
             <a:normAutofit/>
           </a:bodyPr>
           <a:lstStyle/>
           <a:p>
-            <a:pPr indent="-101600" lvl="0" marL="91440" rtl="0" algn="just">
+            <a:pPr marL="91440" lvl="0" indent="-101600" algn="just" rtl="0">
               <a:lnSpc>
                 <a:spcPct val="90000"/>
               </a:lnSpc>
@@ -14628,12 +14966,12 @@
           <a:blip r:embed="rId3">
             <a:alphaModFix/>
           </a:blip>
-          <a:srcRect b="0" l="0" r="0" t="0"/>
+          <a:srcRect/>
           <a:stretch/>
         </p:blipFill>
         <p:spPr>
           <a:xfrm>
-            <a:off x="9842673" y="5422410"/>
+            <a:off x="10804207" y="5715671"/>
             <a:ext cx="1249276" cy="523594"/>
           </a:xfrm>
           <a:prstGeom prst="rect">
@@ -14654,11 +14992,11 @@
 </file>
 
 <file path=ppt/slides/slide9.xml><?xml version="1.0" encoding="utf-8"?>
-<p:sld xmlns:a="http://schemas.openxmlformats.org/drawingml/2006/main" xmlns:r="http://schemas.openxmlformats.org/officeDocument/2006/relationships" xmlns:mc="http://schemas.openxmlformats.org/markup-compatibility/2006" xmlns:mv="urn:schemas-microsoft-com:mac:vml" xmlns:p="http://schemas.openxmlformats.org/presentationml/2006/main" xmlns:c="http://schemas.openxmlformats.org/drawingml/2006/chart" xmlns:dgm="http://schemas.openxmlformats.org/drawingml/2006/diagram" xmlns:o="urn:schemas-microsoft-com:office:office" xmlns:v="urn:schemas-microsoft-com:vml" xmlns:pvml="urn:schemas-microsoft-com:office:powerpoint" xmlns:com="http://schemas.openxmlformats.org/drawingml/2006/compatibility" xmlns:p14="http://schemas.microsoft.com/office/powerpoint/2010/main" xmlns:p15="http://schemas.microsoft.com/office/powerpoint/2012/main" xmlns:ahyp="http://schemas.microsoft.com/office/drawing/2018/hyperlinkcolor">
+<p:sld xmlns:a="http://schemas.openxmlformats.org/drawingml/2006/main" xmlns:r="http://schemas.openxmlformats.org/officeDocument/2006/relationships" xmlns:p="http://schemas.openxmlformats.org/presentationml/2006/main">
   <p:cSld>
     <p:spTree>
       <p:nvGrpSpPr>
-        <p:cNvPr id="158" name="Shape 158"/>
+        <p:cNvPr id="1" name="Shape 158"/>
         <p:cNvGrpSpPr/>
         <p:nvPr/>
       </p:nvGrpSpPr>
@@ -14673,15 +15011,17 @@
       <p:sp>
         <p:nvSpPr>
           <p:cNvPr id="159" name="Google Shape;159;p15"/>
-          <p:cNvSpPr txBox="1"/>
+          <p:cNvSpPr txBox="1">
+            <a:spLocks noGrp="1"/>
+          </p:cNvSpPr>
           <p:nvPr>
-            <p:ph idx="1" type="body"/>
+            <p:ph type="body" idx="1"/>
           </p:nvPr>
         </p:nvSpPr>
         <p:spPr>
           <a:xfrm>
-            <a:off x="2984803" y="2634299"/>
-            <a:ext cx="4615623" cy="1350472"/>
+            <a:off x="3427863" y="2403835"/>
+            <a:ext cx="4615623" cy="1112363"/>
           </a:xfrm>
           <a:prstGeom prst="rect">
             <a:avLst/>
@@ -14692,12 +15032,45 @@
           </a:ln>
         </p:spPr>
         <p:txBody>
-          <a:bodyPr anchorCtr="0" anchor="t" bIns="45700" lIns="0" spcFirstLastPara="1" rIns="0" wrap="square" tIns="45700">
-            <a:normAutofit/>
+          <a:bodyPr spcFirstLastPara="1" wrap="square" lIns="0" tIns="45700" rIns="0" bIns="45700" anchor="t" anchorCtr="0">
+            <a:normAutofit lnSpcReduction="10000"/>
           </a:bodyPr>
           <a:lstStyle/>
           <a:p>
-            <a:pPr indent="-508000" lvl="0" marL="91440" rtl="0" algn="l">
+            <a:pPr marL="0" indent="0" algn="ctr">
+              <a:spcBef>
+                <a:spcPts val="0"/>
+              </a:spcBef>
+              <a:buSzPts val="8000"/>
+              <a:buNone/>
+            </a:pPr>
+            <a:r>
+              <a:rPr lang="en-US" sz="8000" b="1" dirty="0">
+                <a:solidFill>
+                  <a:schemeClr val="dk2"/>
+                </a:solidFill>
+                <a:effectLst>
+                  <a:outerShdw blurRad="38100" dist="38100" dir="2700000" algn="tl">
+                    <a:srgbClr val="000000">
+                      <a:alpha val="43137"/>
+                    </a:srgbClr>
+                  </a:outerShdw>
+                </a:effectLst>
+              </a:rPr>
+              <a:t>Thank You</a:t>
+            </a:r>
+            <a:endParaRPr lang="en-US" sz="8000" dirty="0">
+              <a:effectLst>
+                <a:outerShdw blurRad="38100" dist="38100" dir="2700000" algn="tl">
+                  <a:srgbClr val="000000">
+                    <a:alpha val="43137"/>
+                  </a:srgbClr>
+                </a:outerShdw>
+              </a:effectLst>
+            </a:endParaRPr>
+          </a:p>
+          <a:p>
+            <a:pPr marL="91440" lvl="0" indent="-508000" algn="ctr" rtl="0">
               <a:lnSpc>
                 <a:spcPct val="90000"/>
               </a:lnSpc>
@@ -14710,34 +15083,7 @@
               <a:buSzPts val="8000"/>
               <a:buChar char=" "/>
             </a:pPr>
-            <a:r>
-              <a:rPr b="1" lang="en-US" sz="8000">
-                <a:solidFill>
-                  <a:schemeClr val="dk2"/>
-                </a:solidFill>
-              </a:rPr>
-              <a:t>Thank you</a:t>
-            </a:r>
-            <a:endParaRPr/>
-          </a:p>
-          <a:p>
-            <a:pPr indent="0" lvl="0" marL="91440" rtl="0" algn="l">
-              <a:lnSpc>
-                <a:spcPct val="90000"/>
-              </a:lnSpc>
-              <a:spcBef>
-                <a:spcPts val="1400"/>
-              </a:spcBef>
-              <a:spcAft>
-                <a:spcPts val="0"/>
-              </a:spcAft>
-              <a:buSzPts val="8000"/>
-              <a:buNone/>
-            </a:pPr>
-            <a:r>
-              <a:t/>
-            </a:r>
-            <a:endParaRPr sz="8000"/>
+            <a:endParaRPr sz="8000" dirty="0"/>
           </a:p>
         </p:txBody>
       </p:sp>
@@ -14751,12 +15097,12 @@
           <a:blip r:embed="rId3">
             <a:alphaModFix/>
           </a:blip>
-          <a:srcRect b="0" l="0" r="0" t="0"/>
+          <a:srcRect/>
           <a:stretch/>
         </p:blipFill>
         <p:spPr>
           <a:xfrm>
-            <a:off x="9842673" y="5422410"/>
+            <a:off x="10813634" y="5733495"/>
             <a:ext cx="1249276" cy="523594"/>
           </a:xfrm>
           <a:prstGeom prst="rect">
@@ -14777,7 +15123,7 @@
 </file>
 
 <file path=ppt/theme/theme1.xml><?xml version="1.0" encoding="utf-8"?>
-<a:theme xmlns:a="http://schemas.openxmlformats.org/drawingml/2006/main" xmlns:r="http://schemas.openxmlformats.org/officeDocument/2006/relationships" name="Retrospect">
+<a:theme xmlns:a="http://schemas.openxmlformats.org/drawingml/2006/main" name="Retrospect">
   <a:themeElements>
     <a:clrScheme name="Retrospect">
       <a:dk1>
@@ -15052,11 +15398,13 @@
       </a:bgFillStyleLst>
     </a:fmtScheme>
   </a:themeElements>
+  <a:objectDefaults/>
+  <a:extraClrSchemeLst/>
 </a:theme>
 </file>
 
 <file path=ppt/theme/theme2.xml><?xml version="1.0" encoding="utf-8"?>
-<a:theme xmlns:a="http://schemas.openxmlformats.org/drawingml/2006/main" xmlns:r="http://schemas.openxmlformats.org/officeDocument/2006/relationships">
+<a:theme xmlns:a="http://schemas.openxmlformats.org/drawingml/2006/main">
   <a:themeElements>
     <a:clrScheme name="Default">
       <a:dk1>
@@ -15331,5 +15679,7 @@
       </a:bgFillStyleLst>
     </a:fmtScheme>
   </a:themeElements>
+  <a:objectDefaults/>
+  <a:extraClrSchemeLst/>
 </a:theme>
 </file>